--- a/독도 UI정의서.pptx
+++ b/독도 UI정의서.pptx
@@ -202,7 +202,7 @@
           <a:p>
             <a:fld id="{1E43C88F-212A-47B2-8391-7C6311A463C9}" type="datetimeFigureOut">
               <a:rPr lang="ko-KR" altLang="en-US" smtClean="0"/>
-              <a:t>2022-07-07</a:t>
+              <a:t>2022-07-08</a:t>
             </a:fld>
             <a:endParaRPr lang="ko-KR" altLang="en-US"/>
           </a:p>
@@ -616,7 +616,7 @@
           <a:p>
             <a:fld id="{93B582F9-10AC-4CF7-BBBC-3C69A5BF8B53}" type="datetimeFigureOut">
               <a:rPr lang="ko-KR" altLang="en-US" smtClean="0"/>
-              <a:t>2022-07-07</a:t>
+              <a:t>2022-07-08</a:t>
             </a:fld>
             <a:endParaRPr lang="ko-KR" altLang="en-US"/>
           </a:p>
@@ -814,7 +814,7 @@
           <a:p>
             <a:fld id="{93B582F9-10AC-4CF7-BBBC-3C69A5BF8B53}" type="datetimeFigureOut">
               <a:rPr lang="ko-KR" altLang="en-US" smtClean="0"/>
-              <a:t>2022-07-07</a:t>
+              <a:t>2022-07-08</a:t>
             </a:fld>
             <a:endParaRPr lang="ko-KR" altLang="en-US"/>
           </a:p>
@@ -1022,7 +1022,7 @@
           <a:p>
             <a:fld id="{93B582F9-10AC-4CF7-BBBC-3C69A5BF8B53}" type="datetimeFigureOut">
               <a:rPr lang="ko-KR" altLang="en-US" smtClean="0"/>
-              <a:t>2022-07-07</a:t>
+              <a:t>2022-07-08</a:t>
             </a:fld>
             <a:endParaRPr lang="ko-KR" altLang="en-US"/>
           </a:p>
@@ -1220,7 +1220,7 @@
           <a:p>
             <a:fld id="{93B582F9-10AC-4CF7-BBBC-3C69A5BF8B53}" type="datetimeFigureOut">
               <a:rPr lang="ko-KR" altLang="en-US" smtClean="0"/>
-              <a:t>2022-07-07</a:t>
+              <a:t>2022-07-08</a:t>
             </a:fld>
             <a:endParaRPr lang="ko-KR" altLang="en-US"/>
           </a:p>
@@ -1495,7 +1495,7 @@
           <a:p>
             <a:fld id="{93B582F9-10AC-4CF7-BBBC-3C69A5BF8B53}" type="datetimeFigureOut">
               <a:rPr lang="ko-KR" altLang="en-US" smtClean="0"/>
-              <a:t>2022-07-07</a:t>
+              <a:t>2022-07-08</a:t>
             </a:fld>
             <a:endParaRPr lang="ko-KR" altLang="en-US"/>
           </a:p>
@@ -1760,7 +1760,7 @@
           <a:p>
             <a:fld id="{93B582F9-10AC-4CF7-BBBC-3C69A5BF8B53}" type="datetimeFigureOut">
               <a:rPr lang="ko-KR" altLang="en-US" smtClean="0"/>
-              <a:t>2022-07-07</a:t>
+              <a:t>2022-07-08</a:t>
             </a:fld>
             <a:endParaRPr lang="ko-KR" altLang="en-US"/>
           </a:p>
@@ -2172,7 +2172,7 @@
           <a:p>
             <a:fld id="{93B582F9-10AC-4CF7-BBBC-3C69A5BF8B53}" type="datetimeFigureOut">
               <a:rPr lang="ko-KR" altLang="en-US" smtClean="0"/>
-              <a:t>2022-07-07</a:t>
+              <a:t>2022-07-08</a:t>
             </a:fld>
             <a:endParaRPr lang="ko-KR" altLang="en-US"/>
           </a:p>
@@ -2313,7 +2313,7 @@
           <a:p>
             <a:fld id="{93B582F9-10AC-4CF7-BBBC-3C69A5BF8B53}" type="datetimeFigureOut">
               <a:rPr lang="ko-KR" altLang="en-US" smtClean="0"/>
-              <a:t>2022-07-07</a:t>
+              <a:t>2022-07-08</a:t>
             </a:fld>
             <a:endParaRPr lang="ko-KR" altLang="en-US"/>
           </a:p>
@@ -2426,7 +2426,7 @@
           <a:p>
             <a:fld id="{93B582F9-10AC-4CF7-BBBC-3C69A5BF8B53}" type="datetimeFigureOut">
               <a:rPr lang="ko-KR" altLang="en-US" smtClean="0"/>
-              <a:t>2022-07-07</a:t>
+              <a:t>2022-07-08</a:t>
             </a:fld>
             <a:endParaRPr lang="ko-KR" altLang="en-US"/>
           </a:p>
@@ -2737,7 +2737,7 @@
           <a:p>
             <a:fld id="{93B582F9-10AC-4CF7-BBBC-3C69A5BF8B53}" type="datetimeFigureOut">
               <a:rPr lang="ko-KR" altLang="en-US" smtClean="0"/>
-              <a:t>2022-07-07</a:t>
+              <a:t>2022-07-08</a:t>
             </a:fld>
             <a:endParaRPr lang="ko-KR" altLang="en-US"/>
           </a:p>
@@ -3025,7 +3025,7 @@
           <a:p>
             <a:fld id="{93B582F9-10AC-4CF7-BBBC-3C69A5BF8B53}" type="datetimeFigureOut">
               <a:rPr lang="ko-KR" altLang="en-US" smtClean="0"/>
-              <a:t>2022-07-07</a:t>
+              <a:t>2022-07-08</a:t>
             </a:fld>
             <a:endParaRPr lang="ko-KR" altLang="en-US"/>
           </a:p>
@@ -3266,7 +3266,7 @@
           <a:p>
             <a:fld id="{93B582F9-10AC-4CF7-BBBC-3C69A5BF8B53}" type="datetimeFigureOut">
               <a:rPr lang="ko-KR" altLang="en-US" smtClean="0"/>
-              <a:t>2022-07-07</a:t>
+              <a:t>2022-07-08</a:t>
             </a:fld>
             <a:endParaRPr lang="ko-KR" altLang="en-US"/>
           </a:p>
@@ -4039,14 +4039,14 @@
           <p:nvPr>
             <p:extLst>
               <p:ext uri="{D42A27DB-BD31-4B8C-83A1-F6EECF244321}">
-                <p14:modId xmlns:p14="http://schemas.microsoft.com/office/powerpoint/2010/main" val="3667583684"/>
+                <p14:modId xmlns:p14="http://schemas.microsoft.com/office/powerpoint/2010/main" val="3296789049"/>
               </p:ext>
             </p:extLst>
           </p:nvPr>
         </p:nvGraphicFramePr>
         <p:xfrm>
           <a:off x="587827" y="1525209"/>
-          <a:ext cx="10918372" cy="4725541"/>
+          <a:ext cx="10918372" cy="4300199"/>
         </p:xfrm>
         <a:graphic>
           <a:graphicData uri="http://schemas.openxmlformats.org/drawingml/2006/table">
@@ -4190,7 +4190,7 @@
                 </a:extLst>
               </a:tr>
               <a:tr h="308884">
-                <a:tc rowSpan="11">
+                <a:tc rowSpan="12">
                   <a:txBody>
                     <a:bodyPr/>
                     <a:lstStyle/>
@@ -4201,7 +4201,7 @@
                   </a:txBody>
                   <a:tcPr/>
                 </a:tc>
-                <a:tc rowSpan="11">
+                <a:tc rowSpan="12">
                   <a:txBody>
                     <a:bodyPr/>
                     <a:lstStyle/>
@@ -4219,7 +4219,7 @@
                     <a:p>
                       <a:pPr algn="ctr" latinLnBrk="1"/>
                       <a:r>
-                        <a:rPr lang="ko-KR" altLang="en-US" sz="1200" baseline="0" dirty="0"/>
+                        <a:rPr lang="ko-KR" altLang="en-US" sz="1100" baseline="0" dirty="0"/>
                         <a:t>화면설명</a:t>
                       </a:r>
                     </a:p>
@@ -4240,14 +4240,14 @@
                     <a:p>
                       <a:pPr latinLnBrk="1"/>
                       <a:r>
-                        <a:rPr lang="ko-KR" altLang="en-US" sz="1200" baseline="0" dirty="0"/>
+                        <a:rPr lang="ko-KR" altLang="en-US" sz="1100" baseline="0" dirty="0"/>
                         <a:t>외교부 독도 홈페이지 메인 </a:t>
                       </a:r>
                       <a:r>
-                        <a:rPr lang="en-US" altLang="ko-KR" sz="1200" baseline="0" dirty="0"/>
+                        <a:rPr lang="en-US" altLang="ko-KR" sz="1100" baseline="0" dirty="0"/>
                         <a:t>header, nav, footer</a:t>
                       </a:r>
-                      <a:endParaRPr lang="ko-KR" altLang="en-US" sz="1200" baseline="0" dirty="0"/>
+                      <a:endParaRPr lang="ko-KR" altLang="en-US" sz="1100" baseline="0" dirty="0"/>
                     </a:p>
                   </a:txBody>
                   <a:tcPr/>
@@ -4288,10 +4288,10 @@
                     <a:p>
                       <a:pPr algn="ctr" latinLnBrk="1"/>
                       <a:r>
-                        <a:rPr lang="en-US" altLang="ko-KR" sz="1200" baseline="0" dirty="0"/>
+                        <a:rPr lang="en-US" altLang="ko-KR" sz="1100" baseline="0" dirty="0"/>
                         <a:t>1</a:t>
                       </a:r>
-                      <a:endParaRPr lang="ko-KR" altLang="en-US" sz="1200" baseline="0" dirty="0"/>
+                      <a:endParaRPr lang="ko-KR" altLang="en-US" sz="1100" baseline="0" dirty="0"/>
                     </a:p>
                   </a:txBody>
                   <a:tcPr>
@@ -4310,34 +4310,34 @@
                     <a:p>
                       <a:pPr latinLnBrk="1"/>
                       <a:r>
-                        <a:rPr lang="ko-KR" altLang="en-US" sz="1200" baseline="0" dirty="0"/>
+                        <a:rPr lang="ko-KR" altLang="en-US" sz="1100" baseline="0" dirty="0"/>
                         <a:t>영어로 번역된 홈페이지로 이동할 수 있도록 </a:t>
                       </a:r>
                       <a:r>
-                        <a:rPr lang="en-US" altLang="ko-KR" sz="1200" baseline="0" dirty="0"/>
+                        <a:rPr lang="en-US" altLang="ko-KR" sz="1100" baseline="0" dirty="0"/>
                         <a:t>button</a:t>
                       </a:r>
                       <a:r>
-                        <a:rPr lang="ko-KR" altLang="en-US" sz="1200" baseline="0" dirty="0"/>
+                        <a:rPr lang="ko-KR" altLang="en-US" sz="1100" baseline="0" dirty="0"/>
                         <a:t> 배치</a:t>
                       </a:r>
-                      <a:endParaRPr lang="en-US" altLang="ko-KR" sz="1200" baseline="0" dirty="0"/>
+                      <a:endParaRPr lang="en-US" altLang="ko-KR" sz="1100" baseline="0" dirty="0"/>
                     </a:p>
                     <a:p>
                       <a:pPr latinLnBrk="1"/>
                       <a:r>
-                        <a:rPr lang="en-US" altLang="ko-KR" sz="1200" baseline="0" dirty="0"/>
+                        <a:rPr lang="en-US" altLang="ko-KR" sz="1100" baseline="0" dirty="0"/>
                         <a:t>(</a:t>
                       </a:r>
                       <a:r>
-                        <a:rPr lang="ko-KR" altLang="en-US" sz="1200" baseline="0" dirty="0"/>
+                        <a:rPr lang="ko-KR" altLang="en-US" sz="1100" baseline="0" dirty="0"/>
                         <a:t>구현 예정</a:t>
                       </a:r>
                       <a:r>
-                        <a:rPr lang="en-US" altLang="ko-KR" sz="1200" baseline="0" dirty="0"/>
+                        <a:rPr lang="en-US" altLang="ko-KR" sz="1100" baseline="0" dirty="0"/>
                         <a:t>)</a:t>
                       </a:r>
-                      <a:endParaRPr lang="ko-KR" altLang="en-US" sz="1200" baseline="0" dirty="0"/>
+                      <a:endParaRPr lang="ko-KR" altLang="en-US" sz="1100" baseline="0" dirty="0"/>
                     </a:p>
                   </a:txBody>
                   <a:tcPr/>
@@ -4378,10 +4378,10 @@
                     <a:p>
                       <a:pPr algn="ctr" latinLnBrk="1"/>
                       <a:r>
-                        <a:rPr lang="en-US" altLang="ko-KR" sz="1200" baseline="0" dirty="0"/>
+                        <a:rPr lang="en-US" altLang="ko-KR" sz="1100" baseline="0" dirty="0"/>
                         <a:t>2</a:t>
                       </a:r>
-                      <a:endParaRPr lang="ko-KR" altLang="en-US" sz="1200" baseline="0" dirty="0"/>
+                      <a:endParaRPr lang="ko-KR" altLang="en-US" sz="1100" baseline="0" dirty="0"/>
                     </a:p>
                   </a:txBody>
                   <a:tcPr>
@@ -4400,22 +4400,22 @@
                     <a:p>
                       <a:pPr latinLnBrk="1"/>
                       <a:r>
-                        <a:rPr lang="ko-KR" altLang="en-US" sz="1200" baseline="0" dirty="0"/>
+                        <a:rPr lang="ko-KR" altLang="en-US" sz="1100" baseline="0" dirty="0"/>
                         <a:t>검색창에 검색어를 입력하여 돋보기 아이콘 클릭 시 해당 검색내용 나열</a:t>
                       </a:r>
                       <a:r>
-                        <a:rPr lang="en-US" altLang="ko-KR" sz="1200" baseline="0" dirty="0"/>
+                        <a:rPr lang="en-US" altLang="ko-KR" sz="1100" baseline="0" dirty="0"/>
                         <a:t>(</a:t>
                       </a:r>
                       <a:r>
-                        <a:rPr lang="ko-KR" altLang="en-US" sz="1200" baseline="0" dirty="0"/>
+                        <a:rPr lang="ko-KR" altLang="en-US" sz="1100" baseline="0" dirty="0"/>
                         <a:t>구현 예정</a:t>
                       </a:r>
                       <a:r>
-                        <a:rPr lang="en-US" altLang="ko-KR" sz="1200" baseline="0" dirty="0"/>
+                        <a:rPr lang="en-US" altLang="ko-KR" sz="1100" baseline="0" dirty="0"/>
                         <a:t>)</a:t>
                       </a:r>
-                      <a:endParaRPr lang="ko-KR" altLang="en-US" sz="1200" baseline="0" dirty="0"/>
+                      <a:endParaRPr lang="ko-KR" altLang="en-US" sz="1100" baseline="0" dirty="0"/>
                     </a:p>
                   </a:txBody>
                   <a:tcPr/>
@@ -4426,7 +4426,7 @@
                   </a:ext>
                 </a:extLst>
               </a:tr>
-              <a:tr h="451159">
+              <a:tr h="278078">
                 <a:tc vMerge="1">
                   <a:txBody>
                     <a:bodyPr/>
@@ -4456,10 +4456,10 @@
                     <a:p>
                       <a:pPr algn="ctr" latinLnBrk="1"/>
                       <a:r>
-                        <a:rPr lang="en-US" altLang="ko-KR" sz="1200" baseline="0" dirty="0"/>
+                        <a:rPr lang="en-US" altLang="ko-KR" sz="1100" baseline="0" dirty="0"/>
                         <a:t>3</a:t>
                       </a:r>
-                      <a:endParaRPr lang="ko-KR" altLang="en-US" sz="1200" baseline="0" dirty="0"/>
+                      <a:endParaRPr lang="ko-KR" altLang="en-US" sz="1100" baseline="0" dirty="0"/>
                     </a:p>
                   </a:txBody>
                   <a:tcPr>
@@ -4478,27 +4478,27 @@
                     <a:p>
                       <a:pPr latinLnBrk="1"/>
                       <a:r>
-                        <a:rPr lang="en-US" altLang="ko-KR" sz="1200" baseline="0" dirty="0"/>
+                        <a:rPr lang="en-US" altLang="ko-KR" sz="1100" baseline="0" dirty="0"/>
                         <a:t>Nav</a:t>
                       </a:r>
                       <a:r>
-                        <a:rPr lang="ko-KR" altLang="en-US" sz="1200" baseline="0" dirty="0"/>
+                        <a:rPr lang="ko-KR" altLang="en-US" sz="1100" baseline="0" dirty="0"/>
                         <a:t>를</a:t>
                       </a:r>
                       <a:r>
-                        <a:rPr lang="en-US" altLang="ko-KR" sz="1200" baseline="0" dirty="0"/>
+                        <a:rPr lang="en-US" altLang="ko-KR" sz="1100" baseline="0" dirty="0"/>
                         <a:t> Section_1</a:t>
                       </a:r>
                       <a:r>
-                        <a:rPr lang="ko-KR" altLang="en-US" sz="1200" baseline="0" dirty="0"/>
+                        <a:rPr lang="ko-KR" altLang="en-US" sz="1100" baseline="0" dirty="0"/>
                         <a:t> </a:t>
                       </a:r>
                       <a:r>
-                        <a:rPr lang="en-US" altLang="ko-KR" sz="1200" baseline="0" dirty="0"/>
+                        <a:rPr lang="en-US" altLang="ko-KR" sz="1100" baseline="0" dirty="0"/>
                         <a:t>Video </a:t>
                       </a:r>
                       <a:r>
-                        <a:rPr lang="ko-KR" altLang="en-US" sz="1200" baseline="0" dirty="0"/>
+                        <a:rPr lang="ko-KR" altLang="en-US" sz="1100" baseline="0" dirty="0"/>
                         <a:t>영역의 상단에 위치</a:t>
                       </a:r>
                     </a:p>
@@ -4511,7 +4511,7 @@
                   </a:ext>
                 </a:extLst>
               </a:tr>
-              <a:tr h="451159">
+              <a:tr h="298867">
                 <a:tc vMerge="1">
                   <a:txBody>
                     <a:bodyPr/>
@@ -4541,10 +4541,10 @@
                     <a:p>
                       <a:pPr algn="ctr" latinLnBrk="1"/>
                       <a:r>
-                        <a:rPr lang="en-US" altLang="ko-KR" sz="1200" baseline="0" dirty="0"/>
+                        <a:rPr lang="en-US" altLang="ko-KR" sz="1100" baseline="0" dirty="0"/>
                         <a:t>3-1</a:t>
                       </a:r>
-                      <a:endParaRPr lang="ko-KR" altLang="en-US" sz="1200" baseline="0" dirty="0"/>
+                      <a:endParaRPr lang="ko-KR" altLang="en-US" sz="1100" baseline="0" dirty="0"/>
                     </a:p>
                   </a:txBody>
                   <a:tcPr>
@@ -4563,15 +4563,15 @@
                     <a:p>
                       <a:pPr latinLnBrk="1"/>
                       <a:r>
-                        <a:rPr lang="ko-KR" altLang="en-US" sz="1200" baseline="0" dirty="0"/>
+                        <a:rPr lang="ko-KR" altLang="en-US" sz="1100" baseline="0" dirty="0"/>
                         <a:t>마우스를 가져다 댈 시 </a:t>
                       </a:r>
                       <a:r>
-                        <a:rPr lang="en-US" altLang="ko-KR" sz="1200" baseline="0" dirty="0"/>
+                        <a:rPr lang="en-US" altLang="ko-KR" sz="1100" baseline="0" dirty="0"/>
                         <a:t>Nav</a:t>
                       </a:r>
                       <a:r>
-                        <a:rPr lang="ko-KR" altLang="en-US" sz="1200" baseline="0" dirty="0"/>
+                        <a:rPr lang="ko-KR" altLang="en-US" sz="1100" baseline="0" dirty="0"/>
                         <a:t> 전체가 부드럽게 아래로 하강</a:t>
                       </a:r>
                     </a:p>
@@ -4584,7 +4584,7 @@
                   </a:ext>
                 </a:extLst>
               </a:tr>
-              <a:tr h="451159">
+              <a:tr h="302342">
                 <a:tc vMerge="1">
                   <a:txBody>
                     <a:bodyPr/>
@@ -4614,10 +4614,10 @@
                     <a:p>
                       <a:pPr algn="ctr" latinLnBrk="1"/>
                       <a:r>
-                        <a:rPr lang="en-US" altLang="ko-KR" sz="1200" baseline="0" dirty="0"/>
+                        <a:rPr lang="en-US" altLang="ko-KR" sz="1100" baseline="0" dirty="0"/>
                         <a:t>4</a:t>
                       </a:r>
-                      <a:endParaRPr lang="ko-KR" altLang="en-US" sz="1200" baseline="0" dirty="0"/>
+                      <a:endParaRPr lang="ko-KR" altLang="en-US" sz="1100" baseline="0" dirty="0"/>
                     </a:p>
                   </a:txBody>
                   <a:tcPr>
@@ -4636,27 +4636,27 @@
                     <a:p>
                       <a:pPr latinLnBrk="1"/>
                       <a:r>
-                        <a:rPr lang="en-US" altLang="ko-KR" sz="1200" baseline="0" dirty="0" err="1"/>
-                        <a:t>Sns</a:t>
+                        <a:rPr lang="en-US" altLang="ko-KR" sz="1100" baseline="0" dirty="0" err="1"/>
+                        <a:t>sns</a:t>
                       </a:r>
                       <a:r>
-                        <a:rPr lang="ko-KR" altLang="en-US" sz="1200" baseline="0" dirty="0"/>
+                        <a:rPr lang="ko-KR" altLang="en-US" sz="1100" baseline="0" dirty="0"/>
                         <a:t>아이콘을 </a:t>
                       </a:r>
                       <a:r>
-                        <a:rPr lang="en-US" altLang="ko-KR" sz="1200" baseline="0" dirty="0"/>
+                        <a:rPr lang="en-US" altLang="ko-KR" sz="1100" baseline="0" dirty="0"/>
                         <a:t>row</a:t>
                       </a:r>
                       <a:r>
-                        <a:rPr lang="ko-KR" altLang="en-US" sz="1200" baseline="0" dirty="0"/>
+                        <a:rPr lang="ko-KR" altLang="en-US" sz="1100" baseline="0" dirty="0"/>
                         <a:t>로 배치하여 클릭 시 외교부 공식 </a:t>
                       </a:r>
                       <a:r>
-                        <a:rPr lang="en-US" altLang="ko-KR" sz="1200" baseline="0" dirty="0" err="1"/>
+                        <a:rPr lang="en-US" altLang="ko-KR" sz="1100" baseline="0" dirty="0" err="1"/>
                         <a:t>sns</a:t>
                       </a:r>
                       <a:r>
-                        <a:rPr lang="ko-KR" altLang="en-US" sz="1200" baseline="0" dirty="0"/>
+                        <a:rPr lang="ko-KR" altLang="en-US" sz="1100" baseline="0" dirty="0"/>
                         <a:t>로 이동</a:t>
                       </a:r>
                     </a:p>
@@ -4730,7 +4730,7 @@
                   </a:ext>
                 </a:extLst>
               </a:tr>
-              <a:tr h="328678">
+              <a:tr h="219018">
                 <a:tc vMerge="1">
                   <a:txBody>
                     <a:bodyPr/>
@@ -4760,10 +4760,10 @@
                     <a:p>
                       <a:pPr algn="ctr" latinLnBrk="1"/>
                       <a:r>
-                        <a:rPr lang="en-US" altLang="ko-KR" sz="1200" baseline="0" dirty="0"/>
+                        <a:rPr lang="en-US" altLang="ko-KR" sz="1100" baseline="0" dirty="0"/>
                         <a:t>1</a:t>
                       </a:r>
-                      <a:endParaRPr lang="ko-KR" altLang="en-US" sz="1200" baseline="0" dirty="0"/>
+                      <a:endParaRPr lang="ko-KR" altLang="en-US" sz="1100" baseline="0" dirty="0"/>
                     </a:p>
                   </a:txBody>
                   <a:tcPr>
@@ -4782,23 +4782,23 @@
                     <a:p>
                       <a:pPr algn="l" latinLnBrk="1"/>
                       <a:r>
-                        <a:rPr lang="ko-KR" altLang="en-US" sz="1200" baseline="0" dirty="0"/>
+                        <a:rPr lang="ko-KR" altLang="en-US" sz="1100" baseline="0" dirty="0"/>
                         <a:t>기존 </a:t>
                       </a:r>
                       <a:r>
-                        <a:rPr lang="en-US" altLang="ko-KR" sz="1200" baseline="0" dirty="0"/>
-                        <a:t>Header</a:t>
+                        <a:rPr lang="en-US" altLang="ko-KR" sz="1100" baseline="0" dirty="0"/>
+                        <a:t>button </a:t>
                       </a:r>
                       <a:r>
-                        <a:rPr lang="ko-KR" altLang="en-US" sz="1200" baseline="0" dirty="0"/>
-                        <a:t>메뉴 숨김 처리</a:t>
+                        <a:rPr lang="ko-KR" altLang="en-US" sz="1100" baseline="0" dirty="0"/>
+                        <a:t>및 검색창을 숨김 처리</a:t>
                       </a:r>
                       <a:r>
-                        <a:rPr lang="en-US" altLang="ko-KR" sz="1200" baseline="0" dirty="0"/>
+                        <a:rPr lang="en-US" altLang="ko-KR" sz="1100" baseline="0" dirty="0"/>
                         <a:t>, </a:t>
                       </a:r>
                       <a:r>
-                        <a:rPr lang="ko-KR" altLang="en-US" sz="1200" baseline="0" dirty="0"/>
+                        <a:rPr lang="ko-KR" altLang="en-US" sz="1100" baseline="0" dirty="0"/>
                         <a:t>메뉴아이콘 배치</a:t>
                       </a:r>
                     </a:p>
@@ -4841,10 +4841,10 @@
                     <a:p>
                       <a:pPr algn="ctr" latinLnBrk="1"/>
                       <a:r>
-                        <a:rPr lang="en-US" altLang="ko-KR" sz="1200" baseline="0" dirty="0"/>
+                        <a:rPr lang="en-US" altLang="ko-KR" sz="1100" baseline="0" dirty="0"/>
                         <a:t>1-1</a:t>
                       </a:r>
-                      <a:endParaRPr lang="ko-KR" altLang="en-US" sz="1200" baseline="0" dirty="0"/>
+                      <a:endParaRPr lang="ko-KR" altLang="en-US" sz="1100" baseline="0" dirty="0"/>
                     </a:p>
                   </a:txBody>
                   <a:tcPr>
@@ -4863,23 +4863,23 @@
                     <a:p>
                       <a:pPr algn="l" latinLnBrk="1"/>
                       <a:r>
-                        <a:rPr lang="ko-KR" altLang="en-US" sz="1200" baseline="0" dirty="0"/>
+                        <a:rPr lang="ko-KR" altLang="en-US" sz="1100" baseline="0" dirty="0"/>
                         <a:t>메뉴 아이콘 클릭 시</a:t>
                       </a:r>
                       <a:r>
-                        <a:rPr lang="en-US" altLang="ko-KR" sz="1200" baseline="0" dirty="0"/>
+                        <a:rPr lang="en-US" altLang="ko-KR" sz="1100" baseline="0" dirty="0"/>
                         <a:t>, </a:t>
                       </a:r>
                       <a:r>
-                        <a:rPr lang="ko-KR" altLang="en-US" sz="1200" baseline="0" dirty="0"/>
-                        <a:t>②번이 왼쪽에서 오른쪽으로 부드럽게 </a:t>
+                        <a:rPr lang="ko-KR" altLang="en-US" sz="1100" baseline="0" dirty="0"/>
+                        <a:t>③번 화면 창이 왼쪽에서 오른쪽으로 부드럽게 </a:t>
                       </a:r>
-                      <a:endParaRPr lang="en-US" altLang="ko-KR" sz="1200" baseline="0" dirty="0"/>
+                      <a:endParaRPr lang="en-US" altLang="ko-KR" sz="1100" baseline="0" dirty="0"/>
                     </a:p>
                     <a:p>
                       <a:pPr algn="l" latinLnBrk="1"/>
                       <a:r>
-                        <a:rPr lang="ko-KR" altLang="en-US" sz="1200" baseline="0" dirty="0"/>
+                        <a:rPr lang="ko-KR" altLang="en-US" sz="1100" baseline="0" dirty="0"/>
                         <a:t>이동</a:t>
                       </a:r>
                     </a:p>
@@ -4892,7 +4892,7 @@
                   </a:ext>
                 </a:extLst>
               </a:tr>
-              <a:tr h="328678">
+              <a:tr h="226392">
                 <a:tc vMerge="1">
                   <a:txBody>
                     <a:bodyPr/>
@@ -4922,10 +4922,10 @@
                     <a:p>
                       <a:pPr algn="ctr" latinLnBrk="1"/>
                       <a:r>
-                        <a:rPr lang="en-US" altLang="ko-KR" sz="1200" baseline="0" dirty="0"/>
-                        <a:t>2</a:t>
+                        <a:rPr lang="en-US" altLang="ko-KR" sz="1100" baseline="0" dirty="0"/>
+                        <a:t>3</a:t>
                       </a:r>
-                      <a:endParaRPr lang="ko-KR" altLang="en-US" sz="1200" baseline="0" dirty="0"/>
+                      <a:endParaRPr lang="ko-KR" altLang="en-US" sz="1100" baseline="0" dirty="0"/>
                     </a:p>
                   </a:txBody>
                   <a:tcPr>
@@ -4944,31 +4944,27 @@
                     <a:p>
                       <a:pPr algn="l" latinLnBrk="1"/>
                       <a:r>
-                        <a:rPr lang="ko-KR" altLang="en-US" sz="1200" baseline="0" dirty="0"/>
-                        <a:t>기존 </a:t>
-                      </a:r>
-                      <a:r>
-                        <a:rPr lang="en-US" altLang="ko-KR" sz="1200" baseline="0" dirty="0"/>
+                        <a:rPr lang="en-US" altLang="ko-KR" sz="1100" baseline="0" dirty="0"/>
                         <a:t>Section_1</a:t>
                       </a:r>
                       <a:r>
-                        <a:rPr lang="ko-KR" altLang="en-US" sz="1200" baseline="0" dirty="0"/>
+                        <a:rPr lang="ko-KR" altLang="en-US" sz="1100" baseline="0" dirty="0"/>
                         <a:t>에 있던 </a:t>
                       </a:r>
                       <a:r>
-                        <a:rPr lang="en-US" altLang="ko-KR" sz="1200" baseline="0" dirty="0"/>
+                        <a:rPr lang="en-US" altLang="ko-KR" sz="1100" baseline="0" dirty="0"/>
                         <a:t>Nav</a:t>
                       </a:r>
                       <a:r>
-                        <a:rPr lang="ko-KR" altLang="en-US" sz="1200" baseline="0" dirty="0"/>
+                        <a:rPr lang="ko-KR" altLang="en-US" sz="1100" baseline="0" dirty="0"/>
                         <a:t>가 </a:t>
                       </a:r>
                       <a:r>
-                        <a:rPr lang="en-US" altLang="ko-KR" sz="1200" baseline="0" dirty="0"/>
+                        <a:rPr lang="en-US" altLang="ko-KR" sz="1100" baseline="0" dirty="0"/>
                         <a:t>Column</a:t>
                       </a:r>
                       <a:r>
-                        <a:rPr lang="ko-KR" altLang="en-US" sz="1200" baseline="0" dirty="0"/>
+                        <a:rPr lang="ko-KR" altLang="en-US" sz="1100" baseline="0" dirty="0"/>
                         <a:t>으로 나열</a:t>
                       </a:r>
                     </a:p>
@@ -4981,7 +4977,7 @@
                   </a:ext>
                 </a:extLst>
               </a:tr>
-              <a:tr h="328678">
+              <a:tr h="164339">
                 <a:tc vMerge="1">
                   <a:txBody>
                     <a:bodyPr/>
@@ -5011,10 +5007,10 @@
                     <a:p>
                       <a:pPr algn="ctr" latinLnBrk="1"/>
                       <a:r>
-                        <a:rPr lang="en-US" altLang="ko-KR" sz="1200" baseline="0" dirty="0"/>
-                        <a:t>2-1</a:t>
+                        <a:rPr lang="en-US" altLang="ko-KR" sz="1100" baseline="0" dirty="0"/>
+                        <a:t>3-1</a:t>
                       </a:r>
-                      <a:endParaRPr lang="ko-KR" altLang="en-US" sz="1200" baseline="0" dirty="0"/>
+                      <a:endParaRPr lang="ko-KR" altLang="en-US" sz="1100" baseline="0" dirty="0"/>
                     </a:p>
                   </a:txBody>
                   <a:tcPr>
@@ -5033,11 +5029,11 @@
                     <a:p>
                       <a:pPr algn="l" latinLnBrk="1"/>
                       <a:r>
-                        <a:rPr lang="en-US" altLang="ko-KR" sz="1200" baseline="0" dirty="0"/>
+                        <a:rPr lang="en-US" altLang="ko-KR" sz="1100" baseline="0" dirty="0"/>
                         <a:t>Nav </a:t>
                       </a:r>
                       <a:r>
-                        <a:rPr lang="ko-KR" altLang="en-US" sz="1200" baseline="0" dirty="0"/>
+                        <a:rPr lang="ko-KR" altLang="en-US" sz="1100" baseline="0" dirty="0"/>
                         <a:t>클릭 시 아코디언 방식으로 부드럽게 하강</a:t>
                       </a:r>
                     </a:p>
@@ -5047,6 +5043,91 @@
                 <a:extLst>
                   <a:ext uri="{0D108BD9-81ED-4DB2-BD59-A6C34878D82A}">
                     <a16:rowId xmlns:a16="http://schemas.microsoft.com/office/drawing/2014/main" val="180587722"/>
+                  </a:ext>
+                </a:extLst>
+              </a:tr>
+              <a:tr h="300204">
+                <a:tc vMerge="1">
+                  <a:txBody>
+                    <a:bodyPr/>
+                    <a:lstStyle/>
+                    <a:p>
+                      <a:pPr latinLnBrk="1"/>
+                      <a:endParaRPr lang="ko-KR" altLang="en-US"/>
+                    </a:p>
+                  </a:txBody>
+                  <a:tcPr/>
+                </a:tc>
+                <a:tc vMerge="1">
+                  <a:txBody>
+                    <a:bodyPr/>
+                    <a:lstStyle/>
+                    <a:p>
+                      <a:pPr latinLnBrk="1"/>
+                      <a:endParaRPr lang="ko-KR" altLang="en-US"/>
+                    </a:p>
+                  </a:txBody>
+                  <a:tcPr/>
+                </a:tc>
+                <a:tc>
+                  <a:txBody>
+                    <a:bodyPr/>
+                    <a:lstStyle/>
+                    <a:p>
+                      <a:pPr algn="ctr" latinLnBrk="1"/>
+                      <a:r>
+                        <a:rPr lang="en-US" altLang="ko-KR" sz="1100" baseline="0" dirty="0"/>
+                        <a:t>4</a:t>
+                      </a:r>
+                      <a:endParaRPr lang="ko-KR" altLang="en-US" sz="1100" baseline="0" dirty="0"/>
+                    </a:p>
+                  </a:txBody>
+                  <a:tcPr>
+                    <a:solidFill>
+                      <a:schemeClr val="accent1">
+                        <a:lumMod val="20000"/>
+                        <a:lumOff val="80000"/>
+                      </a:schemeClr>
+                    </a:solidFill>
+                  </a:tcPr>
+                </a:tc>
+                <a:tc>
+                  <a:txBody>
+                    <a:bodyPr/>
+                    <a:lstStyle/>
+                    <a:p>
+                      <a:pPr algn="l" latinLnBrk="1"/>
+                      <a:r>
+                        <a:rPr lang="en-US" altLang="ko-KR" sz="1100" baseline="0" dirty="0"/>
+                        <a:t>Logo</a:t>
+                      </a:r>
+                      <a:r>
+                        <a:rPr lang="ko-KR" altLang="en-US" sz="1100" baseline="0" dirty="0"/>
+                        <a:t>위치를 맨 상단에 위치시키고 주소와 </a:t>
+                      </a:r>
+                      <a:r>
+                        <a:rPr lang="en-US" altLang="ko-KR" sz="1100" baseline="0" dirty="0" err="1"/>
+                        <a:t>sns</a:t>
+                      </a:r>
+                      <a:r>
+                        <a:rPr lang="ko-KR" altLang="en-US" sz="1100" baseline="0" dirty="0"/>
+                        <a:t>아이콘은 </a:t>
+                      </a:r>
+                      <a:r>
+                        <a:rPr lang="en-US" altLang="ko-KR" sz="1100" baseline="0" dirty="0"/>
+                        <a:t>Row</a:t>
+                      </a:r>
+                      <a:r>
+                        <a:rPr lang="ko-KR" altLang="en-US" sz="1100" baseline="0" dirty="0"/>
+                        <a:t>로 배열</a:t>
+                      </a:r>
+                    </a:p>
+                  </a:txBody>
+                  <a:tcPr/>
+                </a:tc>
+                <a:extLst>
+                  <a:ext uri="{0D108BD9-81ED-4DB2-BD59-A6C34878D82A}">
+                    <a16:rowId xmlns:a16="http://schemas.microsoft.com/office/drawing/2014/main" val="3614717056"/>
                   </a:ext>
                 </a:extLst>
               </a:tr>
@@ -5075,9 +5156,8 @@
             <a:avLst/>
           </a:prstGeom>
           <a:solidFill>
-            <a:schemeClr val="tx1">
+            <a:schemeClr val="bg1">
               <a:lumMod val="75000"/>
-              <a:lumOff val="25000"/>
             </a:schemeClr>
           </a:solidFill>
           <a:ln>
@@ -5123,19 +5203,19 @@
         </p:nvSpPr>
         <p:spPr>
           <a:xfrm>
-            <a:off x="2350168" y="2212222"/>
-            <a:ext cx="529114" cy="147556"/>
+            <a:off x="2474990" y="2225887"/>
+            <a:ext cx="340116" cy="120644"/>
           </a:xfrm>
           <a:prstGeom prst="rect">
             <a:avLst/>
           </a:prstGeom>
           <a:solidFill>
-            <a:schemeClr val="bg1">
-              <a:lumMod val="95000"/>
-            </a:schemeClr>
+            <a:schemeClr val="bg1"/>
           </a:solidFill>
-          <a:ln>
-            <a:noFill/>
+          <a:ln w="3175">
+            <a:solidFill>
+              <a:schemeClr val="tx1"/>
+            </a:solidFill>
           </a:ln>
         </p:spPr>
         <p:style>
@@ -5159,14 +5239,6 @@
           <a:lstStyle/>
           <a:p>
             <a:pPr algn="ctr"/>
-            <a:r>
-              <a:rPr lang="en-US" altLang="ko-KR" sz="800" dirty="0" err="1">
-                <a:solidFill>
-                  <a:schemeClr val="tx1"/>
-                </a:solidFill>
-              </a:rPr>
-              <a:t>english</a:t>
-            </a:r>
             <a:endParaRPr lang="ko-KR" altLang="en-US" sz="800" dirty="0">
               <a:solidFill>
                 <a:schemeClr val="tx1"/>
@@ -5196,9 +5268,7 @@
             <a:avLst/>
           </a:prstGeom>
           <a:solidFill>
-            <a:schemeClr val="bg1">
-              <a:lumMod val="95000"/>
-            </a:schemeClr>
+            <a:schemeClr val="bg1"/>
           </a:solidFill>
           <a:ln>
             <a:noFill/>
@@ -5287,9 +5357,8 @@
             <a:avLst/>
           </a:prstGeom>
           <a:solidFill>
-            <a:schemeClr val="tx1">
-              <a:lumMod val="65000"/>
-              <a:lumOff val="35000"/>
+            <a:schemeClr val="bg1">
+              <a:lumMod val="75000"/>
             </a:schemeClr>
           </a:solidFill>
           <a:ln>
@@ -5346,8 +5415,13 @@
               <a:lumMod val="90000"/>
             </a:schemeClr>
           </a:solidFill>
-          <a:ln>
-            <a:noFill/>
+          <a:ln w="3175">
+            <a:solidFill>
+              <a:schemeClr val="tx1">
+                <a:lumMod val="50000"/>
+                <a:lumOff val="50000"/>
+              </a:schemeClr>
+            </a:solidFill>
           </a:ln>
         </p:spPr>
         <p:style>
@@ -5669,7 +5743,7 @@
         </p:nvSpPr>
         <p:spPr>
           <a:xfrm>
-            <a:off x="2048237" y="2027035"/>
+            <a:off x="2412645" y="1931809"/>
             <a:ext cx="264696" cy="259308"/>
           </a:xfrm>
           <a:prstGeom prst="ellipse">
@@ -5894,44 +5968,6 @@
           </a:fontRef>
         </p:style>
       </p:cxnSp>
-      <p:cxnSp>
-        <p:nvCxnSpPr>
-          <p:cNvPr id="53" name="직선 연결선 52">
-            <a:extLst>
-              <a:ext uri="{FF2B5EF4-FFF2-40B4-BE49-F238E27FC236}">
-                <a16:creationId xmlns:a16="http://schemas.microsoft.com/office/drawing/2014/main" id="{CF769F36-2E33-44EF-BB12-388B92EDF0BC}"/>
-              </a:ext>
-            </a:extLst>
-          </p:cNvPr>
-          <p:cNvCxnSpPr>
-            <a:cxnSpLocks/>
-          </p:cNvCxnSpPr>
-          <p:nvPr/>
-        </p:nvCxnSpPr>
-        <p:spPr>
-          <a:xfrm flipH="1" flipV="1">
-            <a:off x="2978291" y="2251844"/>
-            <a:ext cx="1" cy="81022"/>
-          </a:xfrm>
-          <a:prstGeom prst="line">
-            <a:avLst/>
-          </a:prstGeom>
-        </p:spPr>
-        <p:style>
-          <a:lnRef idx="1">
-            <a:schemeClr val="dk1"/>
-          </a:lnRef>
-          <a:fillRef idx="0">
-            <a:schemeClr val="dk1"/>
-          </a:fillRef>
-          <a:effectRef idx="0">
-            <a:schemeClr val="dk1"/>
-          </a:effectRef>
-          <a:fontRef idx="minor">
-            <a:schemeClr val="tx1"/>
-          </a:fontRef>
-        </p:style>
-      </p:cxnSp>
       <p:sp>
         <p:nvSpPr>
           <p:cNvPr id="59" name="직사각형 58">
@@ -5952,13 +5988,11 @@
           <a:prstGeom prst="rect">
             <a:avLst/>
           </a:prstGeom>
-          <a:solidFill>
-            <a:schemeClr val="bg1">
-              <a:lumMod val="75000"/>
-            </a:schemeClr>
-          </a:solidFill>
-          <a:ln>
-            <a:noFill/>
+          <a:noFill/>
+          <a:ln w="3175">
+            <a:solidFill>
+              <a:schemeClr val="tx1"/>
+            </a:solidFill>
           </a:ln>
         </p:spPr>
         <p:style>
@@ -6006,13 +6040,11 @@
           <a:prstGeom prst="rect">
             <a:avLst/>
           </a:prstGeom>
-          <a:solidFill>
-            <a:schemeClr val="bg1">
-              <a:lumMod val="75000"/>
-            </a:schemeClr>
-          </a:solidFill>
-          <a:ln>
-            <a:noFill/>
+          <a:noFill/>
+          <a:ln w="3175">
+            <a:solidFill>
+              <a:schemeClr val="tx1"/>
+            </a:solidFill>
           </a:ln>
         </p:spPr>
         <p:style>
@@ -6060,13 +6092,11 @@
           <a:prstGeom prst="rect">
             <a:avLst/>
           </a:prstGeom>
-          <a:solidFill>
-            <a:schemeClr val="bg1">
-              <a:lumMod val="75000"/>
-            </a:schemeClr>
-          </a:solidFill>
-          <a:ln>
-            <a:noFill/>
+          <a:noFill/>
+          <a:ln w="3175">
+            <a:solidFill>
+              <a:schemeClr val="tx1"/>
+            </a:solidFill>
           </a:ln>
         </p:spPr>
         <p:style>
@@ -6254,10 +6284,7 @@
             <a:avLst/>
           </a:prstGeom>
           <a:solidFill>
-            <a:schemeClr val="tx1">
-              <a:lumMod val="75000"/>
-              <a:lumOff val="25000"/>
-            </a:schemeClr>
+            <a:srgbClr val="AFABAB"/>
           </a:solidFill>
           <a:ln>
             <a:noFill/>
@@ -6310,11 +6337,13 @@
           </a:prstGeom>
           <a:solidFill>
             <a:schemeClr val="bg1">
-              <a:lumMod val="75000"/>
+              <a:lumMod val="85000"/>
             </a:schemeClr>
           </a:solidFill>
-          <a:ln>
-            <a:noFill/>
+          <a:ln w="3175">
+            <a:solidFill>
+              <a:schemeClr val="tx1"/>
+            </a:solidFill>
           </a:ln>
         </p:spPr>
         <p:style>
@@ -6404,11 +6433,16 @@
         </p:nvGrpSpPr>
         <p:grpSpPr>
           <a:xfrm>
-            <a:off x="4229100" y="2351176"/>
+            <a:off x="4233494" y="2355544"/>
             <a:ext cx="928308" cy="1933045"/>
             <a:chOff x="4229100" y="2565178"/>
             <a:chExt cx="928308" cy="1933045"/>
           </a:xfrm>
+          <a:solidFill>
+            <a:schemeClr val="bg1">
+              <a:lumMod val="65000"/>
+            </a:schemeClr>
+          </a:solidFill>
         </p:grpSpPr>
         <p:sp>
           <p:nvSpPr>
@@ -6430,13 +6464,8 @@
             <a:prstGeom prst="rect">
               <a:avLst/>
             </a:prstGeom>
-            <a:solidFill>
-              <a:schemeClr val="tx1">
-                <a:lumMod val="50000"/>
-                <a:lumOff val="50000"/>
-              </a:schemeClr>
-            </a:solidFill>
-            <a:ln>
+            <a:grpFill/>
+            <a:ln w="3175">
               <a:noFill/>
             </a:ln>
           </p:spPr>
@@ -6461,7 +6490,7 @@
             <a:lstStyle/>
             <a:p>
               <a:pPr algn="ctr"/>
-              <a:endParaRPr lang="ko-KR" altLang="en-US"/>
+              <a:endParaRPr lang="ko-KR" altLang="en-US" dirty="0"/>
             </a:p>
           </p:txBody>
         </p:sp>
@@ -6499,6 +6528,10 @@
             <a:prstGeom prst="rect">
               <a:avLst/>
             </a:prstGeom>
+            <a:grpFill/>
+            <a:ln w="3175">
+              <a:noFill/>
+            </a:ln>
           </p:spPr>
         </p:pic>
         <p:pic>
@@ -6535,6 +6568,10 @@
             <a:prstGeom prst="rect">
               <a:avLst/>
             </a:prstGeom>
+            <a:grpFill/>
+            <a:ln w="3175">
+              <a:noFill/>
+            </a:ln>
           </p:spPr>
         </p:pic>
         <p:sp>
@@ -6557,11 +6594,9 @@
             <a:prstGeom prst="rect">
               <a:avLst/>
             </a:prstGeom>
-            <a:noFill/>
+            <a:grpFill/>
             <a:ln w="3175">
-              <a:solidFill>
-                <a:schemeClr val="bg1"/>
-              </a:solidFill>
+              <a:noFill/>
             </a:ln>
           </p:spPr>
           <p:style>
@@ -6610,11 +6645,9 @@
               <a:avLst/>
             </a:prstGeom>
             <a:solidFill>
-              <a:schemeClr val="bg1">
-                <a:lumMod val="75000"/>
-              </a:schemeClr>
+              <a:schemeClr val="bg1"/>
             </a:solidFill>
-            <a:ln>
+            <a:ln w="3175">
               <a:noFill/>
             </a:ln>
           </p:spPr>
@@ -6664,11 +6697,9 @@
               <a:avLst/>
             </a:prstGeom>
             <a:solidFill>
-              <a:schemeClr val="bg1">
-                <a:lumMod val="75000"/>
-              </a:schemeClr>
+              <a:schemeClr val="bg1"/>
             </a:solidFill>
-            <a:ln>
+            <a:ln w="3175">
               <a:noFill/>
             </a:ln>
           </p:spPr>
@@ -6718,11 +6749,9 @@
               <a:avLst/>
             </a:prstGeom>
             <a:solidFill>
-              <a:schemeClr val="bg1">
-                <a:lumMod val="75000"/>
-              </a:schemeClr>
+              <a:schemeClr val="bg1"/>
             </a:solidFill>
-            <a:ln>
+            <a:ln w="3175">
               <a:noFill/>
             </a:ln>
           </p:spPr>
@@ -6766,17 +6795,14 @@
         </p:nvSpPr>
         <p:spPr>
           <a:xfrm>
-            <a:off x="4184650" y="5556250"/>
+            <a:off x="4188127" y="5002884"/>
             <a:ext cx="1651000" cy="641350"/>
           </a:xfrm>
           <a:prstGeom prst="rect">
             <a:avLst/>
           </a:prstGeom>
           <a:solidFill>
-            <a:schemeClr val="tx1">
-              <a:lumMod val="65000"/>
-              <a:lumOff val="35000"/>
-            </a:schemeClr>
+            <a:srgbClr val="BFBFBF"/>
           </a:solidFill>
           <a:ln>
             <a:noFill/>
@@ -6821,7 +6847,7 @@
         </p:nvSpPr>
         <p:spPr>
           <a:xfrm>
-            <a:off x="4236054" y="5615741"/>
+            <a:off x="4239531" y="5062375"/>
             <a:ext cx="457200" cy="131994"/>
           </a:xfrm>
           <a:prstGeom prst="rect">
@@ -6829,11 +6855,13 @@
           </a:prstGeom>
           <a:solidFill>
             <a:schemeClr val="bg1">
-              <a:lumMod val="75000"/>
+              <a:lumMod val="85000"/>
             </a:schemeClr>
           </a:solidFill>
-          <a:ln>
-            <a:noFill/>
+          <a:ln w="3175">
+            <a:solidFill>
+              <a:schemeClr val="tx1"/>
+            </a:solidFill>
           </a:ln>
         </p:spPr>
         <p:style>
@@ -6904,7 +6932,7 @@
         </p:blipFill>
         <p:spPr>
           <a:xfrm>
-            <a:off x="5370078" y="6025922"/>
+            <a:off x="5373555" y="5472556"/>
             <a:ext cx="101903" cy="101903"/>
           </a:xfrm>
           <a:prstGeom prst="rect">
@@ -6943,7 +6971,7 @@
         </p:blipFill>
         <p:spPr>
           <a:xfrm>
-            <a:off x="5503235" y="6031586"/>
+            <a:off x="5506712" y="5478220"/>
             <a:ext cx="108269" cy="96239"/>
           </a:xfrm>
           <a:prstGeom prst="rect">
@@ -6982,7 +7010,7 @@
         </p:blipFill>
         <p:spPr>
           <a:xfrm>
-            <a:off x="5644763" y="6025922"/>
+            <a:off x="5648240" y="5472556"/>
             <a:ext cx="68289" cy="109263"/>
           </a:xfrm>
           <a:prstGeom prst="rect">
@@ -7222,7 +7250,7 @@
         </p:nvGrpSpPr>
         <p:grpSpPr>
           <a:xfrm>
-            <a:off x="4247152" y="6004061"/>
+            <a:off x="4250629" y="5450695"/>
             <a:ext cx="716280" cy="123764"/>
             <a:chOff x="876300" y="2236014"/>
             <a:chExt cx="716280" cy="123764"/>
@@ -7409,7 +7437,7 @@
         </p:nvSpPr>
         <p:spPr>
           <a:xfrm>
-            <a:off x="4117712" y="5378906"/>
+            <a:off x="4115934" y="4807523"/>
             <a:ext cx="528282" cy="215444"/>
           </a:xfrm>
           <a:prstGeom prst="rect">
@@ -7625,13 +7653,11 @@
           <a:prstGeom prst="rect">
             <a:avLst/>
           </a:prstGeom>
-          <a:solidFill>
-            <a:schemeClr val="bg1">
-              <a:lumMod val="75000"/>
-            </a:schemeClr>
-          </a:solidFill>
-          <a:ln>
-            <a:noFill/>
+          <a:noFill/>
+          <a:ln w="3175">
+            <a:solidFill>
+              <a:schemeClr val="tx1"/>
+            </a:solidFill>
           </a:ln>
         </p:spPr>
         <p:style>
@@ -7700,7 +7726,9 @@
               <a:avLst/>
             </a:prstGeom>
             <a:solidFill>
-              <a:schemeClr val="tx1"/>
+              <a:schemeClr val="bg1">
+                <a:lumMod val="75000"/>
+              </a:schemeClr>
             </a:solidFill>
             <a:ln>
               <a:noFill/>
@@ -7752,7 +7780,9 @@
               <a:avLst/>
             </a:prstGeom>
             <a:solidFill>
-              <a:schemeClr val="tx1"/>
+              <a:schemeClr val="bg1">
+                <a:lumMod val="75000"/>
+              </a:schemeClr>
             </a:solidFill>
             <a:ln>
               <a:noFill/>
@@ -7804,7 +7834,9 @@
               <a:avLst/>
             </a:prstGeom>
             <a:solidFill>
-              <a:schemeClr val="tx1"/>
+              <a:schemeClr val="bg1">
+                <a:lumMod val="75000"/>
+              </a:schemeClr>
             </a:solidFill>
             <a:ln>
               <a:noFill/>
@@ -7877,7 +7909,9 @@
               <a:avLst/>
             </a:prstGeom>
             <a:solidFill>
-              <a:schemeClr val="tx1"/>
+              <a:schemeClr val="bg1">
+                <a:lumMod val="75000"/>
+              </a:schemeClr>
             </a:solidFill>
             <a:ln>
               <a:noFill/>
@@ -7904,7 +7938,7 @@
             <a:lstStyle/>
             <a:p>
               <a:pPr algn="ctr"/>
-              <a:endParaRPr lang="ko-KR" altLang="en-US"/>
+              <a:endParaRPr lang="ko-KR" altLang="en-US" dirty="0"/>
             </a:p>
           </p:txBody>
         </p:sp>
@@ -7929,7 +7963,9 @@
               <a:avLst/>
             </a:prstGeom>
             <a:solidFill>
-              <a:schemeClr val="tx1"/>
+              <a:schemeClr val="bg1">
+                <a:lumMod val="75000"/>
+              </a:schemeClr>
             </a:solidFill>
             <a:ln>
               <a:noFill/>
@@ -7981,7 +8017,9 @@
               <a:avLst/>
             </a:prstGeom>
             <a:solidFill>
-              <a:schemeClr val="tx1"/>
+              <a:schemeClr val="bg1">
+                <a:lumMod val="75000"/>
+              </a:schemeClr>
             </a:solidFill>
             <a:ln>
               <a:noFill/>
@@ -8054,7 +8092,9 @@
               <a:avLst/>
             </a:prstGeom>
             <a:solidFill>
-              <a:schemeClr val="tx1"/>
+              <a:schemeClr val="bg1">
+                <a:lumMod val="75000"/>
+              </a:schemeClr>
             </a:solidFill>
             <a:ln>
               <a:noFill/>
@@ -8106,7 +8146,9 @@
               <a:avLst/>
             </a:prstGeom>
             <a:solidFill>
-              <a:schemeClr val="tx1"/>
+              <a:schemeClr val="bg1">
+                <a:lumMod val="75000"/>
+              </a:schemeClr>
             </a:solidFill>
             <a:ln>
               <a:noFill/>
@@ -8158,7 +8200,9 @@
               <a:avLst/>
             </a:prstGeom>
             <a:solidFill>
-              <a:schemeClr val="tx1"/>
+              <a:schemeClr val="bg1">
+                <a:lumMod val="75000"/>
+              </a:schemeClr>
             </a:solidFill>
             <a:ln>
               <a:noFill/>
@@ -8302,7 +8346,7 @@
                   <a:sysClr val="windowText" lastClr="000000"/>
                 </a:solidFill>
               </a:rPr>
-              <a:t>2</a:t>
+              <a:t>3</a:t>
             </a:r>
             <a:endParaRPr lang="ko-KR" altLang="en-US" dirty="0">
               <a:solidFill>
@@ -8312,6 +8356,84 @@
           </a:p>
         </p:txBody>
       </p:sp>
+      <p:cxnSp>
+        <p:nvCxnSpPr>
+          <p:cNvPr id="12" name="직선 연결선 11">
+            <a:extLst>
+              <a:ext uri="{FF2B5EF4-FFF2-40B4-BE49-F238E27FC236}">
+                <a16:creationId xmlns:a16="http://schemas.microsoft.com/office/drawing/2014/main" id="{ACC0B61B-7FE2-408E-A4BE-3F035374A3CD}"/>
+              </a:ext>
+            </a:extLst>
+          </p:cNvPr>
+          <p:cNvCxnSpPr>
+            <a:cxnSpLocks/>
+          </p:cNvCxnSpPr>
+          <p:nvPr/>
+        </p:nvCxnSpPr>
+        <p:spPr>
+          <a:xfrm>
+            <a:off x="2473716" y="2225887"/>
+            <a:ext cx="345684" cy="117263"/>
+          </a:xfrm>
+          <a:prstGeom prst="line">
+            <a:avLst/>
+          </a:prstGeom>
+          <a:ln w="3175"/>
+        </p:spPr>
+        <p:style>
+          <a:lnRef idx="1">
+            <a:schemeClr val="dk1"/>
+          </a:lnRef>
+          <a:fillRef idx="0">
+            <a:schemeClr val="dk1"/>
+          </a:fillRef>
+          <a:effectRef idx="0">
+            <a:schemeClr val="dk1"/>
+          </a:effectRef>
+          <a:fontRef idx="minor">
+            <a:schemeClr val="tx1"/>
+          </a:fontRef>
+        </p:style>
+      </p:cxnSp>
+      <p:cxnSp>
+        <p:nvCxnSpPr>
+          <p:cNvPr id="20" name="직선 연결선 19">
+            <a:extLst>
+              <a:ext uri="{FF2B5EF4-FFF2-40B4-BE49-F238E27FC236}">
+                <a16:creationId xmlns:a16="http://schemas.microsoft.com/office/drawing/2014/main" id="{1046F487-AAC7-4CDF-9783-DBA38367C436}"/>
+              </a:ext>
+            </a:extLst>
+          </p:cNvPr>
+          <p:cNvCxnSpPr>
+            <a:cxnSpLocks/>
+          </p:cNvCxnSpPr>
+          <p:nvPr/>
+        </p:nvCxnSpPr>
+        <p:spPr>
+          <a:xfrm flipV="1">
+            <a:off x="2473716" y="2225887"/>
+            <a:ext cx="341390" cy="114102"/>
+          </a:xfrm>
+          <a:prstGeom prst="line">
+            <a:avLst/>
+          </a:prstGeom>
+          <a:ln w="3175"/>
+        </p:spPr>
+        <p:style>
+          <a:lnRef idx="1">
+            <a:schemeClr val="dk1"/>
+          </a:lnRef>
+          <a:fillRef idx="0">
+            <a:schemeClr val="dk1"/>
+          </a:fillRef>
+          <a:effectRef idx="0">
+            <a:schemeClr val="dk1"/>
+          </a:effectRef>
+          <a:fontRef idx="minor">
+            <a:schemeClr val="tx1"/>
+          </a:fontRef>
+        </p:style>
+      </p:cxnSp>
     </p:spTree>
     <p:extLst>
       <p:ext uri="{BB962C8B-B14F-4D97-AF65-F5344CB8AC3E}">
@@ -8357,7 +8479,7 @@
           <p:nvPr>
             <p:extLst>
               <p:ext uri="{D42A27DB-BD31-4B8C-83A1-F6EECF244321}">
-                <p14:modId xmlns:p14="http://schemas.microsoft.com/office/powerpoint/2010/main" val="149677696"/>
+                <p14:modId xmlns:p14="http://schemas.microsoft.com/office/powerpoint/2010/main" val="3085466242"/>
               </p:ext>
             </p:extLst>
           </p:nvPr>
@@ -8519,7 +8641,7 @@
                       <a:pPr latinLnBrk="1"/>
                       <a:r>
                         <a:rPr lang="en-US" altLang="ko-KR" sz="1600" dirty="0"/>
-                        <a:t>Main section1 </a:t>
+                        <a:t>Main Section1 </a:t>
                       </a:r>
                       <a:endParaRPr lang="ko-KR" altLang="en-US" sz="1600" dirty="0"/>
                     </a:p>
@@ -8583,14 +8705,14 @@
           <p:nvPr>
             <p:extLst>
               <p:ext uri="{D42A27DB-BD31-4B8C-83A1-F6EECF244321}">
-                <p14:modId xmlns:p14="http://schemas.microsoft.com/office/powerpoint/2010/main" val="1095100047"/>
+                <p14:modId xmlns:p14="http://schemas.microsoft.com/office/powerpoint/2010/main" val="310496347"/>
               </p:ext>
             </p:extLst>
           </p:nvPr>
         </p:nvGraphicFramePr>
         <p:xfrm>
           <a:off x="587828" y="1480824"/>
-          <a:ext cx="10918371" cy="4716075"/>
+          <a:ext cx="10918372" cy="4485443"/>
         </p:xfrm>
         <a:graphic>
           <a:graphicData uri="http://schemas.openxmlformats.org/drawingml/2006/table">
@@ -8613,10 +8735,17 @@
                     </a:ext>
                   </a:extLst>
                 </a:gridCol>
-                <a:gridCol w="5459185">
+                <a:gridCol w="936347">
                   <a:extLst>
                     <a:ext uri="{9D8B030D-6E8A-4147-A177-3AD203B41FA5}">
                       <a16:colId xmlns:a16="http://schemas.microsoft.com/office/drawing/2014/main" val="2675573917"/>
+                    </a:ext>
+                  </a:extLst>
+                </a:gridCol>
+                <a:gridCol w="4522839">
+                  <a:extLst>
+                    <a:ext uri="{9D8B030D-6E8A-4147-A177-3AD203B41FA5}">
+                      <a16:colId xmlns:a16="http://schemas.microsoft.com/office/drawing/2014/main" val="1466959458"/>
                     </a:ext>
                   </a:extLst>
                 </a:gridCol>
@@ -8671,7 +8800,7 @@
                   </a:txBody>
                   <a:tcPr/>
                 </a:tc>
-                <a:tc>
+                <a:tc gridSpan="2">
                   <a:txBody>
                     <a:bodyPr/>
                     <a:lstStyle/>
@@ -8709,14 +8838,25 @@
                     </a:solidFill>
                   </a:tcPr>
                 </a:tc>
+                <a:tc hMerge="1">
+                  <a:txBody>
+                    <a:bodyPr/>
+                    <a:lstStyle/>
+                    <a:p>
+                      <a:pPr latinLnBrk="1"/>
+                      <a:endParaRPr lang="ko-KR" altLang="en-US"/>
+                    </a:p>
+                  </a:txBody>
+                  <a:tcPr/>
+                </a:tc>
                 <a:extLst>
                   <a:ext uri="{0D108BD9-81ED-4DB2-BD59-A6C34878D82A}">
                     <a16:rowId xmlns:a16="http://schemas.microsoft.com/office/drawing/2014/main" val="499990257"/>
                   </a:ext>
                 </a:extLst>
               </a:tr>
-              <a:tr h="2629418">
-                <a:tc rowSpan="3">
+              <a:tr h="405380">
+                <a:tc rowSpan="5">
                   <a:txBody>
                     <a:bodyPr/>
                     <a:lstStyle/>
@@ -8727,7 +8867,7 @@
                   </a:txBody>
                   <a:tcPr/>
                 </a:tc>
-                <a:tc rowSpan="3">
+                <a:tc rowSpan="5">
                   <a:txBody>
                     <a:bodyPr/>
                     <a:lstStyle/>
@@ -8743,8 +8883,45 @@
                     <a:bodyPr/>
                     <a:lstStyle/>
                     <a:p>
+                      <a:pPr algn="ctr" latinLnBrk="1"/>
+                      <a:r>
+                        <a:rPr lang="ko-KR" altLang="en-US" sz="1100" dirty="0"/>
+                        <a:t>화면 설명 </a:t>
+                      </a:r>
+                    </a:p>
+                  </a:txBody>
+                  <a:tcPr>
+                    <a:solidFill>
+                      <a:srgbClr val="DAE3F3"/>
+                    </a:solidFill>
+                  </a:tcPr>
+                </a:tc>
+                <a:tc>
+                  <a:txBody>
+                    <a:bodyPr/>
+                    <a:lstStyle/>
+                    <a:p>
                       <a:pPr latinLnBrk="1"/>
-                      <a:endParaRPr lang="ko-KR" altLang="en-US" dirty="0"/>
+                      <a:r>
+                        <a:rPr lang="ko-KR" altLang="en-US" sz="1100" dirty="0"/>
+                        <a:t>공식 유튜브에서 촬영한 독도의 경관을 담은 영상을 배경으로 깔아 </a:t>
+                      </a:r>
+                      <a:r>
+                        <a:rPr lang="en-US" altLang="ko-KR" sz="1100" dirty="0"/>
+                        <a:t>Nav</a:t>
+                      </a:r>
+                      <a:r>
+                        <a:rPr lang="ko-KR" altLang="en-US" sz="1100" dirty="0"/>
+                        <a:t>와 </a:t>
+                      </a:r>
+                      <a:r>
+                        <a:rPr lang="en-US" altLang="ko-KR" sz="1100" dirty="0"/>
+                        <a:t>Section_2</a:t>
+                      </a:r>
+                      <a:r>
+                        <a:rPr lang="ko-KR" altLang="en-US" sz="1100" dirty="0"/>
+                        <a:t>가 배경 위에 깔리도록 구성</a:t>
+                      </a:r>
                     </a:p>
                   </a:txBody>
                   <a:tcPr/>
@@ -8755,14 +8932,14 @@
                   </a:ext>
                 </a:extLst>
               </a:tr>
-              <a:tr h="329891">
+              <a:tr h="986033">
                 <a:tc vMerge="1">
                   <a:txBody>
                     <a:bodyPr/>
                     <a:lstStyle/>
                     <a:p>
                       <a:pPr latinLnBrk="1"/>
-                      <a:endParaRPr lang="ko-KR" altLang="en-US" dirty="0"/>
+                      <a:endParaRPr lang="ko-KR" altLang="en-US"/>
                     </a:p>
                   </a:txBody>
                   <a:tcPr/>
@@ -8779,6 +8956,195 @@
                   <a:tcPr/>
                 </a:tc>
                 <a:tc>
+                  <a:txBody>
+                    <a:bodyPr/>
+                    <a:lstStyle/>
+                    <a:p>
+                      <a:pPr algn="ctr" latinLnBrk="1"/>
+                      <a:endParaRPr lang="en-US" altLang="ko-KR" sz="1100" dirty="0"/>
+                    </a:p>
+                    <a:p>
+                      <a:pPr algn="ctr" latinLnBrk="1"/>
+                      <a:endParaRPr lang="en-US" altLang="ko-KR" sz="1100" dirty="0"/>
+                    </a:p>
+                    <a:p>
+                      <a:pPr algn="ctr" latinLnBrk="1"/>
+                      <a:r>
+                        <a:rPr lang="en-US" altLang="ko-KR" sz="1100" dirty="0"/>
+                        <a:t>1</a:t>
+                      </a:r>
+                      <a:endParaRPr lang="ko-KR" altLang="en-US" sz="1100" dirty="0"/>
+                    </a:p>
+                  </a:txBody>
+                  <a:tcPr>
+                    <a:solidFill>
+                      <a:srgbClr val="DAE3F3"/>
+                    </a:solidFill>
+                  </a:tcPr>
+                </a:tc>
+                <a:tc>
+                  <a:txBody>
+                    <a:bodyPr/>
+                    <a:lstStyle/>
+                    <a:p>
+                      <a:pPr latinLnBrk="1"/>
+                      <a:endParaRPr lang="en-US" altLang="ko-KR" sz="1100" dirty="0"/>
+                    </a:p>
+                    <a:p>
+                      <a:pPr latinLnBrk="1"/>
+                      <a:r>
+                        <a:rPr lang="ko-KR" altLang="en-US" sz="1100" dirty="0"/>
+                        <a:t>배경의 영상은 자동으로 반복 재생되도록 설정하고</a:t>
+                      </a:r>
+                      <a:r>
+                        <a:rPr lang="en-US" altLang="ko-KR" sz="1100" dirty="0"/>
+                        <a:t>,</a:t>
+                      </a:r>
+                    </a:p>
+                    <a:p>
+                      <a:pPr latinLnBrk="1"/>
+                      <a:r>
+                        <a:rPr lang="ko-KR" altLang="en-US" sz="1100" dirty="0"/>
+                        <a:t>스크롤 내릴 시 영상의 위치 고정시켜 다른 섹션이 올라오는 것처럼 보이도록 설정</a:t>
+                      </a:r>
+                      <a:endParaRPr lang="en-US" altLang="ko-KR" sz="1100" dirty="0"/>
+                    </a:p>
+                  </a:txBody>
+                  <a:tcPr/>
+                </a:tc>
+                <a:extLst>
+                  <a:ext uri="{0D108BD9-81ED-4DB2-BD59-A6C34878D82A}">
+                    <a16:rowId xmlns:a16="http://schemas.microsoft.com/office/drawing/2014/main" val="237570380"/>
+                  </a:ext>
+                </a:extLst>
+              </a:tr>
+              <a:tr h="986033">
+                <a:tc vMerge="1">
+                  <a:txBody>
+                    <a:bodyPr/>
+                    <a:lstStyle/>
+                    <a:p>
+                      <a:pPr latinLnBrk="1"/>
+                      <a:endParaRPr lang="ko-KR" altLang="en-US"/>
+                    </a:p>
+                  </a:txBody>
+                  <a:tcPr/>
+                </a:tc>
+                <a:tc vMerge="1">
+                  <a:txBody>
+                    <a:bodyPr/>
+                    <a:lstStyle/>
+                    <a:p>
+                      <a:pPr latinLnBrk="1"/>
+                      <a:endParaRPr lang="ko-KR" altLang="en-US"/>
+                    </a:p>
+                  </a:txBody>
+                  <a:tcPr/>
+                </a:tc>
+                <a:tc>
+                  <a:txBody>
+                    <a:bodyPr/>
+                    <a:lstStyle/>
+                    <a:p>
+                      <a:pPr algn="ctr" latinLnBrk="1"/>
+                      <a:endParaRPr lang="en-US" altLang="ko-KR" sz="1100" dirty="0"/>
+                    </a:p>
+                    <a:p>
+                      <a:pPr algn="ctr" latinLnBrk="1"/>
+                      <a:endParaRPr lang="en-US" altLang="ko-KR" sz="1100" dirty="0"/>
+                    </a:p>
+                    <a:p>
+                      <a:pPr algn="ctr" latinLnBrk="1"/>
+                      <a:r>
+                        <a:rPr lang="en-US" altLang="ko-KR" sz="1100" dirty="0"/>
+                        <a:t>2</a:t>
+                      </a:r>
+                      <a:endParaRPr lang="ko-KR" altLang="en-US" sz="1100" dirty="0"/>
+                    </a:p>
+                  </a:txBody>
+                  <a:tcPr>
+                    <a:solidFill>
+                      <a:srgbClr val="DAE3F3"/>
+                    </a:solidFill>
+                  </a:tcPr>
+                </a:tc>
+                <a:tc>
+                  <a:txBody>
+                    <a:bodyPr/>
+                    <a:lstStyle/>
+                    <a:p>
+                      <a:pPr latinLnBrk="1"/>
+                      <a:endParaRPr lang="en-US" altLang="ko-KR" sz="1100" dirty="0"/>
+                    </a:p>
+                    <a:p>
+                      <a:pPr latinLnBrk="1"/>
+                      <a:r>
+                        <a:rPr lang="ko-KR" altLang="en-US" sz="1100" dirty="0"/>
+                        <a:t>외교부에서 제작한 </a:t>
+                      </a:r>
+                      <a:r>
+                        <a:rPr lang="ko-KR" altLang="en-US" sz="1100" dirty="0" err="1"/>
+                        <a:t>캘리그라피</a:t>
+                      </a:r>
+                      <a:r>
+                        <a:rPr lang="ko-KR" altLang="en-US" sz="1100" dirty="0"/>
+                        <a:t> 이미지를 영상 상단에 고정시킴</a:t>
+                      </a:r>
+                      <a:endParaRPr lang="en-US" altLang="ko-KR" sz="1100" dirty="0"/>
+                    </a:p>
+                    <a:p>
+                      <a:pPr latinLnBrk="1"/>
+                      <a:r>
+                        <a:rPr lang="ko-KR" altLang="en-US" sz="1100" dirty="0"/>
+                        <a:t>이미지 클릭 시 관련 페이지로 넘어가도록 설정</a:t>
+                      </a:r>
+                      <a:r>
+                        <a:rPr lang="en-US" altLang="ko-KR" sz="1100" dirty="0"/>
+                        <a:t>(</a:t>
+                      </a:r>
+                      <a:r>
+                        <a:rPr lang="ko-KR" altLang="en-US" sz="1100" dirty="0"/>
+                        <a:t>구현 예정</a:t>
+                      </a:r>
+                      <a:r>
+                        <a:rPr lang="en-US" altLang="ko-KR" sz="1100" dirty="0"/>
+                        <a:t>)</a:t>
+                      </a:r>
+                      <a:endParaRPr lang="ko-KR" altLang="en-US" sz="1100" dirty="0"/>
+                    </a:p>
+                  </a:txBody>
+                  <a:tcPr/>
+                </a:tc>
+                <a:extLst>
+                  <a:ext uri="{0D108BD9-81ED-4DB2-BD59-A6C34878D82A}">
+                    <a16:rowId xmlns:a16="http://schemas.microsoft.com/office/drawing/2014/main" val="1187058867"/>
+                  </a:ext>
+                </a:extLst>
+              </a:tr>
+              <a:tr h="329891">
+                <a:tc vMerge="1">
+                  <a:txBody>
+                    <a:bodyPr/>
+                    <a:lstStyle/>
+                    <a:p>
+                      <a:pPr latinLnBrk="1"/>
+                      <a:endParaRPr lang="ko-KR" altLang="en-US" dirty="0"/>
+                    </a:p>
+                  </a:txBody>
+                  <a:tcPr/>
+                </a:tc>
+                <a:tc vMerge="1">
+                  <a:txBody>
+                    <a:bodyPr/>
+                    <a:lstStyle/>
+                    <a:p>
+                      <a:pPr latinLnBrk="1"/>
+                      <a:endParaRPr lang="ko-KR" altLang="en-US"/>
+                    </a:p>
+                  </a:txBody>
+                  <a:tcPr/>
+                </a:tc>
+                <a:tc gridSpan="2">
                   <a:txBody>
                     <a:bodyPr/>
                     <a:lstStyle/>
@@ -8798,6 +9164,17 @@
                       </a:schemeClr>
                     </a:solidFill>
                   </a:tcPr>
+                </a:tc>
+                <a:tc hMerge="1">
+                  <a:txBody>
+                    <a:bodyPr/>
+                    <a:lstStyle/>
+                    <a:p>
+                      <a:pPr latinLnBrk="1"/>
+                      <a:endParaRPr lang="ko-KR" altLang="en-US"/>
+                    </a:p>
+                  </a:txBody>
+                  <a:tcPr/>
                 </a:tc>
                 <a:extLst>
                   <a:ext uri="{0D108BD9-81ED-4DB2-BD59-A6C34878D82A}">
@@ -8833,8 +9210,54 @@
                     <a:bodyPr/>
                     <a:lstStyle/>
                     <a:p>
+                      <a:pPr algn="ctr" latinLnBrk="1"/>
+                      <a:endParaRPr lang="en-US" altLang="ko-KR" sz="1100" dirty="0"/>
+                    </a:p>
+                    <a:p>
+                      <a:pPr algn="ctr" latinLnBrk="1"/>
+                      <a:endParaRPr lang="en-US" altLang="ko-KR" sz="1100" dirty="0"/>
+                    </a:p>
+                    <a:p>
+                      <a:pPr algn="ctr" latinLnBrk="1"/>
+                      <a:endParaRPr lang="en-US" altLang="ko-KR" sz="1100" dirty="0"/>
+                    </a:p>
+                    <a:p>
+                      <a:pPr algn="ctr" latinLnBrk="1"/>
+                      <a:r>
+                        <a:rPr lang="en-US" altLang="ko-KR" sz="1100" dirty="0"/>
+                        <a:t>1</a:t>
+                      </a:r>
+                      <a:endParaRPr lang="ko-KR" altLang="en-US" sz="1100" dirty="0"/>
+                    </a:p>
+                  </a:txBody>
+                  <a:tcPr>
+                    <a:solidFill>
+                      <a:srgbClr val="DAE3F3"/>
+                    </a:solidFill>
+                  </a:tcPr>
+                </a:tc>
+                <a:tc>
+                  <a:txBody>
+                    <a:bodyPr/>
+                    <a:lstStyle/>
+                    <a:p>
                       <a:pPr latinLnBrk="1"/>
-                      <a:endParaRPr lang="ko-KR" altLang="en-US" dirty="0"/>
+                      <a:endParaRPr lang="en-US" altLang="ko-KR" sz="1100" dirty="0"/>
+                    </a:p>
+                    <a:p>
+                      <a:pPr latinLnBrk="1"/>
+                      <a:endParaRPr lang="en-US" altLang="ko-KR" sz="1100" dirty="0"/>
+                    </a:p>
+                    <a:p>
+                      <a:pPr latinLnBrk="1"/>
+                      <a:endParaRPr lang="en-US" altLang="ko-KR" sz="1100" dirty="0"/>
+                    </a:p>
+                    <a:p>
+                      <a:pPr latinLnBrk="1"/>
+                      <a:r>
+                        <a:rPr lang="ko-KR" altLang="en-US" sz="1100" dirty="0"/>
+                        <a:t>화면사이즈에 맞게 영상크기 조절</a:t>
+                      </a:r>
                     </a:p>
                   </a:txBody>
                   <a:tcPr/>
@@ -8918,7 +9341,7 @@
         </p:nvSpPr>
         <p:spPr>
           <a:xfrm rot="5400000">
-            <a:off x="2212027" y="2873243"/>
+            <a:off x="2212025" y="2959838"/>
             <a:ext cx="120650" cy="98425"/>
           </a:xfrm>
           <a:prstGeom prst="triangle">
@@ -9137,9 +9560,8 @@
             <a:avLst/>
           </a:prstGeom>
           <a:solidFill>
-            <a:schemeClr val="tx1">
+            <a:schemeClr val="bg1">
               <a:lumMod val="75000"/>
-              <a:lumOff val="25000"/>
             </a:schemeClr>
           </a:solidFill>
           <a:ln>
@@ -9339,7 +9761,7 @@
         </p:nvSpPr>
         <p:spPr>
           <a:xfrm>
-            <a:off x="2546152" y="2705507"/>
+            <a:off x="2546040" y="2519304"/>
             <a:ext cx="264696" cy="259308"/>
           </a:xfrm>
           <a:prstGeom prst="ellipse">
@@ -9406,7 +9828,7 @@
         </p:nvSpPr>
         <p:spPr>
           <a:xfrm>
-            <a:off x="2048237" y="2027035"/>
+            <a:off x="988028" y="2602822"/>
             <a:ext cx="264696" cy="259308"/>
           </a:xfrm>
           <a:prstGeom prst="ellipse">
@@ -9747,9 +10169,8 @@
             <a:avLst/>
           </a:prstGeom>
           <a:solidFill>
-            <a:schemeClr val="tx1">
+            <a:schemeClr val="bg1">
               <a:lumMod val="75000"/>
-              <a:lumOff val="25000"/>
             </a:schemeClr>
           </a:solidFill>
           <a:ln>
@@ -9932,140 +10353,6 @@
               <a:t>Section_1</a:t>
             </a:r>
             <a:endParaRPr lang="ko-KR" altLang="en-US" sz="800" dirty="0"/>
-          </a:p>
-        </p:txBody>
-      </p:sp>
-      <p:sp>
-        <p:nvSpPr>
-          <p:cNvPr id="252" name="타원 251">
-            <a:extLst>
-              <a:ext uri="{FF2B5EF4-FFF2-40B4-BE49-F238E27FC236}">
-                <a16:creationId xmlns:a16="http://schemas.microsoft.com/office/drawing/2014/main" id="{A4A1E54D-4404-4571-87B2-FF4366CC9478}"/>
-              </a:ext>
-            </a:extLst>
-          </p:cNvPr>
-          <p:cNvSpPr/>
-          <p:nvPr/>
-        </p:nvSpPr>
-        <p:spPr>
-          <a:xfrm>
-            <a:off x="5563251" y="2774781"/>
-            <a:ext cx="264696" cy="259308"/>
-          </a:xfrm>
-          <a:prstGeom prst="ellipse">
-            <a:avLst/>
-          </a:prstGeom>
-          <a:solidFill>
-            <a:schemeClr val="accent2">
-              <a:lumMod val="40000"/>
-              <a:lumOff val="60000"/>
-            </a:schemeClr>
-          </a:solidFill>
-          <a:ln>
-            <a:noFill/>
-          </a:ln>
-        </p:spPr>
-        <p:style>
-          <a:lnRef idx="2">
-            <a:schemeClr val="accent1">
-              <a:shade val="50000"/>
-            </a:schemeClr>
-          </a:lnRef>
-          <a:fillRef idx="1">
-            <a:schemeClr val="accent1"/>
-          </a:fillRef>
-          <a:effectRef idx="0">
-            <a:schemeClr val="accent1"/>
-          </a:effectRef>
-          <a:fontRef idx="minor">
-            <a:schemeClr val="lt1"/>
-          </a:fontRef>
-        </p:style>
-        <p:txBody>
-          <a:bodyPr rtlCol="0" anchor="ctr"/>
-          <a:lstStyle/>
-          <a:p>
-            <a:pPr algn="ctr"/>
-            <a:r>
-              <a:rPr lang="en-US" altLang="ko-KR" dirty="0">
-                <a:solidFill>
-                  <a:sysClr val="windowText" lastClr="000000"/>
-                </a:solidFill>
-              </a:rPr>
-              <a:t>1</a:t>
-            </a:r>
-            <a:endParaRPr lang="ko-KR" altLang="en-US" dirty="0">
-              <a:solidFill>
-                <a:sysClr val="windowText" lastClr="000000"/>
-              </a:solidFill>
-            </a:endParaRPr>
-          </a:p>
-        </p:txBody>
-      </p:sp>
-      <p:sp>
-        <p:nvSpPr>
-          <p:cNvPr id="253" name="타원 252">
-            <a:extLst>
-              <a:ext uri="{FF2B5EF4-FFF2-40B4-BE49-F238E27FC236}">
-                <a16:creationId xmlns:a16="http://schemas.microsoft.com/office/drawing/2014/main" id="{CBECB099-8B6E-44C3-9DD1-F5EF139AC872}"/>
-              </a:ext>
-            </a:extLst>
-          </p:cNvPr>
-          <p:cNvSpPr/>
-          <p:nvPr/>
-        </p:nvSpPr>
-        <p:spPr>
-          <a:xfrm>
-            <a:off x="4605304" y="4261762"/>
-            <a:ext cx="264696" cy="259308"/>
-          </a:xfrm>
-          <a:prstGeom prst="ellipse">
-            <a:avLst/>
-          </a:prstGeom>
-          <a:solidFill>
-            <a:schemeClr val="accent2">
-              <a:lumMod val="40000"/>
-              <a:lumOff val="60000"/>
-            </a:schemeClr>
-          </a:solidFill>
-          <a:ln>
-            <a:noFill/>
-          </a:ln>
-        </p:spPr>
-        <p:style>
-          <a:lnRef idx="2">
-            <a:schemeClr val="accent1">
-              <a:shade val="50000"/>
-            </a:schemeClr>
-          </a:lnRef>
-          <a:fillRef idx="1">
-            <a:schemeClr val="accent1"/>
-          </a:fillRef>
-          <a:effectRef idx="0">
-            <a:schemeClr val="accent1"/>
-          </a:effectRef>
-          <a:fontRef idx="minor">
-            <a:schemeClr val="lt1"/>
-          </a:fontRef>
-        </p:style>
-        <p:txBody>
-          <a:bodyPr rtlCol="0" anchor="ctr"/>
-          <a:lstStyle/>
-          <a:p>
-            <a:pPr algn="ctr"/>
-            <a:r>
-              <a:rPr lang="en-US" altLang="ko-KR" dirty="0">
-                <a:solidFill>
-                  <a:sysClr val="windowText" lastClr="000000"/>
-                </a:solidFill>
-              </a:rPr>
-              <a:t>2</a:t>
-            </a:r>
-            <a:endParaRPr lang="ko-KR" altLang="en-US" dirty="0">
-              <a:solidFill>
-                <a:sysClr val="windowText" lastClr="000000"/>
-              </a:solidFill>
-            </a:endParaRPr>
           </a:p>
         </p:txBody>
       </p:sp>
@@ -10416,7 +10703,7 @@
           <p:nvPr>
             <p:extLst>
               <p:ext uri="{D42A27DB-BD31-4B8C-83A1-F6EECF244321}">
-                <p14:modId xmlns:p14="http://schemas.microsoft.com/office/powerpoint/2010/main" val="670544537"/>
+                <p14:modId xmlns:p14="http://schemas.microsoft.com/office/powerpoint/2010/main" val="4129021838"/>
               </p:ext>
             </p:extLst>
           </p:nvPr>
@@ -10578,7 +10865,7 @@
                       <a:pPr latinLnBrk="1"/>
                       <a:r>
                         <a:rPr lang="en-US" altLang="ko-KR" sz="1600" dirty="0"/>
-                        <a:t>Main section2</a:t>
+                        <a:t>Main Section2</a:t>
                       </a:r>
                       <a:endParaRPr lang="ko-KR" altLang="en-US" sz="1600" dirty="0"/>
                     </a:p>
@@ -10642,14 +10929,14 @@
           <p:nvPr>
             <p:extLst>
               <p:ext uri="{D42A27DB-BD31-4B8C-83A1-F6EECF244321}">
-                <p14:modId xmlns:p14="http://schemas.microsoft.com/office/powerpoint/2010/main" val="1626684596"/>
+                <p14:modId xmlns:p14="http://schemas.microsoft.com/office/powerpoint/2010/main" val="2489190257"/>
               </p:ext>
             </p:extLst>
           </p:nvPr>
         </p:nvGraphicFramePr>
         <p:xfrm>
-          <a:off x="587827" y="1525209"/>
-          <a:ext cx="10918371" cy="4842934"/>
+          <a:off x="587827" y="1525208"/>
+          <a:ext cx="10918371" cy="4784151"/>
         </p:xfrm>
         <a:graphic>
           <a:graphicData uri="http://schemas.openxmlformats.org/drawingml/2006/table">
@@ -10658,29 +10945,36 @@
                 <a:tableStyleId>{5940675A-B579-460E-94D1-54222C63F5DA}</a:tableStyleId>
               </a:tblPr>
               <a:tblGrid>
-                <a:gridCol w="3483430">
+                <a:gridCol w="3483429">
                   <a:extLst>
                     <a:ext uri="{9D8B030D-6E8A-4147-A177-3AD203B41FA5}">
                       <a16:colId xmlns:a16="http://schemas.microsoft.com/office/drawing/2014/main" val="3746107964"/>
                     </a:ext>
                   </a:extLst>
                 </a:gridCol>
-                <a:gridCol w="1975756">
+                <a:gridCol w="1975755">
                   <a:extLst>
                     <a:ext uri="{9D8B030D-6E8A-4147-A177-3AD203B41FA5}">
                       <a16:colId xmlns:a16="http://schemas.microsoft.com/office/drawing/2014/main" val="1673306471"/>
                     </a:ext>
                   </a:extLst>
                 </a:gridCol>
-                <a:gridCol w="5459185">
+                <a:gridCol w="1134838">
                   <a:extLst>
                     <a:ext uri="{9D8B030D-6E8A-4147-A177-3AD203B41FA5}">
                       <a16:colId xmlns:a16="http://schemas.microsoft.com/office/drawing/2014/main" val="2675573917"/>
                     </a:ext>
                   </a:extLst>
                 </a:gridCol>
+                <a:gridCol w="4324349">
+                  <a:extLst>
+                    <a:ext uri="{9D8B030D-6E8A-4147-A177-3AD203B41FA5}">
+                      <a16:colId xmlns:a16="http://schemas.microsoft.com/office/drawing/2014/main" val="183052930"/>
+                    </a:ext>
+                  </a:extLst>
+                </a:gridCol>
               </a:tblGrid>
-              <a:tr h="436667">
+              <a:tr h="467310">
                 <a:tc gridSpan="2">
                   <a:txBody>
                     <a:bodyPr/>
@@ -10730,7 +11024,7 @@
                   </a:txBody>
                   <a:tcPr/>
                 </a:tc>
-                <a:tc>
+                <a:tc gridSpan="2">
                   <a:txBody>
                     <a:bodyPr/>
                     <a:lstStyle/>
@@ -10768,14 +11062,25 @@
                     </a:solidFill>
                   </a:tcPr>
                 </a:tc>
+                <a:tc hMerge="1">
+                  <a:txBody>
+                    <a:bodyPr/>
+                    <a:lstStyle/>
+                    <a:p>
+                      <a:pPr latinLnBrk="1"/>
+                      <a:endParaRPr lang="ko-KR" altLang="en-US"/>
+                    </a:p>
+                  </a:txBody>
+                  <a:tcPr/>
+                </a:tc>
                 <a:extLst>
                   <a:ext uri="{0D108BD9-81ED-4DB2-BD59-A6C34878D82A}">
                     <a16:rowId xmlns:a16="http://schemas.microsoft.com/office/drawing/2014/main" val="499990257"/>
                   </a:ext>
                 </a:extLst>
               </a:tr>
-              <a:tr h="2629418">
-                <a:tc rowSpan="3">
+              <a:tr h="456665">
+                <a:tc rowSpan="7">
                   <a:txBody>
                     <a:bodyPr/>
                     <a:lstStyle/>
@@ -10786,7 +11091,7 @@
                   </a:txBody>
                   <a:tcPr/>
                 </a:tc>
-                <a:tc rowSpan="3">
+                <a:tc rowSpan="7">
                   <a:txBody>
                     <a:bodyPr/>
                     <a:lstStyle/>
@@ -10802,8 +11107,29 @@
                     <a:bodyPr/>
                     <a:lstStyle/>
                     <a:p>
+                      <a:pPr algn="ctr" latinLnBrk="1"/>
+                      <a:r>
+                        <a:rPr lang="ko-KR" altLang="en-US" sz="1200" dirty="0"/>
+                        <a:t>화면 설명</a:t>
+                      </a:r>
+                    </a:p>
+                  </a:txBody>
+                  <a:tcPr>
+                    <a:solidFill>
+                      <a:srgbClr val="DAE3F3"/>
+                    </a:solidFill>
+                  </a:tcPr>
+                </a:tc>
+                <a:tc>
+                  <a:txBody>
+                    <a:bodyPr/>
+                    <a:lstStyle/>
+                    <a:p>
                       <a:pPr latinLnBrk="1"/>
-                      <a:endParaRPr lang="ko-KR" altLang="en-US" dirty="0"/>
+                      <a:r>
+                        <a:rPr lang="ko-KR" altLang="en-US" sz="1100" dirty="0"/>
+                        <a:t>독도 입도를 위한 날씨 및 입도방법 등의 정보를 제공하기 위한 화면 구성 </a:t>
+                      </a:r>
                     </a:p>
                   </a:txBody>
                   <a:tcPr/>
@@ -10814,14 +11140,14 @@
                   </a:ext>
                 </a:extLst>
               </a:tr>
-              <a:tr h="462139">
+              <a:tr h="485500">
                 <a:tc vMerge="1">
                   <a:txBody>
                     <a:bodyPr/>
                     <a:lstStyle/>
                     <a:p>
                       <a:pPr latinLnBrk="1"/>
-                      <a:endParaRPr lang="ko-KR" altLang="en-US" dirty="0"/>
+                      <a:endParaRPr lang="ko-KR" altLang="en-US"/>
                     </a:p>
                   </a:txBody>
                   <a:tcPr/>
@@ -10838,6 +11164,342 @@
                   <a:tcPr/>
                 </a:tc>
                 <a:tc>
+                  <a:txBody>
+                    <a:bodyPr/>
+                    <a:lstStyle/>
+                    <a:p>
+                      <a:pPr algn="ctr" latinLnBrk="1"/>
+                      <a:r>
+                        <a:rPr lang="en-US" altLang="ko-KR" sz="1200" dirty="0"/>
+                        <a:t>1</a:t>
+                      </a:r>
+                    </a:p>
+                  </a:txBody>
+                  <a:tcPr>
+                    <a:solidFill>
+                      <a:srgbClr val="DAE3F3"/>
+                    </a:solidFill>
+                  </a:tcPr>
+                </a:tc>
+                <a:tc>
+                  <a:txBody>
+                    <a:bodyPr/>
+                    <a:lstStyle/>
+                    <a:p>
+                      <a:pPr marL="0" marR="0" lvl="0" indent="0" algn="l" defTabSz="914400" rtl="0" eaLnBrk="1" fontAlgn="auto" latinLnBrk="1" hangingPunct="1">
+                        <a:lnSpc>
+                          <a:spcPct val="100000"/>
+                        </a:lnSpc>
+                        <a:spcBef>
+                          <a:spcPts val="0"/>
+                        </a:spcBef>
+                        <a:spcAft>
+                          <a:spcPts val="0"/>
+                        </a:spcAft>
+                        <a:buClrTx/>
+                        <a:buSzTx/>
+                        <a:buFontTx/>
+                        <a:buNone/>
+                        <a:tabLst/>
+                        <a:defRPr/>
+                      </a:pPr>
+                      <a:r>
+                        <a:rPr lang="en-US" altLang="ko-KR" sz="1100" dirty="0"/>
+                        <a:t>Section_1</a:t>
+                      </a:r>
+                      <a:r>
+                        <a:rPr lang="ko-KR" altLang="en-US" sz="1100" dirty="0"/>
+                        <a:t>의 영상 위에 </a:t>
+                      </a:r>
+                      <a:r>
+                        <a:rPr lang="en-US" altLang="ko-KR" sz="1100" dirty="0"/>
+                        <a:t>Section2</a:t>
+                      </a:r>
+                      <a:r>
+                        <a:rPr lang="ko-KR" altLang="en-US" sz="1100" dirty="0"/>
+                        <a:t>의 가로비율을 </a:t>
+                      </a:r>
+                      <a:r>
+                        <a:rPr lang="en-US" altLang="ko-KR" sz="1100" dirty="0"/>
+                        <a:t>80%</a:t>
+                      </a:r>
+                      <a:r>
+                        <a:rPr lang="ko-KR" altLang="en-US" sz="1100" dirty="0"/>
+                        <a:t>로 설정하고</a:t>
+                      </a:r>
+                      <a:r>
+                        <a:rPr lang="en-US" altLang="ko-KR" sz="1100" dirty="0"/>
+                        <a:t>,</a:t>
+                      </a:r>
+                      <a:r>
+                        <a:rPr lang="ko-KR" altLang="en-US" sz="1100" dirty="0"/>
+                        <a:t> </a:t>
+                      </a:r>
+                      <a:r>
+                        <a:rPr lang="en-US" altLang="ko-KR" sz="1100" dirty="0"/>
+                        <a:t>Left, Right</a:t>
+                      </a:r>
+                      <a:r>
+                        <a:rPr lang="ko-KR" altLang="en-US" sz="1100" dirty="0"/>
+                        <a:t>로 나눠서 </a:t>
+                      </a:r>
+                      <a:r>
+                        <a:rPr lang="en-US" altLang="ko-KR" sz="1100" dirty="0"/>
+                        <a:t>Row</a:t>
+                      </a:r>
+                      <a:r>
+                        <a:rPr lang="ko-KR" altLang="en-US" sz="1100" dirty="0"/>
+                        <a:t>로  배치</a:t>
+                      </a:r>
+                      <a:endParaRPr lang="en-US" altLang="ko-KR" sz="1100" dirty="0"/>
+                    </a:p>
+                  </a:txBody>
+                  <a:tcPr/>
+                </a:tc>
+                <a:extLst>
+                  <a:ext uri="{0D108BD9-81ED-4DB2-BD59-A6C34878D82A}">
+                    <a16:rowId xmlns:a16="http://schemas.microsoft.com/office/drawing/2014/main" val="4184110170"/>
+                  </a:ext>
+                </a:extLst>
+              </a:tr>
+              <a:tr h="340670">
+                <a:tc vMerge="1">
+                  <a:txBody>
+                    <a:bodyPr/>
+                    <a:lstStyle/>
+                    <a:p>
+                      <a:pPr latinLnBrk="1"/>
+                      <a:endParaRPr lang="ko-KR" altLang="en-US"/>
+                    </a:p>
+                  </a:txBody>
+                  <a:tcPr/>
+                </a:tc>
+                <a:tc vMerge="1">
+                  <a:txBody>
+                    <a:bodyPr/>
+                    <a:lstStyle/>
+                    <a:p>
+                      <a:pPr latinLnBrk="1"/>
+                      <a:endParaRPr lang="ko-KR" altLang="en-US"/>
+                    </a:p>
+                  </a:txBody>
+                  <a:tcPr/>
+                </a:tc>
+                <a:tc>
+                  <a:txBody>
+                    <a:bodyPr/>
+                    <a:lstStyle/>
+                    <a:p>
+                      <a:pPr algn="ctr" latinLnBrk="1"/>
+                      <a:r>
+                        <a:rPr lang="en-US" altLang="ko-KR" sz="1200" dirty="0"/>
+                        <a:t>2</a:t>
+                      </a:r>
+                      <a:endParaRPr lang="ko-KR" altLang="en-US" sz="1200" dirty="0"/>
+                    </a:p>
+                  </a:txBody>
+                  <a:tcPr>
+                    <a:solidFill>
+                      <a:srgbClr val="DAE3F3"/>
+                    </a:solidFill>
+                  </a:tcPr>
+                </a:tc>
+                <a:tc>
+                  <a:txBody>
+                    <a:bodyPr/>
+                    <a:lstStyle/>
+                    <a:p>
+                      <a:pPr latinLnBrk="1"/>
+                      <a:r>
+                        <a:rPr lang="ko-KR" altLang="en-US" sz="1100" dirty="0"/>
+                        <a:t>현재 독도의 기온을 </a:t>
+                      </a:r>
+                      <a:r>
+                        <a:rPr lang="en-US" altLang="ko-KR" sz="1100" dirty="0"/>
+                        <a:t>1</a:t>
+                      </a:r>
+                      <a:r>
+                        <a:rPr lang="ko-KR" altLang="en-US" sz="1100" dirty="0"/>
+                        <a:t>시간 간격으로 화면에 뜨도록 설정 </a:t>
+                      </a:r>
+                    </a:p>
+                  </a:txBody>
+                  <a:tcPr/>
+                </a:tc>
+                <a:extLst>
+                  <a:ext uri="{0D108BD9-81ED-4DB2-BD59-A6C34878D82A}">
+                    <a16:rowId xmlns:a16="http://schemas.microsoft.com/office/drawing/2014/main" val="418644640"/>
+                  </a:ext>
+                </a:extLst>
+              </a:tr>
+              <a:tr h="617804">
+                <a:tc vMerge="1">
+                  <a:txBody>
+                    <a:bodyPr/>
+                    <a:lstStyle/>
+                    <a:p>
+                      <a:pPr latinLnBrk="1"/>
+                      <a:endParaRPr lang="ko-KR" altLang="en-US"/>
+                    </a:p>
+                  </a:txBody>
+                  <a:tcPr/>
+                </a:tc>
+                <a:tc vMerge="1">
+                  <a:txBody>
+                    <a:bodyPr/>
+                    <a:lstStyle/>
+                    <a:p>
+                      <a:pPr latinLnBrk="1"/>
+                      <a:endParaRPr lang="ko-KR" altLang="en-US"/>
+                    </a:p>
+                  </a:txBody>
+                  <a:tcPr/>
+                </a:tc>
+                <a:tc>
+                  <a:txBody>
+                    <a:bodyPr/>
+                    <a:lstStyle/>
+                    <a:p>
+                      <a:pPr algn="ctr" latinLnBrk="1"/>
+                      <a:endParaRPr lang="en-US" altLang="ko-KR" sz="1200" dirty="0"/>
+                    </a:p>
+                    <a:p>
+                      <a:pPr algn="ctr" latinLnBrk="1"/>
+                      <a:r>
+                        <a:rPr lang="en-US" altLang="ko-KR" sz="1200" dirty="0"/>
+                        <a:t>2-1</a:t>
+                      </a:r>
+                      <a:endParaRPr lang="ko-KR" altLang="en-US" sz="1200" dirty="0"/>
+                    </a:p>
+                  </a:txBody>
+                  <a:tcPr>
+                    <a:solidFill>
+                      <a:srgbClr val="DAE3F3"/>
+                    </a:solidFill>
+                  </a:tcPr>
+                </a:tc>
+                <a:tc>
+                  <a:txBody>
+                    <a:bodyPr/>
+                    <a:lstStyle/>
+                    <a:p>
+                      <a:pPr latinLnBrk="1"/>
+                      <a:r>
+                        <a:rPr lang="en-US" altLang="ko-KR" sz="1100" dirty="0"/>
+                        <a:t>2</a:t>
+                      </a:r>
+                      <a:r>
+                        <a:rPr lang="ko-KR" altLang="en-US" sz="1100" dirty="0"/>
+                        <a:t>번의 독도의 현재 기온에 맞는 아이콘을 배치하여 기상상태를 더욱 한 눈에 알아볼 수 있도록 구성</a:t>
+                      </a:r>
+                    </a:p>
+                  </a:txBody>
+                  <a:tcPr/>
+                </a:tc>
+                <a:extLst>
+                  <a:ext uri="{0D108BD9-81ED-4DB2-BD59-A6C34878D82A}">
+                    <a16:rowId xmlns:a16="http://schemas.microsoft.com/office/drawing/2014/main" val="1510158431"/>
+                  </a:ext>
+                </a:extLst>
+              </a:tr>
+              <a:tr h="617804">
+                <a:tc vMerge="1">
+                  <a:txBody>
+                    <a:bodyPr/>
+                    <a:lstStyle/>
+                    <a:p>
+                      <a:pPr latinLnBrk="1"/>
+                      <a:endParaRPr lang="ko-KR" altLang="en-US"/>
+                    </a:p>
+                  </a:txBody>
+                  <a:tcPr/>
+                </a:tc>
+                <a:tc vMerge="1">
+                  <a:txBody>
+                    <a:bodyPr/>
+                    <a:lstStyle/>
+                    <a:p>
+                      <a:pPr latinLnBrk="1"/>
+                      <a:endParaRPr lang="ko-KR" altLang="en-US"/>
+                    </a:p>
+                  </a:txBody>
+                  <a:tcPr/>
+                </a:tc>
+                <a:tc>
+                  <a:txBody>
+                    <a:bodyPr/>
+                    <a:lstStyle/>
+                    <a:p>
+                      <a:pPr algn="ctr" latinLnBrk="1"/>
+                      <a:endParaRPr lang="en-US" altLang="ko-KR" sz="1200" dirty="0"/>
+                    </a:p>
+                    <a:p>
+                      <a:pPr algn="ctr" latinLnBrk="1"/>
+                      <a:r>
+                        <a:rPr lang="en-US" altLang="ko-KR" sz="1200" dirty="0"/>
+                        <a:t>3</a:t>
+                      </a:r>
+                      <a:endParaRPr lang="ko-KR" altLang="en-US" sz="1200" dirty="0"/>
+                    </a:p>
+                  </a:txBody>
+                  <a:tcPr>
+                    <a:solidFill>
+                      <a:srgbClr val="DAE3F3"/>
+                    </a:solidFill>
+                  </a:tcPr>
+                </a:tc>
+                <a:tc>
+                  <a:txBody>
+                    <a:bodyPr/>
+                    <a:lstStyle/>
+                    <a:p>
+                      <a:pPr latinLnBrk="1"/>
+                      <a:r>
+                        <a:rPr lang="ko-KR" altLang="en-US" sz="1100" dirty="0"/>
+                        <a:t>독도 입도에 관련된 여객선 정보 및 유의사항 등의 정보를 아코디언 방식의 </a:t>
+                      </a:r>
+                      <a:r>
+                        <a:rPr lang="en-US" altLang="ko-KR" sz="1100" dirty="0"/>
+                        <a:t>Nav</a:t>
+                      </a:r>
+                      <a:r>
+                        <a:rPr lang="ko-KR" altLang="en-US" sz="1100" dirty="0"/>
+                        <a:t>로 구성</a:t>
+                      </a:r>
+                    </a:p>
+                  </a:txBody>
+                  <a:tcPr/>
+                </a:tc>
+                <a:extLst>
+                  <a:ext uri="{0D108BD9-81ED-4DB2-BD59-A6C34878D82A}">
+                    <a16:rowId xmlns:a16="http://schemas.microsoft.com/office/drawing/2014/main" val="1915962948"/>
+                  </a:ext>
+                </a:extLst>
+              </a:tr>
+              <a:tr h="391428">
+                <a:tc vMerge="1">
+                  <a:txBody>
+                    <a:bodyPr/>
+                    <a:lstStyle/>
+                    <a:p>
+                      <a:pPr latinLnBrk="1"/>
+                      <a:endParaRPr lang="ko-KR" altLang="en-US" dirty="0"/>
+                    </a:p>
+                  </a:txBody>
+                  <a:tcPr/>
+                </a:tc>
+                <a:tc vMerge="1">
+                  <a:txBody>
+                    <a:bodyPr/>
+                    <a:lstStyle/>
+                    <a:p>
+                      <a:pPr latinLnBrk="1"/>
+                      <a:endParaRPr lang="ko-KR" altLang="en-US"/>
+                    </a:p>
+                  </a:txBody>
+                  <a:tcPr/>
+                </a:tc>
+                <a:tc gridSpan="2">
                   <a:txBody>
                     <a:bodyPr/>
                     <a:lstStyle/>
@@ -10858,13 +11520,24 @@
                     </a:solidFill>
                   </a:tcPr>
                 </a:tc>
+                <a:tc hMerge="1">
+                  <a:txBody>
+                    <a:bodyPr/>
+                    <a:lstStyle/>
+                    <a:p>
+                      <a:pPr latinLnBrk="1"/>
+                      <a:endParaRPr lang="ko-KR" altLang="en-US"/>
+                    </a:p>
+                  </a:txBody>
+                  <a:tcPr/>
+                </a:tc>
                 <a:extLst>
                   <a:ext uri="{0D108BD9-81ED-4DB2-BD59-A6C34878D82A}">
                     <a16:rowId xmlns:a16="http://schemas.microsoft.com/office/drawing/2014/main" val="2016023557"/>
                   </a:ext>
                 </a:extLst>
               </a:tr>
-              <a:tr h="1314710">
+              <a:tr h="1406970">
                 <a:tc vMerge="1">
                   <a:txBody>
                     <a:bodyPr/>
@@ -10892,8 +11565,82 @@
                     <a:bodyPr/>
                     <a:lstStyle/>
                     <a:p>
+                      <a:pPr algn="ctr" latinLnBrk="1"/>
+                      <a:endParaRPr lang="en-US" altLang="ko-KR" sz="1200" dirty="0"/>
+                    </a:p>
+                    <a:p>
+                      <a:pPr algn="ctr" latinLnBrk="1"/>
+                      <a:endParaRPr lang="en-US" altLang="ko-KR" sz="1200" dirty="0"/>
+                    </a:p>
+                    <a:p>
+                      <a:pPr algn="ctr" latinLnBrk="1"/>
+                      <a:endParaRPr lang="en-US" altLang="ko-KR" sz="1200" dirty="0"/>
+                    </a:p>
+                    <a:p>
+                      <a:pPr algn="ctr" latinLnBrk="1"/>
+                      <a:r>
+                        <a:rPr lang="en-US" altLang="ko-KR" sz="1200" dirty="0"/>
+                        <a:t>1</a:t>
+                      </a:r>
+                      <a:endParaRPr lang="ko-KR" altLang="en-US" sz="1200" dirty="0"/>
+                    </a:p>
+                  </a:txBody>
+                  <a:tcPr>
+                    <a:solidFill>
+                      <a:srgbClr val="DAE3F3"/>
+                    </a:solidFill>
+                  </a:tcPr>
+                </a:tc>
+                <a:tc>
+                  <a:txBody>
+                    <a:bodyPr/>
+                    <a:lstStyle/>
+                    <a:p>
                       <a:pPr latinLnBrk="1"/>
-                      <a:endParaRPr lang="ko-KR" altLang="en-US" dirty="0"/>
+                      <a:endParaRPr lang="en-US" altLang="ko-KR" sz="1100" dirty="0"/>
+                    </a:p>
+                    <a:p>
+                      <a:pPr latinLnBrk="1"/>
+                      <a:endParaRPr lang="en-US" altLang="ko-KR" sz="1100" dirty="0"/>
+                    </a:p>
+                    <a:p>
+                      <a:pPr latinLnBrk="1"/>
+                      <a:r>
+                        <a:rPr lang="en-US" altLang="ko-KR" sz="1100" dirty="0"/>
+                        <a:t>Section_2</a:t>
+                      </a:r>
+                      <a:r>
+                        <a:rPr lang="ko-KR" altLang="en-US" sz="1100" dirty="0"/>
+                        <a:t>의 가로 비율을 </a:t>
+                      </a:r>
+                      <a:r>
+                        <a:rPr lang="en-US" altLang="ko-KR" sz="1100" dirty="0"/>
+                        <a:t>100%</a:t>
+                      </a:r>
+                      <a:r>
+                        <a:rPr lang="ko-KR" altLang="en-US" sz="1100" dirty="0"/>
+                        <a:t>로 설정하여 </a:t>
+                      </a:r>
+                      <a:r>
+                        <a:rPr lang="en-US" altLang="ko-KR" sz="1100" dirty="0"/>
+                        <a:t>Left, Right</a:t>
+                      </a:r>
+                      <a:r>
+                        <a:rPr lang="ko-KR" altLang="en-US" sz="1100" dirty="0"/>
+                        <a:t>를 </a:t>
+                      </a:r>
+                      <a:endParaRPr lang="en-US" altLang="ko-KR" sz="1100" dirty="0"/>
+                    </a:p>
+                    <a:p>
+                      <a:pPr latinLnBrk="1"/>
+                      <a:r>
+                        <a:rPr lang="en-US" altLang="ko-KR" sz="1100" dirty="0"/>
+                        <a:t>Column</a:t>
+                      </a:r>
+                      <a:r>
+                        <a:rPr lang="ko-KR" altLang="en-US" sz="1100" dirty="0"/>
+                        <a:t>으로 배치</a:t>
+                      </a:r>
                     </a:p>
                   </a:txBody>
                   <a:tcPr/>
@@ -10958,7 +11705,7 @@
         </p:nvGrpSpPr>
         <p:grpSpPr>
           <a:xfrm>
-            <a:off x="2232193" y="4989632"/>
+            <a:off x="2232193" y="4864362"/>
             <a:ext cx="1509776" cy="1270188"/>
             <a:chOff x="1923457" y="4478048"/>
             <a:chExt cx="1118239" cy="685800"/>
@@ -11719,7 +12466,7 @@
         </p:nvSpPr>
         <p:spPr>
           <a:xfrm>
-            <a:off x="2147411" y="4791770"/>
+            <a:off x="2162464" y="4658631"/>
             <a:ext cx="936104" cy="215444"/>
           </a:xfrm>
           <a:prstGeom prst="rect">
@@ -11755,7 +12502,7 @@
         </p:nvSpPr>
         <p:spPr>
           <a:xfrm rot="5400000">
-            <a:off x="3209857" y="5598152"/>
+            <a:off x="3194985" y="5414744"/>
             <a:ext cx="300125" cy="102734"/>
           </a:xfrm>
           <a:prstGeom prst="rightArrow">
@@ -11810,7 +12557,7 @@
         </p:nvSpPr>
         <p:spPr>
           <a:xfrm>
-            <a:off x="3219360" y="5300673"/>
+            <a:off x="3204488" y="5117265"/>
             <a:ext cx="264696" cy="259308"/>
           </a:xfrm>
           <a:prstGeom prst="ellipse">
@@ -11853,7 +12600,7 @@
                   <a:sysClr val="windowText" lastClr="000000"/>
                 </a:solidFill>
               </a:rPr>
-              <a:t>1</a:t>
+              <a:t>3</a:t>
             </a:r>
             <a:endParaRPr lang="ko-KR" altLang="en-US" dirty="0">
               <a:solidFill>
@@ -11863,1156 +12610,6 @@
           </a:p>
         </p:txBody>
       </p:sp>
-      <p:grpSp>
-        <p:nvGrpSpPr>
-          <p:cNvPr id="59" name="그룹 58">
-            <a:extLst>
-              <a:ext uri="{FF2B5EF4-FFF2-40B4-BE49-F238E27FC236}">
-                <a16:creationId xmlns:a16="http://schemas.microsoft.com/office/drawing/2014/main" id="{A0811F80-32CE-443E-8A6A-B59F8028995B}"/>
-              </a:ext>
-            </a:extLst>
-          </p:cNvPr>
-          <p:cNvGrpSpPr/>
-          <p:nvPr/>
-        </p:nvGrpSpPr>
-        <p:grpSpPr>
-          <a:xfrm>
-            <a:off x="4137660" y="3324704"/>
-            <a:ext cx="1844040" cy="928502"/>
-            <a:chOff x="1816332" y="4478046"/>
-            <a:chExt cx="1225364" cy="700870"/>
-          </a:xfrm>
-        </p:grpSpPr>
-        <p:sp>
-          <p:nvSpPr>
-            <p:cNvPr id="60" name="직사각형 59">
-              <a:extLst>
-                <a:ext uri="{FF2B5EF4-FFF2-40B4-BE49-F238E27FC236}">
-                  <a16:creationId xmlns:a16="http://schemas.microsoft.com/office/drawing/2014/main" id="{D39F2FAE-DF60-4037-B80E-0B71A3BE06EF}"/>
-                </a:ext>
-              </a:extLst>
-            </p:cNvPr>
-            <p:cNvSpPr/>
-            <p:nvPr/>
-          </p:nvSpPr>
-          <p:spPr>
-            <a:xfrm>
-              <a:off x="1816332" y="4478046"/>
-              <a:ext cx="1225364" cy="700870"/>
-            </a:xfrm>
-            <a:prstGeom prst="rect">
-              <a:avLst/>
-            </a:prstGeom>
-            <a:noFill/>
-            <a:ln w="3175">
-              <a:solidFill>
-                <a:schemeClr val="tx1"/>
-              </a:solidFill>
-            </a:ln>
-          </p:spPr>
-          <p:style>
-            <a:lnRef idx="2">
-              <a:schemeClr val="accent1">
-                <a:shade val="50000"/>
-              </a:schemeClr>
-            </a:lnRef>
-            <a:fillRef idx="1">
-              <a:schemeClr val="accent1"/>
-            </a:fillRef>
-            <a:effectRef idx="0">
-              <a:schemeClr val="accent1"/>
-            </a:effectRef>
-            <a:fontRef idx="minor">
-              <a:schemeClr val="lt1"/>
-            </a:fontRef>
-          </p:style>
-          <p:txBody>
-            <a:bodyPr rtlCol="0" anchor="ctr"/>
-            <a:lstStyle/>
-            <a:p>
-              <a:pPr algn="ctr"/>
-              <a:endParaRPr lang="ko-KR" altLang="en-US" dirty="0"/>
-            </a:p>
-          </p:txBody>
-        </p:sp>
-        <p:grpSp>
-          <p:nvGrpSpPr>
-            <p:cNvPr id="61" name="그룹 60">
-              <a:extLst>
-                <a:ext uri="{FF2B5EF4-FFF2-40B4-BE49-F238E27FC236}">
-                  <a16:creationId xmlns:a16="http://schemas.microsoft.com/office/drawing/2014/main" id="{B79E76A5-53A3-481F-87C3-91FCFBB74A44}"/>
-                </a:ext>
-              </a:extLst>
-            </p:cNvPr>
-            <p:cNvGrpSpPr/>
-            <p:nvPr/>
-          </p:nvGrpSpPr>
-          <p:grpSpPr>
-            <a:xfrm>
-              <a:off x="1998933" y="4711324"/>
-              <a:ext cx="696997" cy="55435"/>
-              <a:chOff x="2298615" y="3458883"/>
-              <a:chExt cx="696997" cy="55435"/>
-            </a:xfrm>
-          </p:grpSpPr>
-          <p:sp>
-            <p:nvSpPr>
-              <p:cNvPr id="75" name="직사각형 74">
-                <a:extLst>
-                  <a:ext uri="{FF2B5EF4-FFF2-40B4-BE49-F238E27FC236}">
-                    <a16:creationId xmlns:a16="http://schemas.microsoft.com/office/drawing/2014/main" id="{DBAB71B4-8398-43EB-AAE5-964623BFB0B9}"/>
-                  </a:ext>
-                </a:extLst>
-              </p:cNvPr>
-              <p:cNvSpPr/>
-              <p:nvPr/>
-            </p:nvSpPr>
-            <p:spPr>
-              <a:xfrm>
-                <a:off x="2361391" y="3458883"/>
-                <a:ext cx="634221" cy="55435"/>
-              </a:xfrm>
-              <a:prstGeom prst="rect">
-                <a:avLst/>
-              </a:prstGeom>
-              <a:solidFill>
-                <a:schemeClr val="bg2">
-                  <a:lumMod val="90000"/>
-                </a:schemeClr>
-              </a:solidFill>
-              <a:ln>
-                <a:noFill/>
-              </a:ln>
-            </p:spPr>
-            <p:style>
-              <a:lnRef idx="2">
-                <a:schemeClr val="accent1">
-                  <a:shade val="50000"/>
-                </a:schemeClr>
-              </a:lnRef>
-              <a:fillRef idx="1">
-                <a:schemeClr val="accent1"/>
-              </a:fillRef>
-              <a:effectRef idx="0">
-                <a:schemeClr val="accent1"/>
-              </a:effectRef>
-              <a:fontRef idx="minor">
-                <a:schemeClr val="lt1"/>
-              </a:fontRef>
-            </p:style>
-            <p:txBody>
-              <a:bodyPr rtlCol="0" anchor="ctr"/>
-              <a:lstStyle/>
-              <a:p>
-                <a:pPr algn="ctr"/>
-                <a:endParaRPr lang="ko-KR" altLang="en-US" dirty="0"/>
-              </a:p>
-            </p:txBody>
-          </p:sp>
-          <p:sp>
-            <p:nvSpPr>
-              <p:cNvPr id="76" name="이등변 삼각형 75">
-                <a:extLst>
-                  <a:ext uri="{FF2B5EF4-FFF2-40B4-BE49-F238E27FC236}">
-                    <a16:creationId xmlns:a16="http://schemas.microsoft.com/office/drawing/2014/main" id="{36DEDD95-1C0C-4724-963D-B81B43A62B87}"/>
-                  </a:ext>
-                </a:extLst>
-              </p:cNvPr>
-              <p:cNvSpPr/>
-              <p:nvPr/>
-            </p:nvSpPr>
-            <p:spPr>
-              <a:xfrm rot="5400000">
-                <a:off x="2293757" y="3463741"/>
-                <a:ext cx="55435" cy="45719"/>
-              </a:xfrm>
-              <a:prstGeom prst="triangle">
-                <a:avLst/>
-              </a:prstGeom>
-              <a:solidFill>
-                <a:schemeClr val="tx1">
-                  <a:lumMod val="50000"/>
-                  <a:lumOff val="50000"/>
-                </a:schemeClr>
-              </a:solidFill>
-              <a:ln>
-                <a:noFill/>
-              </a:ln>
-            </p:spPr>
-            <p:style>
-              <a:lnRef idx="2">
-                <a:schemeClr val="accent1">
-                  <a:shade val="50000"/>
-                </a:schemeClr>
-              </a:lnRef>
-              <a:fillRef idx="1">
-                <a:schemeClr val="accent1"/>
-              </a:fillRef>
-              <a:effectRef idx="0">
-                <a:schemeClr val="accent1"/>
-              </a:effectRef>
-              <a:fontRef idx="minor">
-                <a:schemeClr val="lt1"/>
-              </a:fontRef>
-            </p:style>
-            <p:txBody>
-              <a:bodyPr rtlCol="0" anchor="ctr"/>
-              <a:lstStyle/>
-              <a:p>
-                <a:pPr algn="ctr"/>
-                <a:endParaRPr lang="ko-KR" altLang="en-US"/>
-              </a:p>
-            </p:txBody>
-          </p:sp>
-        </p:grpSp>
-        <p:grpSp>
-          <p:nvGrpSpPr>
-            <p:cNvPr id="62" name="그룹 61">
-              <a:extLst>
-                <a:ext uri="{FF2B5EF4-FFF2-40B4-BE49-F238E27FC236}">
-                  <a16:creationId xmlns:a16="http://schemas.microsoft.com/office/drawing/2014/main" id="{3D4D0748-8AC5-45C6-A077-0FD4DDFE5C95}"/>
-                </a:ext>
-              </a:extLst>
-            </p:cNvPr>
-            <p:cNvGrpSpPr/>
-            <p:nvPr/>
-          </p:nvGrpSpPr>
-          <p:grpSpPr>
-            <a:xfrm>
-              <a:off x="1998933" y="4819489"/>
-              <a:ext cx="696997" cy="55435"/>
-              <a:chOff x="2298615" y="3458883"/>
-              <a:chExt cx="696997" cy="55435"/>
-            </a:xfrm>
-          </p:grpSpPr>
-          <p:sp>
-            <p:nvSpPr>
-              <p:cNvPr id="73" name="직사각형 72">
-                <a:extLst>
-                  <a:ext uri="{FF2B5EF4-FFF2-40B4-BE49-F238E27FC236}">
-                    <a16:creationId xmlns:a16="http://schemas.microsoft.com/office/drawing/2014/main" id="{17DBE965-D210-4532-BD4C-9B03952FBA48}"/>
-                  </a:ext>
-                </a:extLst>
-              </p:cNvPr>
-              <p:cNvSpPr/>
-              <p:nvPr/>
-            </p:nvSpPr>
-            <p:spPr>
-              <a:xfrm>
-                <a:off x="2361392" y="3458883"/>
-                <a:ext cx="634220" cy="55435"/>
-              </a:xfrm>
-              <a:prstGeom prst="rect">
-                <a:avLst/>
-              </a:prstGeom>
-              <a:solidFill>
-                <a:schemeClr val="bg2">
-                  <a:lumMod val="90000"/>
-                </a:schemeClr>
-              </a:solidFill>
-              <a:ln>
-                <a:noFill/>
-              </a:ln>
-            </p:spPr>
-            <p:style>
-              <a:lnRef idx="2">
-                <a:schemeClr val="accent1">
-                  <a:shade val="50000"/>
-                </a:schemeClr>
-              </a:lnRef>
-              <a:fillRef idx="1">
-                <a:schemeClr val="accent1"/>
-              </a:fillRef>
-              <a:effectRef idx="0">
-                <a:schemeClr val="accent1"/>
-              </a:effectRef>
-              <a:fontRef idx="minor">
-                <a:schemeClr val="lt1"/>
-              </a:fontRef>
-            </p:style>
-            <p:txBody>
-              <a:bodyPr rtlCol="0" anchor="ctr"/>
-              <a:lstStyle/>
-              <a:p>
-                <a:pPr algn="ctr"/>
-                <a:endParaRPr lang="ko-KR" altLang="en-US" dirty="0"/>
-              </a:p>
-            </p:txBody>
-          </p:sp>
-          <p:sp>
-            <p:nvSpPr>
-              <p:cNvPr id="74" name="이등변 삼각형 73">
-                <a:extLst>
-                  <a:ext uri="{FF2B5EF4-FFF2-40B4-BE49-F238E27FC236}">
-                    <a16:creationId xmlns:a16="http://schemas.microsoft.com/office/drawing/2014/main" id="{12F9E94A-ECA1-43EB-86B7-3E3711E8F748}"/>
-                  </a:ext>
-                </a:extLst>
-              </p:cNvPr>
-              <p:cNvSpPr/>
-              <p:nvPr/>
-            </p:nvSpPr>
-            <p:spPr>
-              <a:xfrm rot="5400000">
-                <a:off x="2293757" y="3463741"/>
-                <a:ext cx="55435" cy="45719"/>
-              </a:xfrm>
-              <a:prstGeom prst="triangle">
-                <a:avLst/>
-              </a:prstGeom>
-              <a:solidFill>
-                <a:schemeClr val="tx1">
-                  <a:lumMod val="50000"/>
-                  <a:lumOff val="50000"/>
-                </a:schemeClr>
-              </a:solidFill>
-              <a:ln>
-                <a:noFill/>
-              </a:ln>
-            </p:spPr>
-            <p:style>
-              <a:lnRef idx="2">
-                <a:schemeClr val="accent1">
-                  <a:shade val="50000"/>
-                </a:schemeClr>
-              </a:lnRef>
-              <a:fillRef idx="1">
-                <a:schemeClr val="accent1"/>
-              </a:fillRef>
-              <a:effectRef idx="0">
-                <a:schemeClr val="accent1"/>
-              </a:effectRef>
-              <a:fontRef idx="minor">
-                <a:schemeClr val="lt1"/>
-              </a:fontRef>
-            </p:style>
-            <p:txBody>
-              <a:bodyPr rtlCol="0" anchor="ctr"/>
-              <a:lstStyle/>
-              <a:p>
-                <a:pPr algn="ctr"/>
-                <a:endParaRPr lang="ko-KR" altLang="en-US"/>
-              </a:p>
-            </p:txBody>
-          </p:sp>
-        </p:grpSp>
-        <p:grpSp>
-          <p:nvGrpSpPr>
-            <p:cNvPr id="63" name="그룹 62">
-              <a:extLst>
-                <a:ext uri="{FF2B5EF4-FFF2-40B4-BE49-F238E27FC236}">
-                  <a16:creationId xmlns:a16="http://schemas.microsoft.com/office/drawing/2014/main" id="{B969A747-8B20-4528-9FFB-FAF1BB5B9255}"/>
-                </a:ext>
-              </a:extLst>
-            </p:cNvPr>
-            <p:cNvGrpSpPr/>
-            <p:nvPr/>
-          </p:nvGrpSpPr>
-          <p:grpSpPr>
-            <a:xfrm>
-              <a:off x="1998933" y="4941413"/>
-              <a:ext cx="696995" cy="55435"/>
-              <a:chOff x="2298615" y="3458883"/>
-              <a:chExt cx="696995" cy="55435"/>
-            </a:xfrm>
-          </p:grpSpPr>
-          <p:sp>
-            <p:nvSpPr>
-              <p:cNvPr id="71" name="직사각형 70">
-                <a:extLst>
-                  <a:ext uri="{FF2B5EF4-FFF2-40B4-BE49-F238E27FC236}">
-                    <a16:creationId xmlns:a16="http://schemas.microsoft.com/office/drawing/2014/main" id="{53D93ACE-86C5-4C70-85B5-F5E85326140C}"/>
-                  </a:ext>
-                </a:extLst>
-              </p:cNvPr>
-              <p:cNvSpPr/>
-              <p:nvPr/>
-            </p:nvSpPr>
-            <p:spPr>
-              <a:xfrm>
-                <a:off x="2361391" y="3458883"/>
-                <a:ext cx="634219" cy="55435"/>
-              </a:xfrm>
-              <a:prstGeom prst="rect">
-                <a:avLst/>
-              </a:prstGeom>
-              <a:solidFill>
-                <a:schemeClr val="bg2">
-                  <a:lumMod val="90000"/>
-                </a:schemeClr>
-              </a:solidFill>
-              <a:ln>
-                <a:noFill/>
-              </a:ln>
-            </p:spPr>
-            <p:style>
-              <a:lnRef idx="2">
-                <a:schemeClr val="accent1">
-                  <a:shade val="50000"/>
-                </a:schemeClr>
-              </a:lnRef>
-              <a:fillRef idx="1">
-                <a:schemeClr val="accent1"/>
-              </a:fillRef>
-              <a:effectRef idx="0">
-                <a:schemeClr val="accent1"/>
-              </a:effectRef>
-              <a:fontRef idx="minor">
-                <a:schemeClr val="lt1"/>
-              </a:fontRef>
-            </p:style>
-            <p:txBody>
-              <a:bodyPr rtlCol="0" anchor="ctr"/>
-              <a:lstStyle/>
-              <a:p>
-                <a:pPr algn="ctr"/>
-                <a:endParaRPr lang="ko-KR" altLang="en-US"/>
-              </a:p>
-            </p:txBody>
-          </p:sp>
-          <p:sp>
-            <p:nvSpPr>
-              <p:cNvPr id="72" name="이등변 삼각형 71">
-                <a:extLst>
-                  <a:ext uri="{FF2B5EF4-FFF2-40B4-BE49-F238E27FC236}">
-                    <a16:creationId xmlns:a16="http://schemas.microsoft.com/office/drawing/2014/main" id="{8BD6F4A9-6088-4EEC-96C4-20A6C7F042BC}"/>
-                  </a:ext>
-                </a:extLst>
-              </p:cNvPr>
-              <p:cNvSpPr/>
-              <p:nvPr/>
-            </p:nvSpPr>
-            <p:spPr>
-              <a:xfrm rot="5400000">
-                <a:off x="2293757" y="3463741"/>
-                <a:ext cx="55435" cy="45719"/>
-              </a:xfrm>
-              <a:prstGeom prst="triangle">
-                <a:avLst/>
-              </a:prstGeom>
-              <a:solidFill>
-                <a:schemeClr val="tx1">
-                  <a:lumMod val="50000"/>
-                  <a:lumOff val="50000"/>
-                </a:schemeClr>
-              </a:solidFill>
-              <a:ln>
-                <a:noFill/>
-              </a:ln>
-            </p:spPr>
-            <p:style>
-              <a:lnRef idx="2">
-                <a:schemeClr val="accent1">
-                  <a:shade val="50000"/>
-                </a:schemeClr>
-              </a:lnRef>
-              <a:fillRef idx="1">
-                <a:schemeClr val="accent1"/>
-              </a:fillRef>
-              <a:effectRef idx="0">
-                <a:schemeClr val="accent1"/>
-              </a:effectRef>
-              <a:fontRef idx="minor">
-                <a:schemeClr val="lt1"/>
-              </a:fontRef>
-            </p:style>
-            <p:txBody>
-              <a:bodyPr rtlCol="0" anchor="ctr"/>
-              <a:lstStyle/>
-              <a:p>
-                <a:pPr algn="ctr"/>
-                <a:endParaRPr lang="ko-KR" altLang="en-US"/>
-              </a:p>
-            </p:txBody>
-          </p:sp>
-        </p:grpSp>
-        <p:grpSp>
-          <p:nvGrpSpPr>
-            <p:cNvPr id="64" name="그룹 63">
-              <a:extLst>
-                <a:ext uri="{FF2B5EF4-FFF2-40B4-BE49-F238E27FC236}">
-                  <a16:creationId xmlns:a16="http://schemas.microsoft.com/office/drawing/2014/main" id="{5157DC9B-C615-4FC5-A61D-DCA5424B67BF}"/>
-                </a:ext>
-              </a:extLst>
-            </p:cNvPr>
-            <p:cNvGrpSpPr/>
-            <p:nvPr/>
-          </p:nvGrpSpPr>
-          <p:grpSpPr>
-            <a:xfrm>
-              <a:off x="1998933" y="5057551"/>
-              <a:ext cx="696995" cy="55435"/>
-              <a:chOff x="2298615" y="3458883"/>
-              <a:chExt cx="696995" cy="55435"/>
-            </a:xfrm>
-          </p:grpSpPr>
-          <p:sp>
-            <p:nvSpPr>
-              <p:cNvPr id="69" name="직사각형 68">
-                <a:extLst>
-                  <a:ext uri="{FF2B5EF4-FFF2-40B4-BE49-F238E27FC236}">
-                    <a16:creationId xmlns:a16="http://schemas.microsoft.com/office/drawing/2014/main" id="{3636FFD0-93A5-45B5-93F2-55D3628E07E3}"/>
-                  </a:ext>
-                </a:extLst>
-              </p:cNvPr>
-              <p:cNvSpPr/>
-              <p:nvPr/>
-            </p:nvSpPr>
-            <p:spPr>
-              <a:xfrm>
-                <a:off x="2361392" y="3458883"/>
-                <a:ext cx="634218" cy="55435"/>
-              </a:xfrm>
-              <a:prstGeom prst="rect">
-                <a:avLst/>
-              </a:prstGeom>
-              <a:solidFill>
-                <a:schemeClr val="bg2">
-                  <a:lumMod val="90000"/>
-                </a:schemeClr>
-              </a:solidFill>
-              <a:ln>
-                <a:noFill/>
-              </a:ln>
-            </p:spPr>
-            <p:style>
-              <a:lnRef idx="2">
-                <a:schemeClr val="accent1">
-                  <a:shade val="50000"/>
-                </a:schemeClr>
-              </a:lnRef>
-              <a:fillRef idx="1">
-                <a:schemeClr val="accent1"/>
-              </a:fillRef>
-              <a:effectRef idx="0">
-                <a:schemeClr val="accent1"/>
-              </a:effectRef>
-              <a:fontRef idx="minor">
-                <a:schemeClr val="lt1"/>
-              </a:fontRef>
-            </p:style>
-            <p:txBody>
-              <a:bodyPr rtlCol="0" anchor="ctr"/>
-              <a:lstStyle/>
-              <a:p>
-                <a:pPr algn="ctr"/>
-                <a:endParaRPr lang="ko-KR" altLang="en-US"/>
-              </a:p>
-            </p:txBody>
-          </p:sp>
-          <p:sp>
-            <p:nvSpPr>
-              <p:cNvPr id="70" name="이등변 삼각형 69">
-                <a:extLst>
-                  <a:ext uri="{FF2B5EF4-FFF2-40B4-BE49-F238E27FC236}">
-                    <a16:creationId xmlns:a16="http://schemas.microsoft.com/office/drawing/2014/main" id="{228E30A8-66FA-49C0-9D69-5FC2ACE4BF71}"/>
-                  </a:ext>
-                </a:extLst>
-              </p:cNvPr>
-              <p:cNvSpPr/>
-              <p:nvPr/>
-            </p:nvSpPr>
-            <p:spPr>
-              <a:xfrm rot="5400000">
-                <a:off x="2293757" y="3463741"/>
-                <a:ext cx="55435" cy="45719"/>
-              </a:xfrm>
-              <a:prstGeom prst="triangle">
-                <a:avLst/>
-              </a:prstGeom>
-              <a:solidFill>
-                <a:schemeClr val="tx1">
-                  <a:lumMod val="50000"/>
-                  <a:lumOff val="50000"/>
-                </a:schemeClr>
-              </a:solidFill>
-              <a:ln>
-                <a:noFill/>
-              </a:ln>
-            </p:spPr>
-            <p:style>
-              <a:lnRef idx="2">
-                <a:schemeClr val="accent1">
-                  <a:shade val="50000"/>
-                </a:schemeClr>
-              </a:lnRef>
-              <a:fillRef idx="1">
-                <a:schemeClr val="accent1"/>
-              </a:fillRef>
-              <a:effectRef idx="0">
-                <a:schemeClr val="accent1"/>
-              </a:effectRef>
-              <a:fontRef idx="minor">
-                <a:schemeClr val="lt1"/>
-              </a:fontRef>
-            </p:style>
-            <p:txBody>
-              <a:bodyPr rtlCol="0" anchor="ctr"/>
-              <a:lstStyle/>
-              <a:p>
-                <a:pPr algn="ctr"/>
-                <a:endParaRPr lang="ko-KR" altLang="en-US"/>
-              </a:p>
-            </p:txBody>
-          </p:sp>
-        </p:grpSp>
-        <p:grpSp>
-          <p:nvGrpSpPr>
-            <p:cNvPr id="65" name="그룹 64">
-              <a:extLst>
-                <a:ext uri="{FF2B5EF4-FFF2-40B4-BE49-F238E27FC236}">
-                  <a16:creationId xmlns:a16="http://schemas.microsoft.com/office/drawing/2014/main" id="{FD200EE0-ED7D-498A-AA84-8948CDDC1C0A}"/>
-                </a:ext>
-              </a:extLst>
-            </p:cNvPr>
-            <p:cNvGrpSpPr/>
-            <p:nvPr/>
-          </p:nvGrpSpPr>
-          <p:grpSpPr>
-            <a:xfrm>
-              <a:off x="1995142" y="4516787"/>
-              <a:ext cx="634294" cy="83096"/>
-              <a:chOff x="1498600" y="4369751"/>
-              <a:chExt cx="634294" cy="83096"/>
-            </a:xfrm>
-          </p:grpSpPr>
-          <p:sp>
-            <p:nvSpPr>
-              <p:cNvPr id="66" name="직사각형 65">
-                <a:extLst>
-                  <a:ext uri="{FF2B5EF4-FFF2-40B4-BE49-F238E27FC236}">
-                    <a16:creationId xmlns:a16="http://schemas.microsoft.com/office/drawing/2014/main" id="{A3E5B63F-259A-4D3A-BE86-4BD04C88A48E}"/>
-                  </a:ext>
-                </a:extLst>
-              </p:cNvPr>
-              <p:cNvSpPr/>
-              <p:nvPr/>
-            </p:nvSpPr>
-            <p:spPr>
-              <a:xfrm>
-                <a:off x="1498600" y="4369751"/>
-                <a:ext cx="634294" cy="83096"/>
-              </a:xfrm>
-              <a:prstGeom prst="rect">
-                <a:avLst/>
-              </a:prstGeom>
-              <a:noFill/>
-              <a:ln w="3175">
-                <a:solidFill>
-                  <a:schemeClr val="tx1">
-                    <a:lumMod val="50000"/>
-                    <a:lumOff val="50000"/>
-                  </a:schemeClr>
-                </a:solidFill>
-              </a:ln>
-            </p:spPr>
-            <p:style>
-              <a:lnRef idx="2">
-                <a:schemeClr val="accent1">
-                  <a:shade val="50000"/>
-                </a:schemeClr>
-              </a:lnRef>
-              <a:fillRef idx="1">
-                <a:schemeClr val="accent1"/>
-              </a:fillRef>
-              <a:effectRef idx="0">
-                <a:schemeClr val="accent1"/>
-              </a:effectRef>
-              <a:fontRef idx="minor">
-                <a:schemeClr val="lt1"/>
-              </a:fontRef>
-            </p:style>
-            <p:txBody>
-              <a:bodyPr rtlCol="0" anchor="ctr"/>
-              <a:lstStyle/>
-              <a:p>
-                <a:pPr algn="ctr"/>
-                <a:endParaRPr lang="ko-KR" altLang="en-US"/>
-              </a:p>
-            </p:txBody>
-          </p:sp>
-          <p:cxnSp>
-            <p:nvCxnSpPr>
-              <p:cNvPr id="67" name="직선 연결선 66">
-                <a:extLst>
-                  <a:ext uri="{FF2B5EF4-FFF2-40B4-BE49-F238E27FC236}">
-                    <a16:creationId xmlns:a16="http://schemas.microsoft.com/office/drawing/2014/main" id="{749592EF-9855-4B32-938F-03618C0C70D6}"/>
-                  </a:ext>
-                </a:extLst>
-              </p:cNvPr>
-              <p:cNvCxnSpPr>
-                <a:cxnSpLocks/>
-              </p:cNvCxnSpPr>
-              <p:nvPr/>
-            </p:nvCxnSpPr>
-            <p:spPr>
-              <a:xfrm>
-                <a:off x="1498600" y="4369751"/>
-                <a:ext cx="634294" cy="83096"/>
-              </a:xfrm>
-              <a:prstGeom prst="line">
-                <a:avLst/>
-              </a:prstGeom>
-              <a:ln w="3175">
-                <a:solidFill>
-                  <a:schemeClr val="tx1">
-                    <a:lumMod val="50000"/>
-                    <a:lumOff val="50000"/>
-                  </a:schemeClr>
-                </a:solidFill>
-              </a:ln>
-            </p:spPr>
-            <p:style>
-              <a:lnRef idx="1">
-                <a:schemeClr val="dk1"/>
-              </a:lnRef>
-              <a:fillRef idx="0">
-                <a:schemeClr val="dk1"/>
-              </a:fillRef>
-              <a:effectRef idx="0">
-                <a:schemeClr val="dk1"/>
-              </a:effectRef>
-              <a:fontRef idx="minor">
-                <a:schemeClr val="tx1"/>
-              </a:fontRef>
-            </p:style>
-          </p:cxnSp>
-          <p:cxnSp>
-            <p:nvCxnSpPr>
-              <p:cNvPr id="68" name="직선 연결선 67">
-                <a:extLst>
-                  <a:ext uri="{FF2B5EF4-FFF2-40B4-BE49-F238E27FC236}">
-                    <a16:creationId xmlns:a16="http://schemas.microsoft.com/office/drawing/2014/main" id="{622DBBB9-9F40-41FF-AA96-489697D45E38}"/>
-                  </a:ext>
-                </a:extLst>
-              </p:cNvPr>
-              <p:cNvCxnSpPr>
-                <a:cxnSpLocks/>
-              </p:cNvCxnSpPr>
-              <p:nvPr/>
-            </p:nvCxnSpPr>
-            <p:spPr>
-              <a:xfrm flipV="1">
-                <a:off x="1498600" y="4377483"/>
-                <a:ext cx="634294" cy="75249"/>
-              </a:xfrm>
-              <a:prstGeom prst="line">
-                <a:avLst/>
-              </a:prstGeom>
-              <a:ln w="3175">
-                <a:solidFill>
-                  <a:schemeClr val="tx1">
-                    <a:lumMod val="50000"/>
-                    <a:lumOff val="50000"/>
-                  </a:schemeClr>
-                </a:solidFill>
-              </a:ln>
-            </p:spPr>
-            <p:style>
-              <a:lnRef idx="1">
-                <a:schemeClr val="dk1"/>
-              </a:lnRef>
-              <a:fillRef idx="0">
-                <a:schemeClr val="dk1"/>
-              </a:fillRef>
-              <a:effectRef idx="0">
-                <a:schemeClr val="dk1"/>
-              </a:effectRef>
-              <a:fontRef idx="minor">
-                <a:schemeClr val="tx1"/>
-              </a:fontRef>
-            </p:style>
-          </p:cxnSp>
-        </p:grpSp>
-      </p:grpSp>
-      <p:grpSp>
-        <p:nvGrpSpPr>
-          <p:cNvPr id="77" name="그룹 76">
-            <a:extLst>
-              <a:ext uri="{FF2B5EF4-FFF2-40B4-BE49-F238E27FC236}">
-                <a16:creationId xmlns:a16="http://schemas.microsoft.com/office/drawing/2014/main" id="{3504EBBE-68DA-4CD1-99F2-55813696B79A}"/>
-              </a:ext>
-            </a:extLst>
-          </p:cNvPr>
-          <p:cNvGrpSpPr/>
-          <p:nvPr/>
-        </p:nvGrpSpPr>
-        <p:grpSpPr>
-          <a:xfrm>
-            <a:off x="4137660" y="2397088"/>
-            <a:ext cx="1844040" cy="928502"/>
-            <a:chOff x="759622" y="4741708"/>
-            <a:chExt cx="1236334" cy="422139"/>
-          </a:xfrm>
-        </p:grpSpPr>
-        <p:sp>
-          <p:nvSpPr>
-            <p:cNvPr id="78" name="타원 77">
-              <a:extLst>
-                <a:ext uri="{FF2B5EF4-FFF2-40B4-BE49-F238E27FC236}">
-                  <a16:creationId xmlns:a16="http://schemas.microsoft.com/office/drawing/2014/main" id="{A33081D8-58A6-4E62-9E94-D78CC3329ED6}"/>
-                </a:ext>
-              </a:extLst>
-            </p:cNvPr>
-            <p:cNvSpPr/>
-            <p:nvPr/>
-          </p:nvSpPr>
-          <p:spPr>
-            <a:xfrm>
-              <a:off x="1100466" y="4842669"/>
-              <a:ext cx="215470" cy="146582"/>
-            </a:xfrm>
-            <a:prstGeom prst="ellipse">
-              <a:avLst/>
-            </a:prstGeom>
-            <a:solidFill>
-              <a:schemeClr val="bg2">
-                <a:lumMod val="90000"/>
-              </a:schemeClr>
-            </a:solidFill>
-            <a:ln>
-              <a:noFill/>
-            </a:ln>
-          </p:spPr>
-          <p:style>
-            <a:lnRef idx="2">
-              <a:schemeClr val="accent1">
-                <a:shade val="50000"/>
-              </a:schemeClr>
-            </a:lnRef>
-            <a:fillRef idx="1">
-              <a:schemeClr val="accent1"/>
-            </a:fillRef>
-            <a:effectRef idx="0">
-              <a:schemeClr val="accent1"/>
-            </a:effectRef>
-            <a:fontRef idx="minor">
-              <a:schemeClr val="lt1"/>
-            </a:fontRef>
-          </p:style>
-          <p:txBody>
-            <a:bodyPr rtlCol="0" anchor="ctr"/>
-            <a:lstStyle/>
-            <a:p>
-              <a:pPr algn="ctr"/>
-              <a:endParaRPr lang="en-US" altLang="ko-KR" sz="800" dirty="0">
-                <a:solidFill>
-                  <a:schemeClr val="tx1"/>
-                </a:solidFill>
-              </a:endParaRPr>
-            </a:p>
-          </p:txBody>
-        </p:sp>
-        <p:sp>
-          <p:nvSpPr>
-            <p:cNvPr id="79" name="직사각형 78">
-              <a:extLst>
-                <a:ext uri="{FF2B5EF4-FFF2-40B4-BE49-F238E27FC236}">
-                  <a16:creationId xmlns:a16="http://schemas.microsoft.com/office/drawing/2014/main" id="{5800CB39-0FCB-45ED-8F0E-5400C6E2B560}"/>
-                </a:ext>
-              </a:extLst>
-            </p:cNvPr>
-            <p:cNvSpPr/>
-            <p:nvPr/>
-          </p:nvSpPr>
-          <p:spPr>
-            <a:xfrm>
-              <a:off x="895463" y="5058133"/>
-              <a:ext cx="937749" cy="60314"/>
-            </a:xfrm>
-            <a:prstGeom prst="rect">
-              <a:avLst/>
-            </a:prstGeom>
-            <a:solidFill>
-              <a:schemeClr val="bg2">
-                <a:lumMod val="90000"/>
-              </a:schemeClr>
-            </a:solidFill>
-            <a:ln>
-              <a:noFill/>
-            </a:ln>
-          </p:spPr>
-          <p:style>
-            <a:lnRef idx="2">
-              <a:schemeClr val="accent1">
-                <a:shade val="50000"/>
-              </a:schemeClr>
-            </a:lnRef>
-            <a:fillRef idx="1">
-              <a:schemeClr val="accent1"/>
-            </a:fillRef>
-            <a:effectRef idx="0">
-              <a:schemeClr val="accent1"/>
-            </a:effectRef>
-            <a:fontRef idx="minor">
-              <a:schemeClr val="lt1"/>
-            </a:fontRef>
-          </p:style>
-          <p:txBody>
-            <a:bodyPr rtlCol="0" anchor="ctr"/>
-            <a:lstStyle/>
-            <a:p>
-              <a:pPr algn="ctr"/>
-              <a:endParaRPr lang="ko-KR" altLang="en-US"/>
-            </a:p>
-          </p:txBody>
-        </p:sp>
-        <p:sp>
-          <p:nvSpPr>
-            <p:cNvPr id="80" name="직사각형 79">
-              <a:extLst>
-                <a:ext uri="{FF2B5EF4-FFF2-40B4-BE49-F238E27FC236}">
-                  <a16:creationId xmlns:a16="http://schemas.microsoft.com/office/drawing/2014/main" id="{1C0DAB21-81A8-4ABF-A2BF-5BB47F3B79F8}"/>
-                </a:ext>
-              </a:extLst>
-            </p:cNvPr>
-            <p:cNvSpPr/>
-            <p:nvPr/>
-          </p:nvSpPr>
-          <p:spPr>
-            <a:xfrm>
-              <a:off x="759622" y="4741708"/>
-              <a:ext cx="1236334" cy="422139"/>
-            </a:xfrm>
-            <a:prstGeom prst="rect">
-              <a:avLst/>
-            </a:prstGeom>
-            <a:noFill/>
-            <a:ln w="3175">
-              <a:solidFill>
-                <a:schemeClr val="tx1"/>
-              </a:solidFill>
-            </a:ln>
-          </p:spPr>
-          <p:style>
-            <a:lnRef idx="2">
-              <a:schemeClr val="accent1">
-                <a:shade val="50000"/>
-              </a:schemeClr>
-            </a:lnRef>
-            <a:fillRef idx="1">
-              <a:schemeClr val="accent1"/>
-            </a:fillRef>
-            <a:effectRef idx="0">
-              <a:schemeClr val="accent1"/>
-            </a:effectRef>
-            <a:fontRef idx="minor">
-              <a:schemeClr val="lt1"/>
-            </a:fontRef>
-          </p:style>
-          <p:txBody>
-            <a:bodyPr rtlCol="0" anchor="ctr"/>
-            <a:lstStyle/>
-            <a:p>
-              <a:pPr algn="ctr"/>
-              <a:endParaRPr lang="ko-KR" altLang="en-US" b="1" dirty="0"/>
-            </a:p>
-          </p:txBody>
-        </p:sp>
-        <p:sp>
-          <p:nvSpPr>
-            <p:cNvPr id="81" name="TextBox 80">
-              <a:extLst>
-                <a:ext uri="{FF2B5EF4-FFF2-40B4-BE49-F238E27FC236}">
-                  <a16:creationId xmlns:a16="http://schemas.microsoft.com/office/drawing/2014/main" id="{BF8F3C15-8DC2-4A84-B446-DEBCF08632BF}"/>
-                </a:ext>
-              </a:extLst>
-            </p:cNvPr>
-            <p:cNvSpPr txBox="1"/>
-            <p:nvPr/>
-          </p:nvSpPr>
-          <p:spPr>
-            <a:xfrm>
-              <a:off x="1100466" y="4868670"/>
-              <a:ext cx="371247" cy="140436"/>
-            </a:xfrm>
-            <a:prstGeom prst="rect">
-              <a:avLst/>
-            </a:prstGeom>
-            <a:noFill/>
-          </p:spPr>
-          <p:txBody>
-            <a:bodyPr wrap="square" rtlCol="0">
-              <a:spAutoFit/>
-            </a:bodyPr>
-            <a:lstStyle/>
-            <a:p>
-              <a:r>
-                <a:rPr lang="en-US" altLang="ko-KR" sz="700" dirty="0"/>
-                <a:t>icon</a:t>
-              </a:r>
-              <a:endParaRPr lang="ko-KR" altLang="en-US" sz="700" dirty="0"/>
-            </a:p>
-          </p:txBody>
-        </p:sp>
-        <p:grpSp>
-          <p:nvGrpSpPr>
-            <p:cNvPr id="82" name="그룹 81">
-              <a:extLst>
-                <a:ext uri="{FF2B5EF4-FFF2-40B4-BE49-F238E27FC236}">
-                  <a16:creationId xmlns:a16="http://schemas.microsoft.com/office/drawing/2014/main" id="{5FCA539B-B4D6-470C-A04E-66A17ABE4D47}"/>
-                </a:ext>
-              </a:extLst>
-            </p:cNvPr>
-            <p:cNvGrpSpPr/>
-            <p:nvPr/>
-          </p:nvGrpSpPr>
-          <p:grpSpPr>
-            <a:xfrm>
-              <a:off x="1509343" y="4842669"/>
-              <a:ext cx="143930" cy="126703"/>
-              <a:chOff x="2100783" y="4867993"/>
-              <a:chExt cx="143930" cy="126703"/>
-            </a:xfrm>
-          </p:grpSpPr>
-          <p:sp>
-            <p:nvSpPr>
-              <p:cNvPr id="83" name="직사각형 82">
-                <a:extLst>
-                  <a:ext uri="{FF2B5EF4-FFF2-40B4-BE49-F238E27FC236}">
-                    <a16:creationId xmlns:a16="http://schemas.microsoft.com/office/drawing/2014/main" id="{9297DCE9-D665-4A8D-B478-B56488D0F91D}"/>
-                  </a:ext>
-                </a:extLst>
-              </p:cNvPr>
-              <p:cNvSpPr/>
-              <p:nvPr/>
-            </p:nvSpPr>
-            <p:spPr>
-              <a:xfrm>
-                <a:off x="2116299" y="4868136"/>
-                <a:ext cx="128414" cy="126559"/>
-              </a:xfrm>
-              <a:prstGeom prst="rect">
-                <a:avLst/>
-              </a:prstGeom>
-              <a:noFill/>
-              <a:ln w="3175">
-                <a:solidFill>
-                  <a:schemeClr val="tx1">
-                    <a:lumMod val="50000"/>
-                    <a:lumOff val="50000"/>
-                  </a:schemeClr>
-                </a:solidFill>
-              </a:ln>
-            </p:spPr>
-            <p:style>
-              <a:lnRef idx="2">
-                <a:schemeClr val="accent1">
-                  <a:shade val="50000"/>
-                </a:schemeClr>
-              </a:lnRef>
-              <a:fillRef idx="1">
-                <a:schemeClr val="accent1"/>
-              </a:fillRef>
-              <a:effectRef idx="0">
-                <a:schemeClr val="accent1"/>
-              </a:effectRef>
-              <a:fontRef idx="minor">
-                <a:schemeClr val="lt1"/>
-              </a:fontRef>
-            </p:style>
-            <p:txBody>
-              <a:bodyPr rtlCol="0" anchor="ctr"/>
-              <a:lstStyle/>
-              <a:p>
-                <a:pPr algn="ctr"/>
-                <a:endParaRPr lang="ko-KR" altLang="en-US"/>
-              </a:p>
-            </p:txBody>
-          </p:sp>
-          <p:cxnSp>
-            <p:nvCxnSpPr>
-              <p:cNvPr id="84" name="직선 연결선 83">
-                <a:extLst>
-                  <a:ext uri="{FF2B5EF4-FFF2-40B4-BE49-F238E27FC236}">
-                    <a16:creationId xmlns:a16="http://schemas.microsoft.com/office/drawing/2014/main" id="{AAA0711C-0B05-4CA0-8C5A-14C24E3889D1}"/>
-                  </a:ext>
-                </a:extLst>
-              </p:cNvPr>
-              <p:cNvCxnSpPr>
-                <a:cxnSpLocks/>
-              </p:cNvCxnSpPr>
-              <p:nvPr/>
-            </p:nvCxnSpPr>
-            <p:spPr>
-              <a:xfrm>
-                <a:off x="2100783" y="4867993"/>
-                <a:ext cx="142678" cy="125129"/>
-              </a:xfrm>
-              <a:prstGeom prst="line">
-                <a:avLst/>
-              </a:prstGeom>
-              <a:ln w="3175">
-                <a:solidFill>
-                  <a:schemeClr val="tx1">
-                    <a:lumMod val="50000"/>
-                    <a:lumOff val="50000"/>
-                  </a:schemeClr>
-                </a:solidFill>
-              </a:ln>
-            </p:spPr>
-            <p:style>
-              <a:lnRef idx="1">
-                <a:schemeClr val="dk1"/>
-              </a:lnRef>
-              <a:fillRef idx="0">
-                <a:schemeClr val="dk1"/>
-              </a:fillRef>
-              <a:effectRef idx="0">
-                <a:schemeClr val="dk1"/>
-              </a:effectRef>
-              <a:fontRef idx="minor">
-                <a:schemeClr val="tx1"/>
-              </a:fontRef>
-            </p:style>
-          </p:cxnSp>
-          <p:cxnSp>
-            <p:nvCxnSpPr>
-              <p:cNvPr id="85" name="직선 연결선 84">
-                <a:extLst>
-                  <a:ext uri="{FF2B5EF4-FFF2-40B4-BE49-F238E27FC236}">
-                    <a16:creationId xmlns:a16="http://schemas.microsoft.com/office/drawing/2014/main" id="{057BE9B7-3B2C-4CB7-9F66-BD2455286722}"/>
-                  </a:ext>
-                </a:extLst>
-              </p:cNvPr>
-              <p:cNvCxnSpPr>
-                <a:cxnSpLocks/>
-              </p:cNvCxnSpPr>
-              <p:nvPr/>
-            </p:nvCxnSpPr>
-            <p:spPr>
-              <a:xfrm flipV="1">
-                <a:off x="2116297" y="4868136"/>
-                <a:ext cx="128416" cy="126560"/>
-              </a:xfrm>
-              <a:prstGeom prst="line">
-                <a:avLst/>
-              </a:prstGeom>
-              <a:ln w="3175">
-                <a:solidFill>
-                  <a:schemeClr val="tx1">
-                    <a:lumMod val="50000"/>
-                    <a:lumOff val="50000"/>
-                  </a:schemeClr>
-                </a:solidFill>
-              </a:ln>
-            </p:spPr>
-            <p:style>
-              <a:lnRef idx="1">
-                <a:schemeClr val="dk1"/>
-              </a:lnRef>
-              <a:fillRef idx="0">
-                <a:schemeClr val="dk1"/>
-              </a:fillRef>
-              <a:effectRef idx="0">
-                <a:schemeClr val="dk1"/>
-              </a:effectRef>
-              <a:fontRef idx="minor">
-                <a:schemeClr val="tx1"/>
-              </a:fontRef>
-            </p:style>
-          </p:cxnSp>
-        </p:grpSp>
-      </p:grpSp>
       <p:sp>
         <p:nvSpPr>
           <p:cNvPr id="86" name="TextBox 85">
@@ -13049,153 +12646,6 @@
           </a:p>
         </p:txBody>
       </p:sp>
-      <p:sp>
-        <p:nvSpPr>
-          <p:cNvPr id="87" name="직사각형 86">
-            <a:extLst>
-              <a:ext uri="{FF2B5EF4-FFF2-40B4-BE49-F238E27FC236}">
-                <a16:creationId xmlns:a16="http://schemas.microsoft.com/office/drawing/2014/main" id="{3987F4C5-6B9D-4436-AA0B-A602DCA6F5D0}"/>
-              </a:ext>
-            </a:extLst>
-          </p:cNvPr>
-          <p:cNvSpPr/>
-          <p:nvPr/>
-        </p:nvSpPr>
-        <p:spPr>
-          <a:xfrm>
-            <a:off x="4481258" y="2435582"/>
-            <a:ext cx="774641" cy="92827"/>
-          </a:xfrm>
-          <a:prstGeom prst="rect">
-            <a:avLst/>
-          </a:prstGeom>
-          <a:noFill/>
-          <a:ln w="3175">
-            <a:solidFill>
-              <a:schemeClr val="tx1">
-                <a:lumMod val="50000"/>
-                <a:lumOff val="50000"/>
-              </a:schemeClr>
-            </a:solidFill>
-          </a:ln>
-        </p:spPr>
-        <p:style>
-          <a:lnRef idx="2">
-            <a:schemeClr val="accent1">
-              <a:shade val="50000"/>
-            </a:schemeClr>
-          </a:lnRef>
-          <a:fillRef idx="1">
-            <a:schemeClr val="accent1"/>
-          </a:fillRef>
-          <a:effectRef idx="0">
-            <a:schemeClr val="accent1"/>
-          </a:effectRef>
-          <a:fontRef idx="minor">
-            <a:schemeClr val="lt1"/>
-          </a:fontRef>
-        </p:style>
-        <p:txBody>
-          <a:bodyPr rtlCol="0" anchor="ctr"/>
-          <a:lstStyle/>
-          <a:p>
-            <a:pPr algn="ctr"/>
-            <a:endParaRPr lang="ko-KR" altLang="en-US"/>
-          </a:p>
-        </p:txBody>
-      </p:sp>
-      <p:cxnSp>
-        <p:nvCxnSpPr>
-          <p:cNvPr id="88" name="직선 연결선 87">
-            <a:extLst>
-              <a:ext uri="{FF2B5EF4-FFF2-40B4-BE49-F238E27FC236}">
-                <a16:creationId xmlns:a16="http://schemas.microsoft.com/office/drawing/2014/main" id="{D0D5178E-19B1-4E86-8A9D-F93198551207}"/>
-              </a:ext>
-            </a:extLst>
-          </p:cNvPr>
-          <p:cNvCxnSpPr>
-            <a:cxnSpLocks/>
-          </p:cNvCxnSpPr>
-          <p:nvPr/>
-        </p:nvCxnSpPr>
-        <p:spPr>
-          <a:xfrm>
-            <a:off x="4481258" y="2438636"/>
-            <a:ext cx="774641" cy="93173"/>
-          </a:xfrm>
-          <a:prstGeom prst="line">
-            <a:avLst/>
-          </a:prstGeom>
-          <a:ln w="3175">
-            <a:solidFill>
-              <a:schemeClr val="tx1">
-                <a:lumMod val="50000"/>
-                <a:lumOff val="50000"/>
-              </a:schemeClr>
-            </a:solidFill>
-          </a:ln>
-        </p:spPr>
-        <p:style>
-          <a:lnRef idx="1">
-            <a:schemeClr val="dk1"/>
-          </a:lnRef>
-          <a:fillRef idx="0">
-            <a:schemeClr val="dk1"/>
-          </a:fillRef>
-          <a:effectRef idx="0">
-            <a:schemeClr val="dk1"/>
-          </a:effectRef>
-          <a:fontRef idx="minor">
-            <a:schemeClr val="tx1"/>
-          </a:fontRef>
-        </p:style>
-      </p:cxnSp>
-      <p:cxnSp>
-        <p:nvCxnSpPr>
-          <p:cNvPr id="89" name="직선 연결선 88">
-            <a:extLst>
-              <a:ext uri="{FF2B5EF4-FFF2-40B4-BE49-F238E27FC236}">
-                <a16:creationId xmlns:a16="http://schemas.microsoft.com/office/drawing/2014/main" id="{9DC68048-EACF-4234-BCEE-D16D15FF5C89}"/>
-              </a:ext>
-            </a:extLst>
-          </p:cNvPr>
-          <p:cNvCxnSpPr>
-            <a:cxnSpLocks/>
-          </p:cNvCxnSpPr>
-          <p:nvPr/>
-        </p:nvCxnSpPr>
-        <p:spPr>
-          <a:xfrm flipV="1">
-            <a:off x="4481258" y="2434638"/>
-            <a:ext cx="774641" cy="95647"/>
-          </a:xfrm>
-          <a:prstGeom prst="line">
-            <a:avLst/>
-          </a:prstGeom>
-          <a:ln w="3175">
-            <a:solidFill>
-              <a:schemeClr val="tx1">
-                <a:lumMod val="50000"/>
-                <a:lumOff val="50000"/>
-              </a:schemeClr>
-            </a:solidFill>
-          </a:ln>
-        </p:spPr>
-        <p:style>
-          <a:lnRef idx="1">
-            <a:schemeClr val="dk1"/>
-          </a:lnRef>
-          <a:fillRef idx="0">
-            <a:schemeClr val="dk1"/>
-          </a:fillRef>
-          <a:effectRef idx="0">
-            <a:schemeClr val="dk1"/>
-          </a:effectRef>
-          <a:fontRef idx="minor">
-            <a:schemeClr val="tx1"/>
-          </a:fontRef>
-        </p:style>
-      </p:cxnSp>
       <p:grpSp>
         <p:nvGrpSpPr>
           <p:cNvPr id="112" name="그룹 111">
@@ -15112,6 +14562,2216 @@
           </a:p>
         </p:txBody>
       </p:sp>
+      <p:grpSp>
+        <p:nvGrpSpPr>
+          <p:cNvPr id="107" name="그룹 106">
+            <a:extLst>
+              <a:ext uri="{FF2B5EF4-FFF2-40B4-BE49-F238E27FC236}">
+                <a16:creationId xmlns:a16="http://schemas.microsoft.com/office/drawing/2014/main" id="{1B68277A-9C2C-423A-9E92-9D13EC725441}"/>
+              </a:ext>
+            </a:extLst>
+          </p:cNvPr>
+          <p:cNvGrpSpPr/>
+          <p:nvPr/>
+        </p:nvGrpSpPr>
+        <p:grpSpPr>
+          <a:xfrm>
+            <a:off x="1527179" y="4696937"/>
+            <a:ext cx="247076" cy="175878"/>
+            <a:chOff x="2094031" y="4719501"/>
+            <a:chExt cx="179270" cy="189050"/>
+          </a:xfrm>
+        </p:grpSpPr>
+        <p:sp>
+          <p:nvSpPr>
+            <p:cNvPr id="109" name="직사각형 108">
+              <a:extLst>
+                <a:ext uri="{FF2B5EF4-FFF2-40B4-BE49-F238E27FC236}">
+                  <a16:creationId xmlns:a16="http://schemas.microsoft.com/office/drawing/2014/main" id="{8B4C4568-B510-4C9E-B74F-11EC093D9EEF}"/>
+                </a:ext>
+              </a:extLst>
+            </p:cNvPr>
+            <p:cNvSpPr/>
+            <p:nvPr/>
+          </p:nvSpPr>
+          <p:spPr>
+            <a:xfrm>
+              <a:off x="2094033" y="4719501"/>
+              <a:ext cx="179268" cy="189049"/>
+            </a:xfrm>
+            <a:prstGeom prst="rect">
+              <a:avLst/>
+            </a:prstGeom>
+            <a:noFill/>
+            <a:ln w="3175">
+              <a:solidFill>
+                <a:schemeClr val="tx1">
+                  <a:lumMod val="50000"/>
+                  <a:lumOff val="50000"/>
+                </a:schemeClr>
+              </a:solidFill>
+            </a:ln>
+          </p:spPr>
+          <p:style>
+            <a:lnRef idx="2">
+              <a:schemeClr val="accent1">
+                <a:shade val="50000"/>
+              </a:schemeClr>
+            </a:lnRef>
+            <a:fillRef idx="1">
+              <a:schemeClr val="accent1"/>
+            </a:fillRef>
+            <a:effectRef idx="0">
+              <a:schemeClr val="accent1"/>
+            </a:effectRef>
+            <a:fontRef idx="minor">
+              <a:schemeClr val="lt1"/>
+            </a:fontRef>
+          </p:style>
+          <p:txBody>
+            <a:bodyPr rtlCol="0" anchor="ctr"/>
+            <a:lstStyle/>
+            <a:p>
+              <a:pPr algn="ctr"/>
+              <a:endParaRPr lang="ko-KR" altLang="en-US"/>
+            </a:p>
+          </p:txBody>
+        </p:sp>
+        <p:cxnSp>
+          <p:nvCxnSpPr>
+            <p:cNvPr id="111" name="직선 연결선 110">
+              <a:extLst>
+                <a:ext uri="{FF2B5EF4-FFF2-40B4-BE49-F238E27FC236}">
+                  <a16:creationId xmlns:a16="http://schemas.microsoft.com/office/drawing/2014/main" id="{41B404BB-A230-401A-87C3-C2956D69B5FE}"/>
+                </a:ext>
+              </a:extLst>
+            </p:cNvPr>
+            <p:cNvCxnSpPr>
+              <a:cxnSpLocks/>
+            </p:cNvCxnSpPr>
+            <p:nvPr/>
+          </p:nvCxnSpPr>
+          <p:spPr>
+            <a:xfrm>
+              <a:off x="2094032" y="4719501"/>
+              <a:ext cx="179268" cy="189049"/>
+            </a:xfrm>
+            <a:prstGeom prst="line">
+              <a:avLst/>
+            </a:prstGeom>
+            <a:ln w="3175">
+              <a:solidFill>
+                <a:schemeClr val="tx1">
+                  <a:lumMod val="50000"/>
+                  <a:lumOff val="50000"/>
+                </a:schemeClr>
+              </a:solidFill>
+            </a:ln>
+          </p:spPr>
+          <p:style>
+            <a:lnRef idx="1">
+              <a:schemeClr val="dk1"/>
+            </a:lnRef>
+            <a:fillRef idx="0">
+              <a:schemeClr val="dk1"/>
+            </a:fillRef>
+            <a:effectRef idx="0">
+              <a:schemeClr val="dk1"/>
+            </a:effectRef>
+            <a:fontRef idx="minor">
+              <a:schemeClr val="tx1"/>
+            </a:fontRef>
+          </p:style>
+        </p:cxnSp>
+        <p:cxnSp>
+          <p:nvCxnSpPr>
+            <p:cNvPr id="116" name="직선 연결선 115">
+              <a:extLst>
+                <a:ext uri="{FF2B5EF4-FFF2-40B4-BE49-F238E27FC236}">
+                  <a16:creationId xmlns:a16="http://schemas.microsoft.com/office/drawing/2014/main" id="{5F4098DE-DF5F-4771-9D35-85FF879D198C}"/>
+                </a:ext>
+              </a:extLst>
+            </p:cNvPr>
+            <p:cNvCxnSpPr>
+              <a:cxnSpLocks/>
+            </p:cNvCxnSpPr>
+            <p:nvPr/>
+          </p:nvCxnSpPr>
+          <p:spPr>
+            <a:xfrm flipV="1">
+              <a:off x="2094031" y="4719501"/>
+              <a:ext cx="178320" cy="189050"/>
+            </a:xfrm>
+            <a:prstGeom prst="line">
+              <a:avLst/>
+            </a:prstGeom>
+            <a:ln w="3175">
+              <a:solidFill>
+                <a:schemeClr val="tx1">
+                  <a:lumMod val="50000"/>
+                  <a:lumOff val="50000"/>
+                </a:schemeClr>
+              </a:solidFill>
+            </a:ln>
+          </p:spPr>
+          <p:style>
+            <a:lnRef idx="1">
+              <a:schemeClr val="dk1"/>
+            </a:lnRef>
+            <a:fillRef idx="0">
+              <a:schemeClr val="dk1"/>
+            </a:fillRef>
+            <a:effectRef idx="0">
+              <a:schemeClr val="dk1"/>
+            </a:effectRef>
+            <a:fontRef idx="minor">
+              <a:schemeClr val="tx1"/>
+            </a:fontRef>
+          </p:style>
+        </p:cxnSp>
+      </p:grpSp>
+      <p:grpSp>
+        <p:nvGrpSpPr>
+          <p:cNvPr id="118" name="그룹 117">
+            <a:extLst>
+              <a:ext uri="{FF2B5EF4-FFF2-40B4-BE49-F238E27FC236}">
+                <a16:creationId xmlns:a16="http://schemas.microsoft.com/office/drawing/2014/main" id="{DF36EA86-D798-4150-B449-A53C0F9150B2}"/>
+              </a:ext>
+            </a:extLst>
+          </p:cNvPr>
+          <p:cNvGrpSpPr/>
+          <p:nvPr/>
+        </p:nvGrpSpPr>
+        <p:grpSpPr>
+          <a:xfrm>
+            <a:off x="4120739" y="2390300"/>
+            <a:ext cx="1844040" cy="1529981"/>
+            <a:chOff x="-1614581" y="1486164"/>
+            <a:chExt cx="2936136" cy="1529981"/>
+          </a:xfrm>
+        </p:grpSpPr>
+        <p:sp>
+          <p:nvSpPr>
+            <p:cNvPr id="119" name="직사각형 118">
+              <a:extLst>
+                <a:ext uri="{FF2B5EF4-FFF2-40B4-BE49-F238E27FC236}">
+                  <a16:creationId xmlns:a16="http://schemas.microsoft.com/office/drawing/2014/main" id="{0BD74892-F1C9-44B8-982F-CA8CDB8423B9}"/>
+                </a:ext>
+              </a:extLst>
+            </p:cNvPr>
+            <p:cNvSpPr/>
+            <p:nvPr/>
+          </p:nvSpPr>
+          <p:spPr>
+            <a:xfrm>
+              <a:off x="-1612714" y="1487372"/>
+              <a:ext cx="2934269" cy="1528773"/>
+            </a:xfrm>
+            <a:prstGeom prst="rect">
+              <a:avLst/>
+            </a:prstGeom>
+            <a:solidFill>
+              <a:schemeClr val="bg2">
+                <a:lumMod val="90000"/>
+              </a:schemeClr>
+            </a:solidFill>
+            <a:ln w="6350">
+              <a:solidFill>
+                <a:schemeClr val="tx1">
+                  <a:lumMod val="50000"/>
+                  <a:lumOff val="50000"/>
+                </a:schemeClr>
+              </a:solidFill>
+            </a:ln>
+          </p:spPr>
+          <p:style>
+            <a:lnRef idx="2">
+              <a:schemeClr val="accent1">
+                <a:shade val="50000"/>
+              </a:schemeClr>
+            </a:lnRef>
+            <a:fillRef idx="1">
+              <a:schemeClr val="accent1"/>
+            </a:fillRef>
+            <a:effectRef idx="0">
+              <a:schemeClr val="accent1"/>
+            </a:effectRef>
+            <a:fontRef idx="minor">
+              <a:schemeClr val="lt1"/>
+            </a:fontRef>
+          </p:style>
+          <p:txBody>
+            <a:bodyPr rtlCol="0" anchor="ctr"/>
+            <a:lstStyle/>
+            <a:p>
+              <a:pPr algn="ctr"/>
+              <a:endParaRPr lang="ko-KR" altLang="en-US"/>
+            </a:p>
+          </p:txBody>
+        </p:sp>
+        <p:sp>
+          <p:nvSpPr>
+            <p:cNvPr id="120" name="이등변 삼각형 119">
+              <a:extLst>
+                <a:ext uri="{FF2B5EF4-FFF2-40B4-BE49-F238E27FC236}">
+                  <a16:creationId xmlns:a16="http://schemas.microsoft.com/office/drawing/2014/main" id="{D2968ADB-5BE8-4764-B85F-85595B083FDE}"/>
+                </a:ext>
+              </a:extLst>
+            </p:cNvPr>
+            <p:cNvSpPr/>
+            <p:nvPr/>
+          </p:nvSpPr>
+          <p:spPr>
+            <a:xfrm rot="5400000">
+              <a:off x="-205905" y="1949849"/>
+              <a:ext cx="120650" cy="98425"/>
+            </a:xfrm>
+            <a:prstGeom prst="triangle">
+              <a:avLst/>
+            </a:prstGeom>
+            <a:solidFill>
+              <a:schemeClr val="tx1">
+                <a:lumMod val="50000"/>
+                <a:lumOff val="50000"/>
+              </a:schemeClr>
+            </a:solidFill>
+            <a:ln>
+              <a:noFill/>
+            </a:ln>
+          </p:spPr>
+          <p:style>
+            <a:lnRef idx="2">
+              <a:schemeClr val="accent1">
+                <a:shade val="50000"/>
+              </a:schemeClr>
+            </a:lnRef>
+            <a:fillRef idx="1">
+              <a:schemeClr val="accent1"/>
+            </a:fillRef>
+            <a:effectRef idx="0">
+              <a:schemeClr val="accent1"/>
+            </a:effectRef>
+            <a:fontRef idx="minor">
+              <a:schemeClr val="lt1"/>
+            </a:fontRef>
+          </p:style>
+          <p:txBody>
+            <a:bodyPr rtlCol="0" anchor="ctr"/>
+            <a:lstStyle/>
+            <a:p>
+              <a:pPr algn="ctr"/>
+              <a:endParaRPr lang="ko-KR" altLang="en-US"/>
+            </a:p>
+          </p:txBody>
+        </p:sp>
+        <p:grpSp>
+          <p:nvGrpSpPr>
+            <p:cNvPr id="121" name="그룹 120">
+              <a:extLst>
+                <a:ext uri="{FF2B5EF4-FFF2-40B4-BE49-F238E27FC236}">
+                  <a16:creationId xmlns:a16="http://schemas.microsoft.com/office/drawing/2014/main" id="{F00A9966-33C1-43D8-9C48-C2F703264C1E}"/>
+                </a:ext>
+              </a:extLst>
+            </p:cNvPr>
+            <p:cNvGrpSpPr/>
+            <p:nvPr/>
+          </p:nvGrpSpPr>
+          <p:grpSpPr>
+            <a:xfrm>
+              <a:off x="-323900" y="1555383"/>
+              <a:ext cx="357187" cy="320229"/>
+              <a:chOff x="2094032" y="2478777"/>
+              <a:chExt cx="357187" cy="320229"/>
+            </a:xfrm>
+          </p:grpSpPr>
+          <p:sp>
+            <p:nvSpPr>
+              <p:cNvPr id="125" name="직사각형 124">
+                <a:extLst>
+                  <a:ext uri="{FF2B5EF4-FFF2-40B4-BE49-F238E27FC236}">
+                    <a16:creationId xmlns:a16="http://schemas.microsoft.com/office/drawing/2014/main" id="{C5DA054D-30A4-4510-808F-2AB421D6F063}"/>
+                  </a:ext>
+                </a:extLst>
+              </p:cNvPr>
+              <p:cNvSpPr/>
+              <p:nvPr/>
+            </p:nvSpPr>
+            <p:spPr>
+              <a:xfrm>
+                <a:off x="2094032" y="2478777"/>
+                <a:ext cx="357187" cy="320229"/>
+              </a:xfrm>
+              <a:prstGeom prst="rect">
+                <a:avLst/>
+              </a:prstGeom>
+              <a:solidFill>
+                <a:schemeClr val="bg1">
+                  <a:lumMod val="95000"/>
+                </a:schemeClr>
+              </a:solidFill>
+              <a:ln w="3175">
+                <a:solidFill>
+                  <a:schemeClr val="accent3">
+                    <a:lumMod val="75000"/>
+                  </a:schemeClr>
+                </a:solidFill>
+              </a:ln>
+            </p:spPr>
+            <p:style>
+              <a:lnRef idx="2">
+                <a:schemeClr val="accent1">
+                  <a:shade val="50000"/>
+                </a:schemeClr>
+              </a:lnRef>
+              <a:fillRef idx="1">
+                <a:schemeClr val="accent1"/>
+              </a:fillRef>
+              <a:effectRef idx="0">
+                <a:schemeClr val="accent1"/>
+              </a:effectRef>
+              <a:fontRef idx="minor">
+                <a:schemeClr val="lt1"/>
+              </a:fontRef>
+            </p:style>
+            <p:txBody>
+              <a:bodyPr rtlCol="0" anchor="ctr"/>
+              <a:lstStyle/>
+              <a:p>
+                <a:pPr algn="ctr"/>
+                <a:endParaRPr lang="ko-KR" altLang="en-US"/>
+              </a:p>
+            </p:txBody>
+          </p:sp>
+          <p:cxnSp>
+            <p:nvCxnSpPr>
+              <p:cNvPr id="126" name="직선 연결선 125">
+                <a:extLst>
+                  <a:ext uri="{FF2B5EF4-FFF2-40B4-BE49-F238E27FC236}">
+                    <a16:creationId xmlns:a16="http://schemas.microsoft.com/office/drawing/2014/main" id="{341F818B-627D-44C0-883D-C2E4966E6EB1}"/>
+                  </a:ext>
+                </a:extLst>
+              </p:cNvPr>
+              <p:cNvCxnSpPr>
+                <a:cxnSpLocks/>
+              </p:cNvCxnSpPr>
+              <p:nvPr/>
+            </p:nvCxnSpPr>
+            <p:spPr>
+              <a:xfrm>
+                <a:off x="2094032" y="2478777"/>
+                <a:ext cx="356639" cy="320229"/>
+              </a:xfrm>
+              <a:prstGeom prst="line">
+                <a:avLst/>
+              </a:prstGeom>
+              <a:ln/>
+            </p:spPr>
+            <p:style>
+              <a:lnRef idx="1">
+                <a:schemeClr val="accent3"/>
+              </a:lnRef>
+              <a:fillRef idx="0">
+                <a:schemeClr val="accent3"/>
+              </a:fillRef>
+              <a:effectRef idx="0">
+                <a:schemeClr val="accent3"/>
+              </a:effectRef>
+              <a:fontRef idx="minor">
+                <a:schemeClr val="tx1"/>
+              </a:fontRef>
+            </p:style>
+          </p:cxnSp>
+          <p:cxnSp>
+            <p:nvCxnSpPr>
+              <p:cNvPr id="127" name="직선 연결선 126">
+                <a:extLst>
+                  <a:ext uri="{FF2B5EF4-FFF2-40B4-BE49-F238E27FC236}">
+                    <a16:creationId xmlns:a16="http://schemas.microsoft.com/office/drawing/2014/main" id="{00C46E99-40D4-443F-9A62-A1A38F6348CE}"/>
+                  </a:ext>
+                </a:extLst>
+              </p:cNvPr>
+              <p:cNvCxnSpPr>
+                <a:cxnSpLocks/>
+              </p:cNvCxnSpPr>
+              <p:nvPr/>
+            </p:nvCxnSpPr>
+            <p:spPr>
+              <a:xfrm flipV="1">
+                <a:off x="2094032" y="2487019"/>
+                <a:ext cx="356639" cy="311987"/>
+              </a:xfrm>
+              <a:prstGeom prst="line">
+                <a:avLst/>
+              </a:prstGeom>
+              <a:ln/>
+            </p:spPr>
+            <p:style>
+              <a:lnRef idx="1">
+                <a:schemeClr val="accent3"/>
+              </a:lnRef>
+              <a:fillRef idx="0">
+                <a:schemeClr val="accent3"/>
+              </a:fillRef>
+              <a:effectRef idx="0">
+                <a:schemeClr val="accent3"/>
+              </a:effectRef>
+              <a:fontRef idx="minor">
+                <a:schemeClr val="tx1"/>
+              </a:fontRef>
+            </p:style>
+          </p:cxnSp>
+        </p:grpSp>
+        <p:cxnSp>
+          <p:nvCxnSpPr>
+            <p:cNvPr id="122" name="직선 연결선 121">
+              <a:extLst>
+                <a:ext uri="{FF2B5EF4-FFF2-40B4-BE49-F238E27FC236}">
+                  <a16:creationId xmlns:a16="http://schemas.microsoft.com/office/drawing/2014/main" id="{CA1E1C38-9742-45CE-8F9A-D874CB42727B}"/>
+                </a:ext>
+              </a:extLst>
+            </p:cNvPr>
+            <p:cNvCxnSpPr>
+              <a:cxnSpLocks/>
+            </p:cNvCxnSpPr>
+            <p:nvPr/>
+          </p:nvCxnSpPr>
+          <p:spPr>
+            <a:xfrm>
+              <a:off x="-1612714" y="1486164"/>
+              <a:ext cx="2934269" cy="1515982"/>
+            </a:xfrm>
+            <a:prstGeom prst="line">
+              <a:avLst/>
+            </a:prstGeom>
+            <a:ln w="3175"/>
+          </p:spPr>
+          <p:style>
+            <a:lnRef idx="1">
+              <a:schemeClr val="dk1"/>
+            </a:lnRef>
+            <a:fillRef idx="0">
+              <a:schemeClr val="dk1"/>
+            </a:fillRef>
+            <a:effectRef idx="0">
+              <a:schemeClr val="dk1"/>
+            </a:effectRef>
+            <a:fontRef idx="minor">
+              <a:schemeClr val="tx1"/>
+            </a:fontRef>
+          </p:style>
+        </p:cxnSp>
+        <p:cxnSp>
+          <p:nvCxnSpPr>
+            <p:cNvPr id="123" name="직선 연결선 122">
+              <a:extLst>
+                <a:ext uri="{FF2B5EF4-FFF2-40B4-BE49-F238E27FC236}">
+                  <a16:creationId xmlns:a16="http://schemas.microsoft.com/office/drawing/2014/main" id="{6477C051-B1C4-493D-8D6E-BEF28F355DED}"/>
+                </a:ext>
+              </a:extLst>
+            </p:cNvPr>
+            <p:cNvCxnSpPr>
+              <a:cxnSpLocks/>
+            </p:cNvCxnSpPr>
+            <p:nvPr/>
+          </p:nvCxnSpPr>
+          <p:spPr>
+            <a:xfrm flipH="1">
+              <a:off x="-1614581" y="1487372"/>
+              <a:ext cx="2918836" cy="1528415"/>
+            </a:xfrm>
+            <a:prstGeom prst="line">
+              <a:avLst/>
+            </a:prstGeom>
+            <a:ln w="3175"/>
+          </p:spPr>
+          <p:style>
+            <a:lnRef idx="1">
+              <a:schemeClr val="dk1"/>
+            </a:lnRef>
+            <a:fillRef idx="0">
+              <a:schemeClr val="dk1"/>
+            </a:fillRef>
+            <a:effectRef idx="0">
+              <a:schemeClr val="dk1"/>
+            </a:effectRef>
+            <a:fontRef idx="minor">
+              <a:schemeClr val="tx1"/>
+            </a:fontRef>
+          </p:style>
+        </p:cxnSp>
+      </p:grpSp>
+      <p:grpSp>
+        <p:nvGrpSpPr>
+          <p:cNvPr id="59" name="그룹 58">
+            <a:extLst>
+              <a:ext uri="{FF2B5EF4-FFF2-40B4-BE49-F238E27FC236}">
+                <a16:creationId xmlns:a16="http://schemas.microsoft.com/office/drawing/2014/main" id="{A0811F80-32CE-443E-8A6A-B59F8028995B}"/>
+              </a:ext>
+            </a:extLst>
+          </p:cNvPr>
+          <p:cNvGrpSpPr/>
+          <p:nvPr/>
+        </p:nvGrpSpPr>
+        <p:grpSpPr>
+          <a:xfrm>
+            <a:off x="4122594" y="4132880"/>
+            <a:ext cx="1844040" cy="928502"/>
+            <a:chOff x="1816332" y="4478046"/>
+            <a:chExt cx="1225364" cy="700870"/>
+          </a:xfrm>
+        </p:grpSpPr>
+        <p:sp>
+          <p:nvSpPr>
+            <p:cNvPr id="60" name="직사각형 59">
+              <a:extLst>
+                <a:ext uri="{FF2B5EF4-FFF2-40B4-BE49-F238E27FC236}">
+                  <a16:creationId xmlns:a16="http://schemas.microsoft.com/office/drawing/2014/main" id="{D39F2FAE-DF60-4037-B80E-0B71A3BE06EF}"/>
+                </a:ext>
+              </a:extLst>
+            </p:cNvPr>
+            <p:cNvSpPr/>
+            <p:nvPr/>
+          </p:nvSpPr>
+          <p:spPr>
+            <a:xfrm>
+              <a:off x="1816332" y="4478046"/>
+              <a:ext cx="1225364" cy="700870"/>
+            </a:xfrm>
+            <a:prstGeom prst="rect">
+              <a:avLst/>
+            </a:prstGeom>
+            <a:solidFill>
+              <a:schemeClr val="bg1"/>
+            </a:solidFill>
+            <a:ln w="3175">
+              <a:solidFill>
+                <a:schemeClr val="tx1"/>
+              </a:solidFill>
+            </a:ln>
+          </p:spPr>
+          <p:style>
+            <a:lnRef idx="2">
+              <a:schemeClr val="accent1">
+                <a:shade val="50000"/>
+              </a:schemeClr>
+            </a:lnRef>
+            <a:fillRef idx="1">
+              <a:schemeClr val="accent1"/>
+            </a:fillRef>
+            <a:effectRef idx="0">
+              <a:schemeClr val="accent1"/>
+            </a:effectRef>
+            <a:fontRef idx="minor">
+              <a:schemeClr val="lt1"/>
+            </a:fontRef>
+          </p:style>
+          <p:txBody>
+            <a:bodyPr rtlCol="0" anchor="ctr"/>
+            <a:lstStyle/>
+            <a:p>
+              <a:pPr algn="ctr"/>
+              <a:endParaRPr lang="ko-KR" altLang="en-US" dirty="0"/>
+            </a:p>
+          </p:txBody>
+        </p:sp>
+        <p:grpSp>
+          <p:nvGrpSpPr>
+            <p:cNvPr id="61" name="그룹 60">
+              <a:extLst>
+                <a:ext uri="{FF2B5EF4-FFF2-40B4-BE49-F238E27FC236}">
+                  <a16:creationId xmlns:a16="http://schemas.microsoft.com/office/drawing/2014/main" id="{B79E76A5-53A3-481F-87C3-91FCFBB74A44}"/>
+                </a:ext>
+              </a:extLst>
+            </p:cNvPr>
+            <p:cNvGrpSpPr/>
+            <p:nvPr/>
+          </p:nvGrpSpPr>
+          <p:grpSpPr>
+            <a:xfrm>
+              <a:off x="1998933" y="4711324"/>
+              <a:ext cx="696997" cy="55435"/>
+              <a:chOff x="2298615" y="3458883"/>
+              <a:chExt cx="696997" cy="55435"/>
+            </a:xfrm>
+          </p:grpSpPr>
+          <p:sp>
+            <p:nvSpPr>
+              <p:cNvPr id="75" name="직사각형 74">
+                <a:extLst>
+                  <a:ext uri="{FF2B5EF4-FFF2-40B4-BE49-F238E27FC236}">
+                    <a16:creationId xmlns:a16="http://schemas.microsoft.com/office/drawing/2014/main" id="{DBAB71B4-8398-43EB-AAE5-964623BFB0B9}"/>
+                  </a:ext>
+                </a:extLst>
+              </p:cNvPr>
+              <p:cNvSpPr/>
+              <p:nvPr/>
+            </p:nvSpPr>
+            <p:spPr>
+              <a:xfrm>
+                <a:off x="2361391" y="3458883"/>
+                <a:ext cx="634221" cy="55435"/>
+              </a:xfrm>
+              <a:prstGeom prst="rect">
+                <a:avLst/>
+              </a:prstGeom>
+              <a:solidFill>
+                <a:schemeClr val="bg2">
+                  <a:lumMod val="90000"/>
+                </a:schemeClr>
+              </a:solidFill>
+              <a:ln>
+                <a:noFill/>
+              </a:ln>
+            </p:spPr>
+            <p:style>
+              <a:lnRef idx="2">
+                <a:schemeClr val="accent1">
+                  <a:shade val="50000"/>
+                </a:schemeClr>
+              </a:lnRef>
+              <a:fillRef idx="1">
+                <a:schemeClr val="accent1"/>
+              </a:fillRef>
+              <a:effectRef idx="0">
+                <a:schemeClr val="accent1"/>
+              </a:effectRef>
+              <a:fontRef idx="minor">
+                <a:schemeClr val="lt1"/>
+              </a:fontRef>
+            </p:style>
+            <p:txBody>
+              <a:bodyPr rtlCol="0" anchor="ctr"/>
+              <a:lstStyle/>
+              <a:p>
+                <a:pPr algn="ctr"/>
+                <a:endParaRPr lang="ko-KR" altLang="en-US" dirty="0"/>
+              </a:p>
+            </p:txBody>
+          </p:sp>
+          <p:sp>
+            <p:nvSpPr>
+              <p:cNvPr id="76" name="이등변 삼각형 75">
+                <a:extLst>
+                  <a:ext uri="{FF2B5EF4-FFF2-40B4-BE49-F238E27FC236}">
+                    <a16:creationId xmlns:a16="http://schemas.microsoft.com/office/drawing/2014/main" id="{36DEDD95-1C0C-4724-963D-B81B43A62B87}"/>
+                  </a:ext>
+                </a:extLst>
+              </p:cNvPr>
+              <p:cNvSpPr/>
+              <p:nvPr/>
+            </p:nvSpPr>
+            <p:spPr>
+              <a:xfrm rot="5400000">
+                <a:off x="2293757" y="3463741"/>
+                <a:ext cx="55435" cy="45719"/>
+              </a:xfrm>
+              <a:prstGeom prst="triangle">
+                <a:avLst/>
+              </a:prstGeom>
+              <a:solidFill>
+                <a:schemeClr val="tx1">
+                  <a:lumMod val="50000"/>
+                  <a:lumOff val="50000"/>
+                </a:schemeClr>
+              </a:solidFill>
+              <a:ln>
+                <a:noFill/>
+              </a:ln>
+            </p:spPr>
+            <p:style>
+              <a:lnRef idx="2">
+                <a:schemeClr val="accent1">
+                  <a:shade val="50000"/>
+                </a:schemeClr>
+              </a:lnRef>
+              <a:fillRef idx="1">
+                <a:schemeClr val="accent1"/>
+              </a:fillRef>
+              <a:effectRef idx="0">
+                <a:schemeClr val="accent1"/>
+              </a:effectRef>
+              <a:fontRef idx="minor">
+                <a:schemeClr val="lt1"/>
+              </a:fontRef>
+            </p:style>
+            <p:txBody>
+              <a:bodyPr rtlCol="0" anchor="ctr"/>
+              <a:lstStyle/>
+              <a:p>
+                <a:pPr algn="ctr"/>
+                <a:endParaRPr lang="ko-KR" altLang="en-US"/>
+              </a:p>
+            </p:txBody>
+          </p:sp>
+        </p:grpSp>
+        <p:grpSp>
+          <p:nvGrpSpPr>
+            <p:cNvPr id="62" name="그룹 61">
+              <a:extLst>
+                <a:ext uri="{FF2B5EF4-FFF2-40B4-BE49-F238E27FC236}">
+                  <a16:creationId xmlns:a16="http://schemas.microsoft.com/office/drawing/2014/main" id="{3D4D0748-8AC5-45C6-A077-0FD4DDFE5C95}"/>
+                </a:ext>
+              </a:extLst>
+            </p:cNvPr>
+            <p:cNvGrpSpPr/>
+            <p:nvPr/>
+          </p:nvGrpSpPr>
+          <p:grpSpPr>
+            <a:xfrm>
+              <a:off x="1998933" y="4819489"/>
+              <a:ext cx="696997" cy="55435"/>
+              <a:chOff x="2298615" y="3458883"/>
+              <a:chExt cx="696997" cy="55435"/>
+            </a:xfrm>
+          </p:grpSpPr>
+          <p:sp>
+            <p:nvSpPr>
+              <p:cNvPr id="73" name="직사각형 72">
+                <a:extLst>
+                  <a:ext uri="{FF2B5EF4-FFF2-40B4-BE49-F238E27FC236}">
+                    <a16:creationId xmlns:a16="http://schemas.microsoft.com/office/drawing/2014/main" id="{17DBE965-D210-4532-BD4C-9B03952FBA48}"/>
+                  </a:ext>
+                </a:extLst>
+              </p:cNvPr>
+              <p:cNvSpPr/>
+              <p:nvPr/>
+            </p:nvSpPr>
+            <p:spPr>
+              <a:xfrm>
+                <a:off x="2361392" y="3458883"/>
+                <a:ext cx="634220" cy="55435"/>
+              </a:xfrm>
+              <a:prstGeom prst="rect">
+                <a:avLst/>
+              </a:prstGeom>
+              <a:solidFill>
+                <a:schemeClr val="bg2">
+                  <a:lumMod val="90000"/>
+                </a:schemeClr>
+              </a:solidFill>
+              <a:ln>
+                <a:noFill/>
+              </a:ln>
+            </p:spPr>
+            <p:style>
+              <a:lnRef idx="2">
+                <a:schemeClr val="accent1">
+                  <a:shade val="50000"/>
+                </a:schemeClr>
+              </a:lnRef>
+              <a:fillRef idx="1">
+                <a:schemeClr val="accent1"/>
+              </a:fillRef>
+              <a:effectRef idx="0">
+                <a:schemeClr val="accent1"/>
+              </a:effectRef>
+              <a:fontRef idx="minor">
+                <a:schemeClr val="lt1"/>
+              </a:fontRef>
+            </p:style>
+            <p:txBody>
+              <a:bodyPr rtlCol="0" anchor="ctr"/>
+              <a:lstStyle/>
+              <a:p>
+                <a:pPr algn="ctr"/>
+                <a:endParaRPr lang="ko-KR" altLang="en-US" dirty="0"/>
+              </a:p>
+            </p:txBody>
+          </p:sp>
+          <p:sp>
+            <p:nvSpPr>
+              <p:cNvPr id="74" name="이등변 삼각형 73">
+                <a:extLst>
+                  <a:ext uri="{FF2B5EF4-FFF2-40B4-BE49-F238E27FC236}">
+                    <a16:creationId xmlns:a16="http://schemas.microsoft.com/office/drawing/2014/main" id="{12F9E94A-ECA1-43EB-86B7-3E3711E8F748}"/>
+                  </a:ext>
+                </a:extLst>
+              </p:cNvPr>
+              <p:cNvSpPr/>
+              <p:nvPr/>
+            </p:nvSpPr>
+            <p:spPr>
+              <a:xfrm rot="5400000">
+                <a:off x="2293757" y="3463741"/>
+                <a:ext cx="55435" cy="45719"/>
+              </a:xfrm>
+              <a:prstGeom prst="triangle">
+                <a:avLst/>
+              </a:prstGeom>
+              <a:solidFill>
+                <a:schemeClr val="tx1">
+                  <a:lumMod val="50000"/>
+                  <a:lumOff val="50000"/>
+                </a:schemeClr>
+              </a:solidFill>
+              <a:ln>
+                <a:noFill/>
+              </a:ln>
+            </p:spPr>
+            <p:style>
+              <a:lnRef idx="2">
+                <a:schemeClr val="accent1">
+                  <a:shade val="50000"/>
+                </a:schemeClr>
+              </a:lnRef>
+              <a:fillRef idx="1">
+                <a:schemeClr val="accent1"/>
+              </a:fillRef>
+              <a:effectRef idx="0">
+                <a:schemeClr val="accent1"/>
+              </a:effectRef>
+              <a:fontRef idx="minor">
+                <a:schemeClr val="lt1"/>
+              </a:fontRef>
+            </p:style>
+            <p:txBody>
+              <a:bodyPr rtlCol="0" anchor="ctr"/>
+              <a:lstStyle/>
+              <a:p>
+                <a:pPr algn="ctr"/>
+                <a:endParaRPr lang="ko-KR" altLang="en-US"/>
+              </a:p>
+            </p:txBody>
+          </p:sp>
+        </p:grpSp>
+        <p:grpSp>
+          <p:nvGrpSpPr>
+            <p:cNvPr id="63" name="그룹 62">
+              <a:extLst>
+                <a:ext uri="{FF2B5EF4-FFF2-40B4-BE49-F238E27FC236}">
+                  <a16:creationId xmlns:a16="http://schemas.microsoft.com/office/drawing/2014/main" id="{B969A747-8B20-4528-9FFB-FAF1BB5B9255}"/>
+                </a:ext>
+              </a:extLst>
+            </p:cNvPr>
+            <p:cNvGrpSpPr/>
+            <p:nvPr/>
+          </p:nvGrpSpPr>
+          <p:grpSpPr>
+            <a:xfrm>
+              <a:off x="1998933" y="4941413"/>
+              <a:ext cx="696995" cy="55435"/>
+              <a:chOff x="2298615" y="3458883"/>
+              <a:chExt cx="696995" cy="55435"/>
+            </a:xfrm>
+          </p:grpSpPr>
+          <p:sp>
+            <p:nvSpPr>
+              <p:cNvPr id="71" name="직사각형 70">
+                <a:extLst>
+                  <a:ext uri="{FF2B5EF4-FFF2-40B4-BE49-F238E27FC236}">
+                    <a16:creationId xmlns:a16="http://schemas.microsoft.com/office/drawing/2014/main" id="{53D93ACE-86C5-4C70-85B5-F5E85326140C}"/>
+                  </a:ext>
+                </a:extLst>
+              </p:cNvPr>
+              <p:cNvSpPr/>
+              <p:nvPr/>
+            </p:nvSpPr>
+            <p:spPr>
+              <a:xfrm>
+                <a:off x="2361391" y="3458883"/>
+                <a:ext cx="634219" cy="55435"/>
+              </a:xfrm>
+              <a:prstGeom prst="rect">
+                <a:avLst/>
+              </a:prstGeom>
+              <a:solidFill>
+                <a:schemeClr val="bg2">
+                  <a:lumMod val="90000"/>
+                </a:schemeClr>
+              </a:solidFill>
+              <a:ln>
+                <a:noFill/>
+              </a:ln>
+            </p:spPr>
+            <p:style>
+              <a:lnRef idx="2">
+                <a:schemeClr val="accent1">
+                  <a:shade val="50000"/>
+                </a:schemeClr>
+              </a:lnRef>
+              <a:fillRef idx="1">
+                <a:schemeClr val="accent1"/>
+              </a:fillRef>
+              <a:effectRef idx="0">
+                <a:schemeClr val="accent1"/>
+              </a:effectRef>
+              <a:fontRef idx="minor">
+                <a:schemeClr val="lt1"/>
+              </a:fontRef>
+            </p:style>
+            <p:txBody>
+              <a:bodyPr rtlCol="0" anchor="ctr"/>
+              <a:lstStyle/>
+              <a:p>
+                <a:pPr algn="ctr"/>
+                <a:endParaRPr lang="ko-KR" altLang="en-US"/>
+              </a:p>
+            </p:txBody>
+          </p:sp>
+          <p:sp>
+            <p:nvSpPr>
+              <p:cNvPr id="72" name="이등변 삼각형 71">
+                <a:extLst>
+                  <a:ext uri="{FF2B5EF4-FFF2-40B4-BE49-F238E27FC236}">
+                    <a16:creationId xmlns:a16="http://schemas.microsoft.com/office/drawing/2014/main" id="{8BD6F4A9-6088-4EEC-96C4-20A6C7F042BC}"/>
+                  </a:ext>
+                </a:extLst>
+              </p:cNvPr>
+              <p:cNvSpPr/>
+              <p:nvPr/>
+            </p:nvSpPr>
+            <p:spPr>
+              <a:xfrm rot="5400000">
+                <a:off x="2293757" y="3463741"/>
+                <a:ext cx="55435" cy="45719"/>
+              </a:xfrm>
+              <a:prstGeom prst="triangle">
+                <a:avLst/>
+              </a:prstGeom>
+              <a:solidFill>
+                <a:schemeClr val="tx1">
+                  <a:lumMod val="50000"/>
+                  <a:lumOff val="50000"/>
+                </a:schemeClr>
+              </a:solidFill>
+              <a:ln>
+                <a:noFill/>
+              </a:ln>
+            </p:spPr>
+            <p:style>
+              <a:lnRef idx="2">
+                <a:schemeClr val="accent1">
+                  <a:shade val="50000"/>
+                </a:schemeClr>
+              </a:lnRef>
+              <a:fillRef idx="1">
+                <a:schemeClr val="accent1"/>
+              </a:fillRef>
+              <a:effectRef idx="0">
+                <a:schemeClr val="accent1"/>
+              </a:effectRef>
+              <a:fontRef idx="minor">
+                <a:schemeClr val="lt1"/>
+              </a:fontRef>
+            </p:style>
+            <p:txBody>
+              <a:bodyPr rtlCol="0" anchor="ctr"/>
+              <a:lstStyle/>
+              <a:p>
+                <a:pPr algn="ctr"/>
+                <a:endParaRPr lang="ko-KR" altLang="en-US"/>
+              </a:p>
+            </p:txBody>
+          </p:sp>
+        </p:grpSp>
+        <p:grpSp>
+          <p:nvGrpSpPr>
+            <p:cNvPr id="64" name="그룹 63">
+              <a:extLst>
+                <a:ext uri="{FF2B5EF4-FFF2-40B4-BE49-F238E27FC236}">
+                  <a16:creationId xmlns:a16="http://schemas.microsoft.com/office/drawing/2014/main" id="{5157DC9B-C615-4FC5-A61D-DCA5424B67BF}"/>
+                </a:ext>
+              </a:extLst>
+            </p:cNvPr>
+            <p:cNvGrpSpPr/>
+            <p:nvPr/>
+          </p:nvGrpSpPr>
+          <p:grpSpPr>
+            <a:xfrm>
+              <a:off x="1998933" y="5057551"/>
+              <a:ext cx="696995" cy="55435"/>
+              <a:chOff x="2298615" y="3458883"/>
+              <a:chExt cx="696995" cy="55435"/>
+            </a:xfrm>
+          </p:grpSpPr>
+          <p:sp>
+            <p:nvSpPr>
+              <p:cNvPr id="69" name="직사각형 68">
+                <a:extLst>
+                  <a:ext uri="{FF2B5EF4-FFF2-40B4-BE49-F238E27FC236}">
+                    <a16:creationId xmlns:a16="http://schemas.microsoft.com/office/drawing/2014/main" id="{3636FFD0-93A5-45B5-93F2-55D3628E07E3}"/>
+                  </a:ext>
+                </a:extLst>
+              </p:cNvPr>
+              <p:cNvSpPr/>
+              <p:nvPr/>
+            </p:nvSpPr>
+            <p:spPr>
+              <a:xfrm>
+                <a:off x="2361392" y="3458883"/>
+                <a:ext cx="634218" cy="55435"/>
+              </a:xfrm>
+              <a:prstGeom prst="rect">
+                <a:avLst/>
+              </a:prstGeom>
+              <a:solidFill>
+                <a:schemeClr val="bg2">
+                  <a:lumMod val="90000"/>
+                </a:schemeClr>
+              </a:solidFill>
+              <a:ln>
+                <a:noFill/>
+              </a:ln>
+            </p:spPr>
+            <p:style>
+              <a:lnRef idx="2">
+                <a:schemeClr val="accent1">
+                  <a:shade val="50000"/>
+                </a:schemeClr>
+              </a:lnRef>
+              <a:fillRef idx="1">
+                <a:schemeClr val="accent1"/>
+              </a:fillRef>
+              <a:effectRef idx="0">
+                <a:schemeClr val="accent1"/>
+              </a:effectRef>
+              <a:fontRef idx="minor">
+                <a:schemeClr val="lt1"/>
+              </a:fontRef>
+            </p:style>
+            <p:txBody>
+              <a:bodyPr rtlCol="0" anchor="ctr"/>
+              <a:lstStyle/>
+              <a:p>
+                <a:pPr algn="ctr"/>
+                <a:endParaRPr lang="ko-KR" altLang="en-US"/>
+              </a:p>
+            </p:txBody>
+          </p:sp>
+          <p:sp>
+            <p:nvSpPr>
+              <p:cNvPr id="70" name="이등변 삼각형 69">
+                <a:extLst>
+                  <a:ext uri="{FF2B5EF4-FFF2-40B4-BE49-F238E27FC236}">
+                    <a16:creationId xmlns:a16="http://schemas.microsoft.com/office/drawing/2014/main" id="{228E30A8-66FA-49C0-9D69-5FC2ACE4BF71}"/>
+                  </a:ext>
+                </a:extLst>
+              </p:cNvPr>
+              <p:cNvSpPr/>
+              <p:nvPr/>
+            </p:nvSpPr>
+            <p:spPr>
+              <a:xfrm rot="5400000">
+                <a:off x="2293757" y="3463741"/>
+                <a:ext cx="55435" cy="45719"/>
+              </a:xfrm>
+              <a:prstGeom prst="triangle">
+                <a:avLst/>
+              </a:prstGeom>
+              <a:solidFill>
+                <a:schemeClr val="tx1">
+                  <a:lumMod val="50000"/>
+                  <a:lumOff val="50000"/>
+                </a:schemeClr>
+              </a:solidFill>
+              <a:ln>
+                <a:noFill/>
+              </a:ln>
+            </p:spPr>
+            <p:style>
+              <a:lnRef idx="2">
+                <a:schemeClr val="accent1">
+                  <a:shade val="50000"/>
+                </a:schemeClr>
+              </a:lnRef>
+              <a:fillRef idx="1">
+                <a:schemeClr val="accent1"/>
+              </a:fillRef>
+              <a:effectRef idx="0">
+                <a:schemeClr val="accent1"/>
+              </a:effectRef>
+              <a:fontRef idx="minor">
+                <a:schemeClr val="lt1"/>
+              </a:fontRef>
+            </p:style>
+            <p:txBody>
+              <a:bodyPr rtlCol="0" anchor="ctr"/>
+              <a:lstStyle/>
+              <a:p>
+                <a:pPr algn="ctr"/>
+                <a:endParaRPr lang="ko-KR" altLang="en-US"/>
+              </a:p>
+            </p:txBody>
+          </p:sp>
+        </p:grpSp>
+        <p:grpSp>
+          <p:nvGrpSpPr>
+            <p:cNvPr id="65" name="그룹 64">
+              <a:extLst>
+                <a:ext uri="{FF2B5EF4-FFF2-40B4-BE49-F238E27FC236}">
+                  <a16:creationId xmlns:a16="http://schemas.microsoft.com/office/drawing/2014/main" id="{FD200EE0-ED7D-498A-AA84-8948CDDC1C0A}"/>
+                </a:ext>
+              </a:extLst>
+            </p:cNvPr>
+            <p:cNvGrpSpPr/>
+            <p:nvPr/>
+          </p:nvGrpSpPr>
+          <p:grpSpPr>
+            <a:xfrm>
+              <a:off x="1995142" y="4516787"/>
+              <a:ext cx="634294" cy="83096"/>
+              <a:chOff x="1498600" y="4369751"/>
+              <a:chExt cx="634294" cy="83096"/>
+            </a:xfrm>
+          </p:grpSpPr>
+          <p:sp>
+            <p:nvSpPr>
+              <p:cNvPr id="66" name="직사각형 65">
+                <a:extLst>
+                  <a:ext uri="{FF2B5EF4-FFF2-40B4-BE49-F238E27FC236}">
+                    <a16:creationId xmlns:a16="http://schemas.microsoft.com/office/drawing/2014/main" id="{A3E5B63F-259A-4D3A-BE86-4BD04C88A48E}"/>
+                  </a:ext>
+                </a:extLst>
+              </p:cNvPr>
+              <p:cNvSpPr/>
+              <p:nvPr/>
+            </p:nvSpPr>
+            <p:spPr>
+              <a:xfrm>
+                <a:off x="1498600" y="4369751"/>
+                <a:ext cx="634294" cy="83096"/>
+              </a:xfrm>
+              <a:prstGeom prst="rect">
+                <a:avLst/>
+              </a:prstGeom>
+              <a:noFill/>
+              <a:ln w="3175">
+                <a:solidFill>
+                  <a:schemeClr val="tx1">
+                    <a:lumMod val="50000"/>
+                    <a:lumOff val="50000"/>
+                  </a:schemeClr>
+                </a:solidFill>
+              </a:ln>
+            </p:spPr>
+            <p:style>
+              <a:lnRef idx="2">
+                <a:schemeClr val="accent1">
+                  <a:shade val="50000"/>
+                </a:schemeClr>
+              </a:lnRef>
+              <a:fillRef idx="1">
+                <a:schemeClr val="accent1"/>
+              </a:fillRef>
+              <a:effectRef idx="0">
+                <a:schemeClr val="accent1"/>
+              </a:effectRef>
+              <a:fontRef idx="minor">
+                <a:schemeClr val="lt1"/>
+              </a:fontRef>
+            </p:style>
+            <p:txBody>
+              <a:bodyPr rtlCol="0" anchor="ctr"/>
+              <a:lstStyle/>
+              <a:p>
+                <a:pPr algn="ctr"/>
+                <a:endParaRPr lang="ko-KR" altLang="en-US"/>
+              </a:p>
+            </p:txBody>
+          </p:sp>
+          <p:cxnSp>
+            <p:nvCxnSpPr>
+              <p:cNvPr id="67" name="직선 연결선 66">
+                <a:extLst>
+                  <a:ext uri="{FF2B5EF4-FFF2-40B4-BE49-F238E27FC236}">
+                    <a16:creationId xmlns:a16="http://schemas.microsoft.com/office/drawing/2014/main" id="{749592EF-9855-4B32-938F-03618C0C70D6}"/>
+                  </a:ext>
+                </a:extLst>
+              </p:cNvPr>
+              <p:cNvCxnSpPr>
+                <a:cxnSpLocks/>
+              </p:cNvCxnSpPr>
+              <p:nvPr/>
+            </p:nvCxnSpPr>
+            <p:spPr>
+              <a:xfrm>
+                <a:off x="1498600" y="4369751"/>
+                <a:ext cx="634294" cy="83096"/>
+              </a:xfrm>
+              <a:prstGeom prst="line">
+                <a:avLst/>
+              </a:prstGeom>
+              <a:ln w="3175">
+                <a:solidFill>
+                  <a:schemeClr val="tx1">
+                    <a:lumMod val="50000"/>
+                    <a:lumOff val="50000"/>
+                  </a:schemeClr>
+                </a:solidFill>
+              </a:ln>
+            </p:spPr>
+            <p:style>
+              <a:lnRef idx="1">
+                <a:schemeClr val="dk1"/>
+              </a:lnRef>
+              <a:fillRef idx="0">
+                <a:schemeClr val="dk1"/>
+              </a:fillRef>
+              <a:effectRef idx="0">
+                <a:schemeClr val="dk1"/>
+              </a:effectRef>
+              <a:fontRef idx="minor">
+                <a:schemeClr val="tx1"/>
+              </a:fontRef>
+            </p:style>
+          </p:cxnSp>
+          <p:cxnSp>
+            <p:nvCxnSpPr>
+              <p:cNvPr id="68" name="직선 연결선 67">
+                <a:extLst>
+                  <a:ext uri="{FF2B5EF4-FFF2-40B4-BE49-F238E27FC236}">
+                    <a16:creationId xmlns:a16="http://schemas.microsoft.com/office/drawing/2014/main" id="{622DBBB9-9F40-41FF-AA96-489697D45E38}"/>
+                  </a:ext>
+                </a:extLst>
+              </p:cNvPr>
+              <p:cNvCxnSpPr>
+                <a:cxnSpLocks/>
+              </p:cNvCxnSpPr>
+              <p:nvPr/>
+            </p:nvCxnSpPr>
+            <p:spPr>
+              <a:xfrm flipV="1">
+                <a:off x="1498600" y="4377483"/>
+                <a:ext cx="634294" cy="75249"/>
+              </a:xfrm>
+              <a:prstGeom prst="line">
+                <a:avLst/>
+              </a:prstGeom>
+              <a:ln w="3175">
+                <a:solidFill>
+                  <a:schemeClr val="tx1">
+                    <a:lumMod val="50000"/>
+                    <a:lumOff val="50000"/>
+                  </a:schemeClr>
+                </a:solidFill>
+              </a:ln>
+            </p:spPr>
+            <p:style>
+              <a:lnRef idx="1">
+                <a:schemeClr val="dk1"/>
+              </a:lnRef>
+              <a:fillRef idx="0">
+                <a:schemeClr val="dk1"/>
+              </a:fillRef>
+              <a:effectRef idx="0">
+                <a:schemeClr val="dk1"/>
+              </a:effectRef>
+              <a:fontRef idx="minor">
+                <a:schemeClr val="tx1"/>
+              </a:fontRef>
+            </p:style>
+          </p:cxnSp>
+        </p:grpSp>
+      </p:grpSp>
+      <p:grpSp>
+        <p:nvGrpSpPr>
+          <p:cNvPr id="77" name="그룹 76">
+            <a:extLst>
+              <a:ext uri="{FF2B5EF4-FFF2-40B4-BE49-F238E27FC236}">
+                <a16:creationId xmlns:a16="http://schemas.microsoft.com/office/drawing/2014/main" id="{3504EBBE-68DA-4CD1-99F2-55813696B79A}"/>
+              </a:ext>
+            </a:extLst>
+          </p:cNvPr>
+          <p:cNvGrpSpPr/>
+          <p:nvPr/>
+        </p:nvGrpSpPr>
+        <p:grpSpPr>
+          <a:xfrm>
+            <a:off x="4122594" y="3205264"/>
+            <a:ext cx="1844040" cy="928502"/>
+            <a:chOff x="759622" y="4741708"/>
+            <a:chExt cx="1236334" cy="422139"/>
+          </a:xfrm>
+        </p:grpSpPr>
+        <p:sp>
+          <p:nvSpPr>
+            <p:cNvPr id="80" name="직사각형 79">
+              <a:extLst>
+                <a:ext uri="{FF2B5EF4-FFF2-40B4-BE49-F238E27FC236}">
+                  <a16:creationId xmlns:a16="http://schemas.microsoft.com/office/drawing/2014/main" id="{1C0DAB21-81A8-4ABF-A2BF-5BB47F3B79F8}"/>
+                </a:ext>
+              </a:extLst>
+            </p:cNvPr>
+            <p:cNvSpPr/>
+            <p:nvPr/>
+          </p:nvSpPr>
+          <p:spPr>
+            <a:xfrm>
+              <a:off x="759622" y="4741708"/>
+              <a:ext cx="1236334" cy="422139"/>
+            </a:xfrm>
+            <a:prstGeom prst="rect">
+              <a:avLst/>
+            </a:prstGeom>
+            <a:solidFill>
+              <a:schemeClr val="bg1"/>
+            </a:solidFill>
+            <a:ln w="3175">
+              <a:solidFill>
+                <a:schemeClr val="tx1"/>
+              </a:solidFill>
+            </a:ln>
+          </p:spPr>
+          <p:style>
+            <a:lnRef idx="2">
+              <a:schemeClr val="accent1">
+                <a:shade val="50000"/>
+              </a:schemeClr>
+            </a:lnRef>
+            <a:fillRef idx="1">
+              <a:schemeClr val="accent1"/>
+            </a:fillRef>
+            <a:effectRef idx="0">
+              <a:schemeClr val="accent1"/>
+            </a:effectRef>
+            <a:fontRef idx="minor">
+              <a:schemeClr val="lt1"/>
+            </a:fontRef>
+          </p:style>
+          <p:txBody>
+            <a:bodyPr rtlCol="0" anchor="ctr"/>
+            <a:lstStyle/>
+            <a:p>
+              <a:pPr algn="ctr"/>
+              <a:endParaRPr lang="ko-KR" altLang="en-US" b="1" dirty="0"/>
+            </a:p>
+          </p:txBody>
+        </p:sp>
+        <p:grpSp>
+          <p:nvGrpSpPr>
+            <p:cNvPr id="82" name="그룹 81">
+              <a:extLst>
+                <a:ext uri="{FF2B5EF4-FFF2-40B4-BE49-F238E27FC236}">
+                  <a16:creationId xmlns:a16="http://schemas.microsoft.com/office/drawing/2014/main" id="{5FCA539B-B4D6-470C-A04E-66A17ABE4D47}"/>
+                </a:ext>
+              </a:extLst>
+            </p:cNvPr>
+            <p:cNvGrpSpPr/>
+            <p:nvPr/>
+          </p:nvGrpSpPr>
+          <p:grpSpPr>
+            <a:xfrm>
+              <a:off x="1523607" y="4880139"/>
+              <a:ext cx="129666" cy="89233"/>
+              <a:chOff x="2115047" y="4905463"/>
+              <a:chExt cx="129666" cy="89233"/>
+            </a:xfrm>
+          </p:grpSpPr>
+          <p:sp>
+            <p:nvSpPr>
+              <p:cNvPr id="83" name="직사각형 82">
+                <a:extLst>
+                  <a:ext uri="{FF2B5EF4-FFF2-40B4-BE49-F238E27FC236}">
+                    <a16:creationId xmlns:a16="http://schemas.microsoft.com/office/drawing/2014/main" id="{9297DCE9-D665-4A8D-B478-B56488D0F91D}"/>
+                  </a:ext>
+                </a:extLst>
+              </p:cNvPr>
+              <p:cNvSpPr/>
+              <p:nvPr/>
+            </p:nvSpPr>
+            <p:spPr>
+              <a:xfrm>
+                <a:off x="2116299" y="4905463"/>
+                <a:ext cx="128414" cy="89232"/>
+              </a:xfrm>
+              <a:prstGeom prst="rect">
+                <a:avLst/>
+              </a:prstGeom>
+              <a:noFill/>
+              <a:ln w="3175">
+                <a:solidFill>
+                  <a:schemeClr val="tx1">
+                    <a:lumMod val="50000"/>
+                    <a:lumOff val="50000"/>
+                  </a:schemeClr>
+                </a:solidFill>
+              </a:ln>
+            </p:spPr>
+            <p:style>
+              <a:lnRef idx="2">
+                <a:schemeClr val="accent1">
+                  <a:shade val="50000"/>
+                </a:schemeClr>
+              </a:lnRef>
+              <a:fillRef idx="1">
+                <a:schemeClr val="accent1"/>
+              </a:fillRef>
+              <a:effectRef idx="0">
+                <a:schemeClr val="accent1"/>
+              </a:effectRef>
+              <a:fontRef idx="minor">
+                <a:schemeClr val="lt1"/>
+              </a:fontRef>
+            </p:style>
+            <p:txBody>
+              <a:bodyPr rtlCol="0" anchor="ctr"/>
+              <a:lstStyle/>
+              <a:p>
+                <a:pPr algn="ctr"/>
+                <a:endParaRPr lang="ko-KR" altLang="en-US"/>
+              </a:p>
+            </p:txBody>
+          </p:sp>
+          <p:cxnSp>
+            <p:nvCxnSpPr>
+              <p:cNvPr id="84" name="직선 연결선 83">
+                <a:extLst>
+                  <a:ext uri="{FF2B5EF4-FFF2-40B4-BE49-F238E27FC236}">
+                    <a16:creationId xmlns:a16="http://schemas.microsoft.com/office/drawing/2014/main" id="{AAA0711C-0B05-4CA0-8C5A-14C24E3889D1}"/>
+                  </a:ext>
+                </a:extLst>
+              </p:cNvPr>
+              <p:cNvCxnSpPr>
+                <a:cxnSpLocks/>
+              </p:cNvCxnSpPr>
+              <p:nvPr/>
+            </p:nvCxnSpPr>
+            <p:spPr>
+              <a:xfrm>
+                <a:off x="2115047" y="4907270"/>
+                <a:ext cx="128414" cy="85852"/>
+              </a:xfrm>
+              <a:prstGeom prst="line">
+                <a:avLst/>
+              </a:prstGeom>
+              <a:ln w="3175">
+                <a:solidFill>
+                  <a:schemeClr val="tx1">
+                    <a:lumMod val="50000"/>
+                    <a:lumOff val="50000"/>
+                  </a:schemeClr>
+                </a:solidFill>
+              </a:ln>
+            </p:spPr>
+            <p:style>
+              <a:lnRef idx="1">
+                <a:schemeClr val="dk1"/>
+              </a:lnRef>
+              <a:fillRef idx="0">
+                <a:schemeClr val="dk1"/>
+              </a:fillRef>
+              <a:effectRef idx="0">
+                <a:schemeClr val="dk1"/>
+              </a:effectRef>
+              <a:fontRef idx="minor">
+                <a:schemeClr val="tx1"/>
+              </a:fontRef>
+            </p:style>
+          </p:cxnSp>
+          <p:cxnSp>
+            <p:nvCxnSpPr>
+              <p:cNvPr id="85" name="직선 연결선 84">
+                <a:extLst>
+                  <a:ext uri="{FF2B5EF4-FFF2-40B4-BE49-F238E27FC236}">
+                    <a16:creationId xmlns:a16="http://schemas.microsoft.com/office/drawing/2014/main" id="{057BE9B7-3B2C-4CB7-9F66-BD2455286722}"/>
+                  </a:ext>
+                </a:extLst>
+              </p:cNvPr>
+              <p:cNvCxnSpPr>
+                <a:cxnSpLocks/>
+              </p:cNvCxnSpPr>
+              <p:nvPr/>
+            </p:nvCxnSpPr>
+            <p:spPr>
+              <a:xfrm flipV="1">
+                <a:off x="2116297" y="4910082"/>
+                <a:ext cx="122236" cy="84614"/>
+              </a:xfrm>
+              <a:prstGeom prst="line">
+                <a:avLst/>
+              </a:prstGeom>
+              <a:ln w="3175">
+                <a:solidFill>
+                  <a:schemeClr val="tx1">
+                    <a:lumMod val="50000"/>
+                    <a:lumOff val="50000"/>
+                  </a:schemeClr>
+                </a:solidFill>
+              </a:ln>
+            </p:spPr>
+            <p:style>
+              <a:lnRef idx="1">
+                <a:schemeClr val="dk1"/>
+              </a:lnRef>
+              <a:fillRef idx="0">
+                <a:schemeClr val="dk1"/>
+              </a:fillRef>
+              <a:effectRef idx="0">
+                <a:schemeClr val="dk1"/>
+              </a:effectRef>
+              <a:fontRef idx="minor">
+                <a:schemeClr val="tx1"/>
+              </a:fontRef>
+            </p:style>
+          </p:cxnSp>
+        </p:grpSp>
+        <p:sp>
+          <p:nvSpPr>
+            <p:cNvPr id="79" name="직사각형 78">
+              <a:extLst>
+                <a:ext uri="{FF2B5EF4-FFF2-40B4-BE49-F238E27FC236}">
+                  <a16:creationId xmlns:a16="http://schemas.microsoft.com/office/drawing/2014/main" id="{5800CB39-0FCB-45ED-8F0E-5400C6E2B560}"/>
+                </a:ext>
+              </a:extLst>
+            </p:cNvPr>
+            <p:cNvSpPr/>
+            <p:nvPr/>
+          </p:nvSpPr>
+          <p:spPr>
+            <a:xfrm>
+              <a:off x="908914" y="5063235"/>
+              <a:ext cx="937749" cy="60314"/>
+            </a:xfrm>
+            <a:prstGeom prst="rect">
+              <a:avLst/>
+            </a:prstGeom>
+            <a:solidFill>
+              <a:schemeClr val="bg2">
+                <a:lumMod val="90000"/>
+              </a:schemeClr>
+            </a:solidFill>
+            <a:ln>
+              <a:noFill/>
+            </a:ln>
+          </p:spPr>
+          <p:style>
+            <a:lnRef idx="2">
+              <a:schemeClr val="accent1">
+                <a:shade val="50000"/>
+              </a:schemeClr>
+            </a:lnRef>
+            <a:fillRef idx="1">
+              <a:schemeClr val="accent1"/>
+            </a:fillRef>
+            <a:effectRef idx="0">
+              <a:schemeClr val="accent1"/>
+            </a:effectRef>
+            <a:fontRef idx="minor">
+              <a:schemeClr val="lt1"/>
+            </a:fontRef>
+          </p:style>
+          <p:txBody>
+            <a:bodyPr rtlCol="0" anchor="ctr"/>
+            <a:lstStyle/>
+            <a:p>
+              <a:pPr algn="ctr"/>
+              <a:endParaRPr lang="ko-KR" altLang="en-US"/>
+            </a:p>
+          </p:txBody>
+        </p:sp>
+        <p:sp>
+          <p:nvSpPr>
+            <p:cNvPr id="78" name="타원 77">
+              <a:extLst>
+                <a:ext uri="{FF2B5EF4-FFF2-40B4-BE49-F238E27FC236}">
+                  <a16:creationId xmlns:a16="http://schemas.microsoft.com/office/drawing/2014/main" id="{A33081D8-58A6-4E62-9E94-D78CC3329ED6}"/>
+                </a:ext>
+              </a:extLst>
+            </p:cNvPr>
+            <p:cNvSpPr/>
+            <p:nvPr/>
+          </p:nvSpPr>
+          <p:spPr>
+            <a:xfrm>
+              <a:off x="1118640" y="4849067"/>
+              <a:ext cx="215470" cy="146582"/>
+            </a:xfrm>
+            <a:prstGeom prst="ellipse">
+              <a:avLst/>
+            </a:prstGeom>
+            <a:solidFill>
+              <a:schemeClr val="bg2">
+                <a:lumMod val="90000"/>
+              </a:schemeClr>
+            </a:solidFill>
+            <a:ln>
+              <a:noFill/>
+            </a:ln>
+          </p:spPr>
+          <p:style>
+            <a:lnRef idx="2">
+              <a:schemeClr val="accent1">
+                <a:shade val="50000"/>
+              </a:schemeClr>
+            </a:lnRef>
+            <a:fillRef idx="1">
+              <a:schemeClr val="accent1"/>
+            </a:fillRef>
+            <a:effectRef idx="0">
+              <a:schemeClr val="accent1"/>
+            </a:effectRef>
+            <a:fontRef idx="minor">
+              <a:schemeClr val="lt1"/>
+            </a:fontRef>
+          </p:style>
+          <p:txBody>
+            <a:bodyPr rtlCol="0" anchor="ctr"/>
+            <a:lstStyle/>
+            <a:p>
+              <a:pPr algn="ctr"/>
+              <a:endParaRPr lang="en-US" altLang="ko-KR" sz="800" dirty="0">
+                <a:solidFill>
+                  <a:schemeClr val="tx1"/>
+                </a:solidFill>
+              </a:endParaRPr>
+            </a:p>
+          </p:txBody>
+        </p:sp>
+        <p:sp>
+          <p:nvSpPr>
+            <p:cNvPr id="81" name="TextBox 80">
+              <a:extLst>
+                <a:ext uri="{FF2B5EF4-FFF2-40B4-BE49-F238E27FC236}">
+                  <a16:creationId xmlns:a16="http://schemas.microsoft.com/office/drawing/2014/main" id="{BF8F3C15-8DC2-4A84-B446-DEBCF08632BF}"/>
+                </a:ext>
+              </a:extLst>
+            </p:cNvPr>
+            <p:cNvSpPr txBox="1"/>
+            <p:nvPr/>
+          </p:nvSpPr>
+          <p:spPr>
+            <a:xfrm>
+              <a:off x="1107150" y="4873494"/>
+              <a:ext cx="371247" cy="140436"/>
+            </a:xfrm>
+            <a:prstGeom prst="rect">
+              <a:avLst/>
+            </a:prstGeom>
+            <a:noFill/>
+          </p:spPr>
+          <p:txBody>
+            <a:bodyPr wrap="square" rtlCol="0">
+              <a:spAutoFit/>
+            </a:bodyPr>
+            <a:lstStyle/>
+            <a:p>
+              <a:r>
+                <a:rPr lang="en-US" altLang="ko-KR" sz="700" dirty="0"/>
+                <a:t>icon</a:t>
+              </a:r>
+              <a:endParaRPr lang="ko-KR" altLang="en-US" sz="700" dirty="0"/>
+            </a:p>
+          </p:txBody>
+        </p:sp>
+      </p:grpSp>
+      <p:grpSp>
+        <p:nvGrpSpPr>
+          <p:cNvPr id="3" name="그룹 2">
+            <a:extLst>
+              <a:ext uri="{FF2B5EF4-FFF2-40B4-BE49-F238E27FC236}">
+                <a16:creationId xmlns:a16="http://schemas.microsoft.com/office/drawing/2014/main" id="{E063E5B4-7EAE-4788-B72F-1784EB15FF1D}"/>
+              </a:ext>
+            </a:extLst>
+          </p:cNvPr>
+          <p:cNvGrpSpPr/>
+          <p:nvPr/>
+        </p:nvGrpSpPr>
+        <p:grpSpPr>
+          <a:xfrm>
+            <a:off x="4391446" y="3298908"/>
+            <a:ext cx="774641" cy="97171"/>
+            <a:chOff x="4481258" y="2434638"/>
+            <a:chExt cx="774641" cy="97171"/>
+          </a:xfrm>
+        </p:grpSpPr>
+        <p:sp>
+          <p:nvSpPr>
+            <p:cNvPr id="87" name="직사각형 86">
+              <a:extLst>
+                <a:ext uri="{FF2B5EF4-FFF2-40B4-BE49-F238E27FC236}">
+                  <a16:creationId xmlns:a16="http://schemas.microsoft.com/office/drawing/2014/main" id="{3987F4C5-6B9D-4436-AA0B-A602DCA6F5D0}"/>
+                </a:ext>
+              </a:extLst>
+            </p:cNvPr>
+            <p:cNvSpPr/>
+            <p:nvPr/>
+          </p:nvSpPr>
+          <p:spPr>
+            <a:xfrm>
+              <a:off x="4481258" y="2435582"/>
+              <a:ext cx="774641" cy="92827"/>
+            </a:xfrm>
+            <a:prstGeom prst="rect">
+              <a:avLst/>
+            </a:prstGeom>
+            <a:noFill/>
+            <a:ln w="3175">
+              <a:solidFill>
+                <a:schemeClr val="tx1">
+                  <a:lumMod val="50000"/>
+                  <a:lumOff val="50000"/>
+                </a:schemeClr>
+              </a:solidFill>
+            </a:ln>
+          </p:spPr>
+          <p:style>
+            <a:lnRef idx="2">
+              <a:schemeClr val="accent1">
+                <a:shade val="50000"/>
+              </a:schemeClr>
+            </a:lnRef>
+            <a:fillRef idx="1">
+              <a:schemeClr val="accent1"/>
+            </a:fillRef>
+            <a:effectRef idx="0">
+              <a:schemeClr val="accent1"/>
+            </a:effectRef>
+            <a:fontRef idx="minor">
+              <a:schemeClr val="lt1"/>
+            </a:fontRef>
+          </p:style>
+          <p:txBody>
+            <a:bodyPr rtlCol="0" anchor="ctr"/>
+            <a:lstStyle/>
+            <a:p>
+              <a:pPr algn="ctr"/>
+              <a:endParaRPr lang="ko-KR" altLang="en-US"/>
+            </a:p>
+          </p:txBody>
+        </p:sp>
+        <p:cxnSp>
+          <p:nvCxnSpPr>
+            <p:cNvPr id="88" name="직선 연결선 87">
+              <a:extLst>
+                <a:ext uri="{FF2B5EF4-FFF2-40B4-BE49-F238E27FC236}">
+                  <a16:creationId xmlns:a16="http://schemas.microsoft.com/office/drawing/2014/main" id="{D0D5178E-19B1-4E86-8A9D-F93198551207}"/>
+                </a:ext>
+              </a:extLst>
+            </p:cNvPr>
+            <p:cNvCxnSpPr>
+              <a:cxnSpLocks/>
+            </p:cNvCxnSpPr>
+            <p:nvPr/>
+          </p:nvCxnSpPr>
+          <p:spPr>
+            <a:xfrm>
+              <a:off x="4481258" y="2438636"/>
+              <a:ext cx="774641" cy="93173"/>
+            </a:xfrm>
+            <a:prstGeom prst="line">
+              <a:avLst/>
+            </a:prstGeom>
+            <a:ln w="3175">
+              <a:solidFill>
+                <a:schemeClr val="tx1">
+                  <a:lumMod val="50000"/>
+                  <a:lumOff val="50000"/>
+                </a:schemeClr>
+              </a:solidFill>
+            </a:ln>
+          </p:spPr>
+          <p:style>
+            <a:lnRef idx="1">
+              <a:schemeClr val="dk1"/>
+            </a:lnRef>
+            <a:fillRef idx="0">
+              <a:schemeClr val="dk1"/>
+            </a:fillRef>
+            <a:effectRef idx="0">
+              <a:schemeClr val="dk1"/>
+            </a:effectRef>
+            <a:fontRef idx="minor">
+              <a:schemeClr val="tx1"/>
+            </a:fontRef>
+          </p:style>
+        </p:cxnSp>
+        <p:cxnSp>
+          <p:nvCxnSpPr>
+            <p:cNvPr id="89" name="직선 연결선 88">
+              <a:extLst>
+                <a:ext uri="{FF2B5EF4-FFF2-40B4-BE49-F238E27FC236}">
+                  <a16:creationId xmlns:a16="http://schemas.microsoft.com/office/drawing/2014/main" id="{9DC68048-EACF-4234-BCEE-D16D15FF5C89}"/>
+                </a:ext>
+              </a:extLst>
+            </p:cNvPr>
+            <p:cNvCxnSpPr>
+              <a:cxnSpLocks/>
+            </p:cNvCxnSpPr>
+            <p:nvPr/>
+          </p:nvCxnSpPr>
+          <p:spPr>
+            <a:xfrm flipV="1">
+              <a:off x="4481258" y="2434638"/>
+              <a:ext cx="774641" cy="95647"/>
+            </a:xfrm>
+            <a:prstGeom prst="line">
+              <a:avLst/>
+            </a:prstGeom>
+            <a:ln w="3175">
+              <a:solidFill>
+                <a:schemeClr val="tx1">
+                  <a:lumMod val="50000"/>
+                  <a:lumOff val="50000"/>
+                </a:schemeClr>
+              </a:solidFill>
+            </a:ln>
+          </p:spPr>
+          <p:style>
+            <a:lnRef idx="1">
+              <a:schemeClr val="dk1"/>
+            </a:lnRef>
+            <a:fillRef idx="0">
+              <a:schemeClr val="dk1"/>
+            </a:fillRef>
+            <a:effectRef idx="0">
+              <a:schemeClr val="dk1"/>
+            </a:effectRef>
+            <a:fontRef idx="minor">
+              <a:schemeClr val="tx1"/>
+            </a:fontRef>
+          </p:style>
+        </p:cxnSp>
+      </p:grpSp>
+      <p:sp>
+        <p:nvSpPr>
+          <p:cNvPr id="177" name="타원 176">
+            <a:extLst>
+              <a:ext uri="{FF2B5EF4-FFF2-40B4-BE49-F238E27FC236}">
+                <a16:creationId xmlns:a16="http://schemas.microsoft.com/office/drawing/2014/main" id="{83A5A7F8-D82A-4B49-8499-DB0AF489E53C}"/>
+              </a:ext>
+            </a:extLst>
+          </p:cNvPr>
+          <p:cNvSpPr/>
+          <p:nvPr/>
+        </p:nvSpPr>
+        <p:spPr>
+          <a:xfrm>
+            <a:off x="5616084" y="3229737"/>
+            <a:ext cx="264696" cy="259308"/>
+          </a:xfrm>
+          <a:prstGeom prst="ellipse">
+            <a:avLst/>
+          </a:prstGeom>
+          <a:solidFill>
+            <a:schemeClr val="accent2">
+              <a:lumMod val="40000"/>
+              <a:lumOff val="60000"/>
+            </a:schemeClr>
+          </a:solidFill>
+          <a:ln>
+            <a:noFill/>
+          </a:ln>
+        </p:spPr>
+        <p:style>
+          <a:lnRef idx="2">
+            <a:schemeClr val="accent1">
+              <a:shade val="50000"/>
+            </a:schemeClr>
+          </a:lnRef>
+          <a:fillRef idx="1">
+            <a:schemeClr val="accent1"/>
+          </a:fillRef>
+          <a:effectRef idx="0">
+            <a:schemeClr val="accent1"/>
+          </a:effectRef>
+          <a:fontRef idx="minor">
+            <a:schemeClr val="lt1"/>
+          </a:fontRef>
+        </p:style>
+        <p:txBody>
+          <a:bodyPr rtlCol="0" anchor="ctr"/>
+          <a:lstStyle/>
+          <a:p>
+            <a:pPr algn="ctr"/>
+            <a:r>
+              <a:rPr lang="en-US" altLang="ko-KR" dirty="0">
+                <a:solidFill>
+                  <a:sysClr val="windowText" lastClr="000000"/>
+                </a:solidFill>
+              </a:rPr>
+              <a:t>1</a:t>
+            </a:r>
+            <a:endParaRPr lang="ko-KR" altLang="en-US" dirty="0">
+              <a:solidFill>
+                <a:sysClr val="windowText" lastClr="000000"/>
+              </a:solidFill>
+            </a:endParaRPr>
+          </a:p>
+        </p:txBody>
+      </p:sp>
+      <p:sp>
+        <p:nvSpPr>
+          <p:cNvPr id="178" name="타원 177">
+            <a:extLst>
+              <a:ext uri="{FF2B5EF4-FFF2-40B4-BE49-F238E27FC236}">
+                <a16:creationId xmlns:a16="http://schemas.microsoft.com/office/drawing/2014/main" id="{89D4B67B-B073-4B47-B62E-848F876C797A}"/>
+              </a:ext>
+            </a:extLst>
+          </p:cNvPr>
+          <p:cNvSpPr/>
+          <p:nvPr/>
+        </p:nvSpPr>
+        <p:spPr>
+          <a:xfrm>
+            <a:off x="2030116" y="3115480"/>
+            <a:ext cx="264696" cy="259308"/>
+          </a:xfrm>
+          <a:prstGeom prst="ellipse">
+            <a:avLst/>
+          </a:prstGeom>
+          <a:solidFill>
+            <a:schemeClr val="accent5">
+              <a:lumMod val="40000"/>
+              <a:lumOff val="60000"/>
+            </a:schemeClr>
+          </a:solidFill>
+          <a:ln>
+            <a:noFill/>
+          </a:ln>
+        </p:spPr>
+        <p:style>
+          <a:lnRef idx="2">
+            <a:schemeClr val="accent1">
+              <a:shade val="50000"/>
+            </a:schemeClr>
+          </a:lnRef>
+          <a:fillRef idx="1">
+            <a:schemeClr val="accent1"/>
+          </a:fillRef>
+          <a:effectRef idx="0">
+            <a:schemeClr val="accent1"/>
+          </a:effectRef>
+          <a:fontRef idx="minor">
+            <a:schemeClr val="lt1"/>
+          </a:fontRef>
+        </p:style>
+        <p:txBody>
+          <a:bodyPr rtlCol="0" anchor="ctr"/>
+          <a:lstStyle/>
+          <a:p>
+            <a:pPr algn="ctr"/>
+            <a:r>
+              <a:rPr lang="en-US" altLang="ko-KR" dirty="0">
+                <a:solidFill>
+                  <a:sysClr val="windowText" lastClr="000000"/>
+                </a:solidFill>
+              </a:rPr>
+              <a:t>1</a:t>
+            </a:r>
+            <a:endParaRPr lang="ko-KR" altLang="en-US" dirty="0">
+              <a:solidFill>
+                <a:sysClr val="windowText" lastClr="000000"/>
+              </a:solidFill>
+            </a:endParaRPr>
+          </a:p>
+        </p:txBody>
+      </p:sp>
+      <p:sp>
+        <p:nvSpPr>
+          <p:cNvPr id="179" name="타원 178">
+            <a:extLst>
+              <a:ext uri="{FF2B5EF4-FFF2-40B4-BE49-F238E27FC236}">
+                <a16:creationId xmlns:a16="http://schemas.microsoft.com/office/drawing/2014/main" id="{B5981B0D-0558-43C3-AD2B-1C3F52C324AB}"/>
+              </a:ext>
+            </a:extLst>
+          </p:cNvPr>
+          <p:cNvSpPr/>
+          <p:nvPr/>
+        </p:nvSpPr>
+        <p:spPr>
+          <a:xfrm>
+            <a:off x="1776093" y="4439234"/>
+            <a:ext cx="264696" cy="259308"/>
+          </a:xfrm>
+          <a:prstGeom prst="ellipse">
+            <a:avLst/>
+          </a:prstGeom>
+          <a:solidFill>
+            <a:schemeClr val="accent5">
+              <a:lumMod val="40000"/>
+              <a:lumOff val="60000"/>
+            </a:schemeClr>
+          </a:solidFill>
+          <a:ln>
+            <a:noFill/>
+          </a:ln>
+        </p:spPr>
+        <p:style>
+          <a:lnRef idx="2">
+            <a:schemeClr val="accent1">
+              <a:shade val="50000"/>
+            </a:schemeClr>
+          </a:lnRef>
+          <a:fillRef idx="1">
+            <a:schemeClr val="accent1"/>
+          </a:fillRef>
+          <a:effectRef idx="0">
+            <a:schemeClr val="accent1"/>
+          </a:effectRef>
+          <a:fontRef idx="minor">
+            <a:schemeClr val="lt1"/>
+          </a:fontRef>
+        </p:style>
+        <p:txBody>
+          <a:bodyPr rtlCol="0" anchor="ctr"/>
+          <a:lstStyle/>
+          <a:p>
+            <a:pPr algn="ctr"/>
+            <a:r>
+              <a:rPr lang="en-US" altLang="ko-KR" dirty="0">
+                <a:solidFill>
+                  <a:sysClr val="windowText" lastClr="000000"/>
+                </a:solidFill>
+              </a:rPr>
+              <a:t>2</a:t>
+            </a:r>
+            <a:endParaRPr lang="ko-KR" altLang="en-US" dirty="0">
+              <a:solidFill>
+                <a:sysClr val="windowText" lastClr="000000"/>
+              </a:solidFill>
+            </a:endParaRPr>
+          </a:p>
+        </p:txBody>
+      </p:sp>
+      <p:sp>
+        <p:nvSpPr>
+          <p:cNvPr id="180" name="직사각형 179">
+            <a:extLst>
+              <a:ext uri="{FF2B5EF4-FFF2-40B4-BE49-F238E27FC236}">
+                <a16:creationId xmlns:a16="http://schemas.microsoft.com/office/drawing/2014/main" id="{AD2057EB-D234-497C-8B51-624CDD3BE0E4}"/>
+              </a:ext>
+            </a:extLst>
+          </p:cNvPr>
+          <p:cNvSpPr/>
+          <p:nvPr/>
+        </p:nvSpPr>
+        <p:spPr>
+          <a:xfrm>
+            <a:off x="840387" y="5117265"/>
+            <a:ext cx="1084420" cy="163302"/>
+          </a:xfrm>
+          <a:prstGeom prst="rect">
+            <a:avLst/>
+          </a:prstGeom>
+          <a:solidFill>
+            <a:schemeClr val="bg1">
+              <a:lumMod val="65000"/>
+            </a:schemeClr>
+          </a:solidFill>
+          <a:ln>
+            <a:noFill/>
+          </a:ln>
+        </p:spPr>
+        <p:style>
+          <a:lnRef idx="2">
+            <a:schemeClr val="accent1">
+              <a:shade val="50000"/>
+            </a:schemeClr>
+          </a:lnRef>
+          <a:fillRef idx="1">
+            <a:schemeClr val="accent1"/>
+          </a:fillRef>
+          <a:effectRef idx="0">
+            <a:schemeClr val="accent1"/>
+          </a:effectRef>
+          <a:fontRef idx="minor">
+            <a:schemeClr val="lt1"/>
+          </a:fontRef>
+        </p:style>
+        <p:txBody>
+          <a:bodyPr rtlCol="0" anchor="ctr"/>
+          <a:lstStyle/>
+          <a:p>
+            <a:pPr algn="ctr"/>
+            <a:endParaRPr lang="ko-KR" altLang="en-US"/>
+          </a:p>
+        </p:txBody>
+      </p:sp>
+      <p:sp>
+        <p:nvSpPr>
+          <p:cNvPr id="182" name="타원 181">
+            <a:extLst>
+              <a:ext uri="{FF2B5EF4-FFF2-40B4-BE49-F238E27FC236}">
+                <a16:creationId xmlns:a16="http://schemas.microsoft.com/office/drawing/2014/main" id="{D56F9F85-0B01-4A35-9FB6-40C767A8BC8C}"/>
+              </a:ext>
+            </a:extLst>
+          </p:cNvPr>
+          <p:cNvSpPr/>
+          <p:nvPr/>
+        </p:nvSpPr>
+        <p:spPr>
+          <a:xfrm>
+            <a:off x="696783" y="4743366"/>
+            <a:ext cx="264696" cy="259308"/>
+          </a:xfrm>
+          <a:prstGeom prst="ellipse">
+            <a:avLst/>
+          </a:prstGeom>
+          <a:solidFill>
+            <a:schemeClr val="accent5">
+              <a:lumMod val="40000"/>
+              <a:lumOff val="60000"/>
+            </a:schemeClr>
+          </a:solidFill>
+          <a:ln>
+            <a:noFill/>
+          </a:ln>
+        </p:spPr>
+        <p:style>
+          <a:lnRef idx="2">
+            <a:schemeClr val="accent1">
+              <a:shade val="50000"/>
+            </a:schemeClr>
+          </a:lnRef>
+          <a:fillRef idx="1">
+            <a:schemeClr val="accent1"/>
+          </a:fillRef>
+          <a:effectRef idx="0">
+            <a:schemeClr val="accent1"/>
+          </a:effectRef>
+          <a:fontRef idx="minor">
+            <a:schemeClr val="lt1"/>
+          </a:fontRef>
+        </p:style>
+        <p:txBody>
+          <a:bodyPr rtlCol="0" anchor="ctr"/>
+          <a:lstStyle/>
+          <a:p>
+            <a:pPr algn="ctr"/>
+            <a:endParaRPr lang="ko-KR" altLang="en-US" sz="1100" dirty="0">
+              <a:solidFill>
+                <a:sysClr val="windowText" lastClr="000000"/>
+              </a:solidFill>
+            </a:endParaRPr>
+          </a:p>
+        </p:txBody>
+      </p:sp>
+      <p:sp>
+        <p:nvSpPr>
+          <p:cNvPr id="6" name="TextBox 5">
+            <a:extLst>
+              <a:ext uri="{FF2B5EF4-FFF2-40B4-BE49-F238E27FC236}">
+                <a16:creationId xmlns:a16="http://schemas.microsoft.com/office/drawing/2014/main" id="{BD123A69-57E3-457E-83DB-AFF5AD49A597}"/>
+              </a:ext>
+            </a:extLst>
+          </p:cNvPr>
+          <p:cNvSpPr txBox="1"/>
+          <p:nvPr/>
+        </p:nvSpPr>
+        <p:spPr>
+          <a:xfrm>
+            <a:off x="647799" y="4761844"/>
+            <a:ext cx="360996" cy="230832"/>
+          </a:xfrm>
+          <a:prstGeom prst="rect">
+            <a:avLst/>
+          </a:prstGeom>
+          <a:noFill/>
+        </p:spPr>
+        <p:txBody>
+          <a:bodyPr wrap="none" rtlCol="0">
+            <a:spAutoFit/>
+          </a:bodyPr>
+          <a:lstStyle/>
+          <a:p>
+            <a:r>
+              <a:rPr lang="en-US" altLang="ko-KR" sz="900" dirty="0"/>
+              <a:t>2-1</a:t>
+            </a:r>
+            <a:endParaRPr lang="ko-KR" altLang="en-US" sz="900" dirty="0"/>
+          </a:p>
+        </p:txBody>
+      </p:sp>
     </p:spTree>
     <p:extLst>
       <p:ext uri="{BB962C8B-B14F-4D97-AF65-F5344CB8AC3E}">
@@ -15157,7 +16817,7 @@
           <p:nvPr>
             <p:extLst>
               <p:ext uri="{D42A27DB-BD31-4B8C-83A1-F6EECF244321}">
-                <p14:modId xmlns:p14="http://schemas.microsoft.com/office/powerpoint/2010/main" val="1200719733"/>
+                <p14:modId xmlns:p14="http://schemas.microsoft.com/office/powerpoint/2010/main" val="1451785294"/>
               </p:ext>
             </p:extLst>
           </p:nvPr>
@@ -15319,7 +16979,7 @@
                       <a:pPr latinLnBrk="1"/>
                       <a:r>
                         <a:rPr lang="en-US" altLang="ko-KR" sz="1600" dirty="0"/>
-                        <a:t>Main section3</a:t>
+                        <a:t>Main Section3</a:t>
                       </a:r>
                       <a:endParaRPr lang="ko-KR" altLang="en-US" sz="1600" dirty="0"/>
                     </a:p>
@@ -15383,14 +17043,14 @@
           <p:nvPr>
             <p:extLst>
               <p:ext uri="{D42A27DB-BD31-4B8C-83A1-F6EECF244321}">
-                <p14:modId xmlns:p14="http://schemas.microsoft.com/office/powerpoint/2010/main" val="3614672846"/>
+                <p14:modId xmlns:p14="http://schemas.microsoft.com/office/powerpoint/2010/main" val="4159153138"/>
               </p:ext>
             </p:extLst>
           </p:nvPr>
         </p:nvGraphicFramePr>
         <p:xfrm>
           <a:off x="587827" y="1514474"/>
-          <a:ext cx="10918372" cy="4767213"/>
+          <a:ext cx="10918372" cy="4881878"/>
         </p:xfrm>
         <a:graphic>
           <a:graphicData uri="http://schemas.openxmlformats.org/drawingml/2006/table">
@@ -15428,7 +17088,7 @@
                   </a:extLst>
                 </a:gridCol>
               </a:tblGrid>
-              <a:tr h="565137">
+              <a:tr h="446899">
                 <a:tc gridSpan="2">
                   <a:txBody>
                     <a:bodyPr/>
@@ -15533,8 +17193,8 @@
                   </a:ext>
                 </a:extLst>
               </a:tr>
-              <a:tr h="349264">
-                <a:tc rowSpan="4">
+              <a:tr h="452965">
+                <a:tc rowSpan="7">
                   <a:txBody>
                     <a:bodyPr/>
                     <a:lstStyle/>
@@ -15545,7 +17205,7 @@
                   </a:txBody>
                   <a:tcPr/>
                 </a:tc>
-                <a:tc rowSpan="4">
+                <a:tc rowSpan="7">
                   <a:txBody>
                     <a:bodyPr/>
                     <a:lstStyle/>
@@ -15563,7 +17223,7 @@
                     <a:p>
                       <a:pPr algn="ctr" latinLnBrk="1"/>
                       <a:r>
-                        <a:rPr lang="ko-KR" altLang="en-US" sz="1200" dirty="0"/>
+                        <a:rPr lang="ko-KR" altLang="en-US" sz="1100" dirty="0"/>
                         <a:t>화면 설명</a:t>
                       </a:r>
                     </a:p>
@@ -15584,14 +17244,14 @@
                     <a:p>
                       <a:pPr algn="l" latinLnBrk="1"/>
                       <a:r>
-                        <a:rPr lang="ko-KR" altLang="en-US" sz="1200" dirty="0"/>
+                        <a:rPr lang="ko-KR" altLang="en-US" sz="1100" dirty="0"/>
                         <a:t>독도의 자연경관 및 다양한 생물들을 소개하기 위해 카드 형식으로 나열</a:t>
                       </a:r>
                       <a:r>
-                        <a:rPr lang="en-US" altLang="ko-KR" sz="1200" dirty="0"/>
+                        <a:rPr lang="en-US" altLang="ko-KR" sz="1100" dirty="0"/>
                         <a:t>.</a:t>
                       </a:r>
-                      <a:endParaRPr lang="ko-KR" altLang="en-US" sz="1200" dirty="0"/>
+                      <a:endParaRPr lang="ko-KR" altLang="en-US" sz="1100" dirty="0"/>
                     </a:p>
                   </a:txBody>
                   <a:tcPr/>
@@ -15602,7 +17262,7 @@
                   </a:ext>
                 </a:extLst>
               </a:tr>
-              <a:tr h="1660682">
+              <a:tr h="453915">
                 <a:tc vMerge="1">
                   <a:txBody>
                     <a:bodyPr/>
@@ -15632,10 +17292,10 @@
                     <a:p>
                       <a:pPr algn="ctr" latinLnBrk="1"/>
                       <a:r>
-                        <a:rPr lang="en-US" altLang="ko-KR" sz="1200" dirty="0"/>
+                        <a:rPr lang="en-US" altLang="ko-KR" sz="1100" dirty="0"/>
                         <a:t>1</a:t>
                       </a:r>
-                      <a:endParaRPr lang="ko-KR" altLang="en-US" sz="1200" dirty="0"/>
+                      <a:endParaRPr lang="ko-KR" altLang="en-US" sz="1100" dirty="0"/>
                     </a:p>
                   </a:txBody>
                   <a:tcPr>
@@ -15653,7 +17313,18 @@
                     <a:lstStyle/>
                     <a:p>
                       <a:pPr algn="l" latinLnBrk="1"/>
-                      <a:endParaRPr lang="ko-KR" altLang="en-US" sz="1200" dirty="0"/>
+                      <a:r>
+                        <a:rPr lang="ko-KR" altLang="en-US" sz="1100" dirty="0"/>
+                        <a:t>해당 섹션의 타이틀로 스크롤 내릴 시 아래에서 위로 부드럽게 </a:t>
+                      </a:r>
+                      <a:endParaRPr lang="en-US" altLang="ko-KR" sz="1100" dirty="0"/>
+                    </a:p>
+                    <a:p>
+                      <a:pPr algn="l" latinLnBrk="1"/>
+                      <a:r>
+                        <a:rPr lang="ko-KR" altLang="en-US" sz="1100" dirty="0"/>
+                        <a:t>떠오름</a:t>
+                      </a:r>
                     </a:p>
                   </a:txBody>
                   <a:tcPr/>
@@ -15664,7 +17335,265 @@
                   </a:ext>
                 </a:extLst>
               </a:tr>
-              <a:tr h="423511">
+              <a:tr h="461648">
+                <a:tc vMerge="1">
+                  <a:txBody>
+                    <a:bodyPr/>
+                    <a:lstStyle/>
+                    <a:p>
+                      <a:pPr latinLnBrk="1"/>
+                      <a:endParaRPr lang="ko-KR" altLang="en-US"/>
+                    </a:p>
+                  </a:txBody>
+                  <a:tcPr/>
+                </a:tc>
+                <a:tc vMerge="1">
+                  <a:txBody>
+                    <a:bodyPr/>
+                    <a:lstStyle/>
+                    <a:p>
+                      <a:pPr latinLnBrk="1"/>
+                      <a:endParaRPr lang="ko-KR" altLang="en-US"/>
+                    </a:p>
+                  </a:txBody>
+                  <a:tcPr/>
+                </a:tc>
+                <a:tc>
+                  <a:txBody>
+                    <a:bodyPr/>
+                    <a:lstStyle/>
+                    <a:p>
+                      <a:pPr marL="0" marR="0" lvl="0" indent="0" algn="ctr" defTabSz="914400" rtl="0" eaLnBrk="1" fontAlgn="auto" latinLnBrk="1" hangingPunct="1">
+                        <a:lnSpc>
+                          <a:spcPct val="100000"/>
+                        </a:lnSpc>
+                        <a:spcBef>
+                          <a:spcPts val="0"/>
+                        </a:spcBef>
+                        <a:spcAft>
+                          <a:spcPts val="0"/>
+                        </a:spcAft>
+                        <a:buClrTx/>
+                        <a:buSzTx/>
+                        <a:buFontTx/>
+                        <a:buNone/>
+                        <a:tabLst/>
+                        <a:defRPr/>
+                      </a:pPr>
+                      <a:endParaRPr lang="en-US" altLang="ko-KR" sz="1100" dirty="0"/>
+                    </a:p>
+                    <a:p>
+                      <a:pPr marL="0" marR="0" lvl="0" indent="0" algn="ctr" defTabSz="914400" rtl="0" eaLnBrk="1" fontAlgn="auto" latinLnBrk="1" hangingPunct="1">
+                        <a:lnSpc>
+                          <a:spcPct val="100000"/>
+                        </a:lnSpc>
+                        <a:spcBef>
+                          <a:spcPts val="0"/>
+                        </a:spcBef>
+                        <a:spcAft>
+                          <a:spcPts val="0"/>
+                        </a:spcAft>
+                        <a:buClrTx/>
+                        <a:buSzTx/>
+                        <a:buFontTx/>
+                        <a:buNone/>
+                        <a:tabLst/>
+                        <a:defRPr/>
+                      </a:pPr>
+                      <a:r>
+                        <a:rPr lang="en-US" altLang="ko-KR" sz="1100" dirty="0"/>
+                        <a:t>2</a:t>
+                      </a:r>
+                      <a:endParaRPr lang="ko-KR" altLang="en-US" sz="1100" dirty="0"/>
+                    </a:p>
+                  </a:txBody>
+                  <a:tcPr>
+                    <a:solidFill>
+                      <a:schemeClr val="accent1">
+                        <a:lumMod val="20000"/>
+                        <a:lumOff val="80000"/>
+                      </a:schemeClr>
+                    </a:solidFill>
+                  </a:tcPr>
+                </a:tc>
+                <a:tc>
+                  <a:txBody>
+                    <a:bodyPr/>
+                    <a:lstStyle/>
+                    <a:p>
+                      <a:pPr marL="0" marR="0" lvl="0" indent="0" algn="l" defTabSz="914400" rtl="0" eaLnBrk="1" fontAlgn="auto" latinLnBrk="1" hangingPunct="1">
+                        <a:lnSpc>
+                          <a:spcPct val="100000"/>
+                        </a:lnSpc>
+                        <a:spcBef>
+                          <a:spcPts val="0"/>
+                        </a:spcBef>
+                        <a:spcAft>
+                          <a:spcPts val="0"/>
+                        </a:spcAft>
+                        <a:buClrTx/>
+                        <a:buSzTx/>
+                        <a:buFontTx/>
+                        <a:buNone/>
+                        <a:tabLst/>
+                        <a:defRPr/>
+                      </a:pPr>
+                      <a:r>
+                        <a:rPr lang="ko-KR" altLang="en-US" sz="1100" dirty="0"/>
+                        <a:t>독도를 대표하는 자연경관 및 생물 이미지 카드와 이미지에 관한 설명을 정리한 카드로 총 </a:t>
+                      </a:r>
+                      <a:r>
+                        <a:rPr lang="en-US" altLang="ko-KR" sz="1100" dirty="0"/>
+                        <a:t>6</a:t>
+                      </a:r>
+                      <a:r>
+                        <a:rPr lang="ko-KR" altLang="en-US" sz="1100" dirty="0"/>
+                        <a:t>가지로 생성하여 </a:t>
+                      </a:r>
+                      <a:r>
+                        <a:rPr lang="en-US" altLang="ko-KR" sz="1100" dirty="0"/>
+                        <a:t>Row</a:t>
+                      </a:r>
+                      <a:r>
+                        <a:rPr lang="ko-KR" altLang="en-US" sz="1100" dirty="0"/>
+                        <a:t>로 차례대로 아래로 배열되도록 배치</a:t>
+                      </a:r>
+                    </a:p>
+                  </a:txBody>
+                  <a:tcPr/>
+                </a:tc>
+                <a:extLst>
+                  <a:ext uri="{0D108BD9-81ED-4DB2-BD59-A6C34878D82A}">
+                    <a16:rowId xmlns:a16="http://schemas.microsoft.com/office/drawing/2014/main" val="1105099574"/>
+                  </a:ext>
+                </a:extLst>
+              </a:tr>
+              <a:tr h="630915">
+                <a:tc vMerge="1">
+                  <a:txBody>
+                    <a:bodyPr/>
+                    <a:lstStyle/>
+                    <a:p>
+                      <a:pPr latinLnBrk="1"/>
+                      <a:endParaRPr lang="ko-KR" altLang="en-US"/>
+                    </a:p>
+                  </a:txBody>
+                  <a:tcPr/>
+                </a:tc>
+                <a:tc vMerge="1">
+                  <a:txBody>
+                    <a:bodyPr/>
+                    <a:lstStyle/>
+                    <a:p>
+                      <a:pPr latinLnBrk="1"/>
+                      <a:endParaRPr lang="ko-KR" altLang="en-US"/>
+                    </a:p>
+                  </a:txBody>
+                  <a:tcPr/>
+                </a:tc>
+                <a:tc>
+                  <a:txBody>
+                    <a:bodyPr/>
+                    <a:lstStyle/>
+                    <a:p>
+                      <a:pPr marL="0" marR="0" lvl="0" indent="0" algn="ctr" defTabSz="914400" rtl="0" eaLnBrk="1" fontAlgn="auto" latinLnBrk="1" hangingPunct="1">
+                        <a:lnSpc>
+                          <a:spcPct val="100000"/>
+                        </a:lnSpc>
+                        <a:spcBef>
+                          <a:spcPts val="0"/>
+                        </a:spcBef>
+                        <a:spcAft>
+                          <a:spcPts val="0"/>
+                        </a:spcAft>
+                        <a:buClrTx/>
+                        <a:buSzTx/>
+                        <a:buFontTx/>
+                        <a:buNone/>
+                        <a:tabLst/>
+                        <a:defRPr/>
+                      </a:pPr>
+                      <a:endParaRPr lang="en-US" altLang="ko-KR" sz="1100" dirty="0"/>
+                    </a:p>
+                    <a:p>
+                      <a:pPr marL="0" marR="0" lvl="0" indent="0" algn="ctr" defTabSz="914400" rtl="0" eaLnBrk="1" fontAlgn="auto" latinLnBrk="1" hangingPunct="1">
+                        <a:lnSpc>
+                          <a:spcPct val="100000"/>
+                        </a:lnSpc>
+                        <a:spcBef>
+                          <a:spcPts val="0"/>
+                        </a:spcBef>
+                        <a:spcAft>
+                          <a:spcPts val="0"/>
+                        </a:spcAft>
+                        <a:buClrTx/>
+                        <a:buSzTx/>
+                        <a:buFontTx/>
+                        <a:buNone/>
+                        <a:tabLst/>
+                        <a:defRPr/>
+                      </a:pPr>
+                      <a:r>
+                        <a:rPr lang="en-US" altLang="ko-KR" sz="1100" dirty="0"/>
+                        <a:t>2-1</a:t>
+                      </a:r>
+                      <a:endParaRPr lang="ko-KR" altLang="en-US" sz="1100" dirty="0"/>
+                    </a:p>
+                    <a:p>
+                      <a:pPr algn="ctr" latinLnBrk="1"/>
+                      <a:endParaRPr lang="ko-KR" altLang="en-US" sz="1100" dirty="0"/>
+                    </a:p>
+                  </a:txBody>
+                  <a:tcPr>
+                    <a:solidFill>
+                      <a:schemeClr val="accent1">
+                        <a:lumMod val="20000"/>
+                        <a:lumOff val="80000"/>
+                      </a:schemeClr>
+                    </a:solidFill>
+                  </a:tcPr>
+                </a:tc>
+                <a:tc>
+                  <a:txBody>
+                    <a:bodyPr/>
+                    <a:lstStyle/>
+                    <a:p>
+                      <a:pPr marL="0" marR="0" lvl="0" indent="0" algn="l" defTabSz="914400" rtl="0" eaLnBrk="1" fontAlgn="auto" latinLnBrk="1" hangingPunct="1">
+                        <a:lnSpc>
+                          <a:spcPct val="100000"/>
+                        </a:lnSpc>
+                        <a:spcBef>
+                          <a:spcPts val="0"/>
+                        </a:spcBef>
+                        <a:spcAft>
+                          <a:spcPts val="0"/>
+                        </a:spcAft>
+                        <a:buClrTx/>
+                        <a:buSzTx/>
+                        <a:buFontTx/>
+                        <a:buNone/>
+                        <a:tabLst/>
+                        <a:defRPr/>
+                      </a:pPr>
+                      <a:r>
+                        <a:rPr lang="ko-KR" altLang="en-US" sz="1100" dirty="0"/>
+                        <a:t>스크롤 내릴 시 이미지카드와 설명카드의 올라오는 시간차를 두어 차례대로 부드럽게 떠오르도록 설정</a:t>
+                      </a:r>
+                    </a:p>
+                    <a:p>
+                      <a:pPr algn="l" latinLnBrk="1"/>
+                      <a:endParaRPr lang="ko-KR" altLang="en-US" sz="1100" dirty="0"/>
+                    </a:p>
+                  </a:txBody>
+                  <a:tcPr/>
+                </a:tc>
+                <a:extLst>
+                  <a:ext uri="{0D108BD9-81ED-4DB2-BD59-A6C34878D82A}">
+                    <a16:rowId xmlns:a16="http://schemas.microsoft.com/office/drawing/2014/main" val="1750953538"/>
+                  </a:ext>
+                </a:extLst>
+              </a:tr>
+              <a:tr h="449558">
                 <a:tc vMerge="1">
                   <a:txBody>
                     <a:bodyPr/>
@@ -15725,7 +17654,7 @@
                   </a:ext>
                 </a:extLst>
               </a:tr>
-              <a:tr h="1660683">
+              <a:tr h="881411">
                 <a:tc vMerge="1">
                   <a:txBody>
                     <a:bodyPr/>
@@ -15748,24 +17677,72 @@
                   </a:txBody>
                   <a:tcPr/>
                 </a:tc>
-                <a:tc gridSpan="2">
+                <a:tc>
                   <a:txBody>
                     <a:bodyPr/>
                     <a:lstStyle/>
                     <a:p>
-                      <a:pPr latinLnBrk="1"/>
-                      <a:endParaRPr lang="ko-KR" altLang="en-US" dirty="0"/>
+                      <a:pPr algn="ctr" latinLnBrk="1"/>
+                      <a:endParaRPr lang="en-US" altLang="ko-KR" sz="1100" dirty="0"/>
+                    </a:p>
+                    <a:p>
+                      <a:pPr algn="ctr" latinLnBrk="1"/>
+                      <a:endParaRPr lang="en-US" altLang="ko-KR" sz="1100" dirty="0"/>
+                    </a:p>
+                    <a:p>
+                      <a:pPr algn="ctr" latinLnBrk="1"/>
+                      <a:r>
+                        <a:rPr lang="en-US" altLang="ko-KR" sz="1100" dirty="0"/>
+                        <a:t>2</a:t>
+                      </a:r>
+                      <a:endParaRPr lang="ko-KR" altLang="en-US" sz="1100" dirty="0"/>
                     </a:p>
                   </a:txBody>
-                  <a:tcPr/>
+                  <a:tcPr>
+                    <a:solidFill>
+                      <a:srgbClr val="DAE3F3"/>
+                    </a:solidFill>
+                  </a:tcPr>
                 </a:tc>
-                <a:tc hMerge="1">
+                <a:tc>
                   <a:txBody>
                     <a:bodyPr/>
                     <a:lstStyle/>
                     <a:p>
                       <a:pPr latinLnBrk="1"/>
-                      <a:endParaRPr lang="ko-KR" altLang="en-US"/>
+                      <a:endParaRPr lang="en-US" altLang="ko-KR" sz="1100" dirty="0"/>
+                    </a:p>
+                    <a:p>
+                      <a:pPr latinLnBrk="1"/>
+                      <a:endParaRPr lang="en-US" altLang="ko-KR" sz="1100" dirty="0"/>
+                    </a:p>
+                    <a:p>
+                      <a:pPr latinLnBrk="1"/>
+                      <a:r>
+                        <a:rPr lang="ko-KR" altLang="en-US" sz="1100" dirty="0"/>
+                        <a:t>가로 </a:t>
+                      </a:r>
+                      <a:r>
+                        <a:rPr lang="en-US" altLang="ko-KR" sz="1100" dirty="0"/>
+                        <a:t>640</a:t>
+                      </a:r>
+                      <a:r>
+                        <a:rPr lang="ko-KR" altLang="en-US" sz="1100" dirty="0"/>
+                        <a:t>일 경우 카드를 </a:t>
+                      </a:r>
+                      <a:r>
+                        <a:rPr lang="en-US" altLang="ko-KR" sz="1100" dirty="0"/>
+                        <a:t>Column</a:t>
+                      </a:r>
+                      <a:r>
+                        <a:rPr lang="ko-KR" altLang="en-US" sz="1100" dirty="0"/>
+                        <a:t>으로 나열</a:t>
+                      </a:r>
+                      <a:endParaRPr lang="en-US" altLang="ko-KR" sz="1100" dirty="0"/>
+                    </a:p>
+                    <a:p>
+                      <a:pPr latinLnBrk="1"/>
+                      <a:endParaRPr lang="ko-KR" altLang="en-US" sz="1100" dirty="0"/>
                     </a:p>
                   </a:txBody>
                   <a:tcPr/>
@@ -15773,6 +17750,89 @@
                 <a:extLst>
                   <a:ext uri="{0D108BD9-81ED-4DB2-BD59-A6C34878D82A}">
                     <a16:rowId xmlns:a16="http://schemas.microsoft.com/office/drawing/2014/main" val="397376855"/>
+                  </a:ext>
+                </a:extLst>
+              </a:tr>
+              <a:tr h="971855">
+                <a:tc vMerge="1">
+                  <a:txBody>
+                    <a:bodyPr/>
+                    <a:lstStyle/>
+                    <a:p>
+                      <a:pPr latinLnBrk="1"/>
+                      <a:endParaRPr lang="ko-KR" altLang="en-US"/>
+                    </a:p>
+                  </a:txBody>
+                  <a:tcPr/>
+                </a:tc>
+                <a:tc vMerge="1">
+                  <a:txBody>
+                    <a:bodyPr/>
+                    <a:lstStyle/>
+                    <a:p>
+                      <a:pPr latinLnBrk="1"/>
+                      <a:endParaRPr lang="ko-KR" altLang="en-US"/>
+                    </a:p>
+                  </a:txBody>
+                  <a:tcPr/>
+                </a:tc>
+                <a:tc>
+                  <a:txBody>
+                    <a:bodyPr/>
+                    <a:lstStyle/>
+                    <a:p>
+                      <a:pPr algn="ctr" latinLnBrk="1"/>
+                      <a:endParaRPr lang="en-US" altLang="ko-KR" sz="1100" dirty="0"/>
+                    </a:p>
+                    <a:p>
+                      <a:pPr algn="ctr" latinLnBrk="1"/>
+                      <a:endParaRPr lang="en-US" altLang="ko-KR" sz="1100" dirty="0"/>
+                    </a:p>
+                    <a:p>
+                      <a:pPr algn="ctr" latinLnBrk="1"/>
+                      <a:r>
+                        <a:rPr lang="en-US" altLang="ko-KR" sz="1100" dirty="0"/>
+                        <a:t>3</a:t>
+                      </a:r>
+                      <a:endParaRPr lang="ko-KR" altLang="en-US" sz="1100" dirty="0"/>
+                    </a:p>
+                  </a:txBody>
+                  <a:tcPr>
+                    <a:solidFill>
+                      <a:srgbClr val="DAE3F3"/>
+                    </a:solidFill>
+                  </a:tcPr>
+                </a:tc>
+                <a:tc>
+                  <a:txBody>
+                    <a:bodyPr/>
+                    <a:lstStyle/>
+                    <a:p>
+                      <a:pPr latinLnBrk="1"/>
+                      <a:endParaRPr lang="en-US" altLang="ko-KR" sz="1100" dirty="0"/>
+                    </a:p>
+                    <a:p>
+                      <a:pPr latinLnBrk="1"/>
+                      <a:endParaRPr lang="en-US" altLang="ko-KR" sz="1100" dirty="0"/>
+                    </a:p>
+                    <a:p>
+                      <a:pPr latinLnBrk="1"/>
+                      <a:r>
+                        <a:rPr lang="ko-KR" altLang="en-US" sz="1100" dirty="0"/>
+                        <a:t>설명카드의 위치를 정 가운데로 배치</a:t>
+                      </a:r>
+                      <a:endParaRPr lang="en-US" altLang="ko-KR" sz="1100" dirty="0"/>
+                    </a:p>
+                    <a:p>
+                      <a:pPr latinLnBrk="1"/>
+                      <a:endParaRPr lang="ko-KR" altLang="en-US" sz="1100" dirty="0"/>
+                    </a:p>
+                  </a:txBody>
+                  <a:tcPr/>
+                </a:tc>
+                <a:extLst>
+                  <a:ext uri="{0D108BD9-81ED-4DB2-BD59-A6C34878D82A}">
+                    <a16:rowId xmlns:a16="http://schemas.microsoft.com/office/drawing/2014/main" val="3895884501"/>
                   </a:ext>
                 </a:extLst>
               </a:tr>
@@ -16303,7 +18363,7 @@
               <a:lstStyle/>
               <a:p>
                 <a:pPr algn="ctr"/>
-                <a:endParaRPr lang="ko-KR" altLang="en-US"/>
+                <a:endParaRPr lang="ko-KR" altLang="en-US" dirty="0"/>
               </a:p>
             </p:txBody>
           </p:sp>
@@ -17454,7 +19514,7 @@
                   <a:sysClr val="windowText" lastClr="000000"/>
                 </a:solidFill>
               </a:rPr>
-              <a:t>1</a:t>
+              <a:t>2</a:t>
             </a:r>
             <a:endParaRPr lang="ko-KR" altLang="en-US" dirty="0">
               <a:solidFill>
@@ -17478,7 +19538,7 @@
         </p:nvSpPr>
         <p:spPr>
           <a:xfrm>
-            <a:off x="4335460" y="2120961"/>
+            <a:off x="4335460" y="2169071"/>
             <a:ext cx="1341120" cy="3977640"/>
           </a:xfrm>
           <a:prstGeom prst="rect">
@@ -17569,7 +19629,7 @@
         </p:nvGrpSpPr>
         <p:grpSpPr>
           <a:xfrm>
-            <a:off x="4405313" y="2254250"/>
+            <a:off x="4433887" y="2313833"/>
             <a:ext cx="809625" cy="127000"/>
             <a:chOff x="4467225" y="2597150"/>
             <a:chExt cx="809625" cy="127000"/>
@@ -17722,7 +19782,7 @@
         </p:nvGrpSpPr>
         <p:grpSpPr>
           <a:xfrm>
-            <a:off x="4587555" y="2633120"/>
+            <a:off x="4555490" y="2724590"/>
             <a:ext cx="807720" cy="529590"/>
             <a:chOff x="1294765" y="2935756"/>
             <a:chExt cx="807720" cy="529590"/>
@@ -17948,7 +20008,7 @@
         </p:nvGrpSpPr>
         <p:grpSpPr>
           <a:xfrm>
-            <a:off x="4587555" y="3298553"/>
+            <a:off x="4555490" y="3390023"/>
             <a:ext cx="807720" cy="500864"/>
             <a:chOff x="1294765" y="2935756"/>
             <a:chExt cx="807720" cy="500864"/>
@@ -18174,7 +20234,7 @@
         </p:nvGrpSpPr>
         <p:grpSpPr>
           <a:xfrm>
-            <a:off x="4587555" y="3970867"/>
+            <a:off x="4555490" y="4062337"/>
             <a:ext cx="807720" cy="529590"/>
             <a:chOff x="1294765" y="2935756"/>
             <a:chExt cx="807720" cy="529590"/>
@@ -18400,7 +20460,7 @@
         </p:nvGrpSpPr>
         <p:grpSpPr>
           <a:xfrm>
-            <a:off x="4587852" y="4615302"/>
+            <a:off x="4555787" y="4706772"/>
             <a:ext cx="807720" cy="537189"/>
             <a:chOff x="1294765" y="2935756"/>
             <a:chExt cx="807720" cy="537189"/>
@@ -18626,7 +20686,7 @@
         </p:nvGrpSpPr>
         <p:grpSpPr>
           <a:xfrm>
-            <a:off x="4587555" y="5293355"/>
+            <a:off x="4555490" y="5384825"/>
             <a:ext cx="807720" cy="547841"/>
             <a:chOff x="1294765" y="2935756"/>
             <a:chExt cx="807720" cy="547841"/>
@@ -18888,7 +20948,7 @@
         </p:nvSpPr>
         <p:spPr>
           <a:xfrm>
-            <a:off x="5347978" y="2433033"/>
+            <a:off x="5275580" y="2551164"/>
             <a:ext cx="299391" cy="281591"/>
           </a:xfrm>
           <a:prstGeom prst="ellipse">
@@ -18931,7 +20991,141 @@
                   <a:sysClr val="windowText" lastClr="000000"/>
                 </a:solidFill>
               </a:rPr>
+              <a:t>2</a:t>
+            </a:r>
+            <a:endParaRPr lang="ko-KR" altLang="en-US" dirty="0">
+              <a:solidFill>
+                <a:sysClr val="windowText" lastClr="000000"/>
+              </a:solidFill>
+            </a:endParaRPr>
+          </a:p>
+        </p:txBody>
+      </p:sp>
+      <p:sp>
+        <p:nvSpPr>
+          <p:cNvPr id="100" name="타원 99">
+            <a:extLst>
+              <a:ext uri="{FF2B5EF4-FFF2-40B4-BE49-F238E27FC236}">
+                <a16:creationId xmlns:a16="http://schemas.microsoft.com/office/drawing/2014/main" id="{1D59C03E-4D10-4B9D-81A7-58088B4B4FBD}"/>
+              </a:ext>
+            </a:extLst>
+          </p:cNvPr>
+          <p:cNvSpPr/>
+          <p:nvPr/>
+        </p:nvSpPr>
+        <p:spPr>
+          <a:xfrm>
+            <a:off x="2292350" y="2396330"/>
+            <a:ext cx="264696" cy="259308"/>
+          </a:xfrm>
+          <a:prstGeom prst="ellipse">
+            <a:avLst/>
+          </a:prstGeom>
+          <a:solidFill>
+            <a:schemeClr val="accent5">
+              <a:lumMod val="40000"/>
+              <a:lumOff val="60000"/>
+            </a:schemeClr>
+          </a:solidFill>
+          <a:ln>
+            <a:noFill/>
+          </a:ln>
+        </p:spPr>
+        <p:style>
+          <a:lnRef idx="2">
+            <a:schemeClr val="accent1">
+              <a:shade val="50000"/>
+            </a:schemeClr>
+          </a:lnRef>
+          <a:fillRef idx="1">
+            <a:schemeClr val="accent1"/>
+          </a:fillRef>
+          <a:effectRef idx="0">
+            <a:schemeClr val="accent1"/>
+          </a:effectRef>
+          <a:fontRef idx="minor">
+            <a:schemeClr val="lt1"/>
+          </a:fontRef>
+        </p:style>
+        <p:txBody>
+          <a:bodyPr rtlCol="0" anchor="ctr"/>
+          <a:lstStyle/>
+          <a:p>
+            <a:pPr algn="ctr"/>
+            <a:r>
+              <a:rPr lang="en-US" altLang="ko-KR" dirty="0">
+                <a:solidFill>
+                  <a:sysClr val="windowText" lastClr="000000"/>
+                </a:solidFill>
+              </a:rPr>
               <a:t>1</a:t>
+            </a:r>
+            <a:endParaRPr lang="ko-KR" altLang="en-US" dirty="0">
+              <a:solidFill>
+                <a:sysClr val="windowText" lastClr="000000"/>
+              </a:solidFill>
+            </a:endParaRPr>
+          </a:p>
+        </p:txBody>
+      </p:sp>
+      <p:sp>
+        <p:nvSpPr>
+          <p:cNvPr id="101" name="타원 100">
+            <a:extLst>
+              <a:ext uri="{FF2B5EF4-FFF2-40B4-BE49-F238E27FC236}">
+                <a16:creationId xmlns:a16="http://schemas.microsoft.com/office/drawing/2014/main" id="{35CF05AD-F0F8-4757-BF60-8C9D046A8936}"/>
+              </a:ext>
+            </a:extLst>
+          </p:cNvPr>
+          <p:cNvSpPr/>
+          <p:nvPr/>
+        </p:nvSpPr>
+        <p:spPr>
+          <a:xfrm>
+            <a:off x="5151449" y="3087326"/>
+            <a:ext cx="299391" cy="281591"/>
+          </a:xfrm>
+          <a:prstGeom prst="ellipse">
+            <a:avLst/>
+          </a:prstGeom>
+          <a:solidFill>
+            <a:schemeClr val="accent2">
+              <a:lumMod val="40000"/>
+              <a:lumOff val="60000"/>
+            </a:schemeClr>
+          </a:solidFill>
+          <a:ln>
+            <a:noFill/>
+          </a:ln>
+        </p:spPr>
+        <p:style>
+          <a:lnRef idx="2">
+            <a:schemeClr val="accent1">
+              <a:shade val="50000"/>
+            </a:schemeClr>
+          </a:lnRef>
+          <a:fillRef idx="1">
+            <a:schemeClr val="accent1"/>
+          </a:fillRef>
+          <a:effectRef idx="0">
+            <a:schemeClr val="accent1"/>
+          </a:effectRef>
+          <a:fontRef idx="minor">
+            <a:schemeClr val="lt1"/>
+          </a:fontRef>
+        </p:style>
+        <p:txBody>
+          <a:bodyPr rtlCol="0" anchor="ctr"/>
+          <a:lstStyle/>
+          <a:p>
+            <a:pPr algn="ctr"/>
+            <a:r>
+              <a:rPr lang="en-US" altLang="ko-KR" dirty="0">
+                <a:solidFill>
+                  <a:sysClr val="windowText" lastClr="000000"/>
+                </a:solidFill>
+              </a:rPr>
+              <a:t>3</a:t>
             </a:r>
             <a:endParaRPr lang="ko-KR" altLang="en-US" dirty="0">
               <a:solidFill>
@@ -18986,7 +21180,7 @@
           <p:nvPr>
             <p:extLst>
               <p:ext uri="{D42A27DB-BD31-4B8C-83A1-F6EECF244321}">
-                <p14:modId xmlns:p14="http://schemas.microsoft.com/office/powerpoint/2010/main" val="2518243393"/>
+                <p14:modId xmlns:p14="http://schemas.microsoft.com/office/powerpoint/2010/main" val="2619660666"/>
               </p:ext>
             </p:extLst>
           </p:nvPr>
@@ -19126,10 +21320,9 @@
                         <a:t>/</a:t>
                       </a:r>
                       <a:r>
-                        <a:rPr lang="ko-KR" altLang="en-US" sz="1600" dirty="0" err="1"/>
-                        <a:t>화면명</a:t>
+                        <a:rPr lang="ko-KR" altLang="en-US" sz="1600" dirty="0"/>
+                        <a:t>화면 명</a:t>
                       </a:r>
-                      <a:endParaRPr lang="ko-KR" altLang="en-US" sz="1600" dirty="0"/>
                     </a:p>
                   </a:txBody>
                   <a:tcPr>
@@ -19149,7 +21342,7 @@
                       <a:pPr latinLnBrk="1"/>
                       <a:r>
                         <a:rPr lang="en-US" altLang="ko-KR" sz="1600" dirty="0"/>
-                        <a:t>Main section4</a:t>
+                        <a:t>Main Section4</a:t>
                       </a:r>
                       <a:endParaRPr lang="ko-KR" altLang="en-US" sz="1600" dirty="0"/>
                     </a:p>
@@ -19213,14 +21406,14 @@
           <p:nvPr>
             <p:extLst>
               <p:ext uri="{D42A27DB-BD31-4B8C-83A1-F6EECF244321}">
-                <p14:modId xmlns:p14="http://schemas.microsoft.com/office/powerpoint/2010/main" val="2591132507"/>
+                <p14:modId xmlns:p14="http://schemas.microsoft.com/office/powerpoint/2010/main" val="735830895"/>
               </p:ext>
             </p:extLst>
           </p:nvPr>
         </p:nvGraphicFramePr>
         <p:xfrm>
           <a:off x="587827" y="1525209"/>
-          <a:ext cx="10918371" cy="4723451"/>
+          <a:ext cx="10918372" cy="3191571"/>
         </p:xfrm>
         <a:graphic>
           <a:graphicData uri="http://schemas.openxmlformats.org/drawingml/2006/table">
@@ -19243,10 +21436,17 @@
                     </a:ext>
                   </a:extLst>
                 </a:gridCol>
-                <a:gridCol w="5459185">
+                <a:gridCol w="993867">
                   <a:extLst>
                     <a:ext uri="{9D8B030D-6E8A-4147-A177-3AD203B41FA5}">
                       <a16:colId xmlns:a16="http://schemas.microsoft.com/office/drawing/2014/main" val="2675573917"/>
+                    </a:ext>
+                  </a:extLst>
+                </a:gridCol>
+                <a:gridCol w="4465319">
+                  <a:extLst>
+                    <a:ext uri="{9D8B030D-6E8A-4147-A177-3AD203B41FA5}">
+                      <a16:colId xmlns:a16="http://schemas.microsoft.com/office/drawing/2014/main" val="2722466535"/>
                     </a:ext>
                   </a:extLst>
                 </a:gridCol>
@@ -19301,7 +21501,7 @@
                   </a:txBody>
                   <a:tcPr/>
                 </a:tc>
-                <a:tc>
+                <a:tc gridSpan="2">
                   <a:txBody>
                     <a:bodyPr/>
                     <a:lstStyle/>
@@ -19339,14 +21539,25 @@
                     </a:solidFill>
                   </a:tcPr>
                 </a:tc>
+                <a:tc hMerge="1">
+                  <a:txBody>
+                    <a:bodyPr/>
+                    <a:lstStyle/>
+                    <a:p>
+                      <a:pPr latinLnBrk="1"/>
+                      <a:endParaRPr lang="ko-KR" altLang="en-US"/>
+                    </a:p>
+                  </a:txBody>
+                  <a:tcPr/>
+                </a:tc>
                 <a:extLst>
                   <a:ext uri="{0D108BD9-81ED-4DB2-BD59-A6C34878D82A}">
                     <a16:rowId xmlns:a16="http://schemas.microsoft.com/office/drawing/2014/main" val="499990257"/>
                   </a:ext>
                 </a:extLst>
               </a:tr>
-              <a:tr h="2629418">
-                <a:tc rowSpan="3">
+              <a:tr h="400324">
+                <a:tc rowSpan="5">
                   <a:txBody>
                     <a:bodyPr/>
                     <a:lstStyle/>
@@ -19357,7 +21568,7 @@
                   </a:txBody>
                   <a:tcPr/>
                 </a:tc>
-                <a:tc rowSpan="3">
+                <a:tc rowSpan="5">
                   <a:txBody>
                     <a:bodyPr/>
                     <a:lstStyle/>
@@ -19373,8 +21584,30 @@
                     <a:bodyPr/>
                     <a:lstStyle/>
                     <a:p>
+                      <a:pPr algn="ctr" latinLnBrk="1"/>
+                      <a:r>
+                        <a:rPr lang="ko-KR" altLang="en-US" sz="1100" dirty="0"/>
+                        <a:t>화면 설명</a:t>
+                      </a:r>
+                    </a:p>
+                  </a:txBody>
+                  <a:tcPr>
+                    <a:solidFill>
+                      <a:srgbClr val="DAE3F3"/>
+                    </a:solidFill>
+                  </a:tcPr>
+                </a:tc>
+                <a:tc>
+                  <a:txBody>
+                    <a:bodyPr/>
+                    <a:lstStyle/>
+                    <a:p>
                       <a:pPr latinLnBrk="1"/>
-                      <a:endParaRPr lang="ko-KR" altLang="en-US" dirty="0"/>
+                      <a:r>
+                        <a:rPr lang="ko-KR" altLang="en-US" sz="1100" dirty="0"/>
+                        <a:t>독도의 역사에 대한 슬라이드 간략하게 나누어 나열하여 구성</a:t>
+                      </a:r>
+                      <a:endParaRPr lang="en-US" altLang="ko-KR" sz="1100" dirty="0"/>
                     </a:p>
                   </a:txBody>
                   <a:tcPr/>
@@ -19385,14 +21618,14 @@
                   </a:ext>
                 </a:extLst>
               </a:tr>
-              <a:tr h="342656">
+              <a:tr h="350520">
                 <a:tc vMerge="1">
                   <a:txBody>
                     <a:bodyPr/>
                     <a:lstStyle/>
                     <a:p>
                       <a:pPr latinLnBrk="1"/>
-                      <a:endParaRPr lang="ko-KR" altLang="en-US" dirty="0"/>
+                      <a:endParaRPr lang="ko-KR" altLang="en-US"/>
                     </a:p>
                   </a:txBody>
                   <a:tcPr/>
@@ -19409,6 +21642,260 @@
                   <a:tcPr/>
                 </a:tc>
                 <a:tc>
+                  <a:txBody>
+                    <a:bodyPr/>
+                    <a:lstStyle/>
+                    <a:p>
+                      <a:pPr algn="ctr" latinLnBrk="1"/>
+                      <a:r>
+                        <a:rPr lang="en-US" altLang="ko-KR" sz="1100" dirty="0"/>
+                        <a:t>1</a:t>
+                      </a:r>
+                      <a:endParaRPr lang="ko-KR" altLang="en-US" sz="1100" dirty="0"/>
+                    </a:p>
+                  </a:txBody>
+                  <a:tcPr>
+                    <a:solidFill>
+                      <a:srgbClr val="DAE3F3"/>
+                    </a:solidFill>
+                  </a:tcPr>
+                </a:tc>
+                <a:tc>
+                  <a:txBody>
+                    <a:bodyPr/>
+                    <a:lstStyle/>
+                    <a:p>
+                      <a:pPr latinLnBrk="1"/>
+                      <a:r>
+                        <a:rPr lang="ko-KR" altLang="en-US" sz="1100" dirty="0"/>
+                        <a:t>독도의 역사를 년도</a:t>
+                      </a:r>
+                      <a:r>
+                        <a:rPr lang="en-US" altLang="ko-KR" sz="1100" dirty="0"/>
+                        <a:t>, </a:t>
+                      </a:r>
+                      <a:r>
+                        <a:rPr lang="ko-KR" altLang="en-US" sz="1100" dirty="0"/>
+                        <a:t>이미지</a:t>
+                      </a:r>
+                      <a:r>
+                        <a:rPr lang="en-US" altLang="ko-KR" sz="1100" dirty="0"/>
+                        <a:t>, </a:t>
+                      </a:r>
+                      <a:r>
+                        <a:rPr lang="ko-KR" altLang="en-US" sz="1100" dirty="0"/>
+                        <a:t>설명문으로 정리한 컨텐츠를 </a:t>
+                      </a:r>
+                      <a:endParaRPr lang="en-US" altLang="ko-KR" sz="1100" dirty="0"/>
+                    </a:p>
+                    <a:p>
+                      <a:pPr latinLnBrk="1"/>
+                      <a:r>
+                        <a:rPr lang="ko-KR" altLang="en-US" sz="1100" dirty="0"/>
+                        <a:t>총 </a:t>
+                      </a:r>
+                      <a:r>
+                        <a:rPr lang="en-US" altLang="ko-KR" sz="1100" dirty="0"/>
+                        <a:t>7</a:t>
+                      </a:r>
+                      <a:r>
+                        <a:rPr lang="ko-KR" altLang="en-US" sz="1100" dirty="0"/>
+                        <a:t>장으로 구성하여 </a:t>
+                      </a:r>
+                      <a:r>
+                        <a:rPr lang="en-US" altLang="ko-KR" sz="1100" dirty="0"/>
+                        <a:t>Row</a:t>
+                      </a:r>
+                      <a:r>
+                        <a:rPr lang="ko-KR" altLang="en-US" sz="1100" dirty="0"/>
+                        <a:t>로 나열</a:t>
+                      </a:r>
+                      <a:endParaRPr lang="en-US" altLang="ko-KR" sz="1100" dirty="0"/>
+                    </a:p>
+                  </a:txBody>
+                  <a:tcPr/>
+                </a:tc>
+                <a:extLst>
+                  <a:ext uri="{0D108BD9-81ED-4DB2-BD59-A6C34878D82A}">
+                    <a16:rowId xmlns:a16="http://schemas.microsoft.com/office/drawing/2014/main" val="3420610631"/>
+                  </a:ext>
+                </a:extLst>
+              </a:tr>
+              <a:tr h="523745">
+                <a:tc vMerge="1">
+                  <a:txBody>
+                    <a:bodyPr/>
+                    <a:lstStyle/>
+                    <a:p>
+                      <a:pPr latinLnBrk="1"/>
+                      <a:endParaRPr lang="ko-KR" altLang="en-US"/>
+                    </a:p>
+                  </a:txBody>
+                  <a:tcPr/>
+                </a:tc>
+                <a:tc vMerge="1">
+                  <a:txBody>
+                    <a:bodyPr/>
+                    <a:lstStyle/>
+                    <a:p>
+                      <a:pPr latinLnBrk="1"/>
+                      <a:endParaRPr lang="ko-KR" altLang="en-US"/>
+                    </a:p>
+                  </a:txBody>
+                  <a:tcPr/>
+                </a:tc>
+                <a:tc>
+                  <a:txBody>
+                    <a:bodyPr/>
+                    <a:lstStyle/>
+                    <a:p>
+                      <a:pPr algn="ctr" latinLnBrk="1"/>
+                      <a:endParaRPr lang="en-US" altLang="ko-KR" sz="1100" dirty="0"/>
+                    </a:p>
+                    <a:p>
+                      <a:pPr algn="ctr" latinLnBrk="1"/>
+                      <a:r>
+                        <a:rPr lang="en-US" altLang="ko-KR" sz="1100" dirty="0"/>
+                        <a:t>1-1</a:t>
+                      </a:r>
+                      <a:endParaRPr lang="ko-KR" altLang="en-US" sz="1100" dirty="0"/>
+                    </a:p>
+                  </a:txBody>
+                  <a:tcPr>
+                    <a:solidFill>
+                      <a:srgbClr val="DAE3F3"/>
+                    </a:solidFill>
+                  </a:tcPr>
+                </a:tc>
+                <a:tc>
+                  <a:txBody>
+                    <a:bodyPr/>
+                    <a:lstStyle/>
+                    <a:p>
+                      <a:pPr marL="0" marR="0" lvl="0" indent="0" algn="l" defTabSz="914400" rtl="0" eaLnBrk="1" fontAlgn="auto" latinLnBrk="1" hangingPunct="1">
+                        <a:lnSpc>
+                          <a:spcPct val="100000"/>
+                        </a:lnSpc>
+                        <a:spcBef>
+                          <a:spcPts val="0"/>
+                        </a:spcBef>
+                        <a:spcAft>
+                          <a:spcPts val="0"/>
+                        </a:spcAft>
+                        <a:buClrTx/>
+                        <a:buSzTx/>
+                        <a:buFontTx/>
+                        <a:buNone/>
+                        <a:tabLst/>
+                        <a:defRPr/>
+                      </a:pPr>
+                      <a:r>
+                        <a:rPr lang="ko-KR" altLang="en-US" sz="1100" dirty="0"/>
+                        <a:t>컨텐츠를 슬라이드로 연결하여 양쪽의 버튼 클릭 시 컨텐츠 </a:t>
+                      </a:r>
+                      <a:r>
+                        <a:rPr lang="en-US" altLang="ko-KR" sz="1100" dirty="0"/>
+                        <a:t>2</a:t>
+                      </a:r>
+                      <a:r>
+                        <a:rPr lang="ko-KR" altLang="en-US" sz="1100" dirty="0"/>
+                        <a:t>개씩 </a:t>
+                      </a:r>
+                      <a:endParaRPr lang="en-US" altLang="ko-KR" sz="1100" dirty="0"/>
+                    </a:p>
+                    <a:p>
+                      <a:pPr marL="0" marR="0" lvl="0" indent="0" algn="l" defTabSz="914400" rtl="0" eaLnBrk="1" fontAlgn="auto" latinLnBrk="1" hangingPunct="1">
+                        <a:lnSpc>
+                          <a:spcPct val="100000"/>
+                        </a:lnSpc>
+                        <a:spcBef>
+                          <a:spcPts val="0"/>
+                        </a:spcBef>
+                        <a:spcAft>
+                          <a:spcPts val="0"/>
+                        </a:spcAft>
+                        <a:buClrTx/>
+                        <a:buSzTx/>
+                        <a:buFontTx/>
+                        <a:buNone/>
+                        <a:tabLst/>
+                        <a:defRPr/>
+                      </a:pPr>
+                      <a:r>
+                        <a:rPr lang="ko-KR" altLang="en-US" sz="1100" dirty="0"/>
+                        <a:t>부드럽게 이동</a:t>
+                      </a:r>
+                      <a:endParaRPr lang="en-US" altLang="ko-KR" sz="1100" dirty="0"/>
+                    </a:p>
+                    <a:p>
+                      <a:pPr marL="0" marR="0" lvl="0" indent="0" algn="l" defTabSz="914400" rtl="0" eaLnBrk="1" fontAlgn="auto" latinLnBrk="1" hangingPunct="1">
+                        <a:lnSpc>
+                          <a:spcPct val="100000"/>
+                        </a:lnSpc>
+                        <a:spcBef>
+                          <a:spcPts val="0"/>
+                        </a:spcBef>
+                        <a:spcAft>
+                          <a:spcPts val="0"/>
+                        </a:spcAft>
+                        <a:buClrTx/>
+                        <a:buSzTx/>
+                        <a:buFontTx/>
+                        <a:buNone/>
+                        <a:tabLst/>
+                        <a:defRPr/>
+                      </a:pPr>
+                      <a:r>
+                        <a:rPr lang="ko-KR" altLang="en-US" sz="1100" dirty="0"/>
+                        <a:t>일정시간 지나면 자동으로 넘어가게 설정</a:t>
+                      </a:r>
+                      <a:r>
+                        <a:rPr lang="en-US" altLang="ko-KR" sz="1100" dirty="0"/>
+                        <a:t>(</a:t>
+                      </a:r>
+                      <a:r>
+                        <a:rPr lang="ko-KR" altLang="en-US" sz="1100" dirty="0"/>
+                        <a:t>구현예정</a:t>
+                      </a:r>
+                      <a:r>
+                        <a:rPr lang="en-US" altLang="ko-KR" sz="1100" dirty="0"/>
+                        <a:t>)</a:t>
+                      </a:r>
+                      <a:endParaRPr lang="ko-KR" altLang="en-US" sz="1100" dirty="0"/>
+                    </a:p>
+                  </a:txBody>
+                  <a:tcPr/>
+                </a:tc>
+                <a:extLst>
+                  <a:ext uri="{0D108BD9-81ED-4DB2-BD59-A6C34878D82A}">
+                    <a16:rowId xmlns:a16="http://schemas.microsoft.com/office/drawing/2014/main" val="1762958371"/>
+                  </a:ext>
+                </a:extLst>
+              </a:tr>
+              <a:tr h="342656">
+                <a:tc vMerge="1">
+                  <a:txBody>
+                    <a:bodyPr/>
+                    <a:lstStyle/>
+                    <a:p>
+                      <a:pPr latinLnBrk="1"/>
+                      <a:endParaRPr lang="ko-KR" altLang="en-US" dirty="0"/>
+                    </a:p>
+                  </a:txBody>
+                  <a:tcPr/>
+                </a:tc>
+                <a:tc vMerge="1">
+                  <a:txBody>
+                    <a:bodyPr/>
+                    <a:lstStyle/>
+                    <a:p>
+                      <a:pPr latinLnBrk="1"/>
+                      <a:endParaRPr lang="ko-KR" altLang="en-US"/>
+                    </a:p>
+                  </a:txBody>
+                  <a:tcPr/>
+                </a:tc>
+                <a:tc gridSpan="2">
                   <a:txBody>
                     <a:bodyPr/>
                     <a:lstStyle/>
@@ -19429,13 +21916,24 @@
                     </a:solidFill>
                   </a:tcPr>
                 </a:tc>
+                <a:tc hMerge="1">
+                  <a:txBody>
+                    <a:bodyPr/>
+                    <a:lstStyle/>
+                    <a:p>
+                      <a:pPr latinLnBrk="1"/>
+                      <a:endParaRPr lang="ko-KR" altLang="en-US"/>
+                    </a:p>
+                  </a:txBody>
+                  <a:tcPr/>
+                </a:tc>
                 <a:extLst>
                   <a:ext uri="{0D108BD9-81ED-4DB2-BD59-A6C34878D82A}">
                     <a16:rowId xmlns:a16="http://schemas.microsoft.com/office/drawing/2014/main" val="2016023557"/>
                   </a:ext>
                 </a:extLst>
               </a:tr>
-              <a:tr h="1314710">
+              <a:tr h="990844">
                 <a:tc vMerge="1">
                   <a:txBody>
                     <a:bodyPr/>
@@ -19463,8 +21961,62 @@
                     <a:bodyPr/>
                     <a:lstStyle/>
                     <a:p>
+                      <a:pPr algn="ctr" latinLnBrk="1"/>
+                      <a:endParaRPr lang="en-US" altLang="ko-KR" sz="1100" dirty="0"/>
+                    </a:p>
+                    <a:p>
+                      <a:pPr algn="ctr" latinLnBrk="1"/>
+                      <a:endParaRPr lang="en-US" altLang="ko-KR" sz="1100" dirty="0"/>
+                    </a:p>
+                    <a:p>
+                      <a:pPr algn="ctr" latinLnBrk="1"/>
+                      <a:r>
+                        <a:rPr lang="en-US" altLang="ko-KR" sz="1100" dirty="0"/>
+                        <a:t>1</a:t>
+                      </a:r>
+                      <a:endParaRPr lang="ko-KR" altLang="en-US" sz="1100" dirty="0"/>
+                    </a:p>
+                  </a:txBody>
+                  <a:tcPr>
+                    <a:solidFill>
+                      <a:srgbClr val="DAE3F3"/>
+                    </a:solidFill>
+                  </a:tcPr>
+                </a:tc>
+                <a:tc>
+                  <a:txBody>
+                    <a:bodyPr/>
+                    <a:lstStyle/>
+                    <a:p>
                       <a:pPr latinLnBrk="1"/>
-                      <a:endParaRPr lang="ko-KR" altLang="en-US" dirty="0"/>
+                      <a:endParaRPr lang="en-US" altLang="ko-KR" sz="1100" dirty="0"/>
+                    </a:p>
+                    <a:p>
+                      <a:pPr latinLnBrk="1"/>
+                      <a:endParaRPr lang="en-US" altLang="ko-KR" sz="1100" dirty="0"/>
+                    </a:p>
+                    <a:p>
+                      <a:pPr latinLnBrk="1"/>
+                      <a:r>
+                        <a:rPr lang="ko-KR" altLang="en-US" sz="1100" dirty="0"/>
+                        <a:t>가로 </a:t>
+                      </a:r>
+                      <a:r>
+                        <a:rPr lang="en-US" altLang="ko-KR" sz="1100" dirty="0"/>
+                        <a:t>640</a:t>
+                      </a:r>
+                      <a:r>
+                        <a:rPr lang="ko-KR" altLang="en-US" sz="1100" dirty="0"/>
+                        <a:t>일 경우 슬라이드의 컨텐츠가 </a:t>
+                      </a:r>
+                      <a:r>
+                        <a:rPr lang="en-US" altLang="ko-KR" sz="1100" dirty="0"/>
+                        <a:t>1</a:t>
+                      </a:r>
+                      <a:r>
+                        <a:rPr lang="ko-KR" altLang="en-US" sz="1100" dirty="0"/>
+                        <a:t>개씩 보이도록 배치</a:t>
+                      </a:r>
                     </a:p>
                   </a:txBody>
                   <a:tcPr/>
@@ -19479,12 +22031,878 @@
           </a:graphicData>
         </a:graphic>
       </p:graphicFrame>
+      <p:grpSp>
+        <p:nvGrpSpPr>
+          <p:cNvPr id="16" name="그룹 15">
+            <a:extLst>
+              <a:ext uri="{FF2B5EF4-FFF2-40B4-BE49-F238E27FC236}">
+                <a16:creationId xmlns:a16="http://schemas.microsoft.com/office/drawing/2014/main" id="{9FA97AB7-93B2-4892-BE84-FD373BAB811C}"/>
+              </a:ext>
+            </a:extLst>
+          </p:cNvPr>
+          <p:cNvGrpSpPr/>
+          <p:nvPr/>
+        </p:nvGrpSpPr>
+        <p:grpSpPr>
+          <a:xfrm>
+            <a:off x="685802" y="2245729"/>
+            <a:ext cx="3124200" cy="1847850"/>
+            <a:chOff x="752475" y="2971800"/>
+            <a:chExt cx="3124200" cy="1847850"/>
+          </a:xfrm>
+        </p:grpSpPr>
+        <p:sp>
+          <p:nvSpPr>
+            <p:cNvPr id="2" name="직사각형 1">
+              <a:extLst>
+                <a:ext uri="{FF2B5EF4-FFF2-40B4-BE49-F238E27FC236}">
+                  <a16:creationId xmlns:a16="http://schemas.microsoft.com/office/drawing/2014/main" id="{8CA8D216-28A7-42B8-B4CE-958E0D6751EC}"/>
+                </a:ext>
+              </a:extLst>
+            </p:cNvPr>
+            <p:cNvSpPr/>
+            <p:nvPr/>
+          </p:nvSpPr>
+          <p:spPr>
+            <a:xfrm>
+              <a:off x="752475" y="2971800"/>
+              <a:ext cx="3124200" cy="1847850"/>
+            </a:xfrm>
+            <a:prstGeom prst="rect">
+              <a:avLst/>
+            </a:prstGeom>
+            <a:solidFill>
+              <a:schemeClr val="bg1">
+                <a:lumMod val="85000"/>
+              </a:schemeClr>
+            </a:solidFill>
+            <a:ln w="3175">
+              <a:solidFill>
+                <a:schemeClr val="tx1"/>
+              </a:solidFill>
+            </a:ln>
+          </p:spPr>
+          <p:style>
+            <a:lnRef idx="2">
+              <a:schemeClr val="accent1">
+                <a:shade val="50000"/>
+              </a:schemeClr>
+            </a:lnRef>
+            <a:fillRef idx="1">
+              <a:schemeClr val="accent1"/>
+            </a:fillRef>
+            <a:effectRef idx="0">
+              <a:schemeClr val="accent1"/>
+            </a:effectRef>
+            <a:fontRef idx="minor">
+              <a:schemeClr val="lt1"/>
+            </a:fontRef>
+          </p:style>
+          <p:txBody>
+            <a:bodyPr rtlCol="0" anchor="ctr"/>
+            <a:lstStyle/>
+            <a:p>
+              <a:pPr algn="ctr"/>
+              <a:endParaRPr lang="ko-KR" altLang="en-US"/>
+            </a:p>
+          </p:txBody>
+        </p:sp>
+        <p:grpSp>
+          <p:nvGrpSpPr>
+            <p:cNvPr id="6" name="그룹 5">
+              <a:extLst>
+                <a:ext uri="{FF2B5EF4-FFF2-40B4-BE49-F238E27FC236}">
+                  <a16:creationId xmlns:a16="http://schemas.microsoft.com/office/drawing/2014/main" id="{406235AF-1B3C-4B31-80C6-9783D7BD8488}"/>
+                </a:ext>
+              </a:extLst>
+            </p:cNvPr>
+            <p:cNvGrpSpPr/>
+            <p:nvPr/>
+          </p:nvGrpSpPr>
+          <p:grpSpPr>
+            <a:xfrm>
+              <a:off x="919163" y="3121024"/>
+              <a:ext cx="1300162" cy="193675"/>
+              <a:chOff x="4467225" y="2597150"/>
+              <a:chExt cx="809625" cy="127000"/>
+            </a:xfrm>
+          </p:grpSpPr>
+          <p:sp>
+            <p:nvSpPr>
+              <p:cNvPr id="8" name="직사각형 7">
+                <a:extLst>
+                  <a:ext uri="{FF2B5EF4-FFF2-40B4-BE49-F238E27FC236}">
+                    <a16:creationId xmlns:a16="http://schemas.microsoft.com/office/drawing/2014/main" id="{C2D88D4A-310E-436D-BDAF-73D6DEC4A69D}"/>
+                  </a:ext>
+                </a:extLst>
+              </p:cNvPr>
+              <p:cNvSpPr/>
+              <p:nvPr/>
+            </p:nvSpPr>
+            <p:spPr>
+              <a:xfrm>
+                <a:off x="4467225" y="2597150"/>
+                <a:ext cx="809625" cy="127000"/>
+              </a:xfrm>
+              <a:prstGeom prst="rect">
+                <a:avLst/>
+              </a:prstGeom>
+              <a:noFill/>
+              <a:ln w="3175">
+                <a:solidFill>
+                  <a:schemeClr val="bg1">
+                    <a:lumMod val="65000"/>
+                  </a:schemeClr>
+                </a:solidFill>
+              </a:ln>
+            </p:spPr>
+            <p:style>
+              <a:lnRef idx="2">
+                <a:schemeClr val="accent1">
+                  <a:shade val="50000"/>
+                </a:schemeClr>
+              </a:lnRef>
+              <a:fillRef idx="1">
+                <a:schemeClr val="accent1"/>
+              </a:fillRef>
+              <a:effectRef idx="0">
+                <a:schemeClr val="accent1"/>
+              </a:effectRef>
+              <a:fontRef idx="minor">
+                <a:schemeClr val="lt1"/>
+              </a:fontRef>
+            </p:style>
+            <p:txBody>
+              <a:bodyPr rtlCol="0" anchor="ctr"/>
+              <a:lstStyle/>
+              <a:p>
+                <a:pPr algn="ctr"/>
+                <a:endParaRPr lang="ko-KR" altLang="en-US"/>
+              </a:p>
+            </p:txBody>
+          </p:sp>
+          <p:cxnSp>
+            <p:nvCxnSpPr>
+              <p:cNvPr id="9" name="직선 연결선 8">
+                <a:extLst>
+                  <a:ext uri="{FF2B5EF4-FFF2-40B4-BE49-F238E27FC236}">
+                    <a16:creationId xmlns:a16="http://schemas.microsoft.com/office/drawing/2014/main" id="{B77FC0FF-25D4-4F81-8358-9F8DEC872F39}"/>
+                  </a:ext>
+                </a:extLst>
+              </p:cNvPr>
+              <p:cNvCxnSpPr>
+                <a:cxnSpLocks/>
+              </p:cNvCxnSpPr>
+              <p:nvPr/>
+            </p:nvCxnSpPr>
+            <p:spPr>
+              <a:xfrm flipV="1">
+                <a:off x="4467225" y="2597150"/>
+                <a:ext cx="809625" cy="127000"/>
+              </a:xfrm>
+              <a:prstGeom prst="line">
+                <a:avLst/>
+              </a:prstGeom>
+              <a:ln w="3175"/>
+            </p:spPr>
+            <p:style>
+              <a:lnRef idx="1">
+                <a:schemeClr val="accent3"/>
+              </a:lnRef>
+              <a:fillRef idx="0">
+                <a:schemeClr val="accent3"/>
+              </a:fillRef>
+              <a:effectRef idx="0">
+                <a:schemeClr val="accent3"/>
+              </a:effectRef>
+              <a:fontRef idx="minor">
+                <a:schemeClr val="tx1"/>
+              </a:fontRef>
+            </p:style>
+          </p:cxnSp>
+          <p:cxnSp>
+            <p:nvCxnSpPr>
+              <p:cNvPr id="10" name="직선 연결선 9">
+                <a:extLst>
+                  <a:ext uri="{FF2B5EF4-FFF2-40B4-BE49-F238E27FC236}">
+                    <a16:creationId xmlns:a16="http://schemas.microsoft.com/office/drawing/2014/main" id="{C2F24FC0-4733-49EE-A192-2D27AE7BAC74}"/>
+                  </a:ext>
+                </a:extLst>
+              </p:cNvPr>
+              <p:cNvCxnSpPr>
+                <a:cxnSpLocks/>
+              </p:cNvCxnSpPr>
+              <p:nvPr/>
+            </p:nvCxnSpPr>
+            <p:spPr>
+              <a:xfrm>
+                <a:off x="4467225" y="2597150"/>
+                <a:ext cx="809625" cy="127000"/>
+              </a:xfrm>
+              <a:prstGeom prst="line">
+                <a:avLst/>
+              </a:prstGeom>
+              <a:ln w="3175"/>
+            </p:spPr>
+            <p:style>
+              <a:lnRef idx="1">
+                <a:schemeClr val="accent3"/>
+              </a:lnRef>
+              <a:fillRef idx="0">
+                <a:schemeClr val="accent3"/>
+              </a:fillRef>
+              <a:effectRef idx="0">
+                <a:schemeClr val="accent3"/>
+              </a:effectRef>
+              <a:fontRef idx="minor">
+                <a:schemeClr val="tx1"/>
+              </a:fontRef>
+            </p:style>
+          </p:cxnSp>
+        </p:grpSp>
+        <p:sp>
+          <p:nvSpPr>
+            <p:cNvPr id="4" name="L 도형 3">
+              <a:extLst>
+                <a:ext uri="{FF2B5EF4-FFF2-40B4-BE49-F238E27FC236}">
+                  <a16:creationId xmlns:a16="http://schemas.microsoft.com/office/drawing/2014/main" id="{42680EC4-1CD1-4AEB-A9B0-A3014767826C}"/>
+                </a:ext>
+              </a:extLst>
+            </p:cNvPr>
+            <p:cNvSpPr/>
+            <p:nvPr/>
+          </p:nvSpPr>
+          <p:spPr>
+            <a:xfrm rot="2558813">
+              <a:off x="835819" y="3918864"/>
+              <a:ext cx="209550" cy="220677"/>
+            </a:xfrm>
+            <a:prstGeom prst="corner">
+              <a:avLst>
+                <a:gd name="adj1" fmla="val 26357"/>
+                <a:gd name="adj2" fmla="val 26357"/>
+              </a:avLst>
+            </a:prstGeom>
+            <a:solidFill>
+              <a:schemeClr val="bg1">
+                <a:lumMod val="50000"/>
+              </a:schemeClr>
+            </a:solidFill>
+            <a:ln>
+              <a:noFill/>
+            </a:ln>
+          </p:spPr>
+          <p:style>
+            <a:lnRef idx="2">
+              <a:schemeClr val="accent1">
+                <a:shade val="50000"/>
+              </a:schemeClr>
+            </a:lnRef>
+            <a:fillRef idx="1">
+              <a:schemeClr val="accent1"/>
+            </a:fillRef>
+            <a:effectRef idx="0">
+              <a:schemeClr val="accent1"/>
+            </a:effectRef>
+            <a:fontRef idx="minor">
+              <a:schemeClr val="lt1"/>
+            </a:fontRef>
+          </p:style>
+          <p:txBody>
+            <a:bodyPr rtlCol="0" anchor="ctr"/>
+            <a:lstStyle/>
+            <a:p>
+              <a:pPr algn="ctr"/>
+              <a:endParaRPr lang="ko-KR" altLang="en-US" dirty="0"/>
+            </a:p>
+          </p:txBody>
+        </p:sp>
+        <p:sp>
+          <p:nvSpPr>
+            <p:cNvPr id="11" name="L 도형 10">
+              <a:extLst>
+                <a:ext uri="{FF2B5EF4-FFF2-40B4-BE49-F238E27FC236}">
+                  <a16:creationId xmlns:a16="http://schemas.microsoft.com/office/drawing/2014/main" id="{AC0B318A-B1AF-4E8C-AE0A-09618A69DF8B}"/>
+                </a:ext>
+              </a:extLst>
+            </p:cNvPr>
+            <p:cNvSpPr/>
+            <p:nvPr/>
+          </p:nvSpPr>
+          <p:spPr>
+            <a:xfrm rot="13224928">
+              <a:off x="3487436" y="3899825"/>
+              <a:ext cx="209550" cy="220677"/>
+            </a:xfrm>
+            <a:prstGeom prst="corner">
+              <a:avLst>
+                <a:gd name="adj1" fmla="val 26357"/>
+                <a:gd name="adj2" fmla="val 26357"/>
+              </a:avLst>
+            </a:prstGeom>
+            <a:solidFill>
+              <a:schemeClr val="bg1">
+                <a:lumMod val="50000"/>
+              </a:schemeClr>
+            </a:solidFill>
+            <a:ln>
+              <a:noFill/>
+            </a:ln>
+          </p:spPr>
+          <p:style>
+            <a:lnRef idx="2">
+              <a:schemeClr val="accent1">
+                <a:shade val="50000"/>
+              </a:schemeClr>
+            </a:lnRef>
+            <a:fillRef idx="1">
+              <a:schemeClr val="accent1"/>
+            </a:fillRef>
+            <a:effectRef idx="0">
+              <a:schemeClr val="accent1"/>
+            </a:effectRef>
+            <a:fontRef idx="minor">
+              <a:schemeClr val="lt1"/>
+            </a:fontRef>
+          </p:style>
+          <p:txBody>
+            <a:bodyPr rtlCol="0" anchor="ctr"/>
+            <a:lstStyle/>
+            <a:p>
+              <a:pPr algn="ctr"/>
+              <a:endParaRPr lang="ko-KR" altLang="en-US"/>
+            </a:p>
+          </p:txBody>
+        </p:sp>
+        <p:grpSp>
+          <p:nvGrpSpPr>
+            <p:cNvPr id="13" name="그룹 12">
+              <a:extLst>
+                <a:ext uri="{FF2B5EF4-FFF2-40B4-BE49-F238E27FC236}">
+                  <a16:creationId xmlns:a16="http://schemas.microsoft.com/office/drawing/2014/main" id="{4DFA067D-9FE3-4EA5-B1A7-7D28EC873C5C}"/>
+                </a:ext>
+              </a:extLst>
+            </p:cNvPr>
+            <p:cNvGrpSpPr/>
+            <p:nvPr/>
+          </p:nvGrpSpPr>
+          <p:grpSpPr>
+            <a:xfrm>
+              <a:off x="1128713" y="3562350"/>
+              <a:ext cx="1090612" cy="1085851"/>
+              <a:chOff x="1128713" y="3562350"/>
+              <a:chExt cx="1090612" cy="1085851"/>
+            </a:xfrm>
+          </p:grpSpPr>
+          <p:sp>
+            <p:nvSpPr>
+              <p:cNvPr id="12" name="직사각형 11">
+                <a:extLst>
+                  <a:ext uri="{FF2B5EF4-FFF2-40B4-BE49-F238E27FC236}">
+                    <a16:creationId xmlns:a16="http://schemas.microsoft.com/office/drawing/2014/main" id="{38E70898-1599-4CD6-805B-DEB4FF01F36F}"/>
+                  </a:ext>
+                </a:extLst>
+              </p:cNvPr>
+              <p:cNvSpPr/>
+              <p:nvPr/>
+            </p:nvSpPr>
+            <p:spPr>
+              <a:xfrm>
+                <a:off x="1128713" y="4305301"/>
+                <a:ext cx="1090612" cy="342900"/>
+              </a:xfrm>
+              <a:prstGeom prst="rect">
+                <a:avLst/>
+              </a:prstGeom>
+              <a:solidFill>
+                <a:schemeClr val="bg1"/>
+              </a:solidFill>
+              <a:ln>
+                <a:solidFill>
+                  <a:schemeClr val="tx1">
+                    <a:lumMod val="50000"/>
+                    <a:lumOff val="50000"/>
+                  </a:schemeClr>
+                </a:solidFill>
+              </a:ln>
+            </p:spPr>
+            <p:style>
+              <a:lnRef idx="2">
+                <a:schemeClr val="accent1">
+                  <a:shade val="50000"/>
+                </a:schemeClr>
+              </a:lnRef>
+              <a:fillRef idx="1">
+                <a:schemeClr val="accent1"/>
+              </a:fillRef>
+              <a:effectRef idx="0">
+                <a:schemeClr val="accent1"/>
+              </a:effectRef>
+              <a:fontRef idx="minor">
+                <a:schemeClr val="lt1"/>
+              </a:fontRef>
+            </p:style>
+            <p:txBody>
+              <a:bodyPr rtlCol="0" anchor="ctr"/>
+              <a:lstStyle/>
+              <a:p>
+                <a:pPr algn="ctr"/>
+                <a:endParaRPr lang="ko-KR" altLang="en-US" dirty="0"/>
+              </a:p>
+            </p:txBody>
+          </p:sp>
+          <p:grpSp>
+            <p:nvGrpSpPr>
+              <p:cNvPr id="21" name="그룹 20">
+                <a:extLst>
+                  <a:ext uri="{FF2B5EF4-FFF2-40B4-BE49-F238E27FC236}">
+                    <a16:creationId xmlns:a16="http://schemas.microsoft.com/office/drawing/2014/main" id="{9E64281F-5D38-4C69-9214-2E8403E47C9E}"/>
+                  </a:ext>
+                </a:extLst>
+              </p:cNvPr>
+              <p:cNvGrpSpPr/>
+              <p:nvPr/>
+            </p:nvGrpSpPr>
+            <p:grpSpPr>
+              <a:xfrm>
+                <a:off x="1128713" y="3562350"/>
+                <a:ext cx="1090612" cy="599750"/>
+                <a:chOff x="1128713" y="3562350"/>
+                <a:chExt cx="1090612" cy="599750"/>
+              </a:xfrm>
+            </p:grpSpPr>
+            <p:sp>
+              <p:nvSpPr>
+                <p:cNvPr id="3" name="직사각형 2">
+                  <a:extLst>
+                    <a:ext uri="{FF2B5EF4-FFF2-40B4-BE49-F238E27FC236}">
+                      <a16:creationId xmlns:a16="http://schemas.microsoft.com/office/drawing/2014/main" id="{1D629FD9-5BC9-4D30-A13B-5DDC5A24B72F}"/>
+                    </a:ext>
+                  </a:extLst>
+                </p:cNvPr>
+                <p:cNvSpPr/>
+                <p:nvPr/>
+              </p:nvSpPr>
+              <p:spPr>
+                <a:xfrm>
+                  <a:off x="1128713" y="3562350"/>
+                  <a:ext cx="1090612" cy="590550"/>
+                </a:xfrm>
+                <a:prstGeom prst="rect">
+                  <a:avLst/>
+                </a:prstGeom>
+                <a:solidFill>
+                  <a:schemeClr val="bg1"/>
+                </a:solidFill>
+                <a:ln>
+                  <a:solidFill>
+                    <a:schemeClr val="bg1">
+                      <a:lumMod val="75000"/>
+                    </a:schemeClr>
+                  </a:solidFill>
+                </a:ln>
+              </p:spPr>
+              <p:style>
+                <a:lnRef idx="2">
+                  <a:schemeClr val="accent1">
+                    <a:shade val="50000"/>
+                  </a:schemeClr>
+                </a:lnRef>
+                <a:fillRef idx="1">
+                  <a:schemeClr val="accent1"/>
+                </a:fillRef>
+                <a:effectRef idx="0">
+                  <a:schemeClr val="accent1"/>
+                </a:effectRef>
+                <a:fontRef idx="minor">
+                  <a:schemeClr val="lt1"/>
+                </a:fontRef>
+              </p:style>
+              <p:txBody>
+                <a:bodyPr rtlCol="0" anchor="ctr"/>
+                <a:lstStyle/>
+                <a:p>
+                  <a:pPr algn="ctr"/>
+                  <a:endParaRPr lang="ko-KR" altLang="en-US" dirty="0"/>
+                </a:p>
+              </p:txBody>
+            </p:sp>
+            <p:cxnSp>
+              <p:nvCxnSpPr>
+                <p:cNvPr id="14" name="직선 연결선 13">
+                  <a:extLst>
+                    <a:ext uri="{FF2B5EF4-FFF2-40B4-BE49-F238E27FC236}">
+                      <a16:creationId xmlns:a16="http://schemas.microsoft.com/office/drawing/2014/main" id="{3011E635-5CF9-4E48-8F2F-9F0E97701B93}"/>
+                    </a:ext>
+                  </a:extLst>
+                </p:cNvPr>
+                <p:cNvCxnSpPr>
+                  <a:cxnSpLocks/>
+                </p:cNvCxnSpPr>
+                <p:nvPr/>
+              </p:nvCxnSpPr>
+              <p:spPr>
+                <a:xfrm>
+                  <a:off x="1128713" y="3562350"/>
+                  <a:ext cx="1090612" cy="599750"/>
+                </a:xfrm>
+                <a:prstGeom prst="line">
+                  <a:avLst/>
+                </a:prstGeom>
+                <a:ln w="3175">
+                  <a:solidFill>
+                    <a:schemeClr val="bg1">
+                      <a:lumMod val="75000"/>
+                    </a:schemeClr>
+                  </a:solidFill>
+                </a:ln>
+              </p:spPr>
+              <p:style>
+                <a:lnRef idx="1">
+                  <a:schemeClr val="accent3"/>
+                </a:lnRef>
+                <a:fillRef idx="0">
+                  <a:schemeClr val="accent3"/>
+                </a:fillRef>
+                <a:effectRef idx="0">
+                  <a:schemeClr val="accent3"/>
+                </a:effectRef>
+                <a:fontRef idx="minor">
+                  <a:schemeClr val="tx1"/>
+                </a:fontRef>
+              </p:style>
+            </p:cxnSp>
+            <p:cxnSp>
+              <p:nvCxnSpPr>
+                <p:cNvPr id="17" name="직선 연결선 16">
+                  <a:extLst>
+                    <a:ext uri="{FF2B5EF4-FFF2-40B4-BE49-F238E27FC236}">
+                      <a16:creationId xmlns:a16="http://schemas.microsoft.com/office/drawing/2014/main" id="{2047E647-6CBD-4C67-8816-FE78B2383742}"/>
+                    </a:ext>
+                  </a:extLst>
+                </p:cNvPr>
+                <p:cNvCxnSpPr/>
+                <p:nvPr/>
+              </p:nvCxnSpPr>
+              <p:spPr>
+                <a:xfrm flipV="1">
+                  <a:off x="1128713" y="3562350"/>
+                  <a:ext cx="1090612" cy="571502"/>
+                </a:xfrm>
+                <a:prstGeom prst="line">
+                  <a:avLst/>
+                </a:prstGeom>
+                <a:ln w="3175">
+                  <a:solidFill>
+                    <a:schemeClr val="bg1">
+                      <a:lumMod val="75000"/>
+                    </a:schemeClr>
+                  </a:solidFill>
+                </a:ln>
+              </p:spPr>
+              <p:style>
+                <a:lnRef idx="1">
+                  <a:schemeClr val="accent3"/>
+                </a:lnRef>
+                <a:fillRef idx="0">
+                  <a:schemeClr val="accent3"/>
+                </a:fillRef>
+                <a:effectRef idx="0">
+                  <a:schemeClr val="accent3"/>
+                </a:effectRef>
+                <a:fontRef idx="minor">
+                  <a:schemeClr val="tx1"/>
+                </a:fontRef>
+              </p:style>
+            </p:cxnSp>
+          </p:grpSp>
+        </p:grpSp>
+        <p:grpSp>
+          <p:nvGrpSpPr>
+            <p:cNvPr id="15" name="그룹 14">
+              <a:extLst>
+                <a:ext uri="{FF2B5EF4-FFF2-40B4-BE49-F238E27FC236}">
+                  <a16:creationId xmlns:a16="http://schemas.microsoft.com/office/drawing/2014/main" id="{EE187330-91B6-4761-9E23-FA6304EA0C19}"/>
+                </a:ext>
+              </a:extLst>
+            </p:cNvPr>
+            <p:cNvGrpSpPr/>
+            <p:nvPr/>
+          </p:nvGrpSpPr>
+          <p:grpSpPr>
+            <a:xfrm>
+              <a:off x="2350291" y="3562350"/>
+              <a:ext cx="1090612" cy="1085851"/>
+              <a:chOff x="2350291" y="3562350"/>
+              <a:chExt cx="1090612" cy="1085851"/>
+            </a:xfrm>
+          </p:grpSpPr>
+          <p:grpSp>
+            <p:nvGrpSpPr>
+              <p:cNvPr id="22" name="그룹 21">
+                <a:extLst>
+                  <a:ext uri="{FF2B5EF4-FFF2-40B4-BE49-F238E27FC236}">
+                    <a16:creationId xmlns:a16="http://schemas.microsoft.com/office/drawing/2014/main" id="{BF25177F-2872-4A1E-B7BA-DD7E202B5A1F}"/>
+                  </a:ext>
+                </a:extLst>
+              </p:cNvPr>
+              <p:cNvGrpSpPr/>
+              <p:nvPr/>
+            </p:nvGrpSpPr>
+            <p:grpSpPr>
+              <a:xfrm>
+                <a:off x="2350291" y="3562350"/>
+                <a:ext cx="1090612" cy="599750"/>
+                <a:chOff x="1128713" y="3562350"/>
+                <a:chExt cx="1090612" cy="599750"/>
+              </a:xfrm>
+            </p:grpSpPr>
+            <p:sp>
+              <p:nvSpPr>
+                <p:cNvPr id="23" name="직사각형 22">
+                  <a:extLst>
+                    <a:ext uri="{FF2B5EF4-FFF2-40B4-BE49-F238E27FC236}">
+                      <a16:creationId xmlns:a16="http://schemas.microsoft.com/office/drawing/2014/main" id="{0BF40CF9-0679-4C80-9FF2-5BF88AD78EA1}"/>
+                    </a:ext>
+                  </a:extLst>
+                </p:cNvPr>
+                <p:cNvSpPr/>
+                <p:nvPr/>
+              </p:nvSpPr>
+              <p:spPr>
+                <a:xfrm>
+                  <a:off x="1128713" y="3562350"/>
+                  <a:ext cx="1090612" cy="590550"/>
+                </a:xfrm>
+                <a:prstGeom prst="rect">
+                  <a:avLst/>
+                </a:prstGeom>
+                <a:solidFill>
+                  <a:schemeClr val="bg1"/>
+                </a:solidFill>
+                <a:ln>
+                  <a:solidFill>
+                    <a:schemeClr val="bg1">
+                      <a:lumMod val="75000"/>
+                    </a:schemeClr>
+                  </a:solidFill>
+                </a:ln>
+              </p:spPr>
+              <p:style>
+                <a:lnRef idx="2">
+                  <a:schemeClr val="accent1">
+                    <a:shade val="50000"/>
+                  </a:schemeClr>
+                </a:lnRef>
+                <a:fillRef idx="1">
+                  <a:schemeClr val="accent1"/>
+                </a:fillRef>
+                <a:effectRef idx="0">
+                  <a:schemeClr val="accent1"/>
+                </a:effectRef>
+                <a:fontRef idx="minor">
+                  <a:schemeClr val="lt1"/>
+                </a:fontRef>
+              </p:style>
+              <p:txBody>
+                <a:bodyPr rtlCol="0" anchor="ctr"/>
+                <a:lstStyle/>
+                <a:p>
+                  <a:pPr algn="ctr"/>
+                  <a:endParaRPr lang="ko-KR" altLang="en-US"/>
+                </a:p>
+              </p:txBody>
+            </p:sp>
+            <p:cxnSp>
+              <p:nvCxnSpPr>
+                <p:cNvPr id="24" name="직선 연결선 23">
+                  <a:extLst>
+                    <a:ext uri="{FF2B5EF4-FFF2-40B4-BE49-F238E27FC236}">
+                      <a16:creationId xmlns:a16="http://schemas.microsoft.com/office/drawing/2014/main" id="{E03F75B9-7584-43D5-A754-9F8642F33C50}"/>
+                    </a:ext>
+                  </a:extLst>
+                </p:cNvPr>
+                <p:cNvCxnSpPr>
+                  <a:cxnSpLocks/>
+                </p:cNvCxnSpPr>
+                <p:nvPr/>
+              </p:nvCxnSpPr>
+              <p:spPr>
+                <a:xfrm>
+                  <a:off x="1128713" y="3562350"/>
+                  <a:ext cx="1090612" cy="599750"/>
+                </a:xfrm>
+                <a:prstGeom prst="line">
+                  <a:avLst/>
+                </a:prstGeom>
+                <a:ln w="3175">
+                  <a:solidFill>
+                    <a:schemeClr val="bg1">
+                      <a:lumMod val="75000"/>
+                    </a:schemeClr>
+                  </a:solidFill>
+                </a:ln>
+              </p:spPr>
+              <p:style>
+                <a:lnRef idx="1">
+                  <a:schemeClr val="accent3"/>
+                </a:lnRef>
+                <a:fillRef idx="0">
+                  <a:schemeClr val="accent3"/>
+                </a:fillRef>
+                <a:effectRef idx="0">
+                  <a:schemeClr val="accent3"/>
+                </a:effectRef>
+                <a:fontRef idx="minor">
+                  <a:schemeClr val="tx1"/>
+                </a:fontRef>
+              </p:style>
+            </p:cxnSp>
+            <p:cxnSp>
+              <p:nvCxnSpPr>
+                <p:cNvPr id="25" name="직선 연결선 24">
+                  <a:extLst>
+                    <a:ext uri="{FF2B5EF4-FFF2-40B4-BE49-F238E27FC236}">
+                      <a16:creationId xmlns:a16="http://schemas.microsoft.com/office/drawing/2014/main" id="{5C84BF64-E49B-408F-9D4F-95C1CD3BDC58}"/>
+                    </a:ext>
+                  </a:extLst>
+                </p:cNvPr>
+                <p:cNvCxnSpPr/>
+                <p:nvPr/>
+              </p:nvCxnSpPr>
+              <p:spPr>
+                <a:xfrm flipV="1">
+                  <a:off x="1128713" y="3562350"/>
+                  <a:ext cx="1090612" cy="571502"/>
+                </a:xfrm>
+                <a:prstGeom prst="line">
+                  <a:avLst/>
+                </a:prstGeom>
+                <a:ln w="3175">
+                  <a:solidFill>
+                    <a:schemeClr val="bg1">
+                      <a:lumMod val="75000"/>
+                    </a:schemeClr>
+                  </a:solidFill>
+                </a:ln>
+              </p:spPr>
+              <p:style>
+                <a:lnRef idx="1">
+                  <a:schemeClr val="accent3"/>
+                </a:lnRef>
+                <a:fillRef idx="0">
+                  <a:schemeClr val="accent3"/>
+                </a:fillRef>
+                <a:effectRef idx="0">
+                  <a:schemeClr val="accent3"/>
+                </a:effectRef>
+                <a:fontRef idx="minor">
+                  <a:schemeClr val="tx1"/>
+                </a:fontRef>
+              </p:style>
+            </p:cxnSp>
+          </p:grpSp>
+          <p:sp>
+            <p:nvSpPr>
+              <p:cNvPr id="26" name="직사각형 25">
+                <a:extLst>
+                  <a:ext uri="{FF2B5EF4-FFF2-40B4-BE49-F238E27FC236}">
+                    <a16:creationId xmlns:a16="http://schemas.microsoft.com/office/drawing/2014/main" id="{0FFE3091-6BD7-4BEB-BA64-D4F64A935BA4}"/>
+                  </a:ext>
+                </a:extLst>
+              </p:cNvPr>
+              <p:cNvSpPr/>
+              <p:nvPr/>
+            </p:nvSpPr>
+            <p:spPr>
+              <a:xfrm>
+                <a:off x="2350291" y="4305301"/>
+                <a:ext cx="1090612" cy="342900"/>
+              </a:xfrm>
+              <a:prstGeom prst="rect">
+                <a:avLst/>
+              </a:prstGeom>
+              <a:solidFill>
+                <a:schemeClr val="bg1"/>
+              </a:solidFill>
+              <a:ln>
+                <a:solidFill>
+                  <a:schemeClr val="tx1">
+                    <a:lumMod val="50000"/>
+                    <a:lumOff val="50000"/>
+                  </a:schemeClr>
+                </a:solidFill>
+              </a:ln>
+            </p:spPr>
+            <p:style>
+              <a:lnRef idx="2">
+                <a:schemeClr val="accent1">
+                  <a:shade val="50000"/>
+                </a:schemeClr>
+              </a:lnRef>
+              <a:fillRef idx="1">
+                <a:schemeClr val="accent1"/>
+              </a:fillRef>
+              <a:effectRef idx="0">
+                <a:schemeClr val="accent1"/>
+              </a:effectRef>
+              <a:fontRef idx="minor">
+                <a:schemeClr val="lt1"/>
+              </a:fontRef>
+            </p:style>
+            <p:txBody>
+              <a:bodyPr rtlCol="0" anchor="ctr"/>
+              <a:lstStyle/>
+              <a:p>
+                <a:pPr algn="ctr"/>
+                <a:endParaRPr lang="ko-KR" altLang="en-US" dirty="0"/>
+              </a:p>
+            </p:txBody>
+          </p:sp>
+        </p:grpSp>
+      </p:grpSp>
       <p:sp>
         <p:nvSpPr>
-          <p:cNvPr id="2" name="직사각형 1">
+          <p:cNvPr id="27" name="TextBox 26">
             <a:extLst>
               <a:ext uri="{FF2B5EF4-FFF2-40B4-BE49-F238E27FC236}">
-                <a16:creationId xmlns:a16="http://schemas.microsoft.com/office/drawing/2014/main" id="{8CA8D216-28A7-42B8-B4CE-958E0D6751EC}"/>
+                <a16:creationId xmlns:a16="http://schemas.microsoft.com/office/drawing/2014/main" id="{FD77A38E-A682-4C80-8F5E-1559D641DC28}"/>
+              </a:ext>
+            </a:extLst>
+          </p:cNvPr>
+          <p:cNvSpPr txBox="1"/>
+          <p:nvPr/>
+        </p:nvSpPr>
+        <p:spPr>
+          <a:xfrm>
+            <a:off x="631368" y="2030285"/>
+            <a:ext cx="618452" cy="215444"/>
+          </a:xfrm>
+          <a:prstGeom prst="rect">
+            <a:avLst/>
+          </a:prstGeom>
+          <a:noFill/>
+        </p:spPr>
+        <p:txBody>
+          <a:bodyPr wrap="square" rtlCol="0">
+            <a:spAutoFit/>
+          </a:bodyPr>
+          <a:lstStyle/>
+          <a:p>
+            <a:r>
+              <a:rPr lang="en-US" altLang="ko-KR" sz="800" dirty="0"/>
+              <a:t>Section_4</a:t>
+            </a:r>
+            <a:endParaRPr lang="ko-KR" altLang="en-US" sz="800" dirty="0"/>
+          </a:p>
+        </p:txBody>
+      </p:sp>
+      <p:sp>
+        <p:nvSpPr>
+          <p:cNvPr id="78" name="직사각형 77">
+            <a:extLst>
+              <a:ext uri="{FF2B5EF4-FFF2-40B4-BE49-F238E27FC236}">
+                <a16:creationId xmlns:a16="http://schemas.microsoft.com/office/drawing/2014/main" id="{BD2D7587-7E8C-4AE8-8769-EA6D114711D8}"/>
               </a:ext>
             </a:extLst>
           </p:cNvPr>
@@ -19493,15 +22911,71 @@
         </p:nvSpPr>
         <p:spPr>
           <a:xfrm>
-            <a:off x="752475" y="2971800"/>
-            <a:ext cx="3124200" cy="1847850"/>
+            <a:off x="1359696" y="2682428"/>
+            <a:ext cx="495300" cy="76200"/>
           </a:xfrm>
           <a:prstGeom prst="rect">
             <a:avLst/>
           </a:prstGeom>
           <a:solidFill>
             <a:schemeClr val="bg1">
-              <a:lumMod val="85000"/>
+              <a:lumMod val="95000"/>
+            </a:schemeClr>
+          </a:solidFill>
+          <a:ln w="3175">
+            <a:solidFill>
+              <a:schemeClr val="tx1"/>
+            </a:solidFill>
+          </a:ln>
+        </p:spPr>
+        <p:style>
+          <a:lnRef idx="2">
+            <a:schemeClr val="accent1">
+              <a:shade val="50000"/>
+            </a:schemeClr>
+          </a:lnRef>
+          <a:fillRef idx="1">
+            <a:schemeClr val="accent1"/>
+          </a:fillRef>
+          <a:effectRef idx="0">
+            <a:schemeClr val="accent1"/>
+          </a:effectRef>
+          <a:fontRef idx="minor">
+            <a:schemeClr val="lt1"/>
+          </a:fontRef>
+        </p:style>
+        <p:txBody>
+          <a:bodyPr rtlCol="0" anchor="ctr"/>
+          <a:lstStyle/>
+          <a:p>
+            <a:pPr algn="ctr"/>
+            <a:endParaRPr lang="ko-KR" altLang="en-US"/>
+          </a:p>
+        </p:txBody>
+      </p:sp>
+      <p:sp>
+        <p:nvSpPr>
+          <p:cNvPr id="79" name="직사각형 78">
+            <a:extLst>
+              <a:ext uri="{FF2B5EF4-FFF2-40B4-BE49-F238E27FC236}">
+                <a16:creationId xmlns:a16="http://schemas.microsoft.com/office/drawing/2014/main" id="{143E8130-020B-4326-81F0-3F1FD98FAF92}"/>
+              </a:ext>
+            </a:extLst>
+          </p:cNvPr>
+          <p:cNvSpPr/>
+          <p:nvPr/>
+        </p:nvSpPr>
+        <p:spPr>
+          <a:xfrm>
+            <a:off x="2581274" y="2682428"/>
+            <a:ext cx="495300" cy="76200"/>
+          </a:xfrm>
+          <a:prstGeom prst="rect">
+            <a:avLst/>
+          </a:prstGeom>
+          <a:solidFill>
+            <a:schemeClr val="bg1">
+              <a:lumMod val="95000"/>
             </a:schemeClr>
           </a:solidFill>
           <a:ln w="3175">
@@ -19537,10 +23011,10 @@
       </p:sp>
       <p:grpSp>
         <p:nvGrpSpPr>
-          <p:cNvPr id="6" name="그룹 5">
+          <p:cNvPr id="89" name="그룹 88">
             <a:extLst>
               <a:ext uri="{FF2B5EF4-FFF2-40B4-BE49-F238E27FC236}">
-                <a16:creationId xmlns:a16="http://schemas.microsoft.com/office/drawing/2014/main" id="{406235AF-1B3C-4B31-80C6-9783D7BD8488}"/>
+                <a16:creationId xmlns:a16="http://schemas.microsoft.com/office/drawing/2014/main" id="{1AC16754-4156-44AA-81F6-8364E4BFAF30}"/>
               </a:ext>
             </a:extLst>
           </p:cNvPr>
@@ -19549,18 +23023,18 @@
         </p:nvGrpSpPr>
         <p:grpSpPr>
           <a:xfrm>
-            <a:off x="919163" y="3121024"/>
-            <a:ext cx="1300162" cy="193675"/>
-            <a:chOff x="4467225" y="2597150"/>
-            <a:chExt cx="809625" cy="127000"/>
+            <a:off x="4270806" y="2245729"/>
+            <a:ext cx="1514475" cy="2211971"/>
+            <a:chOff x="4322259" y="2780948"/>
+            <a:chExt cx="1514475" cy="2211971"/>
           </a:xfrm>
         </p:grpSpPr>
         <p:sp>
           <p:nvSpPr>
-            <p:cNvPr id="8" name="직사각형 7">
+            <p:cNvPr id="59" name="직사각형 58">
               <a:extLst>
                 <a:ext uri="{FF2B5EF4-FFF2-40B4-BE49-F238E27FC236}">
-                  <a16:creationId xmlns:a16="http://schemas.microsoft.com/office/drawing/2014/main" id="{C2D88D4A-310E-436D-BDAF-73D6DEC4A69D}"/>
+                  <a16:creationId xmlns:a16="http://schemas.microsoft.com/office/drawing/2014/main" id="{EEB12993-EB51-4230-AA1F-7C9437F32D22}"/>
                 </a:ext>
               </a:extLst>
             </p:cNvPr>
@@ -19569,18 +23043,20 @@
           </p:nvSpPr>
           <p:spPr>
             <a:xfrm>
-              <a:off x="4467225" y="2597150"/>
-              <a:ext cx="809625" cy="127000"/>
+              <a:off x="4322259" y="2780948"/>
+              <a:ext cx="1514475" cy="2211971"/>
             </a:xfrm>
             <a:prstGeom prst="rect">
               <a:avLst/>
             </a:prstGeom>
-            <a:noFill/>
+            <a:solidFill>
+              <a:schemeClr val="bg1">
+                <a:lumMod val="85000"/>
+              </a:schemeClr>
+            </a:solidFill>
             <a:ln w="3175">
               <a:solidFill>
-                <a:schemeClr val="bg1">
-                  <a:lumMod val="65000"/>
-                </a:schemeClr>
+                <a:schemeClr val="tx1"/>
               </a:solidFill>
             </a:ln>
           </p:spPr>
@@ -19609,91 +23085,540 @@
             </a:p>
           </p:txBody>
         </p:sp>
-        <p:cxnSp>
-          <p:nvCxnSpPr>
-            <p:cNvPr id="9" name="직선 연결선 8">
+        <p:grpSp>
+          <p:nvGrpSpPr>
+            <p:cNvPr id="68" name="그룹 67">
               <a:extLst>
                 <a:ext uri="{FF2B5EF4-FFF2-40B4-BE49-F238E27FC236}">
-                  <a16:creationId xmlns:a16="http://schemas.microsoft.com/office/drawing/2014/main" id="{B77FC0FF-25D4-4F81-8358-9F8DEC872F39}"/>
+                  <a16:creationId xmlns:a16="http://schemas.microsoft.com/office/drawing/2014/main" id="{1F1A6DD8-727E-4636-9E1C-468EF22B8FED}"/>
                 </a:ext>
               </a:extLst>
             </p:cNvPr>
-            <p:cNvCxnSpPr>
-              <a:cxnSpLocks/>
-            </p:cNvCxnSpPr>
+            <p:cNvGrpSpPr/>
             <p:nvPr/>
-          </p:nvCxnSpPr>
-          <p:spPr>
-            <a:xfrm flipV="1">
-              <a:off x="4467225" y="2597150"/>
-              <a:ext cx="809625" cy="127000"/>
+          </p:nvGrpSpPr>
+          <p:grpSpPr>
+            <a:xfrm>
+              <a:off x="4457700" y="2853158"/>
+              <a:ext cx="866775" cy="215444"/>
+              <a:chOff x="4457700" y="2138007"/>
+              <a:chExt cx="866775" cy="215444"/>
             </a:xfrm>
-            <a:prstGeom prst="line">
-              <a:avLst/>
-            </a:prstGeom>
-            <a:ln w="3175"/>
-          </p:spPr>
-          <p:style>
-            <a:lnRef idx="1">
-              <a:schemeClr val="accent3"/>
-            </a:lnRef>
-            <a:fillRef idx="0">
-              <a:schemeClr val="accent3"/>
-            </a:fillRef>
-            <a:effectRef idx="0">
-              <a:schemeClr val="accent3"/>
-            </a:effectRef>
-            <a:fontRef idx="minor">
-              <a:schemeClr val="tx1"/>
-            </a:fontRef>
-          </p:style>
-        </p:cxnSp>
-        <p:cxnSp>
-          <p:nvCxnSpPr>
-            <p:cNvPr id="10" name="직선 연결선 9">
+          </p:grpSpPr>
+          <p:sp>
+            <p:nvSpPr>
+              <p:cNvPr id="60" name="직사각형 59">
+                <a:extLst>
+                  <a:ext uri="{FF2B5EF4-FFF2-40B4-BE49-F238E27FC236}">
+                    <a16:creationId xmlns:a16="http://schemas.microsoft.com/office/drawing/2014/main" id="{D730C54E-5939-421B-AA76-425F2B01017B}"/>
+                  </a:ext>
+                </a:extLst>
+              </p:cNvPr>
+              <p:cNvSpPr/>
+              <p:nvPr/>
+            </p:nvSpPr>
+            <p:spPr>
+              <a:xfrm>
+                <a:off x="4457700" y="2138007"/>
+                <a:ext cx="866775" cy="215444"/>
+              </a:xfrm>
+              <a:prstGeom prst="rect">
+                <a:avLst/>
+              </a:prstGeom>
+              <a:noFill/>
+              <a:ln w="3175">
+                <a:solidFill>
+                  <a:schemeClr val="bg2">
+                    <a:lumMod val="75000"/>
+                  </a:schemeClr>
+                </a:solidFill>
+              </a:ln>
+            </p:spPr>
+            <p:style>
+              <a:lnRef idx="2">
+                <a:schemeClr val="accent1">
+                  <a:shade val="50000"/>
+                </a:schemeClr>
+              </a:lnRef>
+              <a:fillRef idx="1">
+                <a:schemeClr val="accent1"/>
+              </a:fillRef>
+              <a:effectRef idx="0">
+                <a:schemeClr val="accent1"/>
+              </a:effectRef>
+              <a:fontRef idx="minor">
+                <a:schemeClr val="lt1"/>
+              </a:fontRef>
+            </p:style>
+            <p:txBody>
+              <a:bodyPr rtlCol="0" anchor="ctr"/>
+              <a:lstStyle/>
+              <a:p>
+                <a:pPr algn="ctr"/>
+                <a:endParaRPr lang="ko-KR" altLang="en-US"/>
+              </a:p>
+            </p:txBody>
+          </p:sp>
+          <p:cxnSp>
+            <p:nvCxnSpPr>
+              <p:cNvPr id="62" name="직선 연결선 61">
+                <a:extLst>
+                  <a:ext uri="{FF2B5EF4-FFF2-40B4-BE49-F238E27FC236}">
+                    <a16:creationId xmlns:a16="http://schemas.microsoft.com/office/drawing/2014/main" id="{1D1A49F1-6838-4EF1-984D-4521F8D58E8D}"/>
+                  </a:ext>
+                </a:extLst>
+              </p:cNvPr>
+              <p:cNvCxnSpPr>
+                <a:cxnSpLocks/>
+              </p:cNvCxnSpPr>
+              <p:nvPr/>
+            </p:nvCxnSpPr>
+            <p:spPr>
+              <a:xfrm>
+                <a:off x="4457700" y="2138007"/>
+                <a:ext cx="866775" cy="215444"/>
+              </a:xfrm>
+              <a:prstGeom prst="line">
+                <a:avLst/>
+              </a:prstGeom>
+              <a:ln w="3175"/>
+            </p:spPr>
+            <p:style>
+              <a:lnRef idx="1">
+                <a:schemeClr val="accent3"/>
+              </a:lnRef>
+              <a:fillRef idx="0">
+                <a:schemeClr val="accent3"/>
+              </a:fillRef>
+              <a:effectRef idx="0">
+                <a:schemeClr val="accent3"/>
+              </a:effectRef>
+              <a:fontRef idx="minor">
+                <a:schemeClr val="tx1"/>
+              </a:fontRef>
+            </p:style>
+          </p:cxnSp>
+          <p:cxnSp>
+            <p:nvCxnSpPr>
+              <p:cNvPr id="66" name="직선 연결선 65">
+                <a:extLst>
+                  <a:ext uri="{FF2B5EF4-FFF2-40B4-BE49-F238E27FC236}">
+                    <a16:creationId xmlns:a16="http://schemas.microsoft.com/office/drawing/2014/main" id="{82C6C813-D0E4-4061-8119-5A785127FB1C}"/>
+                  </a:ext>
+                </a:extLst>
+              </p:cNvPr>
+              <p:cNvCxnSpPr>
+                <a:cxnSpLocks/>
+              </p:cNvCxnSpPr>
+              <p:nvPr/>
+            </p:nvCxnSpPr>
+            <p:spPr>
+              <a:xfrm flipV="1">
+                <a:off x="4457700" y="2138007"/>
+                <a:ext cx="866775" cy="215444"/>
+              </a:xfrm>
+              <a:prstGeom prst="line">
+                <a:avLst/>
+              </a:prstGeom>
+              <a:ln w="3175"/>
+            </p:spPr>
+            <p:style>
+              <a:lnRef idx="1">
+                <a:schemeClr val="accent3"/>
+              </a:lnRef>
+              <a:fillRef idx="0">
+                <a:schemeClr val="accent3"/>
+              </a:fillRef>
+              <a:effectRef idx="0">
+                <a:schemeClr val="accent3"/>
+              </a:effectRef>
+              <a:fontRef idx="minor">
+                <a:schemeClr val="tx1"/>
+              </a:fontRef>
+            </p:style>
+          </p:cxnSp>
+        </p:grpSp>
+        <p:sp>
+          <p:nvSpPr>
+            <p:cNvPr id="70" name="L 도형 69">
               <a:extLst>
                 <a:ext uri="{FF2B5EF4-FFF2-40B4-BE49-F238E27FC236}">
-                  <a16:creationId xmlns:a16="http://schemas.microsoft.com/office/drawing/2014/main" id="{C2F24FC0-4733-49EE-A192-2D27AE7BAC74}"/>
+                  <a16:creationId xmlns:a16="http://schemas.microsoft.com/office/drawing/2014/main" id="{3DCDD62D-2550-460D-B784-258D2A9D732A}"/>
                 </a:ext>
               </a:extLst>
             </p:cNvPr>
-            <p:cNvCxnSpPr>
-              <a:cxnSpLocks/>
-            </p:cNvCxnSpPr>
+            <p:cNvSpPr/>
             <p:nvPr/>
-          </p:nvCxnSpPr>
+          </p:nvSpPr>
+          <p:spPr>
+            <a:xfrm rot="2558813">
+              <a:off x="4396120" y="3862301"/>
+              <a:ext cx="123160" cy="119656"/>
+            </a:xfrm>
+            <a:prstGeom prst="corner">
+              <a:avLst>
+                <a:gd name="adj1" fmla="val 26357"/>
+                <a:gd name="adj2" fmla="val 26357"/>
+              </a:avLst>
+            </a:prstGeom>
+            <a:solidFill>
+              <a:schemeClr val="bg1">
+                <a:lumMod val="50000"/>
+              </a:schemeClr>
+            </a:solidFill>
+            <a:ln>
+              <a:noFill/>
+            </a:ln>
+          </p:spPr>
+          <p:style>
+            <a:lnRef idx="2">
+              <a:schemeClr val="accent1">
+                <a:shade val="50000"/>
+              </a:schemeClr>
+            </a:lnRef>
+            <a:fillRef idx="1">
+              <a:schemeClr val="accent1"/>
+            </a:fillRef>
+            <a:effectRef idx="0">
+              <a:schemeClr val="accent1"/>
+            </a:effectRef>
+            <a:fontRef idx="minor">
+              <a:schemeClr val="lt1"/>
+            </a:fontRef>
+          </p:style>
+          <p:txBody>
+            <a:bodyPr rtlCol="0" anchor="ctr"/>
+            <a:lstStyle/>
+            <a:p>
+              <a:pPr algn="ctr"/>
+              <a:endParaRPr lang="ko-KR" altLang="en-US"/>
+            </a:p>
+          </p:txBody>
+        </p:sp>
+        <p:sp>
+          <p:nvSpPr>
+            <p:cNvPr id="71" name="L 도형 70">
+              <a:extLst>
+                <a:ext uri="{FF2B5EF4-FFF2-40B4-BE49-F238E27FC236}">
+                  <a16:creationId xmlns:a16="http://schemas.microsoft.com/office/drawing/2014/main" id="{6A2E68E5-8A6E-4407-A2E8-70C8922D5C98}"/>
+                </a:ext>
+              </a:extLst>
+            </p:cNvPr>
+            <p:cNvSpPr/>
+            <p:nvPr/>
+          </p:nvSpPr>
+          <p:spPr>
+            <a:xfrm rot="13774675">
+              <a:off x="5638180" y="3862355"/>
+              <a:ext cx="123160" cy="119656"/>
+            </a:xfrm>
+            <a:prstGeom prst="corner">
+              <a:avLst>
+                <a:gd name="adj1" fmla="val 26357"/>
+                <a:gd name="adj2" fmla="val 26357"/>
+              </a:avLst>
+            </a:prstGeom>
+            <a:solidFill>
+              <a:schemeClr val="bg1">
+                <a:lumMod val="50000"/>
+              </a:schemeClr>
+            </a:solidFill>
+            <a:ln>
+              <a:noFill/>
+            </a:ln>
+          </p:spPr>
+          <p:style>
+            <a:lnRef idx="2">
+              <a:schemeClr val="accent1">
+                <a:shade val="50000"/>
+              </a:schemeClr>
+            </a:lnRef>
+            <a:fillRef idx="1">
+              <a:schemeClr val="accent1"/>
+            </a:fillRef>
+            <a:effectRef idx="0">
+              <a:schemeClr val="accent1"/>
+            </a:effectRef>
+            <a:fontRef idx="minor">
+              <a:schemeClr val="lt1"/>
+            </a:fontRef>
+          </p:style>
+          <p:txBody>
+            <a:bodyPr rtlCol="0" anchor="ctr"/>
+            <a:lstStyle/>
+            <a:p>
+              <a:pPr algn="ctr"/>
+              <a:endParaRPr lang="ko-KR" altLang="en-US"/>
+            </a:p>
+          </p:txBody>
+        </p:sp>
+        <p:grpSp>
+          <p:nvGrpSpPr>
+            <p:cNvPr id="77" name="그룹 76">
+              <a:extLst>
+                <a:ext uri="{FF2B5EF4-FFF2-40B4-BE49-F238E27FC236}">
+                  <a16:creationId xmlns:a16="http://schemas.microsoft.com/office/drawing/2014/main" id="{43942BDC-0CD9-4CC9-BD6E-4107E1B80764}"/>
+                </a:ext>
+              </a:extLst>
+            </p:cNvPr>
+            <p:cNvGrpSpPr/>
+            <p:nvPr/>
+          </p:nvGrpSpPr>
+          <p:grpSpPr>
+            <a:xfrm>
+              <a:off x="4520567" y="3501947"/>
+              <a:ext cx="1117858" cy="668911"/>
+              <a:chOff x="2049780" y="4699795"/>
+              <a:chExt cx="1066800" cy="466565"/>
+            </a:xfrm>
+          </p:grpSpPr>
+          <p:sp>
+            <p:nvSpPr>
+              <p:cNvPr id="72" name="직사각형 71">
+                <a:extLst>
+                  <a:ext uri="{FF2B5EF4-FFF2-40B4-BE49-F238E27FC236}">
+                    <a16:creationId xmlns:a16="http://schemas.microsoft.com/office/drawing/2014/main" id="{3651E3BD-CBED-447B-8BD3-9CDF6EF6B62B}"/>
+                  </a:ext>
+                </a:extLst>
+              </p:cNvPr>
+              <p:cNvSpPr/>
+              <p:nvPr/>
+            </p:nvSpPr>
+            <p:spPr>
+              <a:xfrm>
+                <a:off x="2049780" y="4699795"/>
+                <a:ext cx="1066800" cy="466565"/>
+              </a:xfrm>
+              <a:prstGeom prst="rect">
+                <a:avLst/>
+              </a:prstGeom>
+              <a:solidFill>
+                <a:schemeClr val="bg1"/>
+              </a:solidFill>
+              <a:ln w="19050">
+                <a:solidFill>
+                  <a:srgbClr val="D0CECE"/>
+                </a:solidFill>
+              </a:ln>
+            </p:spPr>
+            <p:style>
+              <a:lnRef idx="2">
+                <a:schemeClr val="accent1">
+                  <a:shade val="50000"/>
+                </a:schemeClr>
+              </a:lnRef>
+              <a:fillRef idx="1">
+                <a:schemeClr val="accent1"/>
+              </a:fillRef>
+              <a:effectRef idx="0">
+                <a:schemeClr val="accent1"/>
+              </a:effectRef>
+              <a:fontRef idx="minor">
+                <a:schemeClr val="lt1"/>
+              </a:fontRef>
+            </p:style>
+            <p:txBody>
+              <a:bodyPr rtlCol="0" anchor="ctr"/>
+              <a:lstStyle/>
+              <a:p>
+                <a:pPr algn="ctr"/>
+                <a:endParaRPr lang="ko-KR" altLang="en-US"/>
+              </a:p>
+            </p:txBody>
+          </p:sp>
+          <p:cxnSp>
+            <p:nvCxnSpPr>
+              <p:cNvPr id="74" name="직선 연결선 73">
+                <a:extLst>
+                  <a:ext uri="{FF2B5EF4-FFF2-40B4-BE49-F238E27FC236}">
+                    <a16:creationId xmlns:a16="http://schemas.microsoft.com/office/drawing/2014/main" id="{D724F392-2103-4171-A5BA-2AB1E85AC2EE}"/>
+                  </a:ext>
+                </a:extLst>
+              </p:cNvPr>
+              <p:cNvCxnSpPr/>
+              <p:nvPr/>
+            </p:nvCxnSpPr>
+            <p:spPr>
+              <a:xfrm>
+                <a:off x="2049780" y="4699795"/>
+                <a:ext cx="1066800" cy="466565"/>
+              </a:xfrm>
+              <a:prstGeom prst="line">
+                <a:avLst/>
+              </a:prstGeom>
+            </p:spPr>
+            <p:style>
+              <a:lnRef idx="1">
+                <a:schemeClr val="accent3"/>
+              </a:lnRef>
+              <a:fillRef idx="0">
+                <a:schemeClr val="accent3"/>
+              </a:fillRef>
+              <a:effectRef idx="0">
+                <a:schemeClr val="accent3"/>
+              </a:effectRef>
+              <a:fontRef idx="minor">
+                <a:schemeClr val="tx1"/>
+              </a:fontRef>
+            </p:style>
+          </p:cxnSp>
+          <p:cxnSp>
+            <p:nvCxnSpPr>
+              <p:cNvPr id="76" name="직선 연결선 75">
+                <a:extLst>
+                  <a:ext uri="{FF2B5EF4-FFF2-40B4-BE49-F238E27FC236}">
+                    <a16:creationId xmlns:a16="http://schemas.microsoft.com/office/drawing/2014/main" id="{854131E5-B7AE-4AB4-972E-2EE452565A54}"/>
+                  </a:ext>
+                </a:extLst>
+              </p:cNvPr>
+              <p:cNvCxnSpPr/>
+              <p:nvPr/>
+            </p:nvCxnSpPr>
+            <p:spPr>
+              <a:xfrm flipV="1">
+                <a:off x="2049780" y="4699795"/>
+                <a:ext cx="1066800" cy="466565"/>
+              </a:xfrm>
+              <a:prstGeom prst="line">
+                <a:avLst/>
+              </a:prstGeom>
+            </p:spPr>
+            <p:style>
+              <a:lnRef idx="1">
+                <a:schemeClr val="accent3"/>
+              </a:lnRef>
+              <a:fillRef idx="0">
+                <a:schemeClr val="accent3"/>
+              </a:fillRef>
+              <a:effectRef idx="0">
+                <a:schemeClr val="accent3"/>
+              </a:effectRef>
+              <a:fontRef idx="minor">
+                <a:schemeClr val="tx1"/>
+              </a:fontRef>
+            </p:style>
+          </p:cxnSp>
+        </p:grpSp>
+        <p:sp>
+          <p:nvSpPr>
+            <p:cNvPr id="80" name="직사각형 79">
+              <a:extLst>
+                <a:ext uri="{FF2B5EF4-FFF2-40B4-BE49-F238E27FC236}">
+                  <a16:creationId xmlns:a16="http://schemas.microsoft.com/office/drawing/2014/main" id="{EB191C12-E07D-4BA1-A88B-DD470D122AB8}"/>
+                </a:ext>
+              </a:extLst>
+            </p:cNvPr>
+            <p:cNvSpPr/>
+            <p:nvPr/>
+          </p:nvSpPr>
           <p:spPr>
             <a:xfrm>
-              <a:off x="4467225" y="2597150"/>
-              <a:ext cx="809625" cy="127000"/>
+              <a:off x="4831846" y="3323423"/>
+              <a:ext cx="495300" cy="76200"/>
             </a:xfrm>
-            <a:prstGeom prst="line">
+            <a:prstGeom prst="rect">
               <a:avLst/>
             </a:prstGeom>
-            <a:ln w="3175"/>
+            <a:solidFill>
+              <a:schemeClr val="bg1">
+                <a:lumMod val="95000"/>
+              </a:schemeClr>
+            </a:solidFill>
+            <a:ln w="3175">
+              <a:solidFill>
+                <a:schemeClr val="tx1"/>
+              </a:solidFill>
+            </a:ln>
           </p:spPr>
           <p:style>
-            <a:lnRef idx="1">
-              <a:schemeClr val="accent3"/>
+            <a:lnRef idx="2">
+              <a:schemeClr val="accent1">
+                <a:shade val="50000"/>
+              </a:schemeClr>
             </a:lnRef>
-            <a:fillRef idx="0">
-              <a:schemeClr val="accent3"/>
+            <a:fillRef idx="1">
+              <a:schemeClr val="accent1"/>
             </a:fillRef>
             <a:effectRef idx="0">
-              <a:schemeClr val="accent3"/>
+              <a:schemeClr val="accent1"/>
             </a:effectRef>
             <a:fontRef idx="minor">
-              <a:schemeClr val="tx1"/>
+              <a:schemeClr val="lt1"/>
             </a:fontRef>
           </p:style>
-        </p:cxnSp>
+          <p:txBody>
+            <a:bodyPr rtlCol="0" anchor="ctr"/>
+            <a:lstStyle/>
+            <a:p>
+              <a:pPr algn="ctr"/>
+              <a:endParaRPr lang="ko-KR" altLang="en-US"/>
+            </a:p>
+          </p:txBody>
+        </p:sp>
+        <p:sp>
+          <p:nvSpPr>
+            <p:cNvPr id="81" name="직사각형 80">
+              <a:extLst>
+                <a:ext uri="{FF2B5EF4-FFF2-40B4-BE49-F238E27FC236}">
+                  <a16:creationId xmlns:a16="http://schemas.microsoft.com/office/drawing/2014/main" id="{40B517E7-665A-4A62-BD34-BFF6F6B120DC}"/>
+                </a:ext>
+              </a:extLst>
+            </p:cNvPr>
+            <p:cNvSpPr/>
+            <p:nvPr/>
+          </p:nvSpPr>
+          <p:spPr>
+            <a:xfrm>
+              <a:off x="4547813" y="4283628"/>
+              <a:ext cx="1090612" cy="342900"/>
+            </a:xfrm>
+            <a:prstGeom prst="rect">
+              <a:avLst/>
+            </a:prstGeom>
+            <a:solidFill>
+              <a:schemeClr val="bg1"/>
+            </a:solidFill>
+            <a:ln>
+              <a:solidFill>
+                <a:schemeClr val="tx1">
+                  <a:lumMod val="50000"/>
+                  <a:lumOff val="50000"/>
+                </a:schemeClr>
+              </a:solidFill>
+            </a:ln>
+          </p:spPr>
+          <p:style>
+            <a:lnRef idx="2">
+              <a:schemeClr val="accent1">
+                <a:shade val="50000"/>
+              </a:schemeClr>
+            </a:lnRef>
+            <a:fillRef idx="1">
+              <a:schemeClr val="accent1"/>
+            </a:fillRef>
+            <a:effectRef idx="0">
+              <a:schemeClr val="accent1"/>
+            </a:effectRef>
+            <a:fontRef idx="minor">
+              <a:schemeClr val="lt1"/>
+            </a:fontRef>
+          </p:style>
+          <p:txBody>
+            <a:bodyPr rtlCol="0" anchor="ctr"/>
+            <a:lstStyle/>
+            <a:p>
+              <a:pPr algn="ctr"/>
+              <a:endParaRPr lang="ko-KR" altLang="en-US" dirty="0"/>
+            </a:p>
+          </p:txBody>
+        </p:sp>
       </p:grpSp>
       <p:sp>
         <p:nvSpPr>
-          <p:cNvPr id="4" name="L 도형 3">
+          <p:cNvPr id="83" name="타원 82">
             <a:extLst>
               <a:ext uri="{FF2B5EF4-FFF2-40B4-BE49-F238E27FC236}">
-                <a16:creationId xmlns:a16="http://schemas.microsoft.com/office/drawing/2014/main" id="{42680EC4-1CD1-4AEB-A9B0-A3014767826C}"/>
+                <a16:creationId xmlns:a16="http://schemas.microsoft.com/office/drawing/2014/main" id="{3750F35B-9FA3-4C0E-9810-485AEE9DB236}"/>
               </a:ext>
             </a:extLst>
           </p:cNvPr>
@@ -19701,19 +23626,84 @@
           <p:nvPr/>
         </p:nvSpPr>
         <p:spPr>
-          <a:xfrm rot="2558813">
-            <a:off x="835819" y="3918864"/>
-            <a:ext cx="209550" cy="220677"/>
+          <a:xfrm>
+            <a:off x="884362" y="2734386"/>
+            <a:ext cx="264696" cy="259308"/>
           </a:xfrm>
-          <a:prstGeom prst="corner">
-            <a:avLst>
-              <a:gd name="adj1" fmla="val 26357"/>
-              <a:gd name="adj2" fmla="val 26357"/>
-            </a:avLst>
+          <a:prstGeom prst="ellipse">
+            <a:avLst/>
           </a:prstGeom>
           <a:solidFill>
-            <a:schemeClr val="bg1">
-              <a:lumMod val="50000"/>
+            <a:schemeClr val="accent5">
+              <a:lumMod val="40000"/>
+              <a:lumOff val="60000"/>
+            </a:schemeClr>
+          </a:solidFill>
+          <a:ln>
+            <a:noFill/>
+          </a:ln>
+        </p:spPr>
+        <p:style>
+          <a:lnRef idx="2">
+            <a:schemeClr val="accent1">
+              <a:shade val="50000"/>
+            </a:schemeClr>
+          </a:lnRef>
+          <a:fillRef idx="1">
+            <a:schemeClr val="accent1"/>
+          </a:fillRef>
+          <a:effectRef idx="0">
+            <a:schemeClr val="accent1"/>
+          </a:effectRef>
+          <a:fontRef idx="minor">
+            <a:schemeClr val="lt1"/>
+          </a:fontRef>
+        </p:style>
+        <p:txBody>
+          <a:bodyPr rtlCol="0" anchor="ctr"/>
+          <a:lstStyle/>
+          <a:p>
+            <a:pPr algn="ctr"/>
+            <a:r>
+              <a:rPr lang="en-US" altLang="ko-KR" dirty="0">
+                <a:solidFill>
+                  <a:sysClr val="windowText" lastClr="000000"/>
+                </a:solidFill>
+              </a:rPr>
+              <a:t>1</a:t>
+            </a:r>
+            <a:endParaRPr lang="ko-KR" altLang="en-US" dirty="0">
+              <a:solidFill>
+                <a:sysClr val="windowText" lastClr="000000"/>
+              </a:solidFill>
+            </a:endParaRPr>
+          </a:p>
+        </p:txBody>
+      </p:sp>
+      <p:sp>
+        <p:nvSpPr>
+          <p:cNvPr id="87" name="화살표: 오른쪽 86">
+            <a:extLst>
+              <a:ext uri="{FF2B5EF4-FFF2-40B4-BE49-F238E27FC236}">
+                <a16:creationId xmlns:a16="http://schemas.microsoft.com/office/drawing/2014/main" id="{15F87CD0-8E1C-4256-8423-1F66369FEBE7}"/>
+              </a:ext>
+            </a:extLst>
+          </p:cNvPr>
+          <p:cNvSpPr/>
+          <p:nvPr/>
+        </p:nvSpPr>
+        <p:spPr>
+          <a:xfrm>
+            <a:off x="1073793" y="3465101"/>
+            <a:ext cx="300125" cy="102734"/>
+          </a:xfrm>
+          <a:prstGeom prst="rightArrow">
+            <a:avLst/>
+          </a:prstGeom>
+          <a:solidFill>
+            <a:schemeClr val="accent1">
+              <a:lumMod val="60000"/>
+              <a:lumOff val="40000"/>
             </a:schemeClr>
           </a:solidFill>
           <a:ln>
@@ -19747,10 +23737,10 @@
       </p:sp>
       <p:sp>
         <p:nvSpPr>
-          <p:cNvPr id="11" name="L 도형 10">
+          <p:cNvPr id="84" name="타원 83">
             <a:extLst>
               <a:ext uri="{FF2B5EF4-FFF2-40B4-BE49-F238E27FC236}">
-                <a16:creationId xmlns:a16="http://schemas.microsoft.com/office/drawing/2014/main" id="{AC0B318A-B1AF-4E8C-AE0A-09618A69DF8B}"/>
+                <a16:creationId xmlns:a16="http://schemas.microsoft.com/office/drawing/2014/main" id="{C6B48BA2-0F73-473B-ADC1-C228043BEA28}"/>
               </a:ext>
             </a:extLst>
           </p:cNvPr>
@@ -19758,19 +23748,17 @@
           <p:nvPr/>
         </p:nvSpPr>
         <p:spPr>
-          <a:xfrm rot="13224928">
-            <a:off x="3487436" y="3899825"/>
-            <a:ext cx="209550" cy="220677"/>
+          <a:xfrm>
+            <a:off x="846818" y="3363917"/>
+            <a:ext cx="264696" cy="259308"/>
           </a:xfrm>
-          <a:prstGeom prst="corner">
-            <a:avLst>
-              <a:gd name="adj1" fmla="val 26357"/>
-              <a:gd name="adj2" fmla="val 26357"/>
-            </a:avLst>
+          <a:prstGeom prst="ellipse">
+            <a:avLst/>
           </a:prstGeom>
           <a:solidFill>
-            <a:schemeClr val="bg1">
-              <a:lumMod val="50000"/>
+            <a:schemeClr val="accent5">
+              <a:lumMod val="40000"/>
+              <a:lumOff val="60000"/>
             </a:schemeClr>
           </a:solidFill>
           <a:ln>
@@ -19798,16 +23786,56 @@
           <a:lstStyle/>
           <a:p>
             <a:pPr algn="ctr"/>
-            <a:endParaRPr lang="ko-KR" altLang="en-US"/>
+            <a:endParaRPr lang="ko-KR" altLang="en-US" dirty="0">
+              <a:solidFill>
+                <a:sysClr val="windowText" lastClr="000000"/>
+              </a:solidFill>
+            </a:endParaRPr>
           </a:p>
         </p:txBody>
       </p:sp>
       <p:sp>
         <p:nvSpPr>
-          <p:cNvPr id="12" name="직사각형 11">
+          <p:cNvPr id="85" name="TextBox 84">
             <a:extLst>
               <a:ext uri="{FF2B5EF4-FFF2-40B4-BE49-F238E27FC236}">
-                <a16:creationId xmlns:a16="http://schemas.microsoft.com/office/drawing/2014/main" id="{38E70898-1599-4CD6-805B-DEB4FF01F36F}"/>
+                <a16:creationId xmlns:a16="http://schemas.microsoft.com/office/drawing/2014/main" id="{D149B794-4680-4039-8240-C6F1820E2DE8}"/>
+              </a:ext>
+            </a:extLst>
+          </p:cNvPr>
+          <p:cNvSpPr txBox="1"/>
+          <p:nvPr/>
+        </p:nvSpPr>
+        <p:spPr>
+          <a:xfrm>
+            <a:off x="824824" y="3385849"/>
+            <a:ext cx="338554" cy="215444"/>
+          </a:xfrm>
+          <a:prstGeom prst="rect">
+            <a:avLst/>
+          </a:prstGeom>
+          <a:noFill/>
+        </p:spPr>
+        <p:txBody>
+          <a:bodyPr wrap="none" rtlCol="0">
+            <a:spAutoFit/>
+          </a:bodyPr>
+          <a:lstStyle/>
+          <a:p>
+            <a:r>
+              <a:rPr lang="en-US" altLang="ko-KR" sz="800" dirty="0"/>
+              <a:t>1-1</a:t>
+            </a:r>
+            <a:endParaRPr lang="ko-KR" altLang="en-US" sz="800" dirty="0"/>
+          </a:p>
+        </p:txBody>
+      </p:sp>
+      <p:sp>
+        <p:nvSpPr>
+          <p:cNvPr id="88" name="타원 87">
+            <a:extLst>
+              <a:ext uri="{FF2B5EF4-FFF2-40B4-BE49-F238E27FC236}">
+                <a16:creationId xmlns:a16="http://schemas.microsoft.com/office/drawing/2014/main" id="{C5AE9A2F-7A1F-4A53-BD90-3129E59325AB}"/>
               </a:ext>
             </a:extLst>
           </p:cNvPr>
@@ -19816,22 +23844,20 @@
         </p:nvSpPr>
         <p:spPr>
           <a:xfrm>
-            <a:off x="1128713" y="4305301"/>
-            <a:ext cx="1090612" cy="342900"/>
+            <a:off x="5380791" y="2696405"/>
+            <a:ext cx="299391" cy="281591"/>
           </a:xfrm>
-          <a:prstGeom prst="rect">
+          <a:prstGeom prst="ellipse">
             <a:avLst/>
           </a:prstGeom>
           <a:solidFill>
-            <a:schemeClr val="bg1"/>
+            <a:schemeClr val="accent2">
+              <a:lumMod val="40000"/>
+              <a:lumOff val="60000"/>
+            </a:schemeClr>
           </a:solidFill>
           <a:ln>
-            <a:solidFill>
-              <a:schemeClr val="tx1">
-                <a:lumMod val="50000"/>
-                <a:lumOff val="50000"/>
-              </a:schemeClr>
-            </a:solidFill>
+            <a:noFill/>
           </a:ln>
         </p:spPr>
         <p:style>
@@ -19855,403 +23881,28 @@
           <a:lstStyle/>
           <a:p>
             <a:pPr algn="ctr"/>
-            <a:endParaRPr lang="ko-KR" altLang="en-US"/>
-          </a:p>
-        </p:txBody>
-      </p:sp>
-      <p:grpSp>
-        <p:nvGrpSpPr>
-          <p:cNvPr id="21" name="그룹 20">
-            <a:extLst>
-              <a:ext uri="{FF2B5EF4-FFF2-40B4-BE49-F238E27FC236}">
-                <a16:creationId xmlns:a16="http://schemas.microsoft.com/office/drawing/2014/main" id="{9E64281F-5D38-4C69-9214-2E8403E47C9E}"/>
-              </a:ext>
-            </a:extLst>
-          </p:cNvPr>
-          <p:cNvGrpSpPr/>
-          <p:nvPr/>
-        </p:nvGrpSpPr>
-        <p:grpSpPr>
-          <a:xfrm>
-            <a:off x="1128713" y="3562350"/>
-            <a:ext cx="1090612" cy="599750"/>
-            <a:chOff x="1128713" y="3562350"/>
-            <a:chExt cx="1090612" cy="599750"/>
-          </a:xfrm>
-        </p:grpSpPr>
-        <p:sp>
-          <p:nvSpPr>
-            <p:cNvPr id="3" name="직사각형 2">
-              <a:extLst>
-                <a:ext uri="{FF2B5EF4-FFF2-40B4-BE49-F238E27FC236}">
-                  <a16:creationId xmlns:a16="http://schemas.microsoft.com/office/drawing/2014/main" id="{1D629FD9-5BC9-4D30-A13B-5DDC5A24B72F}"/>
-                </a:ext>
-              </a:extLst>
-            </p:cNvPr>
-            <p:cNvSpPr/>
-            <p:nvPr/>
-          </p:nvSpPr>
-          <p:spPr>
-            <a:xfrm>
-              <a:off x="1128713" y="3562350"/>
-              <a:ext cx="1090612" cy="590550"/>
-            </a:xfrm>
-            <a:prstGeom prst="rect">
-              <a:avLst/>
-            </a:prstGeom>
-            <a:solidFill>
-              <a:schemeClr val="bg1"/>
-            </a:solidFill>
-            <a:ln>
+            <a:r>
+              <a:rPr lang="en-US" altLang="ko-KR" dirty="0">
+                <a:solidFill>
+                  <a:sysClr val="windowText" lastClr="000000"/>
+                </a:solidFill>
+              </a:rPr>
+              <a:t>1</a:t>
+            </a:r>
+            <a:endParaRPr lang="ko-KR" altLang="en-US" dirty="0">
               <a:solidFill>
-                <a:schemeClr val="bg1">
-                  <a:lumMod val="75000"/>
-                </a:schemeClr>
+                <a:sysClr val="windowText" lastClr="000000"/>
               </a:solidFill>
-            </a:ln>
-          </p:spPr>
-          <p:style>
-            <a:lnRef idx="2">
-              <a:schemeClr val="accent1">
-                <a:shade val="50000"/>
-              </a:schemeClr>
-            </a:lnRef>
-            <a:fillRef idx="1">
-              <a:schemeClr val="accent1"/>
-            </a:fillRef>
-            <a:effectRef idx="0">
-              <a:schemeClr val="accent1"/>
-            </a:effectRef>
-            <a:fontRef idx="minor">
-              <a:schemeClr val="lt1"/>
-            </a:fontRef>
-          </p:style>
-          <p:txBody>
-            <a:bodyPr rtlCol="0" anchor="ctr"/>
-            <a:lstStyle/>
-            <a:p>
-              <a:pPr algn="ctr"/>
-              <a:endParaRPr lang="ko-KR" altLang="en-US"/>
-            </a:p>
-          </p:txBody>
-        </p:sp>
-        <p:cxnSp>
-          <p:nvCxnSpPr>
-            <p:cNvPr id="14" name="직선 연결선 13">
-              <a:extLst>
-                <a:ext uri="{FF2B5EF4-FFF2-40B4-BE49-F238E27FC236}">
-                  <a16:creationId xmlns:a16="http://schemas.microsoft.com/office/drawing/2014/main" id="{3011E635-5CF9-4E48-8F2F-9F0E97701B93}"/>
-                </a:ext>
-              </a:extLst>
-            </p:cNvPr>
-            <p:cNvCxnSpPr>
-              <a:cxnSpLocks/>
-            </p:cNvCxnSpPr>
-            <p:nvPr/>
-          </p:nvCxnSpPr>
-          <p:spPr>
-            <a:xfrm>
-              <a:off x="1128713" y="3562350"/>
-              <a:ext cx="1090612" cy="599750"/>
-            </a:xfrm>
-            <a:prstGeom prst="line">
-              <a:avLst/>
-            </a:prstGeom>
-            <a:ln w="3175">
-              <a:solidFill>
-                <a:schemeClr val="bg1">
-                  <a:lumMod val="75000"/>
-                </a:schemeClr>
-              </a:solidFill>
-            </a:ln>
-          </p:spPr>
-          <p:style>
-            <a:lnRef idx="1">
-              <a:schemeClr val="accent3"/>
-            </a:lnRef>
-            <a:fillRef idx="0">
-              <a:schemeClr val="accent3"/>
-            </a:fillRef>
-            <a:effectRef idx="0">
-              <a:schemeClr val="accent3"/>
-            </a:effectRef>
-            <a:fontRef idx="minor">
-              <a:schemeClr val="tx1"/>
-            </a:fontRef>
-          </p:style>
-        </p:cxnSp>
-        <p:cxnSp>
-          <p:nvCxnSpPr>
-            <p:cNvPr id="17" name="직선 연결선 16">
-              <a:extLst>
-                <a:ext uri="{FF2B5EF4-FFF2-40B4-BE49-F238E27FC236}">
-                  <a16:creationId xmlns:a16="http://schemas.microsoft.com/office/drawing/2014/main" id="{2047E647-6CBD-4C67-8816-FE78B2383742}"/>
-                </a:ext>
-              </a:extLst>
-            </p:cNvPr>
-            <p:cNvCxnSpPr/>
-            <p:nvPr/>
-          </p:nvCxnSpPr>
-          <p:spPr>
-            <a:xfrm flipV="1">
-              <a:off x="1128713" y="3562350"/>
-              <a:ext cx="1090612" cy="571502"/>
-            </a:xfrm>
-            <a:prstGeom prst="line">
-              <a:avLst/>
-            </a:prstGeom>
-            <a:ln w="3175">
-              <a:solidFill>
-                <a:schemeClr val="bg1">
-                  <a:lumMod val="75000"/>
-                </a:schemeClr>
-              </a:solidFill>
-            </a:ln>
-          </p:spPr>
-          <p:style>
-            <a:lnRef idx="1">
-              <a:schemeClr val="accent3"/>
-            </a:lnRef>
-            <a:fillRef idx="0">
-              <a:schemeClr val="accent3"/>
-            </a:fillRef>
-            <a:effectRef idx="0">
-              <a:schemeClr val="accent3"/>
-            </a:effectRef>
-            <a:fontRef idx="minor">
-              <a:schemeClr val="tx1"/>
-            </a:fontRef>
-          </p:style>
-        </p:cxnSp>
-      </p:grpSp>
-      <p:grpSp>
-        <p:nvGrpSpPr>
-          <p:cNvPr id="22" name="그룹 21">
-            <a:extLst>
-              <a:ext uri="{FF2B5EF4-FFF2-40B4-BE49-F238E27FC236}">
-                <a16:creationId xmlns:a16="http://schemas.microsoft.com/office/drawing/2014/main" id="{BF25177F-2872-4A1E-B7BA-DD7E202B5A1F}"/>
-              </a:ext>
-            </a:extLst>
-          </p:cNvPr>
-          <p:cNvGrpSpPr/>
-          <p:nvPr/>
-        </p:nvGrpSpPr>
-        <p:grpSpPr>
-          <a:xfrm>
-            <a:off x="2350291" y="3562350"/>
-            <a:ext cx="1090612" cy="599750"/>
-            <a:chOff x="1128713" y="3562350"/>
-            <a:chExt cx="1090612" cy="599750"/>
-          </a:xfrm>
-        </p:grpSpPr>
-        <p:sp>
-          <p:nvSpPr>
-            <p:cNvPr id="23" name="직사각형 22">
-              <a:extLst>
-                <a:ext uri="{FF2B5EF4-FFF2-40B4-BE49-F238E27FC236}">
-                  <a16:creationId xmlns:a16="http://schemas.microsoft.com/office/drawing/2014/main" id="{0BF40CF9-0679-4C80-9FF2-5BF88AD78EA1}"/>
-                </a:ext>
-              </a:extLst>
-            </p:cNvPr>
-            <p:cNvSpPr/>
-            <p:nvPr/>
-          </p:nvSpPr>
-          <p:spPr>
-            <a:xfrm>
-              <a:off x="1128713" y="3562350"/>
-              <a:ext cx="1090612" cy="590550"/>
-            </a:xfrm>
-            <a:prstGeom prst="rect">
-              <a:avLst/>
-            </a:prstGeom>
-            <a:solidFill>
-              <a:schemeClr val="bg1"/>
-            </a:solidFill>
-            <a:ln>
-              <a:solidFill>
-                <a:schemeClr val="bg1">
-                  <a:lumMod val="75000"/>
-                </a:schemeClr>
-              </a:solidFill>
-            </a:ln>
-          </p:spPr>
-          <p:style>
-            <a:lnRef idx="2">
-              <a:schemeClr val="accent1">
-                <a:shade val="50000"/>
-              </a:schemeClr>
-            </a:lnRef>
-            <a:fillRef idx="1">
-              <a:schemeClr val="accent1"/>
-            </a:fillRef>
-            <a:effectRef idx="0">
-              <a:schemeClr val="accent1"/>
-            </a:effectRef>
-            <a:fontRef idx="minor">
-              <a:schemeClr val="lt1"/>
-            </a:fontRef>
-          </p:style>
-          <p:txBody>
-            <a:bodyPr rtlCol="0" anchor="ctr"/>
-            <a:lstStyle/>
-            <a:p>
-              <a:pPr algn="ctr"/>
-              <a:endParaRPr lang="ko-KR" altLang="en-US"/>
-            </a:p>
-          </p:txBody>
-        </p:sp>
-        <p:cxnSp>
-          <p:nvCxnSpPr>
-            <p:cNvPr id="24" name="직선 연결선 23">
-              <a:extLst>
-                <a:ext uri="{FF2B5EF4-FFF2-40B4-BE49-F238E27FC236}">
-                  <a16:creationId xmlns:a16="http://schemas.microsoft.com/office/drawing/2014/main" id="{E03F75B9-7584-43D5-A754-9F8642F33C50}"/>
-                </a:ext>
-              </a:extLst>
-            </p:cNvPr>
-            <p:cNvCxnSpPr>
-              <a:cxnSpLocks/>
-            </p:cNvCxnSpPr>
-            <p:nvPr/>
-          </p:nvCxnSpPr>
-          <p:spPr>
-            <a:xfrm>
-              <a:off x="1128713" y="3562350"/>
-              <a:ext cx="1090612" cy="599750"/>
-            </a:xfrm>
-            <a:prstGeom prst="line">
-              <a:avLst/>
-            </a:prstGeom>
-            <a:ln w="3175">
-              <a:solidFill>
-                <a:schemeClr val="bg1">
-                  <a:lumMod val="75000"/>
-                </a:schemeClr>
-              </a:solidFill>
-            </a:ln>
-          </p:spPr>
-          <p:style>
-            <a:lnRef idx="1">
-              <a:schemeClr val="accent3"/>
-            </a:lnRef>
-            <a:fillRef idx="0">
-              <a:schemeClr val="accent3"/>
-            </a:fillRef>
-            <a:effectRef idx="0">
-              <a:schemeClr val="accent3"/>
-            </a:effectRef>
-            <a:fontRef idx="minor">
-              <a:schemeClr val="tx1"/>
-            </a:fontRef>
-          </p:style>
-        </p:cxnSp>
-        <p:cxnSp>
-          <p:nvCxnSpPr>
-            <p:cNvPr id="25" name="직선 연결선 24">
-              <a:extLst>
-                <a:ext uri="{FF2B5EF4-FFF2-40B4-BE49-F238E27FC236}">
-                  <a16:creationId xmlns:a16="http://schemas.microsoft.com/office/drawing/2014/main" id="{5C84BF64-E49B-408F-9D4F-95C1CD3BDC58}"/>
-                </a:ext>
-              </a:extLst>
-            </p:cNvPr>
-            <p:cNvCxnSpPr/>
-            <p:nvPr/>
-          </p:nvCxnSpPr>
-          <p:spPr>
-            <a:xfrm flipV="1">
-              <a:off x="1128713" y="3562350"/>
-              <a:ext cx="1090612" cy="571502"/>
-            </a:xfrm>
-            <a:prstGeom prst="line">
-              <a:avLst/>
-            </a:prstGeom>
-            <a:ln w="3175">
-              <a:solidFill>
-                <a:schemeClr val="bg1">
-                  <a:lumMod val="75000"/>
-                </a:schemeClr>
-              </a:solidFill>
-            </a:ln>
-          </p:spPr>
-          <p:style>
-            <a:lnRef idx="1">
-              <a:schemeClr val="accent3"/>
-            </a:lnRef>
-            <a:fillRef idx="0">
-              <a:schemeClr val="accent3"/>
-            </a:fillRef>
-            <a:effectRef idx="0">
-              <a:schemeClr val="accent3"/>
-            </a:effectRef>
-            <a:fontRef idx="minor">
-              <a:schemeClr val="tx1"/>
-            </a:fontRef>
-          </p:style>
-        </p:cxnSp>
-      </p:grpSp>
-      <p:sp>
-        <p:nvSpPr>
-          <p:cNvPr id="26" name="직사각형 25">
-            <a:extLst>
-              <a:ext uri="{FF2B5EF4-FFF2-40B4-BE49-F238E27FC236}">
-                <a16:creationId xmlns:a16="http://schemas.microsoft.com/office/drawing/2014/main" id="{0FFE3091-6BD7-4BEB-BA64-D4F64A935BA4}"/>
-              </a:ext>
-            </a:extLst>
-          </p:cNvPr>
-          <p:cNvSpPr/>
-          <p:nvPr/>
-        </p:nvSpPr>
-        <p:spPr>
-          <a:xfrm>
-            <a:off x="2350291" y="4305301"/>
-            <a:ext cx="1090612" cy="342900"/>
-          </a:xfrm>
-          <a:prstGeom prst="rect">
-            <a:avLst/>
-          </a:prstGeom>
-          <a:solidFill>
-            <a:schemeClr val="bg1"/>
-          </a:solidFill>
-          <a:ln>
-            <a:solidFill>
-              <a:schemeClr val="tx1">
-                <a:lumMod val="50000"/>
-                <a:lumOff val="50000"/>
-              </a:schemeClr>
-            </a:solidFill>
-          </a:ln>
-        </p:spPr>
-        <p:style>
-          <a:lnRef idx="2">
-            <a:schemeClr val="accent1">
-              <a:shade val="50000"/>
-            </a:schemeClr>
-          </a:lnRef>
-          <a:fillRef idx="1">
-            <a:schemeClr val="accent1"/>
-          </a:fillRef>
-          <a:effectRef idx="0">
-            <a:schemeClr val="accent1"/>
-          </a:effectRef>
-          <a:fontRef idx="minor">
-            <a:schemeClr val="lt1"/>
-          </a:fontRef>
-        </p:style>
-        <p:txBody>
-          <a:bodyPr rtlCol="0" anchor="ctr"/>
-          <a:lstStyle/>
-          <a:p>
-            <a:pPr algn="ctr"/>
-            <a:endParaRPr lang="ko-KR" altLang="en-US"/>
+            </a:endParaRPr>
           </a:p>
         </p:txBody>
       </p:sp>
       <p:sp>
         <p:nvSpPr>
-          <p:cNvPr id="27" name="TextBox 26">
+          <p:cNvPr id="90" name="TextBox 89">
             <a:extLst>
               <a:ext uri="{FF2B5EF4-FFF2-40B4-BE49-F238E27FC236}">
-                <a16:creationId xmlns:a16="http://schemas.microsoft.com/office/drawing/2014/main" id="{FD77A38E-A682-4C80-8F5E-1559D641DC28}"/>
+                <a16:creationId xmlns:a16="http://schemas.microsoft.com/office/drawing/2014/main" id="{CFE39235-0C59-4283-9F0C-A7B34609CAFE}"/>
               </a:ext>
             </a:extLst>
           </p:cNvPr>
@@ -20260,7 +23911,7 @@
         </p:nvSpPr>
         <p:spPr>
           <a:xfrm>
-            <a:off x="685802" y="2768569"/>
+            <a:off x="4182848" y="2059771"/>
             <a:ext cx="618452" cy="215444"/>
           </a:xfrm>
           <a:prstGeom prst="rect">

--- a/독도 UI정의서.pptx
+++ b/독도 UI정의서.pptx
@@ -202,7 +202,7 @@
           <a:p>
             <a:fld id="{1E43C88F-212A-47B2-8391-7C6311A463C9}" type="datetimeFigureOut">
               <a:rPr lang="ko-KR" altLang="en-US" smtClean="0"/>
-              <a:t>2022-07-08</a:t>
+              <a:t>2022-07-11</a:t>
             </a:fld>
             <a:endParaRPr lang="ko-KR" altLang="en-US"/>
           </a:p>
@@ -616,7 +616,7 @@
           <a:p>
             <a:fld id="{93B582F9-10AC-4CF7-BBBC-3C69A5BF8B53}" type="datetimeFigureOut">
               <a:rPr lang="ko-KR" altLang="en-US" smtClean="0"/>
-              <a:t>2022-07-08</a:t>
+              <a:t>2022-07-11</a:t>
             </a:fld>
             <a:endParaRPr lang="ko-KR" altLang="en-US"/>
           </a:p>
@@ -814,7 +814,7 @@
           <a:p>
             <a:fld id="{93B582F9-10AC-4CF7-BBBC-3C69A5BF8B53}" type="datetimeFigureOut">
               <a:rPr lang="ko-KR" altLang="en-US" smtClean="0"/>
-              <a:t>2022-07-08</a:t>
+              <a:t>2022-07-11</a:t>
             </a:fld>
             <a:endParaRPr lang="ko-KR" altLang="en-US"/>
           </a:p>
@@ -1022,7 +1022,7 @@
           <a:p>
             <a:fld id="{93B582F9-10AC-4CF7-BBBC-3C69A5BF8B53}" type="datetimeFigureOut">
               <a:rPr lang="ko-KR" altLang="en-US" smtClean="0"/>
-              <a:t>2022-07-08</a:t>
+              <a:t>2022-07-11</a:t>
             </a:fld>
             <a:endParaRPr lang="ko-KR" altLang="en-US"/>
           </a:p>
@@ -1220,7 +1220,7 @@
           <a:p>
             <a:fld id="{93B582F9-10AC-4CF7-BBBC-3C69A5BF8B53}" type="datetimeFigureOut">
               <a:rPr lang="ko-KR" altLang="en-US" smtClean="0"/>
-              <a:t>2022-07-08</a:t>
+              <a:t>2022-07-11</a:t>
             </a:fld>
             <a:endParaRPr lang="ko-KR" altLang="en-US"/>
           </a:p>
@@ -1495,7 +1495,7 @@
           <a:p>
             <a:fld id="{93B582F9-10AC-4CF7-BBBC-3C69A5BF8B53}" type="datetimeFigureOut">
               <a:rPr lang="ko-KR" altLang="en-US" smtClean="0"/>
-              <a:t>2022-07-08</a:t>
+              <a:t>2022-07-11</a:t>
             </a:fld>
             <a:endParaRPr lang="ko-KR" altLang="en-US"/>
           </a:p>
@@ -1760,7 +1760,7 @@
           <a:p>
             <a:fld id="{93B582F9-10AC-4CF7-BBBC-3C69A5BF8B53}" type="datetimeFigureOut">
               <a:rPr lang="ko-KR" altLang="en-US" smtClean="0"/>
-              <a:t>2022-07-08</a:t>
+              <a:t>2022-07-11</a:t>
             </a:fld>
             <a:endParaRPr lang="ko-KR" altLang="en-US"/>
           </a:p>
@@ -2172,7 +2172,7 @@
           <a:p>
             <a:fld id="{93B582F9-10AC-4CF7-BBBC-3C69A5BF8B53}" type="datetimeFigureOut">
               <a:rPr lang="ko-KR" altLang="en-US" smtClean="0"/>
-              <a:t>2022-07-08</a:t>
+              <a:t>2022-07-11</a:t>
             </a:fld>
             <a:endParaRPr lang="ko-KR" altLang="en-US"/>
           </a:p>
@@ -2313,7 +2313,7 @@
           <a:p>
             <a:fld id="{93B582F9-10AC-4CF7-BBBC-3C69A5BF8B53}" type="datetimeFigureOut">
               <a:rPr lang="ko-KR" altLang="en-US" smtClean="0"/>
-              <a:t>2022-07-08</a:t>
+              <a:t>2022-07-11</a:t>
             </a:fld>
             <a:endParaRPr lang="ko-KR" altLang="en-US"/>
           </a:p>
@@ -2426,7 +2426,7 @@
           <a:p>
             <a:fld id="{93B582F9-10AC-4CF7-BBBC-3C69A5BF8B53}" type="datetimeFigureOut">
               <a:rPr lang="ko-KR" altLang="en-US" smtClean="0"/>
-              <a:t>2022-07-08</a:t>
+              <a:t>2022-07-11</a:t>
             </a:fld>
             <a:endParaRPr lang="ko-KR" altLang="en-US"/>
           </a:p>
@@ -2737,7 +2737,7 @@
           <a:p>
             <a:fld id="{93B582F9-10AC-4CF7-BBBC-3C69A5BF8B53}" type="datetimeFigureOut">
               <a:rPr lang="ko-KR" altLang="en-US" smtClean="0"/>
-              <a:t>2022-07-08</a:t>
+              <a:t>2022-07-11</a:t>
             </a:fld>
             <a:endParaRPr lang="ko-KR" altLang="en-US"/>
           </a:p>
@@ -3025,7 +3025,7 @@
           <a:p>
             <a:fld id="{93B582F9-10AC-4CF7-BBBC-3C69A5BF8B53}" type="datetimeFigureOut">
               <a:rPr lang="ko-KR" altLang="en-US" smtClean="0"/>
-              <a:t>2022-07-08</a:t>
+              <a:t>2022-07-11</a:t>
             </a:fld>
             <a:endParaRPr lang="ko-KR" altLang="en-US"/>
           </a:p>
@@ -3266,7 +3266,7 @@
           <a:p>
             <a:fld id="{93B582F9-10AC-4CF7-BBBC-3C69A5BF8B53}" type="datetimeFigureOut">
               <a:rPr lang="ko-KR" altLang="en-US" smtClean="0"/>
-              <a:t>2022-07-08</a:t>
+              <a:t>2022-07-11</a:t>
             </a:fld>
             <a:endParaRPr lang="ko-KR" altLang="en-US"/>
           </a:p>
@@ -3736,7 +3736,7 @@
         </p:nvSpPr>
         <p:spPr>
           <a:xfrm>
-            <a:off x="3864429" y="4517571"/>
+            <a:off x="3993500" y="3853894"/>
             <a:ext cx="4204997" cy="369332"/>
           </a:xfrm>
           <a:prstGeom prst="rect">
@@ -3757,6 +3757,164 @@
           </a:p>
         </p:txBody>
       </p:sp>
+      <p:graphicFrame>
+        <p:nvGraphicFramePr>
+          <p:cNvPr id="4" name="표 4">
+            <a:extLst>
+              <a:ext uri="{FF2B5EF4-FFF2-40B4-BE49-F238E27FC236}">
+                <a16:creationId xmlns:a16="http://schemas.microsoft.com/office/drawing/2014/main" id="{9C65E542-EC56-48AE-80CE-EED5602250CE}"/>
+              </a:ext>
+            </a:extLst>
+          </p:cNvPr>
+          <p:cNvGraphicFramePr>
+            <a:graphicFrameLocks noGrp="1"/>
+          </p:cNvGraphicFramePr>
+          <p:nvPr>
+            <p:extLst>
+              <p:ext uri="{D42A27DB-BD31-4B8C-83A1-F6EECF244321}">
+                <p14:modId xmlns:p14="http://schemas.microsoft.com/office/powerpoint/2010/main" val="2275215302"/>
+              </p:ext>
+            </p:extLst>
+          </p:nvPr>
+        </p:nvGraphicFramePr>
+        <p:xfrm>
+          <a:off x="4064000" y="4800600"/>
+          <a:ext cx="4064000" cy="921774"/>
+        </p:xfrm>
+        <a:graphic>
+          <a:graphicData uri="http://schemas.openxmlformats.org/drawingml/2006/table">
+            <a:tbl>
+              <a:tblPr firstRow="1" bandRow="1">
+                <a:tableStyleId>{5940675A-B579-460E-94D1-54222C63F5DA}</a:tableStyleId>
+              </a:tblPr>
+              <a:tblGrid>
+                <a:gridCol w="2032000">
+                  <a:extLst>
+                    <a:ext uri="{9D8B030D-6E8A-4147-A177-3AD203B41FA5}">
+                      <a16:colId xmlns:a16="http://schemas.microsoft.com/office/drawing/2014/main" val="2923925875"/>
+                    </a:ext>
+                  </a:extLst>
+                </a:gridCol>
+                <a:gridCol w="2032000">
+                  <a:extLst>
+                    <a:ext uri="{9D8B030D-6E8A-4147-A177-3AD203B41FA5}">
+                      <a16:colId xmlns:a16="http://schemas.microsoft.com/office/drawing/2014/main" val="4078883547"/>
+                    </a:ext>
+                  </a:extLst>
+                </a:gridCol>
+              </a:tblGrid>
+              <a:tr h="307258">
+                <a:tc>
+                  <a:txBody>
+                    <a:bodyPr/>
+                    <a:lstStyle/>
+                    <a:p>
+                      <a:pPr algn="ctr" latinLnBrk="1"/>
+                      <a:r>
+                        <a:rPr lang="ko-KR" altLang="en-US" sz="1000" dirty="0"/>
+                        <a:t>최초작성일</a:t>
+                      </a:r>
+                    </a:p>
+                  </a:txBody>
+                  <a:tcPr/>
+                </a:tc>
+                <a:tc>
+                  <a:txBody>
+                    <a:bodyPr/>
+                    <a:lstStyle/>
+                    <a:p>
+                      <a:pPr algn="ctr" latinLnBrk="1"/>
+                      <a:r>
+                        <a:rPr lang="en-US" altLang="ko-KR" sz="1000" dirty="0"/>
+                        <a:t>2022.07.06</a:t>
+                      </a:r>
+                      <a:endParaRPr lang="ko-KR" altLang="en-US" sz="1000" dirty="0"/>
+                    </a:p>
+                  </a:txBody>
+                  <a:tcPr/>
+                </a:tc>
+                <a:extLst>
+                  <a:ext uri="{0D108BD9-81ED-4DB2-BD59-A6C34878D82A}">
+                    <a16:rowId xmlns:a16="http://schemas.microsoft.com/office/drawing/2014/main" val="959384120"/>
+                  </a:ext>
+                </a:extLst>
+              </a:tr>
+              <a:tr h="307258">
+                <a:tc>
+                  <a:txBody>
+                    <a:bodyPr/>
+                    <a:lstStyle/>
+                    <a:p>
+                      <a:pPr algn="ctr" latinLnBrk="1"/>
+                      <a:r>
+                        <a:rPr lang="ko-KR" altLang="en-US" sz="1000" dirty="0"/>
+                        <a:t>최종작성일</a:t>
+                      </a:r>
+                    </a:p>
+                  </a:txBody>
+                  <a:tcPr/>
+                </a:tc>
+                <a:tc>
+                  <a:txBody>
+                    <a:bodyPr/>
+                    <a:lstStyle/>
+                    <a:p>
+                      <a:pPr algn="ctr" latinLnBrk="1"/>
+                      <a:r>
+                        <a:rPr lang="en-US" altLang="ko-KR" sz="1000" dirty="0"/>
+                        <a:t>2022.07.</a:t>
+                      </a:r>
+                      <a:endParaRPr lang="ko-KR" altLang="en-US" sz="1000" dirty="0"/>
+                    </a:p>
+                  </a:txBody>
+                  <a:tcPr/>
+                </a:tc>
+                <a:extLst>
+                  <a:ext uri="{0D108BD9-81ED-4DB2-BD59-A6C34878D82A}">
+                    <a16:rowId xmlns:a16="http://schemas.microsoft.com/office/drawing/2014/main" val="2749270022"/>
+                  </a:ext>
+                </a:extLst>
+              </a:tr>
+              <a:tr h="307258">
+                <a:tc>
+                  <a:txBody>
+                    <a:bodyPr/>
+                    <a:lstStyle/>
+                    <a:p>
+                      <a:pPr algn="ctr" latinLnBrk="1"/>
+                      <a:r>
+                        <a:rPr lang="ko-KR" altLang="en-US" sz="1000" dirty="0"/>
+                        <a:t>작성자</a:t>
+                      </a:r>
+                    </a:p>
+                  </a:txBody>
+                  <a:tcPr/>
+                </a:tc>
+                <a:tc>
+                  <a:txBody>
+                    <a:bodyPr/>
+                    <a:lstStyle/>
+                    <a:p>
+                      <a:pPr algn="ctr" latinLnBrk="1"/>
+                      <a:r>
+                        <a:rPr lang="ko-KR" altLang="en-US" sz="1000" dirty="0" err="1"/>
+                        <a:t>우민주</a:t>
+                      </a:r>
+                      <a:endParaRPr lang="ko-KR" altLang="en-US" sz="1000" dirty="0"/>
+                    </a:p>
+                  </a:txBody>
+                  <a:tcPr/>
+                </a:tc>
+                <a:extLst>
+                  <a:ext uri="{0D108BD9-81ED-4DB2-BD59-A6C34878D82A}">
+                    <a16:rowId xmlns:a16="http://schemas.microsoft.com/office/drawing/2014/main" val="1390846197"/>
+                  </a:ext>
+                </a:extLst>
+              </a:tr>
+            </a:tbl>
+          </a:graphicData>
+        </a:graphic>
+      </p:graphicFrame>
     </p:spTree>
     <p:extLst>
       <p:ext uri="{BB962C8B-B14F-4D97-AF65-F5344CB8AC3E}">
@@ -3802,7 +3960,7 @@
           <p:nvPr>
             <p:extLst>
               <p:ext uri="{D42A27DB-BD31-4B8C-83A1-F6EECF244321}">
-                <p14:modId xmlns:p14="http://schemas.microsoft.com/office/powerpoint/2010/main" val="2446945144"/>
+                <p14:modId xmlns:p14="http://schemas.microsoft.com/office/powerpoint/2010/main" val="1020265827"/>
               </p:ext>
             </p:extLst>
           </p:nvPr>
@@ -3877,7 +4035,7 @@
                     <a:p>
                       <a:pPr latinLnBrk="1"/>
                       <a:r>
-                        <a:rPr lang="ko-KR" altLang="en-US" sz="1600" dirty="0"/>
+                        <a:rPr lang="ko-KR" altLang="en-US" sz="1400" dirty="0"/>
                         <a:t>외교부 독도 홈페이지 리뉴얼</a:t>
                       </a:r>
                     </a:p>
@@ -3912,10 +4070,10 @@
                     <a:p>
                       <a:pPr latinLnBrk="1"/>
                       <a:r>
-                        <a:rPr lang="ko-KR" altLang="en-US" sz="1600" dirty="0" err="1"/>
+                        <a:rPr lang="ko-KR" altLang="en-US" sz="1400" dirty="0" err="1"/>
                         <a:t>우민주</a:t>
                       </a:r>
-                      <a:endParaRPr lang="ko-KR" altLang="en-US" sz="1600" dirty="0"/>
+                      <a:endParaRPr lang="ko-KR" altLang="en-US" sz="1400" dirty="0"/>
                     </a:p>
                   </a:txBody>
                   <a:tcPr/>
@@ -3963,19 +4121,19 @@
                     <a:p>
                       <a:pPr latinLnBrk="1"/>
                       <a:r>
-                        <a:rPr lang="en-US" altLang="ko-KR" sz="1600" dirty="0"/>
+                        <a:rPr lang="en-US" altLang="ko-KR" sz="1400" dirty="0"/>
                         <a:t>Main</a:t>
                       </a:r>
                       <a:r>
-                        <a:rPr lang="ko-KR" altLang="en-US" sz="1600" dirty="0"/>
+                        <a:rPr lang="ko-KR" altLang="en-US" sz="1400" dirty="0"/>
                         <a:t> </a:t>
                       </a:r>
                       <a:r>
-                        <a:rPr lang="en-US" altLang="ko-KR" sz="1600" dirty="0"/>
+                        <a:rPr lang="en-US" altLang="ko-KR" sz="1400" dirty="0"/>
                         <a:t>Header / Footer </a:t>
                       </a:r>
                       <a:r>
-                        <a:rPr lang="ko-KR" altLang="en-US" sz="1600" dirty="0"/>
+                        <a:rPr lang="ko-KR" altLang="en-US" sz="1400" dirty="0"/>
                         <a:t>구성</a:t>
                       </a:r>
                     </a:p>
@@ -3990,8 +4148,13 @@
                       <a:pPr algn="ctr" latinLnBrk="1"/>
                       <a:r>
                         <a:rPr lang="ko-KR" altLang="en-US" sz="1600" dirty="0"/>
-                        <a:t>비고</a:t>
-                      </a:r>
+                        <a:t>화면 </a:t>
+                      </a:r>
+                      <a:r>
+                        <a:rPr lang="en-US" altLang="ko-KR" sz="1600" dirty="0"/>
+                        <a:t>ID</a:t>
+                      </a:r>
+                      <a:endParaRPr lang="ko-KR" altLang="en-US" sz="1600" dirty="0"/>
                     </a:p>
                   </a:txBody>
                   <a:tcPr>
@@ -4009,7 +4172,11 @@
                     <a:lstStyle/>
                     <a:p>
                       <a:pPr latinLnBrk="1"/>
-                      <a:endParaRPr lang="ko-KR" altLang="en-US" sz="1600" dirty="0"/>
+                      <a:r>
+                        <a:rPr lang="en-US" altLang="ko-KR" sz="1400" dirty="0"/>
+                        <a:t>Header, Footer</a:t>
+                      </a:r>
+                      <a:endParaRPr lang="ko-KR" altLang="en-US" sz="1400" dirty="0"/>
                     </a:p>
                   </a:txBody>
                   <a:tcPr/>
@@ -4039,14 +4206,14 @@
           <p:nvPr>
             <p:extLst>
               <p:ext uri="{D42A27DB-BD31-4B8C-83A1-F6EECF244321}">
-                <p14:modId xmlns:p14="http://schemas.microsoft.com/office/powerpoint/2010/main" val="3296789049"/>
+                <p14:modId xmlns:p14="http://schemas.microsoft.com/office/powerpoint/2010/main" val="4140322224"/>
               </p:ext>
             </p:extLst>
           </p:nvPr>
         </p:nvGraphicFramePr>
         <p:xfrm>
           <a:off x="587827" y="1525209"/>
-          <a:ext cx="10918372" cy="4300199"/>
+          <a:ext cx="10918372" cy="5190681"/>
         </p:xfrm>
         <a:graphic>
           <a:graphicData uri="http://schemas.openxmlformats.org/drawingml/2006/table">
@@ -4190,7 +4357,7 @@
                 </a:extLst>
               </a:tr>
               <a:tr h="308884">
-                <a:tc rowSpan="12">
+                <a:tc rowSpan="16">
                   <a:txBody>
                     <a:bodyPr/>
                     <a:lstStyle/>
@@ -4201,7 +4368,7 @@
                   </a:txBody>
                   <a:tcPr/>
                 </a:tc>
-                <a:tc rowSpan="12">
+                <a:tc rowSpan="16">
                   <a:txBody>
                     <a:bodyPr/>
                     <a:lstStyle/>
@@ -4219,7 +4386,7 @@
                     <a:p>
                       <a:pPr algn="ctr" latinLnBrk="1"/>
                       <a:r>
-                        <a:rPr lang="ko-KR" altLang="en-US" sz="1100" baseline="0" dirty="0"/>
+                        <a:rPr lang="ko-KR" altLang="en-US" sz="1000" baseline="0" dirty="0"/>
                         <a:t>화면설명</a:t>
                       </a:r>
                     </a:p>
@@ -4240,14 +4407,14 @@
                     <a:p>
                       <a:pPr latinLnBrk="1"/>
                       <a:r>
-                        <a:rPr lang="ko-KR" altLang="en-US" sz="1100" baseline="0" dirty="0"/>
+                        <a:rPr lang="ko-KR" altLang="en-US" sz="1000" baseline="0" dirty="0"/>
                         <a:t>외교부 독도 홈페이지 메인 </a:t>
                       </a:r>
                       <a:r>
-                        <a:rPr lang="en-US" altLang="ko-KR" sz="1100" baseline="0" dirty="0"/>
+                        <a:rPr lang="en-US" altLang="ko-KR" sz="1000" baseline="0" dirty="0"/>
                         <a:t>header, nav, footer</a:t>
                       </a:r>
-                      <a:endParaRPr lang="ko-KR" altLang="en-US" sz="1100" baseline="0" dirty="0"/>
+                      <a:endParaRPr lang="ko-KR" altLang="en-US" sz="1000" baseline="0" dirty="0"/>
                     </a:p>
                   </a:txBody>
                   <a:tcPr/>
@@ -4288,10 +4455,10 @@
                     <a:p>
                       <a:pPr algn="ctr" latinLnBrk="1"/>
                       <a:r>
-                        <a:rPr lang="en-US" altLang="ko-KR" sz="1100" baseline="0" dirty="0"/>
+                        <a:rPr lang="en-US" altLang="ko-KR" sz="1000" baseline="0" dirty="0"/>
                         <a:t>1</a:t>
                       </a:r>
-                      <a:endParaRPr lang="ko-KR" altLang="en-US" sz="1100" baseline="0" dirty="0"/>
+                      <a:endParaRPr lang="ko-KR" altLang="en-US" sz="1000" baseline="0" dirty="0"/>
                     </a:p>
                   </a:txBody>
                   <a:tcPr>
@@ -4310,34 +4477,33 @@
                     <a:p>
                       <a:pPr latinLnBrk="1"/>
                       <a:r>
-                        <a:rPr lang="ko-KR" altLang="en-US" sz="1100" baseline="0" dirty="0"/>
-                        <a:t>영어로 번역된 홈페이지로 이동할 수 있도록 </a:t>
-                      </a:r>
-                      <a:r>
-                        <a:rPr lang="en-US" altLang="ko-KR" sz="1100" baseline="0" dirty="0"/>
-                        <a:t>button</a:t>
-                      </a:r>
-                      <a:r>
-                        <a:rPr lang="ko-KR" altLang="en-US" sz="1100" baseline="0" dirty="0"/>
-                        <a:t> 배치</a:t>
-                      </a:r>
-                      <a:endParaRPr lang="en-US" altLang="ko-KR" sz="1100" baseline="0" dirty="0"/>
-                    </a:p>
-                    <a:p>
-                      <a:pPr latinLnBrk="1"/>
-                      <a:r>
-                        <a:rPr lang="en-US" altLang="ko-KR" sz="1100" baseline="0" dirty="0"/>
-                        <a:t>(</a:t>
-                      </a:r>
-                      <a:r>
-                        <a:rPr lang="ko-KR" altLang="en-US" sz="1100" baseline="0" dirty="0"/>
-                        <a:t>구현 예정</a:t>
-                      </a:r>
-                      <a:r>
-                        <a:rPr lang="en-US" altLang="ko-KR" sz="1100" baseline="0" dirty="0"/>
-                        <a:t>)</a:t>
-                      </a:r>
-                      <a:endParaRPr lang="ko-KR" altLang="en-US" sz="1100" baseline="0" dirty="0"/>
+                        <a:rPr lang="ko-KR" altLang="en-US" sz="1000" baseline="0" dirty="0"/>
+                        <a:t>높이 </a:t>
+                      </a:r>
+                      <a:r>
+                        <a:rPr lang="en-US" altLang="ko-KR" sz="1000" baseline="0" dirty="0"/>
+                        <a:t>40px</a:t>
+                      </a:r>
+                      <a:r>
+                        <a:rPr lang="ko-KR" altLang="en-US" sz="1000" baseline="0" dirty="0"/>
+                        <a:t>의 </a:t>
+                      </a:r>
+                      <a:r>
+                        <a:rPr lang="en-US" altLang="ko-KR" sz="1000" baseline="0" dirty="0"/>
+                        <a:t>Header</a:t>
+                      </a:r>
+                      <a:r>
+                        <a:rPr lang="ko-KR" altLang="en-US" sz="1000" baseline="0" dirty="0"/>
+                        <a:t>로 구성으로는 독도관련 짧은 글귀와 </a:t>
+                      </a:r>
+                      <a:r>
+                        <a:rPr lang="en-US" altLang="ko-KR" sz="1000" baseline="0" dirty="0"/>
+                        <a:t>, button, </a:t>
+                      </a:r>
+                      <a:r>
+                        <a:rPr lang="ko-KR" altLang="en-US" sz="1000" baseline="0" dirty="0"/>
+                        <a:t>검색어를 입력할 수 있는 검색창으로 배치</a:t>
+                      </a:r>
                     </a:p>
                   </a:txBody>
                   <a:tcPr/>
@@ -4348,7 +4514,7 @@
                   </a:ext>
                 </a:extLst>
               </a:tr>
-              <a:tr h="451159">
+              <a:tr h="286785">
                 <a:tc vMerge="1">
                   <a:txBody>
                     <a:bodyPr/>
@@ -4378,10 +4544,10 @@
                     <a:p>
                       <a:pPr algn="ctr" latinLnBrk="1"/>
                       <a:r>
-                        <a:rPr lang="en-US" altLang="ko-KR" sz="1100" baseline="0" dirty="0"/>
-                        <a:t>2</a:t>
-                      </a:r>
-                      <a:endParaRPr lang="ko-KR" altLang="en-US" sz="1100" baseline="0" dirty="0"/>
+                        <a:rPr lang="en-US" altLang="ko-KR" sz="1000" baseline="0" dirty="0"/>
+                        <a:t>1-1</a:t>
+                      </a:r>
+                      <a:endParaRPr lang="ko-KR" altLang="en-US" sz="1000" baseline="0" dirty="0"/>
                     </a:p>
                   </a:txBody>
                   <a:tcPr>
@@ -4400,22 +4566,22 @@
                     <a:p>
                       <a:pPr latinLnBrk="1"/>
                       <a:r>
-                        <a:rPr lang="ko-KR" altLang="en-US" sz="1100" baseline="0" dirty="0"/>
-                        <a:t>검색창에 검색어를 입력하여 돋보기 아이콘 클릭 시 해당 검색내용 나열</a:t>
-                      </a:r>
-                      <a:r>
-                        <a:rPr lang="en-US" altLang="ko-KR" sz="1100" baseline="0" dirty="0"/>
-                        <a:t>(</a:t>
-                      </a:r>
-                      <a:r>
-                        <a:rPr lang="ko-KR" altLang="en-US" sz="1100" baseline="0" dirty="0"/>
-                        <a:t>구현 예정</a:t>
-                      </a:r>
-                      <a:r>
-                        <a:rPr lang="en-US" altLang="ko-KR" sz="1100" baseline="0" dirty="0"/>
+                        <a:rPr lang="ko-KR" altLang="en-US" sz="1000" baseline="0" dirty="0"/>
+                        <a:t>영어로 번역된 홈페이지로 이동시키는 </a:t>
+                      </a:r>
+                      <a:r>
+                        <a:rPr lang="en-US" altLang="ko-KR" sz="1000" baseline="0" dirty="0"/>
+                        <a:t>button(</a:t>
+                      </a:r>
+                      <a:r>
+                        <a:rPr lang="ko-KR" altLang="en-US" sz="1000" baseline="0" dirty="0"/>
+                        <a:t>구현예정</a:t>
+                      </a:r>
+                      <a:r>
+                        <a:rPr lang="en-US" altLang="ko-KR" sz="1000" baseline="0" dirty="0"/>
                         <a:t>)</a:t>
                       </a:r>
-                      <a:endParaRPr lang="ko-KR" altLang="en-US" sz="1100" baseline="0" dirty="0"/>
+                      <a:endParaRPr lang="ko-KR" altLang="en-US" sz="1000" baseline="0" dirty="0"/>
                     </a:p>
                   </a:txBody>
                   <a:tcPr/>
@@ -4456,10 +4622,10 @@
                     <a:p>
                       <a:pPr algn="ctr" latinLnBrk="1"/>
                       <a:r>
-                        <a:rPr lang="en-US" altLang="ko-KR" sz="1100" baseline="0" dirty="0"/>
-                        <a:t>3</a:t>
-                      </a:r>
-                      <a:endParaRPr lang="ko-KR" altLang="en-US" sz="1100" baseline="0" dirty="0"/>
+                        <a:rPr lang="en-US" altLang="ko-KR" sz="1000" baseline="0" dirty="0"/>
+                        <a:t>1-2</a:t>
+                      </a:r>
+                      <a:endParaRPr lang="ko-KR" altLang="en-US" sz="1000" baseline="0" dirty="0"/>
                     </a:p>
                   </a:txBody>
                   <a:tcPr>
@@ -4478,29 +4644,22 @@
                     <a:p>
                       <a:pPr latinLnBrk="1"/>
                       <a:r>
-                        <a:rPr lang="en-US" altLang="ko-KR" sz="1100" baseline="0" dirty="0"/>
-                        <a:t>Nav</a:t>
-                      </a:r>
-                      <a:r>
-                        <a:rPr lang="ko-KR" altLang="en-US" sz="1100" baseline="0" dirty="0"/>
-                        <a:t>를</a:t>
-                      </a:r>
-                      <a:r>
-                        <a:rPr lang="en-US" altLang="ko-KR" sz="1100" baseline="0" dirty="0"/>
-                        <a:t> Section_1</a:t>
-                      </a:r>
-                      <a:r>
-                        <a:rPr lang="ko-KR" altLang="en-US" sz="1100" baseline="0" dirty="0"/>
-                        <a:t> </a:t>
-                      </a:r>
-                      <a:r>
-                        <a:rPr lang="en-US" altLang="ko-KR" sz="1100" baseline="0" dirty="0"/>
-                        <a:t>Video </a:t>
-                      </a:r>
-                      <a:r>
-                        <a:rPr lang="ko-KR" altLang="en-US" sz="1100" baseline="0" dirty="0"/>
-                        <a:t>영역의 상단에 위치</a:t>
-                      </a:r>
+                        <a:rPr lang="ko-KR" altLang="en-US" sz="1000" baseline="0" dirty="0"/>
+                        <a:t>검색어를 입력할 수 있는 검색창으로 돋보기 아이콘 클릭 시 해당 검색내용 나열</a:t>
+                      </a:r>
+                      <a:r>
+                        <a:rPr lang="en-US" altLang="ko-KR" sz="1000" baseline="0" dirty="0"/>
+                        <a:t>(</a:t>
+                      </a:r>
+                      <a:r>
+                        <a:rPr lang="ko-KR" altLang="en-US" sz="1000" baseline="0" dirty="0"/>
+                        <a:t>구현예정</a:t>
+                      </a:r>
+                      <a:r>
+                        <a:rPr lang="en-US" altLang="ko-KR" sz="1000" baseline="0" dirty="0"/>
+                        <a:t>)</a:t>
+                      </a:r>
+                      <a:endParaRPr lang="ko-KR" altLang="en-US" sz="1000" baseline="0" dirty="0"/>
                     </a:p>
                   </a:txBody>
                   <a:tcPr/>
@@ -4541,10 +4700,10 @@
                     <a:p>
                       <a:pPr algn="ctr" latinLnBrk="1"/>
                       <a:r>
-                        <a:rPr lang="en-US" altLang="ko-KR" sz="1100" baseline="0" dirty="0"/>
-                        <a:t>3-1</a:t>
-                      </a:r>
-                      <a:endParaRPr lang="ko-KR" altLang="en-US" sz="1100" baseline="0" dirty="0"/>
+                        <a:rPr lang="en-US" altLang="ko-KR" sz="1000" baseline="0" dirty="0"/>
+                        <a:t>2</a:t>
+                      </a:r>
+                      <a:endParaRPr lang="ko-KR" altLang="en-US" sz="1000" baseline="0" dirty="0"/>
                     </a:p>
                   </a:txBody>
                   <a:tcPr>
@@ -4563,17 +4722,34 @@
                     <a:p>
                       <a:pPr latinLnBrk="1"/>
                       <a:r>
-                        <a:rPr lang="ko-KR" altLang="en-US" sz="1100" baseline="0" dirty="0"/>
-                        <a:t>마우스를 가져다 댈 시 </a:t>
-                      </a:r>
-                      <a:r>
-                        <a:rPr lang="en-US" altLang="ko-KR" sz="1100" baseline="0" dirty="0"/>
+                        <a:rPr lang="en-US" altLang="ko-KR" sz="1000" baseline="0" dirty="0"/>
+                        <a:t>Logo</a:t>
+                      </a:r>
+                      <a:r>
+                        <a:rPr lang="ko-KR" altLang="en-US" sz="1000" baseline="0" dirty="0"/>
+                        <a:t>와 </a:t>
+                      </a:r>
+                      <a:r>
+                        <a:rPr lang="en-US" altLang="ko-KR" sz="1000" baseline="0" dirty="0"/>
                         <a:t>Nav</a:t>
                       </a:r>
                       <a:r>
-                        <a:rPr lang="ko-KR" altLang="en-US" sz="1100" baseline="0" dirty="0"/>
-                        <a:t> 전체가 부드럽게 아래로 하강</a:t>
-                      </a:r>
+                        <a:rPr lang="ko-KR" altLang="en-US" sz="1000" baseline="0" dirty="0"/>
+                        <a:t>를 </a:t>
+                      </a:r>
+                      <a:r>
+                        <a:rPr lang="en-US" altLang="ko-KR" sz="1000" baseline="0" dirty="0"/>
+                        <a:t>section_1</a:t>
+                      </a:r>
+                      <a:r>
+                        <a:rPr lang="ko-KR" altLang="en-US" sz="1000" baseline="0" dirty="0"/>
+                        <a:t>상단에 </a:t>
+                      </a:r>
+                      <a:r>
+                        <a:rPr lang="en-US" altLang="ko-KR" sz="1000" baseline="0" dirty="0"/>
+                        <a:t>Float</a:t>
+                      </a:r>
+                      <a:endParaRPr lang="ko-KR" altLang="en-US" sz="1000" baseline="0" dirty="0"/>
                     </a:p>
                   </a:txBody>
                   <a:tcPr/>
@@ -4584,7 +4760,7 @@
                   </a:ext>
                 </a:extLst>
               </a:tr>
-              <a:tr h="302342">
+              <a:tr h="0">
                 <a:tc vMerge="1">
                   <a:txBody>
                     <a:bodyPr/>
@@ -4614,10 +4790,10 @@
                     <a:p>
                       <a:pPr algn="ctr" latinLnBrk="1"/>
                       <a:r>
-                        <a:rPr lang="en-US" altLang="ko-KR" sz="1100" baseline="0" dirty="0"/>
-                        <a:t>4</a:t>
-                      </a:r>
-                      <a:endParaRPr lang="ko-KR" altLang="en-US" sz="1100" baseline="0" dirty="0"/>
+                        <a:rPr lang="en-US" altLang="ko-KR" sz="1000" baseline="0" dirty="0"/>
+                        <a:t>2-1</a:t>
+                      </a:r>
+                      <a:endParaRPr lang="ko-KR" altLang="en-US" sz="1000" baseline="0" dirty="0"/>
                     </a:p>
                   </a:txBody>
                   <a:tcPr>
@@ -4636,28 +4812,28 @@
                     <a:p>
                       <a:pPr latinLnBrk="1"/>
                       <a:r>
-                        <a:rPr lang="en-US" altLang="ko-KR" sz="1100" baseline="0" dirty="0" err="1"/>
-                        <a:t>sns</a:t>
-                      </a:r>
-                      <a:r>
-                        <a:rPr lang="ko-KR" altLang="en-US" sz="1100" baseline="0" dirty="0"/>
-                        <a:t>아이콘을 </a:t>
-                      </a:r>
-                      <a:r>
-                        <a:rPr lang="en-US" altLang="ko-KR" sz="1100" baseline="0" dirty="0"/>
-                        <a:t>row</a:t>
-                      </a:r>
-                      <a:r>
-                        <a:rPr lang="ko-KR" altLang="en-US" sz="1100" baseline="0" dirty="0"/>
-                        <a:t>로 배치하여 클릭 시 외교부 공식 </a:t>
-                      </a:r>
-                      <a:r>
-                        <a:rPr lang="en-US" altLang="ko-KR" sz="1100" baseline="0" dirty="0" err="1"/>
-                        <a:t>sns</a:t>
-                      </a:r>
-                      <a:r>
-                        <a:rPr lang="ko-KR" altLang="en-US" sz="1100" baseline="0" dirty="0"/>
-                        <a:t>로 이동</a:t>
+                        <a:rPr lang="en-US" altLang="ko-KR" sz="1000" baseline="0" dirty="0"/>
+                        <a:t>Nav</a:t>
+                      </a:r>
+                      <a:r>
+                        <a:rPr lang="ko-KR" altLang="en-US" sz="1000" baseline="0" dirty="0"/>
+                        <a:t>를 크게 </a:t>
+                      </a:r>
+                      <a:r>
+                        <a:rPr lang="en-US" altLang="ko-KR" sz="1000" baseline="0" dirty="0"/>
+                        <a:t>3</a:t>
+                      </a:r>
+                      <a:r>
+                        <a:rPr lang="ko-KR" altLang="en-US" sz="1000" baseline="0" dirty="0"/>
+                        <a:t>가지로 구분하여 </a:t>
+                      </a:r>
+                      <a:r>
+                        <a:rPr lang="en-US" altLang="ko-KR" sz="1000" baseline="0" dirty="0"/>
+                        <a:t>Row</a:t>
+                      </a:r>
+                      <a:r>
+                        <a:rPr lang="ko-KR" altLang="en-US" sz="1000" baseline="0" dirty="0"/>
+                        <a:t>로 배열</a:t>
                       </a:r>
                     </a:p>
                   </a:txBody>
@@ -4666,6 +4842,273 @@
                 <a:extLst>
                   <a:ext uri="{0D108BD9-81ED-4DB2-BD59-A6C34878D82A}">
                     <a16:rowId xmlns:a16="http://schemas.microsoft.com/office/drawing/2014/main" val="4107395852"/>
+                  </a:ext>
+                </a:extLst>
+              </a:tr>
+              <a:tr h="158299">
+                <a:tc vMerge="1">
+                  <a:txBody>
+                    <a:bodyPr/>
+                    <a:lstStyle/>
+                    <a:p>
+                      <a:pPr latinLnBrk="1"/>
+                      <a:endParaRPr lang="ko-KR" altLang="en-US"/>
+                    </a:p>
+                  </a:txBody>
+                  <a:tcPr/>
+                </a:tc>
+                <a:tc vMerge="1">
+                  <a:txBody>
+                    <a:bodyPr/>
+                    <a:lstStyle/>
+                    <a:p>
+                      <a:pPr latinLnBrk="1"/>
+                      <a:endParaRPr lang="ko-KR" altLang="en-US"/>
+                    </a:p>
+                  </a:txBody>
+                  <a:tcPr/>
+                </a:tc>
+                <a:tc>
+                  <a:txBody>
+                    <a:bodyPr/>
+                    <a:lstStyle/>
+                    <a:p>
+                      <a:pPr algn="ctr" latinLnBrk="1"/>
+                      <a:r>
+                        <a:rPr lang="en-US" altLang="ko-KR" sz="1000" baseline="0" dirty="0"/>
+                        <a:t>2-2</a:t>
+                      </a:r>
+                      <a:endParaRPr lang="ko-KR" altLang="en-US" sz="1000" baseline="0" dirty="0"/>
+                    </a:p>
+                  </a:txBody>
+                  <a:tcPr>
+                    <a:solidFill>
+                      <a:schemeClr val="accent1">
+                        <a:lumMod val="20000"/>
+                        <a:lumOff val="80000"/>
+                      </a:schemeClr>
+                    </a:solidFill>
+                  </a:tcPr>
+                </a:tc>
+                <a:tc>
+                  <a:txBody>
+                    <a:bodyPr/>
+                    <a:lstStyle/>
+                    <a:p>
+                      <a:pPr latinLnBrk="1"/>
+                      <a:r>
+                        <a:rPr lang="ko-KR" altLang="en-US" sz="1000" baseline="0" dirty="0"/>
+                        <a:t>마우스 </a:t>
+                      </a:r>
+                      <a:r>
+                        <a:rPr lang="en-US" altLang="ko-KR" sz="1000" baseline="0" dirty="0"/>
+                        <a:t>Hover</a:t>
+                      </a:r>
+                      <a:r>
+                        <a:rPr lang="ko-KR" altLang="en-US" sz="1000" baseline="0" dirty="0"/>
+                        <a:t>시 </a:t>
+                      </a:r>
+                      <a:r>
+                        <a:rPr lang="en-US" altLang="ko-KR" sz="1000" baseline="0" dirty="0"/>
+                        <a:t>Sub nav </a:t>
+                      </a:r>
+                      <a:r>
+                        <a:rPr lang="ko-KR" altLang="en-US" sz="1000" baseline="0" dirty="0"/>
+                        <a:t>전체가 부드럽게 하강</a:t>
+                      </a:r>
+                    </a:p>
+                  </a:txBody>
+                  <a:tcPr/>
+                </a:tc>
+                <a:extLst>
+                  <a:ext uri="{0D108BD9-81ED-4DB2-BD59-A6C34878D82A}">
+                    <a16:rowId xmlns:a16="http://schemas.microsoft.com/office/drawing/2014/main" val="4149992234"/>
+                  </a:ext>
+                </a:extLst>
+              </a:tr>
+              <a:tr h="129540">
+                <a:tc vMerge="1">
+                  <a:txBody>
+                    <a:bodyPr/>
+                    <a:lstStyle/>
+                    <a:p>
+                      <a:pPr latinLnBrk="1"/>
+                      <a:endParaRPr lang="ko-KR" altLang="en-US"/>
+                    </a:p>
+                  </a:txBody>
+                  <a:tcPr/>
+                </a:tc>
+                <a:tc vMerge="1">
+                  <a:txBody>
+                    <a:bodyPr/>
+                    <a:lstStyle/>
+                    <a:p>
+                      <a:pPr latinLnBrk="1"/>
+                      <a:endParaRPr lang="ko-KR" altLang="en-US"/>
+                    </a:p>
+                  </a:txBody>
+                  <a:tcPr/>
+                </a:tc>
+                <a:tc>
+                  <a:txBody>
+                    <a:bodyPr/>
+                    <a:lstStyle/>
+                    <a:p>
+                      <a:pPr algn="ctr" latinLnBrk="1"/>
+                      <a:r>
+                        <a:rPr lang="en-US" altLang="ko-KR" sz="1000" baseline="0" dirty="0"/>
+                        <a:t>3</a:t>
+                      </a:r>
+                      <a:endParaRPr lang="ko-KR" altLang="en-US" sz="1000" baseline="0" dirty="0"/>
+                    </a:p>
+                  </a:txBody>
+                  <a:tcPr>
+                    <a:solidFill>
+                      <a:schemeClr val="accent1">
+                        <a:lumMod val="20000"/>
+                        <a:lumOff val="80000"/>
+                      </a:schemeClr>
+                    </a:solidFill>
+                  </a:tcPr>
+                </a:tc>
+                <a:tc>
+                  <a:txBody>
+                    <a:bodyPr/>
+                    <a:lstStyle/>
+                    <a:p>
+                      <a:pPr latinLnBrk="1"/>
+                      <a:r>
+                        <a:rPr lang="en-US" altLang="ko-KR" sz="1000" baseline="0" dirty="0"/>
+                        <a:t>Footer</a:t>
+                      </a:r>
+                      <a:r>
+                        <a:rPr lang="ko-KR" altLang="en-US" sz="1000" baseline="0" dirty="0"/>
+                        <a:t>의 구성으로 </a:t>
+                      </a:r>
+                      <a:r>
+                        <a:rPr lang="en-US" altLang="ko-KR" sz="1000" baseline="0" dirty="0"/>
+                        <a:t>Logo</a:t>
+                      </a:r>
+                      <a:r>
+                        <a:rPr lang="ko-KR" altLang="en-US" sz="1000" baseline="0" dirty="0"/>
+                        <a:t>와 주소 및 </a:t>
+                      </a:r>
+                      <a:r>
+                        <a:rPr lang="en-US" altLang="ko-KR" sz="1000" baseline="0" dirty="0"/>
+                        <a:t>copyright , SNS</a:t>
+                      </a:r>
+                      <a:r>
+                        <a:rPr lang="ko-KR" altLang="en-US" sz="1000" baseline="0" dirty="0"/>
+                        <a:t>아이콘을 </a:t>
+                      </a:r>
+                      <a:r>
+                        <a:rPr lang="en-US" altLang="ko-KR" sz="1000" baseline="0" dirty="0"/>
+                        <a:t>Row</a:t>
+                      </a:r>
+                      <a:r>
+                        <a:rPr lang="ko-KR" altLang="en-US" sz="1000" baseline="0" dirty="0"/>
+                        <a:t>로 배치</a:t>
+                      </a:r>
+                    </a:p>
+                  </a:txBody>
+                  <a:tcPr/>
+                </a:tc>
+                <a:extLst>
+                  <a:ext uri="{0D108BD9-81ED-4DB2-BD59-A6C34878D82A}">
+                    <a16:rowId xmlns:a16="http://schemas.microsoft.com/office/drawing/2014/main" val="3394895169"/>
+                  </a:ext>
+                </a:extLst>
+              </a:tr>
+              <a:tr h="129540">
+                <a:tc vMerge="1">
+                  <a:txBody>
+                    <a:bodyPr/>
+                    <a:lstStyle/>
+                    <a:p>
+                      <a:pPr latinLnBrk="1"/>
+                      <a:endParaRPr lang="ko-KR" altLang="en-US"/>
+                    </a:p>
+                  </a:txBody>
+                  <a:tcPr/>
+                </a:tc>
+                <a:tc vMerge="1">
+                  <a:txBody>
+                    <a:bodyPr/>
+                    <a:lstStyle/>
+                    <a:p>
+                      <a:pPr latinLnBrk="1"/>
+                      <a:endParaRPr lang="ko-KR" altLang="en-US"/>
+                    </a:p>
+                  </a:txBody>
+                  <a:tcPr/>
+                </a:tc>
+                <a:tc>
+                  <a:txBody>
+                    <a:bodyPr/>
+                    <a:lstStyle/>
+                    <a:p>
+                      <a:pPr algn="ctr" latinLnBrk="1"/>
+                      <a:r>
+                        <a:rPr lang="en-US" altLang="ko-KR" sz="1000" baseline="0" dirty="0"/>
+                        <a:t>3-1</a:t>
+                      </a:r>
+                      <a:endParaRPr lang="ko-KR" altLang="en-US" sz="1000" baseline="0" dirty="0"/>
+                    </a:p>
+                  </a:txBody>
+                  <a:tcPr>
+                    <a:solidFill>
+                      <a:schemeClr val="accent1">
+                        <a:lumMod val="20000"/>
+                        <a:lumOff val="80000"/>
+                      </a:schemeClr>
+                    </a:solidFill>
+                  </a:tcPr>
+                </a:tc>
+                <a:tc>
+                  <a:txBody>
+                    <a:bodyPr/>
+                    <a:lstStyle/>
+                    <a:p>
+                      <a:pPr latinLnBrk="1"/>
+                      <a:r>
+                        <a:rPr lang="en-US" altLang="ko-KR" sz="1000" baseline="0" dirty="0"/>
+                        <a:t>SNS</a:t>
+                      </a:r>
+                      <a:r>
+                        <a:rPr lang="ko-KR" altLang="en-US" sz="1000" baseline="0" dirty="0"/>
+                        <a:t>아이콘은 </a:t>
+                      </a:r>
+                      <a:r>
+                        <a:rPr lang="en-US" altLang="ko-KR" sz="1000" baseline="0" dirty="0"/>
+                        <a:t>Row</a:t>
+                      </a:r>
+                      <a:r>
+                        <a:rPr lang="ko-KR" altLang="en-US" sz="1000" baseline="0" dirty="0"/>
+                        <a:t>로 배열</a:t>
+                      </a:r>
+                      <a:r>
+                        <a:rPr lang="en-US" altLang="ko-KR" sz="1000" baseline="0" dirty="0"/>
+                        <a:t>, </a:t>
+                      </a:r>
+                      <a:r>
+                        <a:rPr lang="ko-KR" altLang="en-US" sz="1000" baseline="0" dirty="0"/>
+                        <a:t>클릭 시 외교부 공식 </a:t>
+                      </a:r>
+                      <a:r>
+                        <a:rPr lang="en-US" altLang="ko-KR" sz="1000" baseline="0" dirty="0"/>
+                        <a:t>SNS</a:t>
+                      </a:r>
+                      <a:r>
+                        <a:rPr lang="ko-KR" altLang="en-US" sz="1000" baseline="0" dirty="0"/>
+                        <a:t>로 이동</a:t>
+                      </a:r>
+                    </a:p>
+                  </a:txBody>
+                  <a:tcPr/>
+                </a:tc>
+                <a:extLst>
+                  <a:ext uri="{0D108BD9-81ED-4DB2-BD59-A6C34878D82A}">
+                    <a16:rowId xmlns:a16="http://schemas.microsoft.com/office/drawing/2014/main" val="2927675704"/>
                   </a:ext>
                 </a:extLst>
               </a:tr>
@@ -4760,10 +5203,10 @@
                     <a:p>
                       <a:pPr algn="ctr" latinLnBrk="1"/>
                       <a:r>
-                        <a:rPr lang="en-US" altLang="ko-KR" sz="1100" baseline="0" dirty="0"/>
+                        <a:rPr lang="en-US" altLang="ko-KR" sz="1000" baseline="0" dirty="0"/>
                         <a:t>1</a:t>
                       </a:r>
-                      <a:endParaRPr lang="ko-KR" altLang="en-US" sz="1100" baseline="0" dirty="0"/>
+                      <a:endParaRPr lang="ko-KR" altLang="en-US" sz="1000" baseline="0" dirty="0"/>
                     </a:p>
                   </a:txBody>
                   <a:tcPr>
@@ -4782,24 +5225,40 @@
                     <a:p>
                       <a:pPr algn="l" latinLnBrk="1"/>
                       <a:r>
-                        <a:rPr lang="ko-KR" altLang="en-US" sz="1100" baseline="0" dirty="0"/>
-                        <a:t>기존 </a:t>
-                      </a:r>
-                      <a:r>
-                        <a:rPr lang="en-US" altLang="ko-KR" sz="1100" baseline="0" dirty="0"/>
-                        <a:t>button </a:t>
-                      </a:r>
-                      <a:r>
-                        <a:rPr lang="ko-KR" altLang="en-US" sz="1100" baseline="0" dirty="0"/>
-                        <a:t>및 검색창을 숨김 처리</a:t>
-                      </a:r>
-                      <a:r>
-                        <a:rPr lang="en-US" altLang="ko-KR" sz="1100" baseline="0" dirty="0"/>
+                        <a:rPr lang="ko-KR" altLang="en-US" sz="1000" baseline="0" dirty="0"/>
+                        <a:t>기존 글귀 및 </a:t>
+                      </a:r>
+                      <a:r>
+                        <a:rPr lang="en-US" altLang="ko-KR" sz="1000" baseline="0" dirty="0"/>
+                        <a:t>button, </a:t>
+                      </a:r>
+                      <a:r>
+                        <a:rPr lang="ko-KR" altLang="en-US" sz="1000" baseline="0" dirty="0"/>
+                        <a:t>검색창을 숨김 처리</a:t>
+                      </a:r>
+                      <a:r>
+                        <a:rPr lang="en-US" altLang="ko-KR" sz="1000" baseline="0" dirty="0"/>
+                        <a:t> </a:t>
+                      </a:r>
+                      <a:r>
+                        <a:rPr lang="ko-KR" altLang="en-US" sz="1000" baseline="0" dirty="0"/>
+                        <a:t>후</a:t>
+                      </a:r>
+                      <a:r>
+                        <a:rPr lang="en-US" altLang="ko-KR" sz="1000" baseline="0" dirty="0"/>
+                        <a:t> Logo </a:t>
+                      </a:r>
+                      <a:r>
+                        <a:rPr lang="ko-KR" altLang="en-US" sz="1000" baseline="0" dirty="0"/>
+                        <a:t>왼쪽에 배치</a:t>
+                      </a:r>
+                      <a:r>
+                        <a:rPr lang="en-US" altLang="ko-KR" sz="1000" baseline="0" dirty="0"/>
                         <a:t>, </a:t>
                       </a:r>
                       <a:r>
-                        <a:rPr lang="ko-KR" altLang="en-US" sz="1100" baseline="0" dirty="0"/>
-                        <a:t>메뉴아이콘 배치</a:t>
+                        <a:rPr lang="ko-KR" altLang="en-US" sz="1000" baseline="0" dirty="0"/>
+                        <a:t>오른쪽에 메뉴아이콘 배치</a:t>
                       </a:r>
                     </a:p>
                   </a:txBody>
@@ -4841,10 +5300,10 @@
                     <a:p>
                       <a:pPr algn="ctr" latinLnBrk="1"/>
                       <a:r>
-                        <a:rPr lang="en-US" altLang="ko-KR" sz="1100" baseline="0" dirty="0"/>
-                        <a:t>1-1</a:t>
-                      </a:r>
-                      <a:endParaRPr lang="ko-KR" altLang="en-US" sz="1100" baseline="0" dirty="0"/>
+                        <a:rPr lang="en-US" altLang="ko-KR" sz="1000" baseline="0" dirty="0"/>
+                        <a:t>1-3</a:t>
+                      </a:r>
+                      <a:endParaRPr lang="ko-KR" altLang="en-US" sz="1000" baseline="0" dirty="0"/>
                     </a:p>
                   </a:txBody>
                   <a:tcPr>
@@ -4863,23 +5322,23 @@
                     <a:p>
                       <a:pPr algn="l" latinLnBrk="1"/>
                       <a:r>
-                        <a:rPr lang="ko-KR" altLang="en-US" sz="1100" baseline="0" dirty="0"/>
+                        <a:rPr lang="ko-KR" altLang="en-US" sz="1000" baseline="0" dirty="0"/>
                         <a:t>메뉴 아이콘 클릭 시</a:t>
                       </a:r>
                       <a:r>
-                        <a:rPr lang="en-US" altLang="ko-KR" sz="1100" baseline="0" dirty="0"/>
+                        <a:rPr lang="en-US" altLang="ko-KR" sz="1000" baseline="0" dirty="0"/>
                         <a:t>, </a:t>
                       </a:r>
                       <a:r>
-                        <a:rPr lang="ko-KR" altLang="en-US" sz="1100" baseline="0" dirty="0"/>
-                        <a:t>③번 화면 창이 왼쪽에서 오른쪽으로 부드럽게 </a:t>
-                      </a:r>
-                      <a:endParaRPr lang="en-US" altLang="ko-KR" sz="1100" baseline="0" dirty="0"/>
+                        <a:rPr lang="ko-KR" altLang="en-US" sz="1000" baseline="0" dirty="0"/>
+                        <a:t>②번 화면 창이 왼쪽에서 오른쪽으로 부드럽게 </a:t>
+                      </a:r>
+                      <a:endParaRPr lang="en-US" altLang="ko-KR" sz="1000" baseline="0" dirty="0"/>
                     </a:p>
                     <a:p>
                       <a:pPr algn="l" latinLnBrk="1"/>
                       <a:r>
-                        <a:rPr lang="ko-KR" altLang="en-US" sz="1100" baseline="0" dirty="0"/>
+                        <a:rPr lang="ko-KR" altLang="en-US" sz="1000" baseline="0" dirty="0"/>
                         <a:t>이동</a:t>
                       </a:r>
                     </a:p>
@@ -4922,10 +5381,10 @@
                     <a:p>
                       <a:pPr algn="ctr" latinLnBrk="1"/>
                       <a:r>
-                        <a:rPr lang="en-US" altLang="ko-KR" sz="1100" baseline="0" dirty="0"/>
-                        <a:t>3</a:t>
-                      </a:r>
-                      <a:endParaRPr lang="ko-KR" altLang="en-US" sz="1100" baseline="0" dirty="0"/>
+                        <a:rPr lang="en-US" altLang="ko-KR" sz="1000" baseline="0" dirty="0"/>
+                        <a:t>2-1</a:t>
+                      </a:r>
+                      <a:endParaRPr lang="ko-KR" altLang="en-US" sz="1000" baseline="0" dirty="0"/>
                     </a:p>
                   </a:txBody>
                   <a:tcPr>
@@ -4944,27 +5403,19 @@
                     <a:p>
                       <a:pPr algn="l" latinLnBrk="1"/>
                       <a:r>
-                        <a:rPr lang="en-US" altLang="ko-KR" sz="1100" baseline="0" dirty="0"/>
-                        <a:t>Section_1</a:t>
-                      </a:r>
-                      <a:r>
-                        <a:rPr lang="ko-KR" altLang="en-US" sz="1100" baseline="0" dirty="0"/>
-                        <a:t>에 있던 </a:t>
-                      </a:r>
-                      <a:r>
-                        <a:rPr lang="en-US" altLang="ko-KR" sz="1100" baseline="0" dirty="0"/>
+                        <a:rPr lang="en-US" altLang="ko-KR" sz="1000" baseline="0" dirty="0"/>
                         <a:t>Nav</a:t>
                       </a:r>
                       <a:r>
-                        <a:rPr lang="ko-KR" altLang="en-US" sz="1100" baseline="0" dirty="0"/>
-                        <a:t>가 </a:t>
-                      </a:r>
-                      <a:r>
-                        <a:rPr lang="en-US" altLang="ko-KR" sz="1100" baseline="0" dirty="0"/>
+                        <a:rPr lang="ko-KR" altLang="en-US" sz="1000" baseline="0" dirty="0"/>
+                        <a:t>를 </a:t>
+                      </a:r>
+                      <a:r>
+                        <a:rPr lang="en-US" altLang="ko-KR" sz="1000" baseline="0" dirty="0"/>
                         <a:t>Column</a:t>
                       </a:r>
                       <a:r>
-                        <a:rPr lang="ko-KR" altLang="en-US" sz="1100" baseline="0" dirty="0"/>
+                        <a:rPr lang="ko-KR" altLang="en-US" sz="1000" baseline="0" dirty="0"/>
                         <a:t>으로 나열</a:t>
                       </a:r>
                     </a:p>
@@ -5007,10 +5458,10 @@
                     <a:p>
                       <a:pPr algn="ctr" latinLnBrk="1"/>
                       <a:r>
-                        <a:rPr lang="en-US" altLang="ko-KR" sz="1100" baseline="0" dirty="0"/>
-                        <a:t>3-1</a:t>
-                      </a:r>
-                      <a:endParaRPr lang="ko-KR" altLang="en-US" sz="1100" baseline="0" dirty="0"/>
+                        <a:rPr lang="en-US" altLang="ko-KR" sz="1000" baseline="0" dirty="0"/>
+                        <a:t>2-2</a:t>
+                      </a:r>
+                      <a:endParaRPr lang="ko-KR" altLang="en-US" sz="1000" baseline="0" dirty="0"/>
                     </a:p>
                   </a:txBody>
                   <a:tcPr>
@@ -5029,11 +5480,11 @@
                     <a:p>
                       <a:pPr algn="l" latinLnBrk="1"/>
                       <a:r>
-                        <a:rPr lang="en-US" altLang="ko-KR" sz="1100" baseline="0" dirty="0"/>
+                        <a:rPr lang="en-US" altLang="ko-KR" sz="1000" baseline="0" dirty="0"/>
                         <a:t>Nav </a:t>
                       </a:r>
                       <a:r>
-                        <a:rPr lang="ko-KR" altLang="en-US" sz="1100" baseline="0" dirty="0"/>
+                        <a:rPr lang="ko-KR" altLang="en-US" sz="1000" baseline="0" dirty="0"/>
                         <a:t>클릭 시 아코디언 방식으로 부드럽게 하강</a:t>
                       </a:r>
                     </a:p>
@@ -5046,7 +5497,7 @@
                   </a:ext>
                 </a:extLst>
               </a:tr>
-              <a:tr h="300204">
+              <a:tr h="150102">
                 <a:tc vMerge="1">
                   <a:txBody>
                     <a:bodyPr/>
@@ -5076,10 +5527,10 @@
                     <a:p>
                       <a:pPr algn="ctr" latinLnBrk="1"/>
                       <a:r>
-                        <a:rPr lang="en-US" altLang="ko-KR" sz="1100" baseline="0" dirty="0"/>
-                        <a:t>4</a:t>
-                      </a:r>
-                      <a:endParaRPr lang="ko-KR" altLang="en-US" sz="1100" baseline="0" dirty="0"/>
+                        <a:rPr lang="en-US" altLang="ko-KR" sz="1000" baseline="0" dirty="0"/>
+                        <a:t>2-3</a:t>
+                      </a:r>
+                      <a:endParaRPr lang="ko-KR" altLang="en-US" sz="1000" baseline="0" dirty="0"/>
                     </a:p>
                   </a:txBody>
                   <a:tcPr>
@@ -5098,28 +5549,16 @@
                     <a:p>
                       <a:pPr algn="l" latinLnBrk="1"/>
                       <a:r>
-                        <a:rPr lang="en-US" altLang="ko-KR" sz="1100" baseline="0" dirty="0"/>
-                        <a:t>Logo</a:t>
-                      </a:r>
-                      <a:r>
-                        <a:rPr lang="ko-KR" altLang="en-US" sz="1100" baseline="0" dirty="0"/>
-                        <a:t>위치를 맨 상단에 위치시키고 주소와 </a:t>
-                      </a:r>
-                      <a:r>
-                        <a:rPr lang="en-US" altLang="ko-KR" sz="1100" baseline="0" dirty="0" err="1"/>
-                        <a:t>sns</a:t>
-                      </a:r>
-                      <a:r>
-                        <a:rPr lang="ko-KR" altLang="en-US" sz="1100" baseline="0" dirty="0"/>
-                        <a:t>아이콘은 </a:t>
-                      </a:r>
-                      <a:r>
-                        <a:rPr lang="en-US" altLang="ko-KR" sz="1100" baseline="0" dirty="0"/>
-                        <a:t>Row</a:t>
-                      </a:r>
-                      <a:r>
-                        <a:rPr lang="ko-KR" altLang="en-US" sz="1100" baseline="0" dirty="0"/>
-                        <a:t>로 배열</a:t>
+                        <a:rPr lang="ko-KR" altLang="en-US" sz="1000" baseline="0" dirty="0"/>
+                        <a:t>클릭 시</a:t>
+                      </a:r>
+                      <a:r>
+                        <a:rPr lang="en-US" altLang="ko-KR" sz="1000" baseline="0" dirty="0"/>
+                        <a:t>, Nav</a:t>
+                      </a:r>
+                      <a:r>
+                        <a:rPr lang="ko-KR" altLang="en-US" sz="1000" baseline="0" dirty="0"/>
+                        <a:t>창이 오른쪽에서 왼쪽으로 부드럽게 사라짐</a:t>
                       </a:r>
                     </a:p>
                   </a:txBody>
@@ -5128,6 +5567,95 @@
                 <a:extLst>
                   <a:ext uri="{0D108BD9-81ED-4DB2-BD59-A6C34878D82A}">
                     <a16:rowId xmlns:a16="http://schemas.microsoft.com/office/drawing/2014/main" val="3614717056"/>
+                  </a:ext>
+                </a:extLst>
+              </a:tr>
+              <a:tr h="150102">
+                <a:tc vMerge="1">
+                  <a:txBody>
+                    <a:bodyPr/>
+                    <a:lstStyle/>
+                    <a:p>
+                      <a:pPr latinLnBrk="1"/>
+                      <a:endParaRPr lang="ko-KR" altLang="en-US"/>
+                    </a:p>
+                  </a:txBody>
+                  <a:tcPr/>
+                </a:tc>
+                <a:tc vMerge="1">
+                  <a:txBody>
+                    <a:bodyPr/>
+                    <a:lstStyle/>
+                    <a:p>
+                      <a:pPr latinLnBrk="1"/>
+                      <a:endParaRPr lang="ko-KR" altLang="en-US"/>
+                    </a:p>
+                  </a:txBody>
+                  <a:tcPr/>
+                </a:tc>
+                <a:tc>
+                  <a:txBody>
+                    <a:bodyPr/>
+                    <a:lstStyle/>
+                    <a:p>
+                      <a:pPr algn="ctr" latinLnBrk="1"/>
+                      <a:r>
+                        <a:rPr lang="en-US" altLang="ko-KR" sz="1000" baseline="0" dirty="0"/>
+                        <a:t>3</a:t>
+                      </a:r>
+                      <a:endParaRPr lang="ko-KR" altLang="en-US" sz="1000" baseline="0" dirty="0"/>
+                    </a:p>
+                  </a:txBody>
+                  <a:tcPr>
+                    <a:solidFill>
+                      <a:schemeClr val="accent1">
+                        <a:lumMod val="20000"/>
+                        <a:lumOff val="80000"/>
+                      </a:schemeClr>
+                    </a:solidFill>
+                  </a:tcPr>
+                </a:tc>
+                <a:tc>
+                  <a:txBody>
+                    <a:bodyPr/>
+                    <a:lstStyle/>
+                    <a:p>
+                      <a:pPr algn="l" latinLnBrk="1"/>
+                      <a:r>
+                        <a:rPr lang="ko-KR" altLang="en-US" sz="1000" baseline="0" dirty="0"/>
+                        <a:t>반응형 규격에 맞게 </a:t>
+                      </a:r>
+                      <a:r>
+                        <a:rPr lang="en-US" altLang="ko-KR" sz="1000" baseline="0" dirty="0"/>
+                        <a:t>Logo</a:t>
+                      </a:r>
+                      <a:r>
+                        <a:rPr lang="ko-KR" altLang="en-US" sz="1000" baseline="0" dirty="0"/>
+                        <a:t>로 상단에 위치</a:t>
+                      </a:r>
+                      <a:r>
+                        <a:rPr lang="en-US" altLang="ko-KR" sz="1000" baseline="0" dirty="0"/>
+                        <a:t>, </a:t>
+                      </a:r>
+                      <a:r>
+                        <a:rPr lang="ko-KR" altLang="en-US" sz="1000" baseline="0" dirty="0"/>
+                        <a:t>나머지 하단에 </a:t>
+                      </a:r>
+                      <a:r>
+                        <a:rPr lang="en-US" altLang="ko-KR" sz="1000" baseline="0" dirty="0"/>
+                        <a:t>Row</a:t>
+                      </a:r>
+                      <a:r>
+                        <a:rPr lang="ko-KR" altLang="en-US" sz="1000" baseline="0" dirty="0"/>
+                        <a:t>로 배치</a:t>
+                      </a:r>
+                    </a:p>
+                  </a:txBody>
+                  <a:tcPr/>
+                </a:tc>
+                <a:extLst>
+                  <a:ext uri="{0D108BD9-81ED-4DB2-BD59-A6C34878D82A}">
+                    <a16:rowId xmlns:a16="http://schemas.microsoft.com/office/drawing/2014/main" val="2702171115"/>
                   </a:ext>
                 </a:extLst>
               </a:tr>
@@ -5743,7 +6271,7 @@
         </p:nvSpPr>
         <p:spPr>
           <a:xfrm>
-            <a:off x="2412645" y="1931809"/>
+            <a:off x="1900163" y="2026692"/>
             <a:ext cx="264696" cy="259308"/>
           </a:xfrm>
           <a:prstGeom prst="ellipse">
@@ -5787,73 +6315,6 @@
                 </a:solidFill>
               </a:rPr>
               <a:t>1</a:t>
-            </a:r>
-            <a:endParaRPr lang="ko-KR" altLang="en-US" dirty="0">
-              <a:solidFill>
-                <a:sysClr val="windowText" lastClr="000000"/>
-              </a:solidFill>
-            </a:endParaRPr>
-          </a:p>
-        </p:txBody>
-      </p:sp>
-      <p:sp>
-        <p:nvSpPr>
-          <p:cNvPr id="43" name="타원 42">
-            <a:extLst>
-              <a:ext uri="{FF2B5EF4-FFF2-40B4-BE49-F238E27FC236}">
-                <a16:creationId xmlns:a16="http://schemas.microsoft.com/office/drawing/2014/main" id="{E02E915B-FE41-4BBD-AFCB-87D28C4EB473}"/>
-              </a:ext>
-            </a:extLst>
-          </p:cNvPr>
-          <p:cNvSpPr/>
-          <p:nvPr/>
-        </p:nvSpPr>
-        <p:spPr>
-          <a:xfrm>
-            <a:off x="3769092" y="2162701"/>
-            <a:ext cx="264696" cy="259308"/>
-          </a:xfrm>
-          <a:prstGeom prst="ellipse">
-            <a:avLst/>
-          </a:prstGeom>
-          <a:solidFill>
-            <a:schemeClr val="accent5">
-              <a:lumMod val="40000"/>
-              <a:lumOff val="60000"/>
-            </a:schemeClr>
-          </a:solidFill>
-          <a:ln>
-            <a:noFill/>
-          </a:ln>
-        </p:spPr>
-        <p:style>
-          <a:lnRef idx="2">
-            <a:schemeClr val="accent1">
-              <a:shade val="50000"/>
-            </a:schemeClr>
-          </a:lnRef>
-          <a:fillRef idx="1">
-            <a:schemeClr val="accent1"/>
-          </a:fillRef>
-          <a:effectRef idx="0">
-            <a:schemeClr val="accent1"/>
-          </a:effectRef>
-          <a:fontRef idx="minor">
-            <a:schemeClr val="lt1"/>
-          </a:fontRef>
-        </p:style>
-        <p:txBody>
-          <a:bodyPr rtlCol="0" anchor="ctr"/>
-          <a:lstStyle/>
-          <a:p>
-            <a:pPr algn="ctr"/>
-            <a:r>
-              <a:rPr lang="en-US" altLang="ko-KR" dirty="0">
-                <a:solidFill>
-                  <a:sysClr val="windowText" lastClr="000000"/>
-                </a:solidFill>
-              </a:rPr>
-              <a:t>2</a:t>
             </a:r>
             <a:endParaRPr lang="ko-KR" altLang="en-US" dirty="0">
               <a:solidFill>
@@ -6174,7 +6635,7 @@
         </p:nvSpPr>
         <p:spPr>
           <a:xfrm>
-            <a:off x="726883" y="4874486"/>
+            <a:off x="734349" y="4943721"/>
             <a:ext cx="528282" cy="215444"/>
           </a:xfrm>
           <a:prstGeom prst="rect">
@@ -6210,7 +6671,7 @@
         </p:nvSpPr>
         <p:spPr>
           <a:xfrm>
-            <a:off x="3444546" y="4785591"/>
+            <a:off x="1635467" y="4982208"/>
             <a:ext cx="264696" cy="259308"/>
           </a:xfrm>
           <a:prstGeom prst="ellipse">
@@ -6253,7 +6714,7 @@
                   <a:sysClr val="windowText" lastClr="000000"/>
                 </a:solidFill>
               </a:rPr>
-              <a:t>4</a:t>
+              <a:t>3</a:t>
             </a:r>
             <a:endParaRPr lang="ko-KR" altLang="en-US" dirty="0">
               <a:solidFill>
@@ -6494,46 +6955,6 @@
             </a:p>
           </p:txBody>
         </p:sp>
-        <p:pic>
-          <p:nvPicPr>
-            <p:cNvPr id="80" name="그림 79">
-              <a:extLst>
-                <a:ext uri="{FF2B5EF4-FFF2-40B4-BE49-F238E27FC236}">
-                  <a16:creationId xmlns:a16="http://schemas.microsoft.com/office/drawing/2014/main" id="{1268FE15-3148-4C45-89B3-0B6741899B7C}"/>
-                </a:ext>
-              </a:extLst>
-            </p:cNvPr>
-            <p:cNvPicPr>
-              <a:picLocks noChangeAspect="1"/>
-            </p:cNvPicPr>
-            <p:nvPr/>
-          </p:nvPicPr>
-          <p:blipFill>
-            <a:blip r:embed="rId2">
-              <a:extLst>
-                <a:ext uri="{28A0092B-C50C-407E-A947-70E740481C1C}">
-                  <a14:useLocalDpi xmlns:a14="http://schemas.microsoft.com/office/drawing/2010/main" val="0"/>
-                </a:ext>
-              </a:extLst>
-            </a:blip>
-            <a:stretch>
-              <a:fillRect/>
-            </a:stretch>
-          </p:blipFill>
-          <p:spPr>
-            <a:xfrm flipH="1">
-              <a:off x="4693254" y="2649685"/>
-              <a:ext cx="97160" cy="99972"/>
-            </a:xfrm>
-            <a:prstGeom prst="rect">
-              <a:avLst/>
-            </a:prstGeom>
-            <a:grpFill/>
-            <a:ln w="3175">
-              <a:noFill/>
-            </a:ln>
-          </p:spPr>
-        </p:pic>
         <p:pic>
           <p:nvPicPr>
             <p:cNvPr id="82" name="그림 81">
@@ -7032,7 +7453,7 @@
         </p:nvSpPr>
         <p:spPr>
           <a:xfrm>
-            <a:off x="5643840" y="2440363"/>
+            <a:off x="5021255" y="2007409"/>
             <a:ext cx="264696" cy="259308"/>
           </a:xfrm>
           <a:prstGeom prst="ellipse">
@@ -7513,61 +7934,6 @@
       </p:sp>
       <p:sp>
         <p:nvSpPr>
-          <p:cNvPr id="118" name="화살표: 아래쪽 117">
-            <a:extLst>
-              <a:ext uri="{FF2B5EF4-FFF2-40B4-BE49-F238E27FC236}">
-                <a16:creationId xmlns:a16="http://schemas.microsoft.com/office/drawing/2014/main" id="{5E7EE81B-A848-4761-B998-7F75BAB9083B}"/>
-              </a:ext>
-            </a:extLst>
-          </p:cNvPr>
-          <p:cNvSpPr/>
-          <p:nvPr/>
-        </p:nvSpPr>
-        <p:spPr>
-          <a:xfrm>
-            <a:off x="2351685" y="2588658"/>
-            <a:ext cx="106680" cy="396240"/>
-          </a:xfrm>
-          <a:prstGeom prst="downArrow">
-            <a:avLst/>
-          </a:prstGeom>
-          <a:solidFill>
-            <a:schemeClr val="accent1">
-              <a:lumMod val="60000"/>
-              <a:lumOff val="40000"/>
-            </a:schemeClr>
-          </a:solidFill>
-          <a:ln>
-            <a:noFill/>
-          </a:ln>
-        </p:spPr>
-        <p:style>
-          <a:lnRef idx="2">
-            <a:schemeClr val="accent1">
-              <a:shade val="50000"/>
-            </a:schemeClr>
-          </a:lnRef>
-          <a:fillRef idx="1">
-            <a:schemeClr val="accent1"/>
-          </a:fillRef>
-          <a:effectRef idx="0">
-            <a:schemeClr val="accent1"/>
-          </a:effectRef>
-          <a:fontRef idx="minor">
-            <a:schemeClr val="lt1"/>
-          </a:fontRef>
-        </p:style>
-        <p:txBody>
-          <a:bodyPr rtlCol="0" anchor="ctr"/>
-          <a:lstStyle/>
-          <a:p>
-            <a:pPr algn="ctr"/>
-            <a:endParaRPr lang="ko-KR" altLang="en-US"/>
-          </a:p>
-        </p:txBody>
-      </p:sp>
-      <p:sp>
-        <p:nvSpPr>
           <p:cNvPr id="44" name="타원 43">
             <a:extLst>
               <a:ext uri="{FF2B5EF4-FFF2-40B4-BE49-F238E27FC236}">
@@ -7580,7 +7946,7 @@
         </p:nvSpPr>
         <p:spPr>
           <a:xfrm>
-            <a:off x="2280297" y="2467370"/>
+            <a:off x="611604" y="2421240"/>
             <a:ext cx="264696" cy="259308"/>
           </a:xfrm>
           <a:prstGeom prst="ellipse">
@@ -7623,7 +7989,7 @@
                   <a:sysClr val="windowText" lastClr="000000"/>
                 </a:solidFill>
               </a:rPr>
-              <a:t>3</a:t>
+              <a:t>2</a:t>
             </a:r>
             <a:endParaRPr lang="ko-KR" altLang="en-US" dirty="0">
               <a:solidFill>
@@ -8346,7 +8712,7 @@
                   <a:sysClr val="windowText" lastClr="000000"/>
                 </a:solidFill>
               </a:rPr>
-              <a:t>3</a:t>
+              <a:t>2</a:t>
             </a:r>
             <a:endParaRPr lang="ko-KR" altLang="en-US" dirty="0">
               <a:solidFill>
@@ -8434,6 +8800,1320 @@
           </a:fontRef>
         </p:style>
       </p:cxnSp>
+      <p:sp>
+        <p:nvSpPr>
+          <p:cNvPr id="77" name="TextBox 76">
+            <a:extLst>
+              <a:ext uri="{FF2B5EF4-FFF2-40B4-BE49-F238E27FC236}">
+                <a16:creationId xmlns:a16="http://schemas.microsoft.com/office/drawing/2014/main" id="{8B149D10-881C-4A6B-A650-B29A06ABDB1A}"/>
+              </a:ext>
+            </a:extLst>
+          </p:cNvPr>
+          <p:cNvSpPr txBox="1"/>
+          <p:nvPr/>
+        </p:nvSpPr>
+        <p:spPr>
+          <a:xfrm>
+            <a:off x="775613" y="3180063"/>
+            <a:ext cx="649962" cy="215444"/>
+          </a:xfrm>
+          <a:prstGeom prst="rect">
+            <a:avLst/>
+          </a:prstGeom>
+          <a:noFill/>
+        </p:spPr>
+        <p:txBody>
+          <a:bodyPr wrap="square" rtlCol="0">
+            <a:spAutoFit/>
+          </a:bodyPr>
+          <a:lstStyle/>
+          <a:p>
+            <a:r>
+              <a:rPr lang="en-US" altLang="ko-KR" sz="800" dirty="0"/>
+              <a:t>Section_1</a:t>
+            </a:r>
+            <a:endParaRPr lang="ko-KR" altLang="en-US" sz="800" dirty="0"/>
+          </a:p>
+        </p:txBody>
+      </p:sp>
+      <p:grpSp>
+        <p:nvGrpSpPr>
+          <p:cNvPr id="13" name="그룹 12">
+            <a:extLst>
+              <a:ext uri="{FF2B5EF4-FFF2-40B4-BE49-F238E27FC236}">
+                <a16:creationId xmlns:a16="http://schemas.microsoft.com/office/drawing/2014/main" id="{0C66EBDD-66B4-4157-9753-313E6758DC9C}"/>
+              </a:ext>
+            </a:extLst>
+          </p:cNvPr>
+          <p:cNvGrpSpPr/>
+          <p:nvPr/>
+        </p:nvGrpSpPr>
+        <p:grpSpPr>
+          <a:xfrm>
+            <a:off x="2492070" y="1956321"/>
+            <a:ext cx="360996" cy="259308"/>
+            <a:chOff x="2492070" y="1956321"/>
+            <a:chExt cx="360996" cy="259308"/>
+          </a:xfrm>
+        </p:grpSpPr>
+        <p:sp>
+          <p:nvSpPr>
+            <p:cNvPr id="43" name="타원 42">
+              <a:extLst>
+                <a:ext uri="{FF2B5EF4-FFF2-40B4-BE49-F238E27FC236}">
+                  <a16:creationId xmlns:a16="http://schemas.microsoft.com/office/drawing/2014/main" id="{E02E915B-FE41-4BBD-AFCB-87D28C4EB473}"/>
+                </a:ext>
+              </a:extLst>
+            </p:cNvPr>
+            <p:cNvSpPr/>
+            <p:nvPr/>
+          </p:nvSpPr>
+          <p:spPr>
+            <a:xfrm>
+              <a:off x="2540220" y="1956321"/>
+              <a:ext cx="264696" cy="259308"/>
+            </a:xfrm>
+            <a:prstGeom prst="ellipse">
+              <a:avLst/>
+            </a:prstGeom>
+            <a:solidFill>
+              <a:schemeClr val="accent5">
+                <a:lumMod val="40000"/>
+                <a:lumOff val="60000"/>
+              </a:schemeClr>
+            </a:solidFill>
+            <a:ln>
+              <a:noFill/>
+            </a:ln>
+          </p:spPr>
+          <p:style>
+            <a:lnRef idx="2">
+              <a:schemeClr val="accent1">
+                <a:shade val="50000"/>
+              </a:schemeClr>
+            </a:lnRef>
+            <a:fillRef idx="1">
+              <a:schemeClr val="accent1"/>
+            </a:fillRef>
+            <a:effectRef idx="0">
+              <a:schemeClr val="accent1"/>
+            </a:effectRef>
+            <a:fontRef idx="minor">
+              <a:schemeClr val="lt1"/>
+            </a:fontRef>
+          </p:style>
+          <p:txBody>
+            <a:bodyPr rtlCol="0" anchor="ctr"/>
+            <a:lstStyle/>
+            <a:p>
+              <a:pPr algn="ctr"/>
+              <a:endParaRPr lang="ko-KR" altLang="en-US" sz="1000" dirty="0">
+                <a:solidFill>
+                  <a:sysClr val="windowText" lastClr="000000"/>
+                </a:solidFill>
+              </a:endParaRPr>
+            </a:p>
+          </p:txBody>
+        </p:sp>
+        <p:sp>
+          <p:nvSpPr>
+            <p:cNvPr id="6" name="TextBox 5">
+              <a:extLst>
+                <a:ext uri="{FF2B5EF4-FFF2-40B4-BE49-F238E27FC236}">
+                  <a16:creationId xmlns:a16="http://schemas.microsoft.com/office/drawing/2014/main" id="{213FC60B-E432-48E1-82EE-DD8A4DA4583D}"/>
+                </a:ext>
+              </a:extLst>
+            </p:cNvPr>
+            <p:cNvSpPr txBox="1"/>
+            <p:nvPr/>
+          </p:nvSpPr>
+          <p:spPr>
+            <a:xfrm>
+              <a:off x="2492070" y="1978274"/>
+              <a:ext cx="360996" cy="230832"/>
+            </a:xfrm>
+            <a:prstGeom prst="rect">
+              <a:avLst/>
+            </a:prstGeom>
+            <a:noFill/>
+          </p:spPr>
+          <p:txBody>
+            <a:bodyPr wrap="none" rtlCol="0">
+              <a:spAutoFit/>
+            </a:bodyPr>
+            <a:lstStyle/>
+            <a:p>
+              <a:r>
+                <a:rPr lang="en-US" altLang="ko-KR" sz="900" dirty="0"/>
+                <a:t>1-1</a:t>
+              </a:r>
+              <a:endParaRPr lang="ko-KR" altLang="en-US" sz="900" dirty="0"/>
+            </a:p>
+          </p:txBody>
+        </p:sp>
+      </p:grpSp>
+      <p:grpSp>
+        <p:nvGrpSpPr>
+          <p:cNvPr id="15" name="그룹 14">
+            <a:extLst>
+              <a:ext uri="{FF2B5EF4-FFF2-40B4-BE49-F238E27FC236}">
+                <a16:creationId xmlns:a16="http://schemas.microsoft.com/office/drawing/2014/main" id="{1A6E8B61-4BD2-4376-9F0F-95EAEDCBC2C7}"/>
+              </a:ext>
+            </a:extLst>
+          </p:cNvPr>
+          <p:cNvGrpSpPr/>
+          <p:nvPr/>
+        </p:nvGrpSpPr>
+        <p:grpSpPr>
+          <a:xfrm>
+            <a:off x="3366701" y="1946057"/>
+            <a:ext cx="360996" cy="260914"/>
+            <a:chOff x="3366701" y="1946057"/>
+            <a:chExt cx="360996" cy="260914"/>
+          </a:xfrm>
+        </p:grpSpPr>
+        <p:sp>
+          <p:nvSpPr>
+            <p:cNvPr id="81" name="타원 80">
+              <a:extLst>
+                <a:ext uri="{FF2B5EF4-FFF2-40B4-BE49-F238E27FC236}">
+                  <a16:creationId xmlns:a16="http://schemas.microsoft.com/office/drawing/2014/main" id="{C3E9B17B-6FC2-429D-A0AD-6C391D95D3E7}"/>
+                </a:ext>
+              </a:extLst>
+            </p:cNvPr>
+            <p:cNvSpPr/>
+            <p:nvPr/>
+          </p:nvSpPr>
+          <p:spPr>
+            <a:xfrm>
+              <a:off x="3414851" y="1946057"/>
+              <a:ext cx="264696" cy="259308"/>
+            </a:xfrm>
+            <a:prstGeom prst="ellipse">
+              <a:avLst/>
+            </a:prstGeom>
+            <a:solidFill>
+              <a:schemeClr val="accent5">
+                <a:lumMod val="40000"/>
+                <a:lumOff val="60000"/>
+              </a:schemeClr>
+            </a:solidFill>
+            <a:ln>
+              <a:noFill/>
+            </a:ln>
+          </p:spPr>
+          <p:style>
+            <a:lnRef idx="2">
+              <a:schemeClr val="accent1">
+                <a:shade val="50000"/>
+              </a:schemeClr>
+            </a:lnRef>
+            <a:fillRef idx="1">
+              <a:schemeClr val="accent1"/>
+            </a:fillRef>
+            <a:effectRef idx="0">
+              <a:schemeClr val="accent1"/>
+            </a:effectRef>
+            <a:fontRef idx="minor">
+              <a:schemeClr val="lt1"/>
+            </a:fontRef>
+          </p:style>
+          <p:txBody>
+            <a:bodyPr rtlCol="0" anchor="ctr"/>
+            <a:lstStyle/>
+            <a:p>
+              <a:pPr algn="ctr"/>
+              <a:endParaRPr lang="ko-KR" altLang="en-US" sz="1000" dirty="0">
+                <a:solidFill>
+                  <a:sysClr val="windowText" lastClr="000000"/>
+                </a:solidFill>
+              </a:endParaRPr>
+            </a:p>
+          </p:txBody>
+        </p:sp>
+        <p:sp>
+          <p:nvSpPr>
+            <p:cNvPr id="92" name="TextBox 91">
+              <a:extLst>
+                <a:ext uri="{FF2B5EF4-FFF2-40B4-BE49-F238E27FC236}">
+                  <a16:creationId xmlns:a16="http://schemas.microsoft.com/office/drawing/2014/main" id="{C35E65BE-03D9-4550-8C49-7A5DF111D7BC}"/>
+                </a:ext>
+              </a:extLst>
+            </p:cNvPr>
+            <p:cNvSpPr txBox="1"/>
+            <p:nvPr/>
+          </p:nvSpPr>
+          <p:spPr>
+            <a:xfrm>
+              <a:off x="3366701" y="1976139"/>
+              <a:ext cx="360996" cy="230832"/>
+            </a:xfrm>
+            <a:prstGeom prst="rect">
+              <a:avLst/>
+            </a:prstGeom>
+            <a:noFill/>
+          </p:spPr>
+          <p:txBody>
+            <a:bodyPr wrap="none" rtlCol="0">
+              <a:spAutoFit/>
+            </a:bodyPr>
+            <a:lstStyle/>
+            <a:p>
+              <a:r>
+                <a:rPr lang="en-US" altLang="ko-KR" sz="900" dirty="0"/>
+                <a:t>1-2</a:t>
+              </a:r>
+              <a:endParaRPr lang="ko-KR" altLang="en-US" sz="900" dirty="0"/>
+            </a:p>
+          </p:txBody>
+        </p:sp>
+      </p:grpSp>
+      <p:grpSp>
+        <p:nvGrpSpPr>
+          <p:cNvPr id="19" name="그룹 18">
+            <a:extLst>
+              <a:ext uri="{FF2B5EF4-FFF2-40B4-BE49-F238E27FC236}">
+                <a16:creationId xmlns:a16="http://schemas.microsoft.com/office/drawing/2014/main" id="{58495E20-82E7-45AD-9BC9-174E40466E6B}"/>
+              </a:ext>
+            </a:extLst>
+          </p:cNvPr>
+          <p:cNvGrpSpPr/>
+          <p:nvPr/>
+        </p:nvGrpSpPr>
+        <p:grpSpPr>
+          <a:xfrm>
+            <a:off x="3574563" y="2633576"/>
+            <a:ext cx="360996" cy="517528"/>
+            <a:chOff x="3574563" y="2633576"/>
+            <a:chExt cx="360996" cy="517528"/>
+          </a:xfrm>
+        </p:grpSpPr>
+        <p:sp>
+          <p:nvSpPr>
+            <p:cNvPr id="88" name="화살표: 아래쪽 87">
+              <a:extLst>
+                <a:ext uri="{FF2B5EF4-FFF2-40B4-BE49-F238E27FC236}">
+                  <a16:creationId xmlns:a16="http://schemas.microsoft.com/office/drawing/2014/main" id="{F260B1FC-7E32-44B6-B25F-F823719AD9FA}"/>
+                </a:ext>
+              </a:extLst>
+            </p:cNvPr>
+            <p:cNvSpPr/>
+            <p:nvPr/>
+          </p:nvSpPr>
+          <p:spPr>
+            <a:xfrm>
+              <a:off x="3694101" y="2754864"/>
+              <a:ext cx="106680" cy="396240"/>
+            </a:xfrm>
+            <a:prstGeom prst="downArrow">
+              <a:avLst/>
+            </a:prstGeom>
+            <a:solidFill>
+              <a:schemeClr val="accent1">
+                <a:lumMod val="60000"/>
+                <a:lumOff val="40000"/>
+              </a:schemeClr>
+            </a:solidFill>
+            <a:ln>
+              <a:noFill/>
+            </a:ln>
+          </p:spPr>
+          <p:style>
+            <a:lnRef idx="2">
+              <a:schemeClr val="accent1">
+                <a:shade val="50000"/>
+              </a:schemeClr>
+            </a:lnRef>
+            <a:fillRef idx="1">
+              <a:schemeClr val="accent1"/>
+            </a:fillRef>
+            <a:effectRef idx="0">
+              <a:schemeClr val="accent1"/>
+            </a:effectRef>
+            <a:fontRef idx="minor">
+              <a:schemeClr val="lt1"/>
+            </a:fontRef>
+          </p:style>
+          <p:txBody>
+            <a:bodyPr rtlCol="0" anchor="ctr"/>
+            <a:lstStyle/>
+            <a:p>
+              <a:pPr algn="ctr"/>
+              <a:endParaRPr lang="ko-KR" altLang="en-US"/>
+            </a:p>
+          </p:txBody>
+        </p:sp>
+        <p:sp>
+          <p:nvSpPr>
+            <p:cNvPr id="90" name="타원 89">
+              <a:extLst>
+                <a:ext uri="{FF2B5EF4-FFF2-40B4-BE49-F238E27FC236}">
+                  <a16:creationId xmlns:a16="http://schemas.microsoft.com/office/drawing/2014/main" id="{37B35839-C1AF-4F80-B8BD-B308ABA07D7A}"/>
+                </a:ext>
+              </a:extLst>
+            </p:cNvPr>
+            <p:cNvSpPr/>
+            <p:nvPr/>
+          </p:nvSpPr>
+          <p:spPr>
+            <a:xfrm>
+              <a:off x="3622713" y="2633576"/>
+              <a:ext cx="264696" cy="259308"/>
+            </a:xfrm>
+            <a:prstGeom prst="ellipse">
+              <a:avLst/>
+            </a:prstGeom>
+            <a:solidFill>
+              <a:schemeClr val="accent5">
+                <a:lumMod val="40000"/>
+                <a:lumOff val="60000"/>
+              </a:schemeClr>
+            </a:solidFill>
+            <a:ln>
+              <a:noFill/>
+            </a:ln>
+          </p:spPr>
+          <p:style>
+            <a:lnRef idx="2">
+              <a:schemeClr val="accent1">
+                <a:shade val="50000"/>
+              </a:schemeClr>
+            </a:lnRef>
+            <a:fillRef idx="1">
+              <a:schemeClr val="accent1"/>
+            </a:fillRef>
+            <a:effectRef idx="0">
+              <a:schemeClr val="accent1"/>
+            </a:effectRef>
+            <a:fontRef idx="minor">
+              <a:schemeClr val="lt1"/>
+            </a:fontRef>
+          </p:style>
+          <p:txBody>
+            <a:bodyPr rtlCol="0" anchor="ctr"/>
+            <a:lstStyle/>
+            <a:p>
+              <a:pPr algn="ctr"/>
+              <a:endParaRPr lang="ko-KR" altLang="en-US" dirty="0">
+                <a:solidFill>
+                  <a:sysClr val="windowText" lastClr="000000"/>
+                </a:solidFill>
+              </a:endParaRPr>
+            </a:p>
+          </p:txBody>
+        </p:sp>
+        <p:sp>
+          <p:nvSpPr>
+            <p:cNvPr id="17" name="TextBox 16">
+              <a:extLst>
+                <a:ext uri="{FF2B5EF4-FFF2-40B4-BE49-F238E27FC236}">
+                  <a16:creationId xmlns:a16="http://schemas.microsoft.com/office/drawing/2014/main" id="{C17617CC-4ADC-4003-8815-B4D73CE50A6D}"/>
+                </a:ext>
+              </a:extLst>
+            </p:cNvPr>
+            <p:cNvSpPr txBox="1"/>
+            <p:nvPr/>
+          </p:nvSpPr>
+          <p:spPr>
+            <a:xfrm>
+              <a:off x="3574563" y="2644202"/>
+              <a:ext cx="360996" cy="230832"/>
+            </a:xfrm>
+            <a:prstGeom prst="rect">
+              <a:avLst/>
+            </a:prstGeom>
+            <a:noFill/>
+          </p:spPr>
+          <p:txBody>
+            <a:bodyPr wrap="none" rtlCol="0">
+              <a:spAutoFit/>
+            </a:bodyPr>
+            <a:lstStyle/>
+            <a:p>
+              <a:r>
+                <a:rPr lang="en-US" altLang="ko-KR" sz="900" dirty="0"/>
+                <a:t>2-2</a:t>
+              </a:r>
+              <a:endParaRPr lang="ko-KR" altLang="en-US" sz="900" dirty="0"/>
+            </a:p>
+          </p:txBody>
+        </p:sp>
+      </p:grpSp>
+      <p:grpSp>
+        <p:nvGrpSpPr>
+          <p:cNvPr id="21" name="그룹 20">
+            <a:extLst>
+              <a:ext uri="{FF2B5EF4-FFF2-40B4-BE49-F238E27FC236}">
+                <a16:creationId xmlns:a16="http://schemas.microsoft.com/office/drawing/2014/main" id="{4F7267EE-5621-4C2F-9250-1084FE5937E6}"/>
+              </a:ext>
+            </a:extLst>
+          </p:cNvPr>
+          <p:cNvGrpSpPr/>
+          <p:nvPr/>
+        </p:nvGrpSpPr>
+        <p:grpSpPr>
+          <a:xfrm>
+            <a:off x="3397138" y="4915245"/>
+            <a:ext cx="360996" cy="259308"/>
+            <a:chOff x="3397138" y="4915245"/>
+            <a:chExt cx="360996" cy="259308"/>
+          </a:xfrm>
+        </p:grpSpPr>
+        <p:sp>
+          <p:nvSpPr>
+            <p:cNvPr id="91" name="타원 90">
+              <a:extLst>
+                <a:ext uri="{FF2B5EF4-FFF2-40B4-BE49-F238E27FC236}">
+                  <a16:creationId xmlns:a16="http://schemas.microsoft.com/office/drawing/2014/main" id="{0A80768E-B913-43F8-A2B3-EE37EB3AD05B}"/>
+                </a:ext>
+              </a:extLst>
+            </p:cNvPr>
+            <p:cNvSpPr/>
+            <p:nvPr/>
+          </p:nvSpPr>
+          <p:spPr>
+            <a:xfrm>
+              <a:off x="3445288" y="4915245"/>
+              <a:ext cx="264696" cy="259308"/>
+            </a:xfrm>
+            <a:prstGeom prst="ellipse">
+              <a:avLst/>
+            </a:prstGeom>
+            <a:solidFill>
+              <a:schemeClr val="accent5">
+                <a:lumMod val="40000"/>
+                <a:lumOff val="60000"/>
+              </a:schemeClr>
+            </a:solidFill>
+            <a:ln>
+              <a:noFill/>
+            </a:ln>
+          </p:spPr>
+          <p:style>
+            <a:lnRef idx="2">
+              <a:schemeClr val="accent1">
+                <a:shade val="50000"/>
+              </a:schemeClr>
+            </a:lnRef>
+            <a:fillRef idx="1">
+              <a:schemeClr val="accent1"/>
+            </a:fillRef>
+            <a:effectRef idx="0">
+              <a:schemeClr val="accent1"/>
+            </a:effectRef>
+            <a:fontRef idx="minor">
+              <a:schemeClr val="lt1"/>
+            </a:fontRef>
+          </p:style>
+          <p:txBody>
+            <a:bodyPr rtlCol="0" anchor="ctr"/>
+            <a:lstStyle/>
+            <a:p>
+              <a:pPr algn="ctr"/>
+              <a:endParaRPr lang="ko-KR" altLang="en-US" dirty="0">
+                <a:solidFill>
+                  <a:sysClr val="windowText" lastClr="000000"/>
+                </a:solidFill>
+              </a:endParaRPr>
+            </a:p>
+          </p:txBody>
+        </p:sp>
+        <p:sp>
+          <p:nvSpPr>
+            <p:cNvPr id="98" name="TextBox 97">
+              <a:extLst>
+                <a:ext uri="{FF2B5EF4-FFF2-40B4-BE49-F238E27FC236}">
+                  <a16:creationId xmlns:a16="http://schemas.microsoft.com/office/drawing/2014/main" id="{EDAE17BA-D544-4FA5-8B3C-23C83B557D4F}"/>
+                </a:ext>
+              </a:extLst>
+            </p:cNvPr>
+            <p:cNvSpPr txBox="1"/>
+            <p:nvPr/>
+          </p:nvSpPr>
+          <p:spPr>
+            <a:xfrm>
+              <a:off x="3397138" y="4943721"/>
+              <a:ext cx="360996" cy="230832"/>
+            </a:xfrm>
+            <a:prstGeom prst="rect">
+              <a:avLst/>
+            </a:prstGeom>
+            <a:noFill/>
+          </p:spPr>
+          <p:txBody>
+            <a:bodyPr wrap="none" rtlCol="0">
+              <a:spAutoFit/>
+            </a:bodyPr>
+            <a:lstStyle/>
+            <a:p>
+              <a:r>
+                <a:rPr lang="en-US" altLang="ko-KR" sz="900" dirty="0"/>
+                <a:t>3-1</a:t>
+              </a:r>
+              <a:endParaRPr lang="ko-KR" altLang="en-US" sz="900" dirty="0"/>
+            </a:p>
+          </p:txBody>
+        </p:sp>
+      </p:grpSp>
+      <p:grpSp>
+        <p:nvGrpSpPr>
+          <p:cNvPr id="99" name="그룹 98">
+            <a:extLst>
+              <a:ext uri="{FF2B5EF4-FFF2-40B4-BE49-F238E27FC236}">
+                <a16:creationId xmlns:a16="http://schemas.microsoft.com/office/drawing/2014/main" id="{828C601F-85B7-4B80-A3BC-5F8A83AE606B}"/>
+              </a:ext>
+            </a:extLst>
+          </p:cNvPr>
+          <p:cNvGrpSpPr/>
+          <p:nvPr/>
+        </p:nvGrpSpPr>
+        <p:grpSpPr>
+          <a:xfrm>
+            <a:off x="2222843" y="2455447"/>
+            <a:ext cx="360996" cy="259308"/>
+            <a:chOff x="2492070" y="1956321"/>
+            <a:chExt cx="360996" cy="259308"/>
+          </a:xfrm>
+        </p:grpSpPr>
+        <p:sp>
+          <p:nvSpPr>
+            <p:cNvPr id="100" name="타원 99">
+              <a:extLst>
+                <a:ext uri="{FF2B5EF4-FFF2-40B4-BE49-F238E27FC236}">
+                  <a16:creationId xmlns:a16="http://schemas.microsoft.com/office/drawing/2014/main" id="{0946BC92-F28F-443C-871C-78FE4F8AD849}"/>
+                </a:ext>
+              </a:extLst>
+            </p:cNvPr>
+            <p:cNvSpPr/>
+            <p:nvPr/>
+          </p:nvSpPr>
+          <p:spPr>
+            <a:xfrm>
+              <a:off x="2540220" y="1956321"/>
+              <a:ext cx="264696" cy="259308"/>
+            </a:xfrm>
+            <a:prstGeom prst="ellipse">
+              <a:avLst/>
+            </a:prstGeom>
+            <a:solidFill>
+              <a:schemeClr val="accent5">
+                <a:lumMod val="40000"/>
+                <a:lumOff val="60000"/>
+              </a:schemeClr>
+            </a:solidFill>
+            <a:ln>
+              <a:noFill/>
+            </a:ln>
+          </p:spPr>
+          <p:style>
+            <a:lnRef idx="2">
+              <a:schemeClr val="accent1">
+                <a:shade val="50000"/>
+              </a:schemeClr>
+            </a:lnRef>
+            <a:fillRef idx="1">
+              <a:schemeClr val="accent1"/>
+            </a:fillRef>
+            <a:effectRef idx="0">
+              <a:schemeClr val="accent1"/>
+            </a:effectRef>
+            <a:fontRef idx="minor">
+              <a:schemeClr val="lt1"/>
+            </a:fontRef>
+          </p:style>
+          <p:txBody>
+            <a:bodyPr rtlCol="0" anchor="ctr"/>
+            <a:lstStyle/>
+            <a:p>
+              <a:pPr algn="ctr"/>
+              <a:endParaRPr lang="ko-KR" altLang="en-US" sz="1000" dirty="0">
+                <a:solidFill>
+                  <a:sysClr val="windowText" lastClr="000000"/>
+                </a:solidFill>
+              </a:endParaRPr>
+            </a:p>
+          </p:txBody>
+        </p:sp>
+        <p:sp>
+          <p:nvSpPr>
+            <p:cNvPr id="101" name="TextBox 100">
+              <a:extLst>
+                <a:ext uri="{FF2B5EF4-FFF2-40B4-BE49-F238E27FC236}">
+                  <a16:creationId xmlns:a16="http://schemas.microsoft.com/office/drawing/2014/main" id="{432FB14C-721F-4E10-ABCD-E54B600CD26B}"/>
+                </a:ext>
+              </a:extLst>
+            </p:cNvPr>
+            <p:cNvSpPr txBox="1"/>
+            <p:nvPr/>
+          </p:nvSpPr>
+          <p:spPr>
+            <a:xfrm>
+              <a:off x="2492070" y="1978274"/>
+              <a:ext cx="360996" cy="230832"/>
+            </a:xfrm>
+            <a:prstGeom prst="rect">
+              <a:avLst/>
+            </a:prstGeom>
+            <a:noFill/>
+          </p:spPr>
+          <p:txBody>
+            <a:bodyPr wrap="none" rtlCol="0">
+              <a:spAutoFit/>
+            </a:bodyPr>
+            <a:lstStyle/>
+            <a:p>
+              <a:r>
+                <a:rPr lang="en-US" altLang="ko-KR" sz="900" dirty="0"/>
+                <a:t>2-1</a:t>
+              </a:r>
+              <a:endParaRPr lang="ko-KR" altLang="en-US" sz="900" dirty="0"/>
+            </a:p>
+          </p:txBody>
+        </p:sp>
+      </p:grpSp>
+      <p:sp>
+        <p:nvSpPr>
+          <p:cNvPr id="116" name="타원 115">
+            <a:extLst>
+              <a:ext uri="{FF2B5EF4-FFF2-40B4-BE49-F238E27FC236}">
+                <a16:creationId xmlns:a16="http://schemas.microsoft.com/office/drawing/2014/main" id="{3D6FBC3C-CB9F-4E60-B9FF-F1C8D137CB22}"/>
+              </a:ext>
+            </a:extLst>
+          </p:cNvPr>
+          <p:cNvSpPr/>
+          <p:nvPr/>
+        </p:nvSpPr>
+        <p:spPr>
+          <a:xfrm>
+            <a:off x="4851146" y="4967482"/>
+            <a:ext cx="264696" cy="259308"/>
+          </a:xfrm>
+          <a:prstGeom prst="ellipse">
+            <a:avLst/>
+          </a:prstGeom>
+          <a:solidFill>
+            <a:schemeClr val="accent2">
+              <a:lumMod val="40000"/>
+              <a:lumOff val="60000"/>
+            </a:schemeClr>
+          </a:solidFill>
+          <a:ln>
+            <a:noFill/>
+          </a:ln>
+        </p:spPr>
+        <p:style>
+          <a:lnRef idx="2">
+            <a:schemeClr val="accent1">
+              <a:shade val="50000"/>
+            </a:schemeClr>
+          </a:lnRef>
+          <a:fillRef idx="1">
+            <a:schemeClr val="accent1"/>
+          </a:fillRef>
+          <a:effectRef idx="0">
+            <a:schemeClr val="accent1"/>
+          </a:effectRef>
+          <a:fontRef idx="minor">
+            <a:schemeClr val="lt1"/>
+          </a:fontRef>
+        </p:style>
+        <p:txBody>
+          <a:bodyPr rtlCol="0" anchor="ctr"/>
+          <a:lstStyle/>
+          <a:p>
+            <a:pPr algn="ctr"/>
+            <a:r>
+              <a:rPr lang="en-US" altLang="ko-KR" dirty="0">
+                <a:solidFill>
+                  <a:sysClr val="windowText" lastClr="000000"/>
+                </a:solidFill>
+              </a:rPr>
+              <a:t>3</a:t>
+            </a:r>
+            <a:endParaRPr lang="ko-KR" altLang="en-US" dirty="0">
+              <a:solidFill>
+                <a:sysClr val="windowText" lastClr="000000"/>
+              </a:solidFill>
+            </a:endParaRPr>
+          </a:p>
+        </p:txBody>
+      </p:sp>
+      <p:grpSp>
+        <p:nvGrpSpPr>
+          <p:cNvPr id="23" name="그룹 22">
+            <a:extLst>
+              <a:ext uri="{FF2B5EF4-FFF2-40B4-BE49-F238E27FC236}">
+                <a16:creationId xmlns:a16="http://schemas.microsoft.com/office/drawing/2014/main" id="{F76B8E33-2D1E-4A55-9F6A-67B767895A08}"/>
+              </a:ext>
+            </a:extLst>
+          </p:cNvPr>
+          <p:cNvGrpSpPr/>
+          <p:nvPr/>
+        </p:nvGrpSpPr>
+        <p:grpSpPr>
+          <a:xfrm>
+            <a:off x="5633990" y="2351122"/>
+            <a:ext cx="360996" cy="259308"/>
+            <a:chOff x="5633990" y="2351122"/>
+            <a:chExt cx="360996" cy="259308"/>
+          </a:xfrm>
+        </p:grpSpPr>
+        <p:sp>
+          <p:nvSpPr>
+            <p:cNvPr id="114" name="타원 113">
+              <a:extLst>
+                <a:ext uri="{FF2B5EF4-FFF2-40B4-BE49-F238E27FC236}">
+                  <a16:creationId xmlns:a16="http://schemas.microsoft.com/office/drawing/2014/main" id="{A2AE967A-FBD9-47E6-8733-4E0738B019AB}"/>
+                </a:ext>
+              </a:extLst>
+            </p:cNvPr>
+            <p:cNvSpPr/>
+            <p:nvPr/>
+          </p:nvSpPr>
+          <p:spPr>
+            <a:xfrm>
+              <a:off x="5682140" y="2351122"/>
+              <a:ext cx="264696" cy="259308"/>
+            </a:xfrm>
+            <a:prstGeom prst="ellipse">
+              <a:avLst/>
+            </a:prstGeom>
+            <a:solidFill>
+              <a:schemeClr val="accent2">
+                <a:lumMod val="40000"/>
+                <a:lumOff val="60000"/>
+              </a:schemeClr>
+            </a:solidFill>
+            <a:ln>
+              <a:noFill/>
+            </a:ln>
+          </p:spPr>
+          <p:style>
+            <a:lnRef idx="2">
+              <a:schemeClr val="accent1">
+                <a:shade val="50000"/>
+              </a:schemeClr>
+            </a:lnRef>
+            <a:fillRef idx="1">
+              <a:schemeClr val="accent1"/>
+            </a:fillRef>
+            <a:effectRef idx="0">
+              <a:schemeClr val="accent1"/>
+            </a:effectRef>
+            <a:fontRef idx="minor">
+              <a:schemeClr val="lt1"/>
+            </a:fontRef>
+          </p:style>
+          <p:txBody>
+            <a:bodyPr rtlCol="0" anchor="ctr"/>
+            <a:lstStyle/>
+            <a:p>
+              <a:pPr algn="ctr"/>
+              <a:endParaRPr lang="ko-KR" altLang="en-US" dirty="0">
+                <a:solidFill>
+                  <a:sysClr val="windowText" lastClr="000000"/>
+                </a:solidFill>
+              </a:endParaRPr>
+            </a:p>
+          </p:txBody>
+        </p:sp>
+        <p:sp>
+          <p:nvSpPr>
+            <p:cNvPr id="22" name="TextBox 21">
+              <a:extLst>
+                <a:ext uri="{FF2B5EF4-FFF2-40B4-BE49-F238E27FC236}">
+                  <a16:creationId xmlns:a16="http://schemas.microsoft.com/office/drawing/2014/main" id="{D560034B-CF7D-409E-B320-51AAD880FE19}"/>
+                </a:ext>
+              </a:extLst>
+            </p:cNvPr>
+            <p:cNvSpPr txBox="1"/>
+            <p:nvPr/>
+          </p:nvSpPr>
+          <p:spPr>
+            <a:xfrm>
+              <a:off x="5633990" y="2374621"/>
+              <a:ext cx="360996" cy="230832"/>
+            </a:xfrm>
+            <a:prstGeom prst="rect">
+              <a:avLst/>
+            </a:prstGeom>
+            <a:noFill/>
+          </p:spPr>
+          <p:txBody>
+            <a:bodyPr wrap="none" rtlCol="0">
+              <a:spAutoFit/>
+            </a:bodyPr>
+            <a:lstStyle/>
+            <a:p>
+              <a:r>
+                <a:rPr lang="en-US" altLang="ko-KR" sz="900" dirty="0"/>
+                <a:t>1-3</a:t>
+              </a:r>
+              <a:endParaRPr lang="ko-KR" altLang="en-US" sz="900" dirty="0"/>
+            </a:p>
+          </p:txBody>
+        </p:sp>
+      </p:grpSp>
+      <p:grpSp>
+        <p:nvGrpSpPr>
+          <p:cNvPr id="24" name="그룹 23">
+            <a:extLst>
+              <a:ext uri="{FF2B5EF4-FFF2-40B4-BE49-F238E27FC236}">
+                <a16:creationId xmlns:a16="http://schemas.microsoft.com/office/drawing/2014/main" id="{668C7460-6DA7-4789-9517-54104BC3FD3F}"/>
+              </a:ext>
+            </a:extLst>
+          </p:cNvPr>
+          <p:cNvGrpSpPr/>
+          <p:nvPr/>
+        </p:nvGrpSpPr>
+        <p:grpSpPr>
+          <a:xfrm>
+            <a:off x="4800806" y="2563867"/>
+            <a:ext cx="360996" cy="259308"/>
+            <a:chOff x="4800806" y="2563867"/>
+            <a:chExt cx="360996" cy="259308"/>
+          </a:xfrm>
+        </p:grpSpPr>
+        <p:sp>
+          <p:nvSpPr>
+            <p:cNvPr id="115" name="타원 114">
+              <a:extLst>
+                <a:ext uri="{FF2B5EF4-FFF2-40B4-BE49-F238E27FC236}">
+                  <a16:creationId xmlns:a16="http://schemas.microsoft.com/office/drawing/2014/main" id="{D896080C-F47D-44E7-9C06-282BCFAE651B}"/>
+                </a:ext>
+              </a:extLst>
+            </p:cNvPr>
+            <p:cNvSpPr/>
+            <p:nvPr/>
+          </p:nvSpPr>
+          <p:spPr>
+            <a:xfrm>
+              <a:off x="4851146" y="2563867"/>
+              <a:ext cx="264696" cy="259308"/>
+            </a:xfrm>
+            <a:prstGeom prst="ellipse">
+              <a:avLst/>
+            </a:prstGeom>
+            <a:solidFill>
+              <a:schemeClr val="accent2">
+                <a:lumMod val="40000"/>
+                <a:lumOff val="60000"/>
+              </a:schemeClr>
+            </a:solidFill>
+            <a:ln>
+              <a:noFill/>
+            </a:ln>
+          </p:spPr>
+          <p:style>
+            <a:lnRef idx="2">
+              <a:schemeClr val="accent1">
+                <a:shade val="50000"/>
+              </a:schemeClr>
+            </a:lnRef>
+            <a:fillRef idx="1">
+              <a:schemeClr val="accent1"/>
+            </a:fillRef>
+            <a:effectRef idx="0">
+              <a:schemeClr val="accent1"/>
+            </a:effectRef>
+            <a:fontRef idx="minor">
+              <a:schemeClr val="lt1"/>
+            </a:fontRef>
+          </p:style>
+          <p:txBody>
+            <a:bodyPr rtlCol="0" anchor="ctr"/>
+            <a:lstStyle/>
+            <a:p>
+              <a:pPr algn="ctr"/>
+              <a:endParaRPr lang="ko-KR" altLang="en-US" dirty="0">
+                <a:solidFill>
+                  <a:sysClr val="windowText" lastClr="000000"/>
+                </a:solidFill>
+              </a:endParaRPr>
+            </a:p>
+          </p:txBody>
+        </p:sp>
+        <p:sp>
+          <p:nvSpPr>
+            <p:cNvPr id="134" name="TextBox 133">
+              <a:extLst>
+                <a:ext uri="{FF2B5EF4-FFF2-40B4-BE49-F238E27FC236}">
+                  <a16:creationId xmlns:a16="http://schemas.microsoft.com/office/drawing/2014/main" id="{1A70CBF8-A36B-4622-8176-68A4F4B95FCD}"/>
+                </a:ext>
+              </a:extLst>
+            </p:cNvPr>
+            <p:cNvSpPr txBox="1"/>
+            <p:nvPr/>
+          </p:nvSpPr>
+          <p:spPr>
+            <a:xfrm>
+              <a:off x="4800806" y="2592343"/>
+              <a:ext cx="360996" cy="230832"/>
+            </a:xfrm>
+            <a:prstGeom prst="rect">
+              <a:avLst/>
+            </a:prstGeom>
+            <a:noFill/>
+          </p:spPr>
+          <p:txBody>
+            <a:bodyPr wrap="none" rtlCol="0">
+              <a:spAutoFit/>
+            </a:bodyPr>
+            <a:lstStyle/>
+            <a:p>
+              <a:r>
+                <a:rPr lang="en-US" altLang="ko-KR" sz="900" dirty="0"/>
+                <a:t>2-3</a:t>
+              </a:r>
+              <a:endParaRPr lang="ko-KR" altLang="en-US" sz="900" dirty="0"/>
+            </a:p>
+          </p:txBody>
+        </p:sp>
+      </p:grpSp>
+      <p:sp>
+        <p:nvSpPr>
+          <p:cNvPr id="135" name="TextBox 134">
+            <a:extLst>
+              <a:ext uri="{FF2B5EF4-FFF2-40B4-BE49-F238E27FC236}">
+                <a16:creationId xmlns:a16="http://schemas.microsoft.com/office/drawing/2014/main" id="{475B1971-76E3-471E-9F62-7CB1AEBBD2F4}"/>
+              </a:ext>
+            </a:extLst>
+          </p:cNvPr>
+          <p:cNvSpPr txBox="1"/>
+          <p:nvPr/>
+        </p:nvSpPr>
+        <p:spPr>
+          <a:xfrm>
+            <a:off x="4166550" y="4107317"/>
+            <a:ext cx="365806" cy="215444"/>
+          </a:xfrm>
+          <a:prstGeom prst="rect">
+            <a:avLst/>
+          </a:prstGeom>
+          <a:noFill/>
+        </p:spPr>
+        <p:txBody>
+          <a:bodyPr wrap="none" rtlCol="0">
+            <a:spAutoFit/>
+          </a:bodyPr>
+          <a:lstStyle/>
+          <a:p>
+            <a:r>
+              <a:rPr lang="en-US" altLang="ko-KR" sz="800" dirty="0"/>
+              <a:t>Nav</a:t>
+            </a:r>
+            <a:endParaRPr lang="ko-KR" altLang="en-US" sz="800" dirty="0"/>
+          </a:p>
+        </p:txBody>
+      </p:sp>
+      <p:grpSp>
+        <p:nvGrpSpPr>
+          <p:cNvPr id="137" name="그룹 136">
+            <a:extLst>
+              <a:ext uri="{FF2B5EF4-FFF2-40B4-BE49-F238E27FC236}">
+                <a16:creationId xmlns:a16="http://schemas.microsoft.com/office/drawing/2014/main" id="{5301B337-4E7D-495D-A4CF-75E35D411B84}"/>
+              </a:ext>
+            </a:extLst>
+          </p:cNvPr>
+          <p:cNvGrpSpPr/>
+          <p:nvPr/>
+        </p:nvGrpSpPr>
+        <p:grpSpPr>
+          <a:xfrm>
+            <a:off x="4183035" y="2459538"/>
+            <a:ext cx="360996" cy="259308"/>
+            <a:chOff x="4800806" y="2563867"/>
+            <a:chExt cx="360996" cy="259308"/>
+          </a:xfrm>
+        </p:grpSpPr>
+        <p:sp>
+          <p:nvSpPr>
+            <p:cNvPr id="138" name="타원 137">
+              <a:extLst>
+                <a:ext uri="{FF2B5EF4-FFF2-40B4-BE49-F238E27FC236}">
+                  <a16:creationId xmlns:a16="http://schemas.microsoft.com/office/drawing/2014/main" id="{5DA453EA-B90A-4AD0-8F30-985E27737AC4}"/>
+                </a:ext>
+              </a:extLst>
+            </p:cNvPr>
+            <p:cNvSpPr/>
+            <p:nvPr/>
+          </p:nvSpPr>
+          <p:spPr>
+            <a:xfrm>
+              <a:off x="4851146" y="2563867"/>
+              <a:ext cx="264696" cy="259308"/>
+            </a:xfrm>
+            <a:prstGeom prst="ellipse">
+              <a:avLst/>
+            </a:prstGeom>
+            <a:solidFill>
+              <a:schemeClr val="accent2">
+                <a:lumMod val="40000"/>
+                <a:lumOff val="60000"/>
+              </a:schemeClr>
+            </a:solidFill>
+            <a:ln>
+              <a:noFill/>
+            </a:ln>
+          </p:spPr>
+          <p:style>
+            <a:lnRef idx="2">
+              <a:schemeClr val="accent1">
+                <a:shade val="50000"/>
+              </a:schemeClr>
+            </a:lnRef>
+            <a:fillRef idx="1">
+              <a:schemeClr val="accent1"/>
+            </a:fillRef>
+            <a:effectRef idx="0">
+              <a:schemeClr val="accent1"/>
+            </a:effectRef>
+            <a:fontRef idx="minor">
+              <a:schemeClr val="lt1"/>
+            </a:fontRef>
+          </p:style>
+          <p:txBody>
+            <a:bodyPr rtlCol="0" anchor="ctr"/>
+            <a:lstStyle/>
+            <a:p>
+              <a:pPr algn="ctr"/>
+              <a:endParaRPr lang="ko-KR" altLang="en-US" dirty="0">
+                <a:solidFill>
+                  <a:sysClr val="windowText" lastClr="000000"/>
+                </a:solidFill>
+              </a:endParaRPr>
+            </a:p>
+          </p:txBody>
+        </p:sp>
+        <p:sp>
+          <p:nvSpPr>
+            <p:cNvPr id="139" name="TextBox 138">
+              <a:extLst>
+                <a:ext uri="{FF2B5EF4-FFF2-40B4-BE49-F238E27FC236}">
+                  <a16:creationId xmlns:a16="http://schemas.microsoft.com/office/drawing/2014/main" id="{D8FEF888-3412-48AD-B226-3E71A01D4D06}"/>
+                </a:ext>
+              </a:extLst>
+            </p:cNvPr>
+            <p:cNvSpPr txBox="1"/>
+            <p:nvPr/>
+          </p:nvSpPr>
+          <p:spPr>
+            <a:xfrm>
+              <a:off x="4800806" y="2592343"/>
+              <a:ext cx="360996" cy="230832"/>
+            </a:xfrm>
+            <a:prstGeom prst="rect">
+              <a:avLst/>
+            </a:prstGeom>
+            <a:noFill/>
+          </p:spPr>
+          <p:txBody>
+            <a:bodyPr wrap="none" rtlCol="0">
+              <a:spAutoFit/>
+            </a:bodyPr>
+            <a:lstStyle/>
+            <a:p>
+              <a:r>
+                <a:rPr lang="en-US" altLang="ko-KR" sz="900" dirty="0"/>
+                <a:t>2-1</a:t>
+              </a:r>
+              <a:endParaRPr lang="ko-KR" altLang="en-US" sz="900" dirty="0"/>
+            </a:p>
+          </p:txBody>
+        </p:sp>
+      </p:grpSp>
+      <p:grpSp>
+        <p:nvGrpSpPr>
+          <p:cNvPr id="25" name="그룹 24">
+            <a:extLst>
+              <a:ext uri="{FF2B5EF4-FFF2-40B4-BE49-F238E27FC236}">
+                <a16:creationId xmlns:a16="http://schemas.microsoft.com/office/drawing/2014/main" id="{5828DCD9-EB12-479B-BCAF-3478E8B93554}"/>
+              </a:ext>
+            </a:extLst>
+          </p:cNvPr>
+          <p:cNvGrpSpPr/>
+          <p:nvPr/>
+        </p:nvGrpSpPr>
+        <p:grpSpPr>
+          <a:xfrm>
+            <a:off x="4157998" y="3439921"/>
+            <a:ext cx="360996" cy="449067"/>
+            <a:chOff x="4157998" y="3439921"/>
+            <a:chExt cx="360996" cy="449067"/>
+          </a:xfrm>
+        </p:grpSpPr>
+        <p:sp>
+          <p:nvSpPr>
+            <p:cNvPr id="143" name="화살표: 오른쪽 142">
+              <a:extLst>
+                <a:ext uri="{FF2B5EF4-FFF2-40B4-BE49-F238E27FC236}">
+                  <a16:creationId xmlns:a16="http://schemas.microsoft.com/office/drawing/2014/main" id="{E369F7DE-7E2A-4091-97D2-9AD4F601E442}"/>
+                </a:ext>
+              </a:extLst>
+            </p:cNvPr>
+            <p:cNvSpPr/>
+            <p:nvPr/>
+          </p:nvSpPr>
+          <p:spPr>
+            <a:xfrm rot="5400000">
+              <a:off x="4217076" y="3694390"/>
+              <a:ext cx="292913" cy="96284"/>
+            </a:xfrm>
+            <a:prstGeom prst="rightArrow">
+              <a:avLst/>
+            </a:prstGeom>
+            <a:solidFill>
+              <a:schemeClr val="accent2">
+                <a:lumMod val="60000"/>
+                <a:lumOff val="40000"/>
+              </a:schemeClr>
+            </a:solidFill>
+            <a:ln>
+              <a:noFill/>
+            </a:ln>
+          </p:spPr>
+          <p:style>
+            <a:lnRef idx="2">
+              <a:schemeClr val="accent1">
+                <a:shade val="50000"/>
+              </a:schemeClr>
+            </a:lnRef>
+            <a:fillRef idx="1">
+              <a:schemeClr val="accent1"/>
+            </a:fillRef>
+            <a:effectRef idx="0">
+              <a:schemeClr val="accent1"/>
+            </a:effectRef>
+            <a:fontRef idx="minor">
+              <a:schemeClr val="lt1"/>
+            </a:fontRef>
+          </p:style>
+          <p:txBody>
+            <a:bodyPr rtlCol="0" anchor="ctr"/>
+            <a:lstStyle/>
+            <a:p>
+              <a:pPr algn="ctr"/>
+              <a:endParaRPr lang="ko-KR" altLang="en-US"/>
+            </a:p>
+          </p:txBody>
+        </p:sp>
+        <p:grpSp>
+          <p:nvGrpSpPr>
+            <p:cNvPr id="140" name="그룹 139">
+              <a:extLst>
+                <a:ext uri="{FF2B5EF4-FFF2-40B4-BE49-F238E27FC236}">
+                  <a16:creationId xmlns:a16="http://schemas.microsoft.com/office/drawing/2014/main" id="{10E5C3B2-A353-4F3D-BDBD-FC67CB827683}"/>
+                </a:ext>
+              </a:extLst>
+            </p:cNvPr>
+            <p:cNvGrpSpPr/>
+            <p:nvPr/>
+          </p:nvGrpSpPr>
+          <p:grpSpPr>
+            <a:xfrm>
+              <a:off x="4157998" y="3439921"/>
+              <a:ext cx="360996" cy="259308"/>
+              <a:chOff x="4800806" y="2563867"/>
+              <a:chExt cx="360996" cy="259308"/>
+            </a:xfrm>
+          </p:grpSpPr>
+          <p:sp>
+            <p:nvSpPr>
+              <p:cNvPr id="141" name="타원 140">
+                <a:extLst>
+                  <a:ext uri="{FF2B5EF4-FFF2-40B4-BE49-F238E27FC236}">
+                    <a16:creationId xmlns:a16="http://schemas.microsoft.com/office/drawing/2014/main" id="{7150BA05-DB02-4086-AFF2-7B419482B9F1}"/>
+                  </a:ext>
+                </a:extLst>
+              </p:cNvPr>
+              <p:cNvSpPr/>
+              <p:nvPr/>
+            </p:nvSpPr>
+            <p:spPr>
+              <a:xfrm>
+                <a:off x="4851146" y="2563867"/>
+                <a:ext cx="264696" cy="259308"/>
+              </a:xfrm>
+              <a:prstGeom prst="ellipse">
+                <a:avLst/>
+              </a:prstGeom>
+              <a:solidFill>
+                <a:schemeClr val="accent2">
+                  <a:lumMod val="40000"/>
+                  <a:lumOff val="60000"/>
+                </a:schemeClr>
+              </a:solidFill>
+              <a:ln>
+                <a:noFill/>
+              </a:ln>
+            </p:spPr>
+            <p:style>
+              <a:lnRef idx="2">
+                <a:schemeClr val="accent1">
+                  <a:shade val="50000"/>
+                </a:schemeClr>
+              </a:lnRef>
+              <a:fillRef idx="1">
+                <a:schemeClr val="accent1"/>
+              </a:fillRef>
+              <a:effectRef idx="0">
+                <a:schemeClr val="accent1"/>
+              </a:effectRef>
+              <a:fontRef idx="minor">
+                <a:schemeClr val="lt1"/>
+              </a:fontRef>
+            </p:style>
+            <p:txBody>
+              <a:bodyPr rtlCol="0" anchor="ctr"/>
+              <a:lstStyle/>
+              <a:p>
+                <a:pPr algn="ctr"/>
+                <a:endParaRPr lang="ko-KR" altLang="en-US" dirty="0">
+                  <a:solidFill>
+                    <a:sysClr val="windowText" lastClr="000000"/>
+                  </a:solidFill>
+                </a:endParaRPr>
+              </a:p>
+            </p:txBody>
+          </p:sp>
+          <p:sp>
+            <p:nvSpPr>
+              <p:cNvPr id="142" name="TextBox 141">
+                <a:extLst>
+                  <a:ext uri="{FF2B5EF4-FFF2-40B4-BE49-F238E27FC236}">
+                    <a16:creationId xmlns:a16="http://schemas.microsoft.com/office/drawing/2014/main" id="{C0623447-16C3-4864-BA00-F0B664012256}"/>
+                  </a:ext>
+                </a:extLst>
+              </p:cNvPr>
+              <p:cNvSpPr txBox="1"/>
+              <p:nvPr/>
+            </p:nvSpPr>
+            <p:spPr>
+              <a:xfrm>
+                <a:off x="4800806" y="2592343"/>
+                <a:ext cx="360996" cy="230832"/>
+              </a:xfrm>
+              <a:prstGeom prst="rect">
+                <a:avLst/>
+              </a:prstGeom>
+              <a:noFill/>
+            </p:spPr>
+            <p:txBody>
+              <a:bodyPr wrap="none" rtlCol="0">
+                <a:spAutoFit/>
+              </a:bodyPr>
+              <a:lstStyle/>
+              <a:p>
+                <a:r>
+                  <a:rPr lang="en-US" altLang="ko-KR" sz="900" dirty="0"/>
+                  <a:t>2-2</a:t>
+                </a:r>
+                <a:endParaRPr lang="ko-KR" altLang="en-US" sz="900" dirty="0"/>
+              </a:p>
+            </p:txBody>
+          </p:sp>
+        </p:grpSp>
+      </p:grpSp>
     </p:spTree>
     <p:extLst>
       <p:ext uri="{BB962C8B-B14F-4D97-AF65-F5344CB8AC3E}">
@@ -8479,7 +10159,7 @@
           <p:nvPr>
             <p:extLst>
               <p:ext uri="{D42A27DB-BD31-4B8C-83A1-F6EECF244321}">
-                <p14:modId xmlns:p14="http://schemas.microsoft.com/office/powerpoint/2010/main" val="3085466242"/>
+                <p14:modId xmlns:p14="http://schemas.microsoft.com/office/powerpoint/2010/main" val="3881411353"/>
               </p:ext>
             </p:extLst>
           </p:nvPr>
@@ -8554,7 +10234,7 @@
                     <a:p>
                       <a:pPr latinLnBrk="1"/>
                       <a:r>
-                        <a:rPr lang="ko-KR" altLang="en-US" sz="1600" dirty="0"/>
+                        <a:rPr lang="ko-KR" altLang="en-US" sz="1400" dirty="0"/>
                         <a:t>외교부 독도 홈페이지 리뉴얼</a:t>
                       </a:r>
                     </a:p>
@@ -8589,10 +10269,10 @@
                     <a:p>
                       <a:pPr latinLnBrk="1"/>
                       <a:r>
-                        <a:rPr lang="ko-KR" altLang="en-US" sz="1600" dirty="0" err="1"/>
+                        <a:rPr lang="ko-KR" altLang="en-US" sz="1400" dirty="0" err="1"/>
                         <a:t>우민주</a:t>
                       </a:r>
-                      <a:endParaRPr lang="ko-KR" altLang="en-US" sz="1600" dirty="0"/>
+                      <a:endParaRPr lang="ko-KR" altLang="en-US" sz="1400" dirty="0"/>
                     </a:p>
                   </a:txBody>
                   <a:tcPr/>
@@ -8640,10 +10320,10 @@
                     <a:p>
                       <a:pPr latinLnBrk="1"/>
                       <a:r>
-                        <a:rPr lang="en-US" altLang="ko-KR" sz="1600" dirty="0"/>
+                        <a:rPr lang="en-US" altLang="ko-KR" sz="1400" dirty="0"/>
                         <a:t>Main Section1 </a:t>
                       </a:r>
-                      <a:endParaRPr lang="ko-KR" altLang="en-US" sz="1600" dirty="0"/>
+                      <a:endParaRPr lang="ko-KR" altLang="en-US" sz="1400" dirty="0"/>
                     </a:p>
                   </a:txBody>
                   <a:tcPr/>
@@ -8656,8 +10336,13 @@
                       <a:pPr algn="ctr" latinLnBrk="1"/>
                       <a:r>
                         <a:rPr lang="ko-KR" altLang="en-US" sz="1600" dirty="0"/>
-                        <a:t>비고</a:t>
-                      </a:r>
+                        <a:t>화면 </a:t>
+                      </a:r>
+                      <a:r>
+                        <a:rPr lang="en-US" altLang="ko-KR" sz="1600" dirty="0"/>
+                        <a:t>ID</a:t>
+                      </a:r>
+                      <a:endParaRPr lang="ko-KR" altLang="en-US" sz="1600" dirty="0"/>
                     </a:p>
                   </a:txBody>
                   <a:tcPr>
@@ -8675,7 +10360,11 @@
                     <a:lstStyle/>
                     <a:p>
                       <a:pPr latinLnBrk="1"/>
-                      <a:endParaRPr lang="ko-KR" altLang="en-US" sz="1600" dirty="0"/>
+                      <a:r>
+                        <a:rPr lang="en-US" altLang="ko-KR" sz="1400" dirty="0"/>
+                        <a:t>Section_1</a:t>
+                      </a:r>
+                      <a:endParaRPr lang="ko-KR" altLang="en-US" sz="1400" dirty="0"/>
                     </a:p>
                   </a:txBody>
                   <a:tcPr/>
@@ -8705,14 +10394,14 @@
           <p:nvPr>
             <p:extLst>
               <p:ext uri="{D42A27DB-BD31-4B8C-83A1-F6EECF244321}">
-                <p14:modId xmlns:p14="http://schemas.microsoft.com/office/powerpoint/2010/main" val="310496347"/>
+                <p14:modId xmlns:p14="http://schemas.microsoft.com/office/powerpoint/2010/main" val="3506399060"/>
               </p:ext>
             </p:extLst>
           </p:nvPr>
         </p:nvGraphicFramePr>
         <p:xfrm>
           <a:off x="587828" y="1480824"/>
-          <a:ext cx="10918372" cy="4485443"/>
+          <a:ext cx="10918372" cy="3671416"/>
         </p:xfrm>
         <a:graphic>
           <a:graphicData uri="http://schemas.openxmlformats.org/drawingml/2006/table">
@@ -8885,7 +10574,7 @@
                     <a:p>
                       <a:pPr algn="ctr" latinLnBrk="1"/>
                       <a:r>
-                        <a:rPr lang="ko-KR" altLang="en-US" sz="1100" dirty="0"/>
+                        <a:rPr lang="ko-KR" altLang="en-US" sz="1050" dirty="0"/>
                         <a:t>화면 설명 </a:t>
                       </a:r>
                     </a:p>
@@ -8903,24 +10592,60 @@
                     <a:p>
                       <a:pPr latinLnBrk="1"/>
                       <a:r>
-                        <a:rPr lang="ko-KR" altLang="en-US" sz="1100" dirty="0"/>
-                        <a:t>공식 유튜브에서 촬영한 독도의 경관을 담은 영상을 배경으로 깔아 </a:t>
-                      </a:r>
-                      <a:r>
-                        <a:rPr lang="en-US" altLang="ko-KR" sz="1100" dirty="0"/>
+                        <a:rPr lang="ko-KR" altLang="en-US" sz="1050" baseline="0" dirty="0"/>
+                        <a:t>외교부 독도 홈페이지 메인 </a:t>
+                      </a:r>
+                      <a:r>
+                        <a:rPr lang="en-US" altLang="ko-KR" sz="1050" baseline="0" dirty="0"/>
+                        <a:t>section_1</a:t>
+                      </a:r>
+                      <a:r>
+                        <a:rPr lang="ko-KR" altLang="en-US" sz="1050" baseline="0" dirty="0"/>
+                        <a:t>에 </a:t>
+                      </a:r>
+                      <a:r>
+                        <a:rPr lang="ko-KR" altLang="en-US" sz="1050" dirty="0"/>
+                        <a:t>영상을 </a:t>
+                      </a:r>
+                      <a:r>
+                        <a:rPr lang="en-US" altLang="ko-KR" sz="1050" dirty="0"/>
+                        <a:t>Background</a:t>
+                      </a:r>
+                      <a:r>
+                        <a:rPr lang="ko-KR" altLang="en-US" sz="1050" dirty="0"/>
+                        <a:t>로 깔아 </a:t>
+                      </a:r>
+                      <a:r>
+                        <a:rPr lang="en-US" altLang="ko-KR" sz="1050" dirty="0"/>
                         <a:t>Nav</a:t>
                       </a:r>
                       <a:r>
-                        <a:rPr lang="ko-KR" altLang="en-US" sz="1100" dirty="0"/>
+                        <a:rPr lang="ko-KR" altLang="en-US" sz="1050" dirty="0"/>
                         <a:t>와 </a:t>
                       </a:r>
                       <a:r>
-                        <a:rPr lang="en-US" altLang="ko-KR" sz="1100" dirty="0"/>
+                        <a:rPr lang="en-US" altLang="ko-KR" sz="1050" dirty="0"/>
                         <a:t>Section_2</a:t>
                       </a:r>
                       <a:r>
-                        <a:rPr lang="ko-KR" altLang="en-US" sz="1100" dirty="0"/>
-                        <a:t>가 배경 위에 깔리도록 구성</a:t>
+                        <a:rPr lang="ko-KR" altLang="en-US" sz="1050" dirty="0"/>
+                        <a:t>가 </a:t>
+                      </a:r>
+                      <a:r>
+                        <a:rPr lang="en-US" altLang="ko-KR" sz="1050" dirty="0"/>
+                        <a:t>Section_1</a:t>
+                      </a:r>
+                      <a:r>
+                        <a:rPr lang="ko-KR" altLang="en-US" sz="1050" dirty="0"/>
+                        <a:t>에 </a:t>
+                      </a:r>
+                      <a:r>
+                        <a:rPr lang="en-US" altLang="ko-KR" sz="1050" dirty="0"/>
+                        <a:t>Float</a:t>
+                      </a:r>
+                      <a:r>
+                        <a:rPr lang="ko-KR" altLang="en-US" sz="1050" dirty="0"/>
+                        <a:t>되도록 구성</a:t>
                       </a:r>
                     </a:p>
                   </a:txBody>
@@ -8932,7 +10657,7 @@
                   </a:ext>
                 </a:extLst>
               </a:tr>
-              <a:tr h="986033">
+              <a:tr h="649712">
                 <a:tc vMerge="1">
                   <a:txBody>
                     <a:bodyPr/>
@@ -8961,19 +10686,15 @@
                     <a:lstStyle/>
                     <a:p>
                       <a:pPr algn="ctr" latinLnBrk="1"/>
-                      <a:endParaRPr lang="en-US" altLang="ko-KR" sz="1100" dirty="0"/>
+                      <a:endParaRPr lang="en-US" altLang="ko-KR" sz="1050" dirty="0"/>
                     </a:p>
                     <a:p>
                       <a:pPr algn="ctr" latinLnBrk="1"/>
-                      <a:endParaRPr lang="en-US" altLang="ko-KR" sz="1100" dirty="0"/>
-                    </a:p>
-                    <a:p>
-                      <a:pPr algn="ctr" latinLnBrk="1"/>
-                      <a:r>
-                        <a:rPr lang="en-US" altLang="ko-KR" sz="1100" dirty="0"/>
+                      <a:r>
+                        <a:rPr lang="en-US" altLang="ko-KR" sz="1050" dirty="0"/>
                         <a:t>1</a:t>
                       </a:r>
-                      <a:endParaRPr lang="ko-KR" altLang="en-US" sz="1100" dirty="0"/>
+                      <a:endParaRPr lang="ko-KR" altLang="en-US" sz="1050" dirty="0"/>
                     </a:p>
                   </a:txBody>
                   <a:tcPr>
@@ -8988,26 +10709,51 @@
                     <a:lstStyle/>
                     <a:p>
                       <a:pPr latinLnBrk="1"/>
-                      <a:endParaRPr lang="en-US" altLang="ko-KR" sz="1100" dirty="0"/>
+                      <a:r>
+                        <a:rPr lang="ko-KR" altLang="en-US" sz="1050" dirty="0"/>
+                        <a:t>외교부에서 직접 촬영한 독도의 영상을 </a:t>
+                      </a:r>
+                      <a:r>
+                        <a:rPr lang="en-US" altLang="ko-KR" sz="1050" dirty="0"/>
+                        <a:t>Background</a:t>
+                      </a:r>
+                      <a:r>
+                        <a:rPr lang="ko-KR" altLang="en-US" sz="1050" dirty="0"/>
+                        <a:t>로 설정하여</a:t>
+                      </a:r>
+                      <a:r>
+                        <a:rPr lang="en-US" altLang="ko-KR" sz="1050" dirty="0"/>
+                        <a:t>, </a:t>
+                      </a:r>
+                      <a:r>
+                        <a:rPr lang="ko-KR" altLang="en-US" sz="1050" dirty="0"/>
+                        <a:t>자동으로 반복 재생되도록 설정</a:t>
+                      </a:r>
+                      <a:endParaRPr lang="en-US" altLang="ko-KR" sz="1050" dirty="0"/>
                     </a:p>
                     <a:p>
                       <a:pPr latinLnBrk="1"/>
                       <a:r>
-                        <a:rPr lang="ko-KR" altLang="en-US" sz="1100" dirty="0"/>
-                        <a:t>배경의 영상은 자동으로 반복 재생되도록 설정하고</a:t>
-                      </a:r>
-                      <a:r>
-                        <a:rPr lang="en-US" altLang="ko-KR" sz="1100" dirty="0"/>
-                        <a:t>,</a:t>
-                      </a:r>
-                    </a:p>
-                    <a:p>
-                      <a:pPr latinLnBrk="1"/>
-                      <a:r>
-                        <a:rPr lang="ko-KR" altLang="en-US" sz="1100" dirty="0"/>
-                        <a:t>스크롤 내릴 시 영상의 위치 고정시켜 다른 섹션이 올라오는 것처럼 보이도록 설정</a:t>
-                      </a:r>
-                      <a:endParaRPr lang="en-US" altLang="ko-KR" sz="1100" dirty="0"/>
+                        <a:rPr lang="ko-KR" altLang="en-US" sz="1050" dirty="0"/>
+                        <a:t>영상을 </a:t>
+                      </a:r>
+                      <a:r>
+                        <a:rPr lang="en-US" altLang="ko-KR" sz="1050" dirty="0"/>
+                        <a:t>Fixed</a:t>
+                      </a:r>
+                      <a:r>
+                        <a:rPr lang="ko-KR" altLang="en-US" sz="1050" dirty="0"/>
+                        <a:t>로 하여 </a:t>
+                      </a:r>
+                      <a:r>
+                        <a:rPr lang="en-US" altLang="ko-KR" sz="1050" dirty="0"/>
+                        <a:t>Parallax </a:t>
+                      </a:r>
+                      <a:r>
+                        <a:rPr lang="ko-KR" altLang="en-US" sz="1050" dirty="0"/>
+                        <a:t>효과 사용</a:t>
+                      </a:r>
+                      <a:endParaRPr lang="en-US" altLang="ko-KR" sz="1050" dirty="0"/>
                     </a:p>
                   </a:txBody>
                   <a:tcPr/>
@@ -9018,7 +10764,7 @@
                   </a:ext>
                 </a:extLst>
               </a:tr>
-              <a:tr h="986033">
+              <a:tr h="523567">
                 <a:tc vMerge="1">
                   <a:txBody>
                     <a:bodyPr/>
@@ -9047,19 +10793,11 @@
                     <a:lstStyle/>
                     <a:p>
                       <a:pPr algn="ctr" latinLnBrk="1"/>
-                      <a:endParaRPr lang="en-US" altLang="ko-KR" sz="1100" dirty="0"/>
-                    </a:p>
-                    <a:p>
-                      <a:pPr algn="ctr" latinLnBrk="1"/>
-                      <a:endParaRPr lang="en-US" altLang="ko-KR" sz="1100" dirty="0"/>
-                    </a:p>
-                    <a:p>
-                      <a:pPr algn="ctr" latinLnBrk="1"/>
-                      <a:r>
-                        <a:rPr lang="en-US" altLang="ko-KR" sz="1100" dirty="0"/>
-                        <a:t>2</a:t>
-                      </a:r>
-                      <a:endParaRPr lang="ko-KR" altLang="en-US" sz="1100" dirty="0"/>
+                      <a:r>
+                        <a:rPr lang="en-US" altLang="ko-KR" sz="1050" dirty="0"/>
+                        <a:t>1-2</a:t>
+                      </a:r>
+                      <a:endParaRPr lang="ko-KR" altLang="en-US" sz="1050" dirty="0"/>
                     </a:p>
                   </a:txBody>
                   <a:tcPr>
@@ -9074,43 +10812,39 @@
                     <a:lstStyle/>
                     <a:p>
                       <a:pPr latinLnBrk="1"/>
-                      <a:endParaRPr lang="en-US" altLang="ko-KR" sz="1100" dirty="0"/>
+                      <a:r>
+                        <a:rPr lang="ko-KR" altLang="en-US" sz="1050" dirty="0"/>
+                        <a:t>외교부에서 제작한 </a:t>
+                      </a:r>
+                      <a:r>
+                        <a:rPr lang="ko-KR" altLang="en-US" sz="1050" dirty="0" err="1"/>
+                        <a:t>캘리그라피</a:t>
+                      </a:r>
+                      <a:r>
+                        <a:rPr lang="ko-KR" altLang="en-US" sz="1050" dirty="0"/>
+                        <a:t> 이미지</a:t>
+                      </a:r>
+                      <a:endParaRPr lang="en-US" altLang="ko-KR" sz="1050" dirty="0"/>
                     </a:p>
                     <a:p>
                       <a:pPr latinLnBrk="1"/>
                       <a:r>
-                        <a:rPr lang="ko-KR" altLang="en-US" sz="1100" dirty="0"/>
-                        <a:t>외교부에서 제작한 </a:t>
-                      </a:r>
-                      <a:r>
-                        <a:rPr lang="ko-KR" altLang="en-US" sz="1100" dirty="0" err="1"/>
-                        <a:t>캘리그라피</a:t>
-                      </a:r>
-                      <a:r>
-                        <a:rPr lang="ko-KR" altLang="en-US" sz="1100" dirty="0"/>
-                        <a:t> 이미지를 영상 상단에 고정시킴</a:t>
-                      </a:r>
-                      <a:endParaRPr lang="en-US" altLang="ko-KR" sz="1100" dirty="0"/>
-                    </a:p>
-                    <a:p>
-                      <a:pPr latinLnBrk="1"/>
-                      <a:r>
-                        <a:rPr lang="ko-KR" altLang="en-US" sz="1100" dirty="0"/>
+                        <a:rPr lang="ko-KR" altLang="en-US" sz="1050" dirty="0"/>
                         <a:t>이미지 클릭 시 관련 페이지로 넘어가도록 설정</a:t>
                       </a:r>
                       <a:r>
-                        <a:rPr lang="en-US" altLang="ko-KR" sz="1100" dirty="0"/>
+                        <a:rPr lang="en-US" altLang="ko-KR" sz="1050" dirty="0"/>
                         <a:t>(</a:t>
                       </a:r>
                       <a:r>
-                        <a:rPr lang="ko-KR" altLang="en-US" sz="1100" dirty="0"/>
+                        <a:rPr lang="ko-KR" altLang="en-US" sz="1050" dirty="0"/>
                         <a:t>구현 예정</a:t>
                       </a:r>
                       <a:r>
-                        <a:rPr lang="en-US" altLang="ko-KR" sz="1100" dirty="0"/>
+                        <a:rPr lang="en-US" altLang="ko-KR" sz="1050" dirty="0"/>
                         <a:t>)</a:t>
                       </a:r>
-                      <a:endParaRPr lang="ko-KR" altLang="en-US" sz="1100" dirty="0"/>
+                      <a:endParaRPr lang="ko-KR" altLang="en-US" sz="1050" dirty="0"/>
                     </a:p>
                   </a:txBody>
                   <a:tcPr/>
@@ -9211,23 +10945,23 @@
                     <a:lstStyle/>
                     <a:p>
                       <a:pPr algn="ctr" latinLnBrk="1"/>
-                      <a:endParaRPr lang="en-US" altLang="ko-KR" sz="1100" dirty="0"/>
+                      <a:endParaRPr lang="en-US" altLang="ko-KR" sz="1050" dirty="0"/>
                     </a:p>
                     <a:p>
                       <a:pPr algn="ctr" latinLnBrk="1"/>
-                      <a:endParaRPr lang="en-US" altLang="ko-KR" sz="1100" dirty="0"/>
+                      <a:endParaRPr lang="en-US" altLang="ko-KR" sz="1050" dirty="0"/>
                     </a:p>
                     <a:p>
                       <a:pPr algn="ctr" latinLnBrk="1"/>
-                      <a:endParaRPr lang="en-US" altLang="ko-KR" sz="1100" dirty="0"/>
+                      <a:endParaRPr lang="en-US" altLang="ko-KR" sz="1050" dirty="0"/>
                     </a:p>
                     <a:p>
                       <a:pPr algn="ctr" latinLnBrk="1"/>
                       <a:r>
-                        <a:rPr lang="en-US" altLang="ko-KR" sz="1100" dirty="0"/>
+                        <a:rPr lang="en-US" altLang="ko-KR" sz="1050" dirty="0"/>
                         <a:t>1</a:t>
                       </a:r>
-                      <a:endParaRPr lang="ko-KR" altLang="en-US" sz="1100" dirty="0"/>
+                      <a:endParaRPr lang="ko-KR" altLang="en-US" sz="1050" dirty="0"/>
                     </a:p>
                   </a:txBody>
                   <a:tcPr>
@@ -9242,20 +10976,20 @@
                     <a:lstStyle/>
                     <a:p>
                       <a:pPr latinLnBrk="1"/>
-                      <a:endParaRPr lang="en-US" altLang="ko-KR" sz="1100" dirty="0"/>
+                      <a:endParaRPr lang="en-US" altLang="ko-KR" sz="1050" dirty="0"/>
                     </a:p>
                     <a:p>
                       <a:pPr latinLnBrk="1"/>
-                      <a:endParaRPr lang="en-US" altLang="ko-KR" sz="1100" dirty="0"/>
+                      <a:endParaRPr lang="en-US" altLang="ko-KR" sz="1050" dirty="0"/>
                     </a:p>
                     <a:p>
                       <a:pPr latinLnBrk="1"/>
-                      <a:endParaRPr lang="en-US" altLang="ko-KR" sz="1100" dirty="0"/>
+                      <a:endParaRPr lang="en-US" altLang="ko-KR" sz="1050" dirty="0"/>
                     </a:p>
                     <a:p>
                       <a:pPr latinLnBrk="1"/>
                       <a:r>
-                        <a:rPr lang="ko-KR" altLang="en-US" sz="1100" dirty="0"/>
+                        <a:rPr lang="ko-KR" altLang="en-US" sz="1050" dirty="0"/>
                         <a:t>화면사이즈에 맞게 영상크기 조절</a:t>
                       </a:r>
                     </a:p>
@@ -9725,7 +11459,7 @@
         </p:nvSpPr>
         <p:spPr>
           <a:xfrm>
-            <a:off x="716340" y="1972530"/>
+            <a:off x="761935" y="2371055"/>
             <a:ext cx="618452" cy="215444"/>
           </a:xfrm>
           <a:prstGeom prst="rect">
@@ -9744,73 +11478,6 @@
               <a:t>Section_1</a:t>
             </a:r>
             <a:endParaRPr lang="ko-KR" altLang="en-US" sz="800" dirty="0"/>
-          </a:p>
-        </p:txBody>
-      </p:sp>
-      <p:sp>
-        <p:nvSpPr>
-          <p:cNvPr id="58" name="타원 57">
-            <a:extLst>
-              <a:ext uri="{FF2B5EF4-FFF2-40B4-BE49-F238E27FC236}">
-                <a16:creationId xmlns:a16="http://schemas.microsoft.com/office/drawing/2014/main" id="{468FCDFD-D322-4390-9DE9-A16B380283F2}"/>
-              </a:ext>
-            </a:extLst>
-          </p:cNvPr>
-          <p:cNvSpPr/>
-          <p:nvPr/>
-        </p:nvSpPr>
-        <p:spPr>
-          <a:xfrm>
-            <a:off x="2546040" y="2519304"/>
-            <a:ext cx="264696" cy="259308"/>
-          </a:xfrm>
-          <a:prstGeom prst="ellipse">
-            <a:avLst/>
-          </a:prstGeom>
-          <a:solidFill>
-            <a:schemeClr val="accent5">
-              <a:lumMod val="40000"/>
-              <a:lumOff val="60000"/>
-            </a:schemeClr>
-          </a:solidFill>
-          <a:ln>
-            <a:noFill/>
-          </a:ln>
-        </p:spPr>
-        <p:style>
-          <a:lnRef idx="2">
-            <a:schemeClr val="accent1">
-              <a:shade val="50000"/>
-            </a:schemeClr>
-          </a:lnRef>
-          <a:fillRef idx="1">
-            <a:schemeClr val="accent1"/>
-          </a:fillRef>
-          <a:effectRef idx="0">
-            <a:schemeClr val="accent1"/>
-          </a:effectRef>
-          <a:fontRef idx="minor">
-            <a:schemeClr val="lt1"/>
-          </a:fontRef>
-        </p:style>
-        <p:txBody>
-          <a:bodyPr rtlCol="0" anchor="ctr"/>
-          <a:lstStyle/>
-          <a:p>
-            <a:pPr algn="ctr"/>
-            <a:r>
-              <a:rPr lang="en-US" altLang="ko-KR" dirty="0">
-                <a:solidFill>
-                  <a:sysClr val="windowText" lastClr="000000"/>
-                </a:solidFill>
-              </a:rPr>
-              <a:t>2</a:t>
-            </a:r>
-            <a:endParaRPr lang="ko-KR" altLang="en-US" dirty="0">
-              <a:solidFill>
-                <a:sysClr val="windowText" lastClr="000000"/>
-              </a:solidFill>
-            </a:endParaRPr>
           </a:p>
         </p:txBody>
       </p:sp>
@@ -10334,7 +12001,7 @@
         </p:nvSpPr>
         <p:spPr>
           <a:xfrm>
-            <a:off x="4364054" y="2099306"/>
+            <a:off x="4399613" y="2923829"/>
             <a:ext cx="618452" cy="215444"/>
           </a:xfrm>
           <a:prstGeom prst="rect">
@@ -10658,6 +12325,449 @@
           </a:fontRef>
         </p:style>
       </p:cxnSp>
+      <p:sp>
+        <p:nvSpPr>
+          <p:cNvPr id="34" name="TextBox 33">
+            <a:extLst>
+              <a:ext uri="{FF2B5EF4-FFF2-40B4-BE49-F238E27FC236}">
+                <a16:creationId xmlns:a16="http://schemas.microsoft.com/office/drawing/2014/main" id="{526FA7B6-713E-490A-9CC6-FA99318D031C}"/>
+              </a:ext>
+            </a:extLst>
+          </p:cNvPr>
+          <p:cNvSpPr txBox="1"/>
+          <p:nvPr/>
+        </p:nvSpPr>
+        <p:spPr>
+          <a:xfrm>
+            <a:off x="1903582" y="3508101"/>
+            <a:ext cx="618452" cy="215444"/>
+          </a:xfrm>
+          <a:prstGeom prst="rect">
+            <a:avLst/>
+          </a:prstGeom>
+          <a:noFill/>
+        </p:spPr>
+        <p:txBody>
+          <a:bodyPr wrap="square" rtlCol="0">
+            <a:spAutoFit/>
+          </a:bodyPr>
+          <a:lstStyle/>
+          <a:p>
+            <a:r>
+              <a:rPr lang="en-US" altLang="ko-KR" sz="800" dirty="0"/>
+              <a:t>Section_2</a:t>
+            </a:r>
+            <a:endParaRPr lang="ko-KR" altLang="en-US" sz="800" dirty="0"/>
+          </a:p>
+        </p:txBody>
+      </p:sp>
+      <p:sp>
+        <p:nvSpPr>
+          <p:cNvPr id="35" name="TextBox 34">
+            <a:extLst>
+              <a:ext uri="{FF2B5EF4-FFF2-40B4-BE49-F238E27FC236}">
+                <a16:creationId xmlns:a16="http://schemas.microsoft.com/office/drawing/2014/main" id="{AD0A3914-5BDB-4F6D-89E6-5F8787A01762}"/>
+              </a:ext>
+            </a:extLst>
+          </p:cNvPr>
+          <p:cNvSpPr txBox="1"/>
+          <p:nvPr/>
+        </p:nvSpPr>
+        <p:spPr>
+          <a:xfrm>
+            <a:off x="4760179" y="3348751"/>
+            <a:ext cx="618452" cy="215444"/>
+          </a:xfrm>
+          <a:prstGeom prst="rect">
+            <a:avLst/>
+          </a:prstGeom>
+          <a:noFill/>
+        </p:spPr>
+        <p:txBody>
+          <a:bodyPr wrap="square" rtlCol="0">
+            <a:spAutoFit/>
+          </a:bodyPr>
+          <a:lstStyle/>
+          <a:p>
+            <a:r>
+              <a:rPr lang="en-US" altLang="ko-KR" sz="800" dirty="0"/>
+              <a:t>Section_2</a:t>
+            </a:r>
+            <a:endParaRPr lang="ko-KR" altLang="en-US" sz="800" dirty="0"/>
+          </a:p>
+        </p:txBody>
+      </p:sp>
+      <p:sp>
+        <p:nvSpPr>
+          <p:cNvPr id="36" name="TextBox 35">
+            <a:extLst>
+              <a:ext uri="{FF2B5EF4-FFF2-40B4-BE49-F238E27FC236}">
+                <a16:creationId xmlns:a16="http://schemas.microsoft.com/office/drawing/2014/main" id="{B7A69B98-19DC-4151-B77C-59D3EDFD777E}"/>
+              </a:ext>
+            </a:extLst>
+          </p:cNvPr>
+          <p:cNvSpPr txBox="1"/>
+          <p:nvPr/>
+        </p:nvSpPr>
+        <p:spPr>
+          <a:xfrm>
+            <a:off x="739092" y="2103149"/>
+            <a:ext cx="618452" cy="215444"/>
+          </a:xfrm>
+          <a:prstGeom prst="rect">
+            <a:avLst/>
+          </a:prstGeom>
+          <a:noFill/>
+        </p:spPr>
+        <p:txBody>
+          <a:bodyPr wrap="square" rtlCol="0">
+            <a:spAutoFit/>
+          </a:bodyPr>
+          <a:lstStyle/>
+          <a:p>
+            <a:r>
+              <a:rPr lang="en-US" altLang="ko-KR" sz="800" dirty="0"/>
+              <a:t>Header</a:t>
+            </a:r>
+            <a:endParaRPr lang="ko-KR" altLang="en-US" sz="800" dirty="0"/>
+          </a:p>
+        </p:txBody>
+      </p:sp>
+      <p:grpSp>
+        <p:nvGrpSpPr>
+          <p:cNvPr id="13" name="그룹 12">
+            <a:extLst>
+              <a:ext uri="{FF2B5EF4-FFF2-40B4-BE49-F238E27FC236}">
+                <a16:creationId xmlns:a16="http://schemas.microsoft.com/office/drawing/2014/main" id="{7DE9CEC9-256A-4606-B415-98AC7FF3427F}"/>
+              </a:ext>
+            </a:extLst>
+          </p:cNvPr>
+          <p:cNvGrpSpPr/>
+          <p:nvPr/>
+        </p:nvGrpSpPr>
+        <p:grpSpPr>
+          <a:xfrm>
+            <a:off x="2493954" y="2519304"/>
+            <a:ext cx="381928" cy="259844"/>
+            <a:chOff x="2493954" y="2519304"/>
+            <a:chExt cx="381928" cy="259844"/>
+          </a:xfrm>
+        </p:grpSpPr>
+        <p:sp>
+          <p:nvSpPr>
+            <p:cNvPr id="58" name="타원 57">
+              <a:extLst>
+                <a:ext uri="{FF2B5EF4-FFF2-40B4-BE49-F238E27FC236}">
+                  <a16:creationId xmlns:a16="http://schemas.microsoft.com/office/drawing/2014/main" id="{468FCDFD-D322-4390-9DE9-A16B380283F2}"/>
+                </a:ext>
+              </a:extLst>
+            </p:cNvPr>
+            <p:cNvSpPr/>
+            <p:nvPr/>
+          </p:nvSpPr>
+          <p:spPr>
+            <a:xfrm>
+              <a:off x="2546040" y="2519304"/>
+              <a:ext cx="264696" cy="259308"/>
+            </a:xfrm>
+            <a:prstGeom prst="ellipse">
+              <a:avLst/>
+            </a:prstGeom>
+            <a:solidFill>
+              <a:schemeClr val="accent5">
+                <a:lumMod val="40000"/>
+                <a:lumOff val="60000"/>
+              </a:schemeClr>
+            </a:solidFill>
+            <a:ln>
+              <a:noFill/>
+            </a:ln>
+          </p:spPr>
+          <p:style>
+            <a:lnRef idx="2">
+              <a:schemeClr val="accent1">
+                <a:shade val="50000"/>
+              </a:schemeClr>
+            </a:lnRef>
+            <a:fillRef idx="1">
+              <a:schemeClr val="accent1"/>
+            </a:fillRef>
+            <a:effectRef idx="0">
+              <a:schemeClr val="accent1"/>
+            </a:effectRef>
+            <a:fontRef idx="minor">
+              <a:schemeClr val="lt1"/>
+            </a:fontRef>
+          </p:style>
+          <p:txBody>
+            <a:bodyPr rtlCol="0" anchor="ctr"/>
+            <a:lstStyle/>
+            <a:p>
+              <a:pPr algn="ctr"/>
+              <a:endParaRPr lang="ko-KR" altLang="en-US" dirty="0">
+                <a:solidFill>
+                  <a:sysClr val="windowText" lastClr="000000"/>
+                </a:solidFill>
+              </a:endParaRPr>
+            </a:p>
+          </p:txBody>
+        </p:sp>
+        <p:sp>
+          <p:nvSpPr>
+            <p:cNvPr id="3" name="TextBox 2">
+              <a:extLst>
+                <a:ext uri="{FF2B5EF4-FFF2-40B4-BE49-F238E27FC236}">
+                  <a16:creationId xmlns:a16="http://schemas.microsoft.com/office/drawing/2014/main" id="{42AB0EEC-8E0F-4061-BA7D-BBAD607DBA79}"/>
+                </a:ext>
+              </a:extLst>
+            </p:cNvPr>
+            <p:cNvSpPr txBox="1"/>
+            <p:nvPr/>
+          </p:nvSpPr>
+          <p:spPr>
+            <a:xfrm>
+              <a:off x="2493954" y="2548316"/>
+              <a:ext cx="381928" cy="230832"/>
+            </a:xfrm>
+            <a:prstGeom prst="rect">
+              <a:avLst/>
+            </a:prstGeom>
+            <a:noFill/>
+          </p:spPr>
+          <p:txBody>
+            <a:bodyPr wrap="square" rtlCol="0">
+              <a:spAutoFit/>
+            </a:bodyPr>
+            <a:lstStyle/>
+            <a:p>
+              <a:r>
+                <a:rPr lang="en-US" altLang="ko-KR" sz="900" dirty="0"/>
+                <a:t>1-2</a:t>
+              </a:r>
+              <a:endParaRPr lang="ko-KR" altLang="en-US" sz="900" dirty="0"/>
+            </a:p>
+          </p:txBody>
+        </p:sp>
+      </p:grpSp>
+      <p:grpSp>
+        <p:nvGrpSpPr>
+          <p:cNvPr id="39" name="그룹 38">
+            <a:extLst>
+              <a:ext uri="{FF2B5EF4-FFF2-40B4-BE49-F238E27FC236}">
+                <a16:creationId xmlns:a16="http://schemas.microsoft.com/office/drawing/2014/main" id="{19A07529-411B-47BE-B1A0-6F65BEE69A6E}"/>
+              </a:ext>
+            </a:extLst>
+          </p:cNvPr>
+          <p:cNvGrpSpPr/>
+          <p:nvPr/>
+        </p:nvGrpSpPr>
+        <p:grpSpPr>
+          <a:xfrm>
+            <a:off x="2272350" y="2967568"/>
+            <a:ext cx="381928" cy="259844"/>
+            <a:chOff x="2493954" y="2519304"/>
+            <a:chExt cx="381928" cy="259844"/>
+          </a:xfrm>
+        </p:grpSpPr>
+        <p:sp>
+          <p:nvSpPr>
+            <p:cNvPr id="40" name="타원 39">
+              <a:extLst>
+                <a:ext uri="{FF2B5EF4-FFF2-40B4-BE49-F238E27FC236}">
+                  <a16:creationId xmlns:a16="http://schemas.microsoft.com/office/drawing/2014/main" id="{412C0F5B-0E6D-4C4A-8E99-98B33D058745}"/>
+                </a:ext>
+              </a:extLst>
+            </p:cNvPr>
+            <p:cNvSpPr/>
+            <p:nvPr/>
+          </p:nvSpPr>
+          <p:spPr>
+            <a:xfrm>
+              <a:off x="2546040" y="2519304"/>
+              <a:ext cx="264696" cy="259308"/>
+            </a:xfrm>
+            <a:prstGeom prst="ellipse">
+              <a:avLst/>
+            </a:prstGeom>
+            <a:solidFill>
+              <a:schemeClr val="accent5">
+                <a:lumMod val="40000"/>
+                <a:lumOff val="60000"/>
+              </a:schemeClr>
+            </a:solidFill>
+            <a:ln>
+              <a:noFill/>
+            </a:ln>
+          </p:spPr>
+          <p:style>
+            <a:lnRef idx="2">
+              <a:schemeClr val="accent1">
+                <a:shade val="50000"/>
+              </a:schemeClr>
+            </a:lnRef>
+            <a:fillRef idx="1">
+              <a:schemeClr val="accent1"/>
+            </a:fillRef>
+            <a:effectRef idx="0">
+              <a:schemeClr val="accent1"/>
+            </a:effectRef>
+            <a:fontRef idx="minor">
+              <a:schemeClr val="lt1"/>
+            </a:fontRef>
+          </p:style>
+          <p:txBody>
+            <a:bodyPr rtlCol="0" anchor="ctr"/>
+            <a:lstStyle/>
+            <a:p>
+              <a:pPr algn="ctr"/>
+              <a:endParaRPr lang="ko-KR" altLang="en-US" dirty="0">
+                <a:solidFill>
+                  <a:sysClr val="windowText" lastClr="000000"/>
+                </a:solidFill>
+              </a:endParaRPr>
+            </a:p>
+          </p:txBody>
+        </p:sp>
+        <p:sp>
+          <p:nvSpPr>
+            <p:cNvPr id="41" name="TextBox 40">
+              <a:extLst>
+                <a:ext uri="{FF2B5EF4-FFF2-40B4-BE49-F238E27FC236}">
+                  <a16:creationId xmlns:a16="http://schemas.microsoft.com/office/drawing/2014/main" id="{01DFF792-0739-4EFF-B43A-4EE6E54111C0}"/>
+                </a:ext>
+              </a:extLst>
+            </p:cNvPr>
+            <p:cNvSpPr txBox="1"/>
+            <p:nvPr/>
+          </p:nvSpPr>
+          <p:spPr>
+            <a:xfrm>
+              <a:off x="2493954" y="2548316"/>
+              <a:ext cx="381928" cy="230832"/>
+            </a:xfrm>
+            <a:prstGeom prst="rect">
+              <a:avLst/>
+            </a:prstGeom>
+            <a:noFill/>
+          </p:spPr>
+          <p:txBody>
+            <a:bodyPr wrap="square" rtlCol="0">
+              <a:spAutoFit/>
+            </a:bodyPr>
+            <a:lstStyle/>
+            <a:p>
+              <a:r>
+                <a:rPr lang="en-US" altLang="ko-KR" sz="900" dirty="0"/>
+                <a:t>1-1</a:t>
+              </a:r>
+              <a:endParaRPr lang="ko-KR" altLang="en-US" sz="900" dirty="0"/>
+            </a:p>
+          </p:txBody>
+        </p:sp>
+      </p:grpSp>
+      <p:sp>
+        <p:nvSpPr>
+          <p:cNvPr id="42" name="타원 41">
+            <a:extLst>
+              <a:ext uri="{FF2B5EF4-FFF2-40B4-BE49-F238E27FC236}">
+                <a16:creationId xmlns:a16="http://schemas.microsoft.com/office/drawing/2014/main" id="{F26D668A-594F-4C8A-BDBF-666025C2FE17}"/>
+              </a:ext>
+            </a:extLst>
+          </p:cNvPr>
+          <p:cNvSpPr/>
+          <p:nvPr/>
+        </p:nvSpPr>
+        <p:spPr>
+          <a:xfrm>
+            <a:off x="5246283" y="2635953"/>
+            <a:ext cx="264696" cy="259308"/>
+          </a:xfrm>
+          <a:prstGeom prst="ellipse">
+            <a:avLst/>
+          </a:prstGeom>
+          <a:solidFill>
+            <a:schemeClr val="accent2">
+              <a:lumMod val="40000"/>
+              <a:lumOff val="60000"/>
+            </a:schemeClr>
+          </a:solidFill>
+          <a:ln>
+            <a:noFill/>
+          </a:ln>
+        </p:spPr>
+        <p:style>
+          <a:lnRef idx="2">
+            <a:schemeClr val="accent1">
+              <a:shade val="50000"/>
+            </a:schemeClr>
+          </a:lnRef>
+          <a:fillRef idx="1">
+            <a:schemeClr val="accent1"/>
+          </a:fillRef>
+          <a:effectRef idx="0">
+            <a:schemeClr val="accent1"/>
+          </a:effectRef>
+          <a:fontRef idx="minor">
+            <a:schemeClr val="lt1"/>
+          </a:fontRef>
+        </p:style>
+        <p:txBody>
+          <a:bodyPr rtlCol="0" anchor="ctr"/>
+          <a:lstStyle/>
+          <a:p>
+            <a:pPr algn="ctr"/>
+            <a:r>
+              <a:rPr lang="en-US" altLang="ko-KR" dirty="0">
+                <a:solidFill>
+                  <a:sysClr val="windowText" lastClr="000000"/>
+                </a:solidFill>
+              </a:rPr>
+              <a:t>1</a:t>
+            </a:r>
+            <a:endParaRPr lang="ko-KR" altLang="en-US" dirty="0">
+              <a:solidFill>
+                <a:sysClr val="windowText" lastClr="000000"/>
+              </a:solidFill>
+            </a:endParaRPr>
+          </a:p>
+        </p:txBody>
+      </p:sp>
+      <p:sp>
+        <p:nvSpPr>
+          <p:cNvPr id="43" name="TextBox 42">
+            <a:extLst>
+              <a:ext uri="{FF2B5EF4-FFF2-40B4-BE49-F238E27FC236}">
+                <a16:creationId xmlns:a16="http://schemas.microsoft.com/office/drawing/2014/main" id="{325368D6-20C1-410C-9B8F-72081EB61720}"/>
+              </a:ext>
+            </a:extLst>
+          </p:cNvPr>
+          <p:cNvSpPr txBox="1"/>
+          <p:nvPr/>
+        </p:nvSpPr>
+        <p:spPr>
+          <a:xfrm>
+            <a:off x="4409943" y="2242963"/>
+            <a:ext cx="618452" cy="215444"/>
+          </a:xfrm>
+          <a:prstGeom prst="rect">
+            <a:avLst/>
+          </a:prstGeom>
+          <a:noFill/>
+        </p:spPr>
+        <p:txBody>
+          <a:bodyPr wrap="square" rtlCol="0">
+            <a:spAutoFit/>
+          </a:bodyPr>
+          <a:lstStyle/>
+          <a:p>
+            <a:r>
+              <a:rPr lang="en-US" altLang="ko-KR" sz="800" dirty="0"/>
+              <a:t>Header</a:t>
+            </a:r>
+            <a:endParaRPr lang="ko-KR" altLang="en-US" sz="800" dirty="0"/>
+          </a:p>
+        </p:txBody>
+      </p:sp>
     </p:spTree>
     <p:extLst>
       <p:ext uri="{BB962C8B-B14F-4D97-AF65-F5344CB8AC3E}">
@@ -10703,7 +12813,7 @@
           <p:nvPr>
             <p:extLst>
               <p:ext uri="{D42A27DB-BD31-4B8C-83A1-F6EECF244321}">
-                <p14:modId xmlns:p14="http://schemas.microsoft.com/office/powerpoint/2010/main" val="4129021838"/>
+                <p14:modId xmlns:p14="http://schemas.microsoft.com/office/powerpoint/2010/main" val="543690805"/>
               </p:ext>
             </p:extLst>
           </p:nvPr>
@@ -10778,7 +12888,7 @@
                     <a:p>
                       <a:pPr latinLnBrk="1"/>
                       <a:r>
-                        <a:rPr lang="ko-KR" altLang="en-US" sz="1600" dirty="0"/>
+                        <a:rPr lang="ko-KR" altLang="en-US" sz="1400" dirty="0"/>
                         <a:t>외교부 독도 홈페이지 리뉴얼</a:t>
                       </a:r>
                     </a:p>
@@ -10813,10 +12923,10 @@
                     <a:p>
                       <a:pPr latinLnBrk="1"/>
                       <a:r>
-                        <a:rPr lang="ko-KR" altLang="en-US" sz="1600" dirty="0" err="1"/>
+                        <a:rPr lang="ko-KR" altLang="en-US" sz="1400" dirty="0" err="1"/>
                         <a:t>우민주</a:t>
                       </a:r>
-                      <a:endParaRPr lang="ko-KR" altLang="en-US" sz="1600" dirty="0"/>
+                      <a:endParaRPr lang="ko-KR" altLang="en-US" sz="1400" dirty="0"/>
                     </a:p>
                   </a:txBody>
                   <a:tcPr/>
@@ -10864,10 +12974,10 @@
                     <a:p>
                       <a:pPr latinLnBrk="1"/>
                       <a:r>
-                        <a:rPr lang="en-US" altLang="ko-KR" sz="1600" dirty="0"/>
+                        <a:rPr lang="en-US" altLang="ko-KR" sz="1400" dirty="0"/>
                         <a:t>Main Section2</a:t>
                       </a:r>
-                      <a:endParaRPr lang="ko-KR" altLang="en-US" sz="1600" dirty="0"/>
+                      <a:endParaRPr lang="ko-KR" altLang="en-US" sz="1400" dirty="0"/>
                     </a:p>
                   </a:txBody>
                   <a:tcPr/>
@@ -10880,8 +12990,13 @@
                       <a:pPr algn="ctr" latinLnBrk="1"/>
                       <a:r>
                         <a:rPr lang="ko-KR" altLang="en-US" sz="1600" dirty="0"/>
-                        <a:t>비고</a:t>
-                      </a:r>
+                        <a:t>화면 </a:t>
+                      </a:r>
+                      <a:r>
+                        <a:rPr lang="en-US" altLang="ko-KR" sz="1600" dirty="0"/>
+                        <a:t>ID</a:t>
+                      </a:r>
+                      <a:endParaRPr lang="ko-KR" altLang="en-US" sz="1600" dirty="0"/>
                     </a:p>
                   </a:txBody>
                   <a:tcPr>
@@ -10899,7 +13014,10 @@
                     <a:lstStyle/>
                     <a:p>
                       <a:pPr latinLnBrk="1"/>
-                      <a:endParaRPr lang="ko-KR" altLang="en-US" sz="1600" dirty="0"/>
+                      <a:r>
+                        <a:rPr lang="en-US" altLang="ko-KR" sz="1400" dirty="0"/>
+                        <a:t>Section_2</a:t>
+                      </a:r>
                     </a:p>
                   </a:txBody>
                   <a:tcPr/>
@@ -10929,14 +13047,14 @@
           <p:nvPr>
             <p:extLst>
               <p:ext uri="{D42A27DB-BD31-4B8C-83A1-F6EECF244321}">
-                <p14:modId xmlns:p14="http://schemas.microsoft.com/office/powerpoint/2010/main" val="2489190257"/>
+                <p14:modId xmlns:p14="http://schemas.microsoft.com/office/powerpoint/2010/main" val="780307717"/>
               </p:ext>
             </p:extLst>
           </p:nvPr>
         </p:nvGraphicFramePr>
         <p:xfrm>
           <a:off x="587827" y="1525208"/>
-          <a:ext cx="10918371" cy="4784151"/>
+          <a:ext cx="10918371" cy="4770297"/>
         </p:xfrm>
         <a:graphic>
           <a:graphicData uri="http://schemas.openxmlformats.org/drawingml/2006/table">
@@ -11080,7 +13198,7 @@
                 </a:extLst>
               </a:tr>
               <a:tr h="456665">
-                <a:tc rowSpan="7">
+                <a:tc rowSpan="10">
                   <a:txBody>
                     <a:bodyPr/>
                     <a:lstStyle/>
@@ -11091,7 +13209,7 @@
                   </a:txBody>
                   <a:tcPr/>
                 </a:tc>
-                <a:tc rowSpan="7">
+                <a:tc rowSpan="10">
                   <a:txBody>
                     <a:bodyPr/>
                     <a:lstStyle/>
@@ -11109,7 +13227,7 @@
                     <a:p>
                       <a:pPr algn="ctr" latinLnBrk="1"/>
                       <a:r>
-                        <a:rPr lang="ko-KR" altLang="en-US" sz="1200" dirty="0"/>
+                        <a:rPr lang="ko-KR" altLang="en-US" sz="1000" dirty="0"/>
                         <a:t>화면 설명</a:t>
                       </a:r>
                     </a:p>
@@ -11127,7 +13245,7 @@
                     <a:p>
                       <a:pPr latinLnBrk="1"/>
                       <a:r>
-                        <a:rPr lang="ko-KR" altLang="en-US" sz="1100" dirty="0"/>
+                        <a:rPr lang="ko-KR" altLang="en-US" sz="1000" dirty="0"/>
                         <a:t>독도 입도를 위한 날씨 및 입도방법 등의 정보를 제공하기 위한 화면 구성 </a:t>
                       </a:r>
                     </a:p>
@@ -11140,7 +13258,7 @@
                   </a:ext>
                 </a:extLst>
               </a:tr>
-              <a:tr h="485500">
+              <a:tr h="279269">
                 <a:tc vMerge="1">
                   <a:txBody>
                     <a:bodyPr/>
@@ -11170,7 +13288,7 @@
                     <a:p>
                       <a:pPr algn="ctr" latinLnBrk="1"/>
                       <a:r>
-                        <a:rPr lang="en-US" altLang="ko-KR" sz="1200" dirty="0"/>
+                        <a:rPr lang="en-US" altLang="ko-KR" sz="1000" dirty="0"/>
                         <a:t>1</a:t>
                       </a:r>
                     </a:p>
@@ -11204,54 +13322,54 @@
                         <a:defRPr/>
                       </a:pPr>
                       <a:r>
-                        <a:rPr lang="en-US" altLang="ko-KR" sz="1100" dirty="0"/>
-                        <a:t>Section_1</a:t>
-                      </a:r>
-                      <a:r>
-                        <a:rPr lang="ko-KR" altLang="en-US" sz="1100" dirty="0"/>
-                        <a:t>의 영상 위에 </a:t>
-                      </a:r>
-                      <a:r>
-                        <a:rPr lang="en-US" altLang="ko-KR" sz="1100" dirty="0"/>
+                        <a:rPr lang="en-US" altLang="ko-KR" sz="1000" dirty="0"/>
                         <a:t>Section2</a:t>
                       </a:r>
                       <a:r>
-                        <a:rPr lang="ko-KR" altLang="en-US" sz="1100" dirty="0"/>
-                        <a:t>의 가로비율을 </a:t>
-                      </a:r>
-                      <a:r>
-                        <a:rPr lang="en-US" altLang="ko-KR" sz="1100" dirty="0"/>
+                        <a:rPr lang="ko-KR" altLang="en-US" sz="1000" dirty="0"/>
+                        <a:t>의 </a:t>
+                      </a:r>
+                      <a:r>
+                        <a:rPr lang="en-US" altLang="ko-KR" sz="1000" dirty="0"/>
+                        <a:t>width</a:t>
+                      </a:r>
+                      <a:r>
+                        <a:rPr lang="ko-KR" altLang="en-US" sz="1000" dirty="0"/>
+                        <a:t>를 </a:t>
+                      </a:r>
+                      <a:r>
+                        <a:rPr lang="en-US" altLang="ko-KR" sz="1000" dirty="0"/>
                         <a:t>80%</a:t>
                       </a:r>
                       <a:r>
-                        <a:rPr lang="ko-KR" altLang="en-US" sz="1100" dirty="0"/>
+                        <a:rPr lang="ko-KR" altLang="en-US" sz="1000" dirty="0"/>
                         <a:t>로 설정하고</a:t>
                       </a:r>
                       <a:r>
-                        <a:rPr lang="en-US" altLang="ko-KR" sz="1100" dirty="0"/>
+                        <a:rPr lang="en-US" altLang="ko-KR" sz="1000" dirty="0"/>
                         <a:t>,</a:t>
                       </a:r>
                       <a:r>
-                        <a:rPr lang="ko-KR" altLang="en-US" sz="1100" dirty="0"/>
+                        <a:rPr lang="ko-KR" altLang="en-US" sz="1000" dirty="0"/>
                         <a:t> </a:t>
                       </a:r>
                       <a:r>
-                        <a:rPr lang="en-US" altLang="ko-KR" sz="1100" dirty="0"/>
+                        <a:rPr lang="en-US" altLang="ko-KR" sz="1000" dirty="0"/>
                         <a:t>Left, Right</a:t>
                       </a:r>
                       <a:r>
-                        <a:rPr lang="ko-KR" altLang="en-US" sz="1100" dirty="0"/>
+                        <a:rPr lang="ko-KR" altLang="en-US" sz="1000" dirty="0"/>
                         <a:t>로 나눠서 </a:t>
                       </a:r>
                       <a:r>
-                        <a:rPr lang="en-US" altLang="ko-KR" sz="1100" dirty="0"/>
+                        <a:rPr lang="en-US" altLang="ko-KR" sz="1000" dirty="0"/>
                         <a:t>Row</a:t>
                       </a:r>
                       <a:r>
-                        <a:rPr lang="ko-KR" altLang="en-US" sz="1100" dirty="0"/>
+                        <a:rPr lang="ko-KR" altLang="en-US" sz="1000" dirty="0"/>
                         <a:t>로  배치</a:t>
                       </a:r>
-                      <a:endParaRPr lang="en-US" altLang="ko-KR" sz="1100" dirty="0"/>
+                      <a:endParaRPr lang="en-US" altLang="ko-KR" sz="1000" dirty="0"/>
                     </a:p>
                   </a:txBody>
                   <a:tcPr/>
@@ -11262,7 +13380,7 @@
                   </a:ext>
                 </a:extLst>
               </a:tr>
-              <a:tr h="340670">
+              <a:tr h="274483">
                 <a:tc vMerge="1">
                   <a:txBody>
                     <a:bodyPr/>
@@ -11292,10 +13410,10 @@
                     <a:p>
                       <a:pPr algn="ctr" latinLnBrk="1"/>
                       <a:r>
-                        <a:rPr lang="en-US" altLang="ko-KR" sz="1200" dirty="0"/>
+                        <a:rPr lang="en-US" altLang="ko-KR" sz="1000" dirty="0"/>
                         <a:t>2</a:t>
                       </a:r>
-                      <a:endParaRPr lang="ko-KR" altLang="en-US" sz="1200" dirty="0"/>
+                      <a:endParaRPr lang="ko-KR" altLang="en-US" sz="1000" dirty="0"/>
                     </a:p>
                   </a:txBody>
                   <a:tcPr>
@@ -11311,16 +13429,28 @@
                     <a:p>
                       <a:pPr latinLnBrk="1"/>
                       <a:r>
-                        <a:rPr lang="ko-KR" altLang="en-US" sz="1100" dirty="0"/>
-                        <a:t>현재 독도의 기온을 </a:t>
-                      </a:r>
-                      <a:r>
-                        <a:rPr lang="en-US" altLang="ko-KR" sz="1100" dirty="0"/>
-                        <a:t>1</a:t>
-                      </a:r>
-                      <a:r>
-                        <a:rPr lang="ko-KR" altLang="en-US" sz="1100" dirty="0"/>
-                        <a:t>시간 간격으로 화면에 뜨도록 설정 </a:t>
+                        <a:rPr lang="en-US" altLang="ko-KR" sz="1000" dirty="0"/>
+                        <a:t>Section2</a:t>
+                      </a:r>
+                      <a:r>
+                        <a:rPr lang="ko-KR" altLang="en-US" sz="1000" dirty="0"/>
+                        <a:t>의 </a:t>
+                      </a:r>
+                      <a:r>
+                        <a:rPr lang="en-US" altLang="ko-KR" sz="1000" dirty="0"/>
+                        <a:t>left</a:t>
+                      </a:r>
+                      <a:r>
+                        <a:rPr lang="ko-KR" altLang="en-US" sz="1000" dirty="0"/>
+                        <a:t>로 타이틀과 날씨 아이콘</a:t>
+                      </a:r>
+                      <a:r>
+                        <a:rPr lang="en-US" altLang="ko-KR" sz="1000" dirty="0"/>
+                        <a:t>, </a:t>
+                      </a:r>
+                      <a:r>
+                        <a:rPr lang="ko-KR" altLang="en-US" sz="1000" dirty="0"/>
+                        <a:t>현재 독도의 기온 등으로 구성</a:t>
                       </a:r>
                     </a:p>
                   </a:txBody>
@@ -11332,7 +13462,7 @@
                   </a:ext>
                 </a:extLst>
               </a:tr>
-              <a:tr h="617804">
+              <a:tr h="274483">
                 <a:tc vMerge="1">
                   <a:txBody>
                     <a:bodyPr/>
@@ -11361,15 +13491,11 @@
                     <a:lstStyle/>
                     <a:p>
                       <a:pPr algn="ctr" latinLnBrk="1"/>
-                      <a:endParaRPr lang="en-US" altLang="ko-KR" sz="1200" dirty="0"/>
-                    </a:p>
-                    <a:p>
-                      <a:pPr algn="ctr" latinLnBrk="1"/>
-                      <a:r>
-                        <a:rPr lang="en-US" altLang="ko-KR" sz="1200" dirty="0"/>
+                      <a:r>
+                        <a:rPr lang="en-US" altLang="ko-KR" sz="1000" dirty="0"/>
                         <a:t>2-1</a:t>
                       </a:r>
-                      <a:endParaRPr lang="ko-KR" altLang="en-US" sz="1200" dirty="0"/>
+                      <a:endParaRPr lang="ko-KR" altLang="en-US" sz="1000" dirty="0"/>
                     </a:p>
                   </a:txBody>
                   <a:tcPr>
@@ -11385,12 +13511,8 @@
                     <a:p>
                       <a:pPr latinLnBrk="1"/>
                       <a:r>
-                        <a:rPr lang="en-US" altLang="ko-KR" sz="1100" dirty="0"/>
-                        <a:t>2</a:t>
-                      </a:r>
-                      <a:r>
-                        <a:rPr lang="ko-KR" altLang="en-US" sz="1100" dirty="0"/>
-                        <a:t>번의 독도의 현재 기온에 맞는 아이콘을 배치하여 기상상태를 더욱 한 눈에 알아볼 수 있도록 구성</a:t>
+                        <a:rPr lang="ko-KR" altLang="en-US" sz="1000" dirty="0"/>
+                        <a:t>독도의 현재 기온을 한시간 간격으로 불러와 띄도록 설정</a:t>
                       </a:r>
                     </a:p>
                   </a:txBody>
@@ -11402,7 +13524,7 @@
                   </a:ext>
                 </a:extLst>
               </a:tr>
-              <a:tr h="617804">
+              <a:tr h="274483">
                 <a:tc vMerge="1">
                   <a:txBody>
                     <a:bodyPr/>
@@ -11431,15 +13553,11 @@
                     <a:lstStyle/>
                     <a:p>
                       <a:pPr algn="ctr" latinLnBrk="1"/>
-                      <a:endParaRPr lang="en-US" altLang="ko-KR" sz="1200" dirty="0"/>
-                    </a:p>
-                    <a:p>
-                      <a:pPr algn="ctr" latinLnBrk="1"/>
-                      <a:r>
-                        <a:rPr lang="en-US" altLang="ko-KR" sz="1200" dirty="0"/>
-                        <a:t>3</a:t>
-                      </a:r>
-                      <a:endParaRPr lang="ko-KR" altLang="en-US" sz="1200" dirty="0"/>
+                      <a:r>
+                        <a:rPr lang="en-US" altLang="ko-KR" sz="1000" dirty="0"/>
+                        <a:t>2-2</a:t>
+                      </a:r>
+                      <a:endParaRPr lang="ko-KR" altLang="en-US" sz="1000" dirty="0"/>
                     </a:p>
                   </a:txBody>
                   <a:tcPr>
@@ -11455,16 +13573,8 @@
                     <a:p>
                       <a:pPr latinLnBrk="1"/>
                       <a:r>
-                        <a:rPr lang="ko-KR" altLang="en-US" sz="1100" dirty="0"/>
-                        <a:t>독도 입도에 관련된 여객선 정보 및 유의사항 등의 정보를 아코디언 방식의 </a:t>
-                      </a:r>
-                      <a:r>
-                        <a:rPr lang="en-US" altLang="ko-KR" sz="1100" dirty="0"/>
-                        <a:t>Nav</a:t>
-                      </a:r>
-                      <a:r>
-                        <a:rPr lang="ko-KR" altLang="en-US" sz="1100" dirty="0"/>
-                        <a:t>로 구성</a:t>
+                        <a:rPr lang="ko-KR" altLang="en-US" sz="1000" dirty="0"/>
+                        <a:t>현재 기온에 맞는 날씨 아이콘을 불러와 가독성을 높임</a:t>
                       </a:r>
                     </a:p>
                   </a:txBody>
@@ -11473,6 +13583,236 @@
                 <a:extLst>
                   <a:ext uri="{0D108BD9-81ED-4DB2-BD59-A6C34878D82A}">
                     <a16:rowId xmlns:a16="http://schemas.microsoft.com/office/drawing/2014/main" val="1915962948"/>
+                  </a:ext>
+                </a:extLst>
+              </a:tr>
+              <a:tr h="274483">
+                <a:tc vMerge="1">
+                  <a:txBody>
+                    <a:bodyPr/>
+                    <a:lstStyle/>
+                    <a:p>
+                      <a:pPr latinLnBrk="1"/>
+                      <a:endParaRPr lang="ko-KR" altLang="en-US"/>
+                    </a:p>
+                  </a:txBody>
+                  <a:tcPr/>
+                </a:tc>
+                <a:tc vMerge="1">
+                  <a:txBody>
+                    <a:bodyPr/>
+                    <a:lstStyle/>
+                    <a:p>
+                      <a:pPr latinLnBrk="1"/>
+                      <a:endParaRPr lang="ko-KR" altLang="en-US"/>
+                    </a:p>
+                  </a:txBody>
+                  <a:tcPr/>
+                </a:tc>
+                <a:tc>
+                  <a:txBody>
+                    <a:bodyPr/>
+                    <a:lstStyle/>
+                    <a:p>
+                      <a:pPr algn="ctr" latinLnBrk="1"/>
+                      <a:r>
+                        <a:rPr lang="en-US" altLang="ko-KR" sz="1000" dirty="0"/>
+                        <a:t>2-3</a:t>
+                      </a:r>
+                      <a:endParaRPr lang="ko-KR" altLang="en-US" sz="1000" dirty="0"/>
+                    </a:p>
+                  </a:txBody>
+                  <a:tcPr>
+                    <a:solidFill>
+                      <a:srgbClr val="DAE3F3"/>
+                    </a:solidFill>
+                  </a:tcPr>
+                </a:tc>
+                <a:tc>
+                  <a:txBody>
+                    <a:bodyPr/>
+                    <a:lstStyle/>
+                    <a:p>
+                      <a:pPr latinLnBrk="1"/>
+                      <a:r>
+                        <a:rPr lang="ko-KR" altLang="en-US" sz="1000" dirty="0"/>
+                        <a:t>기온에 따른 입도가능성을 알기 쉽게 문구로 작성</a:t>
+                      </a:r>
+                    </a:p>
+                  </a:txBody>
+                  <a:tcPr/>
+                </a:tc>
+                <a:extLst>
+                  <a:ext uri="{0D108BD9-81ED-4DB2-BD59-A6C34878D82A}">
+                    <a16:rowId xmlns:a16="http://schemas.microsoft.com/office/drawing/2014/main" val="3515255766"/>
+                  </a:ext>
+                </a:extLst>
+              </a:tr>
+              <a:tr h="274483">
+                <a:tc vMerge="1">
+                  <a:txBody>
+                    <a:bodyPr/>
+                    <a:lstStyle/>
+                    <a:p>
+                      <a:pPr latinLnBrk="1"/>
+                      <a:endParaRPr lang="ko-KR" altLang="en-US"/>
+                    </a:p>
+                  </a:txBody>
+                  <a:tcPr/>
+                </a:tc>
+                <a:tc vMerge="1">
+                  <a:txBody>
+                    <a:bodyPr/>
+                    <a:lstStyle/>
+                    <a:p>
+                      <a:pPr latinLnBrk="1"/>
+                      <a:endParaRPr lang="ko-KR" altLang="en-US"/>
+                    </a:p>
+                  </a:txBody>
+                  <a:tcPr/>
+                </a:tc>
+                <a:tc>
+                  <a:txBody>
+                    <a:bodyPr/>
+                    <a:lstStyle/>
+                    <a:p>
+                      <a:pPr algn="ctr" latinLnBrk="1"/>
+                      <a:r>
+                        <a:rPr lang="en-US" altLang="ko-KR" sz="1000" dirty="0"/>
+                        <a:t>3</a:t>
+                      </a:r>
+                      <a:endParaRPr lang="ko-KR" altLang="en-US" sz="1000" dirty="0"/>
+                    </a:p>
+                  </a:txBody>
+                  <a:tcPr>
+                    <a:solidFill>
+                      <a:srgbClr val="DAE3F3"/>
+                    </a:solidFill>
+                  </a:tcPr>
+                </a:tc>
+                <a:tc>
+                  <a:txBody>
+                    <a:bodyPr/>
+                    <a:lstStyle/>
+                    <a:p>
+                      <a:pPr latinLnBrk="1"/>
+                      <a:r>
+                        <a:rPr lang="en-US" altLang="ko-KR" sz="1000" dirty="0"/>
+                        <a:t>Section_2</a:t>
+                      </a:r>
+                      <a:r>
+                        <a:rPr lang="ko-KR" altLang="en-US" sz="1000" dirty="0"/>
+                        <a:t>의 </a:t>
+                      </a:r>
+                      <a:r>
+                        <a:rPr lang="en-US" altLang="ko-KR" sz="1000" dirty="0"/>
+                        <a:t>right</a:t>
+                      </a:r>
+                      <a:r>
+                        <a:rPr lang="ko-KR" altLang="en-US" sz="1000" dirty="0"/>
+                        <a:t>로 유의사항을 </a:t>
+                      </a:r>
+                      <a:r>
+                        <a:rPr lang="en-US" altLang="ko-KR" sz="1000" dirty="0"/>
+                        <a:t>Nav</a:t>
+                      </a:r>
+                      <a:r>
+                        <a:rPr lang="ko-KR" altLang="en-US" sz="1000" dirty="0"/>
+                        <a:t>형식으로 정리하여 배치</a:t>
+                      </a:r>
+                    </a:p>
+                  </a:txBody>
+                  <a:tcPr/>
+                </a:tc>
+                <a:extLst>
+                  <a:ext uri="{0D108BD9-81ED-4DB2-BD59-A6C34878D82A}">
+                    <a16:rowId xmlns:a16="http://schemas.microsoft.com/office/drawing/2014/main" val="3312972037"/>
+                  </a:ext>
+                </a:extLst>
+              </a:tr>
+              <a:tr h="247122">
+                <a:tc vMerge="1">
+                  <a:txBody>
+                    <a:bodyPr/>
+                    <a:lstStyle/>
+                    <a:p>
+                      <a:pPr latinLnBrk="1"/>
+                      <a:endParaRPr lang="ko-KR" altLang="en-US"/>
+                    </a:p>
+                  </a:txBody>
+                  <a:tcPr/>
+                </a:tc>
+                <a:tc vMerge="1">
+                  <a:txBody>
+                    <a:bodyPr/>
+                    <a:lstStyle/>
+                    <a:p>
+                      <a:pPr latinLnBrk="1"/>
+                      <a:endParaRPr lang="ko-KR" altLang="en-US"/>
+                    </a:p>
+                  </a:txBody>
+                  <a:tcPr/>
+                </a:tc>
+                <a:tc>
+                  <a:txBody>
+                    <a:bodyPr/>
+                    <a:lstStyle/>
+                    <a:p>
+                      <a:pPr algn="ctr" latinLnBrk="1"/>
+                      <a:r>
+                        <a:rPr lang="en-US" altLang="ko-KR" sz="1000" dirty="0"/>
+                        <a:t>3-1</a:t>
+                      </a:r>
+                      <a:endParaRPr lang="ko-KR" altLang="en-US" sz="1000" dirty="0"/>
+                    </a:p>
+                  </a:txBody>
+                  <a:tcPr>
+                    <a:solidFill>
+                      <a:srgbClr val="DAE3F3"/>
+                    </a:solidFill>
+                  </a:tcPr>
+                </a:tc>
+                <a:tc>
+                  <a:txBody>
+                    <a:bodyPr/>
+                    <a:lstStyle/>
+                    <a:p>
+                      <a:pPr marL="0" marR="0" lvl="0" indent="0" algn="l" defTabSz="914400" rtl="0" eaLnBrk="1" fontAlgn="auto" latinLnBrk="1" hangingPunct="1">
+                        <a:lnSpc>
+                          <a:spcPct val="100000"/>
+                        </a:lnSpc>
+                        <a:spcBef>
+                          <a:spcPts val="0"/>
+                        </a:spcBef>
+                        <a:spcAft>
+                          <a:spcPts val="0"/>
+                        </a:spcAft>
+                        <a:buClrTx/>
+                        <a:buSzTx/>
+                        <a:buFontTx/>
+                        <a:buNone/>
+                        <a:tabLst/>
+                        <a:defRPr/>
+                      </a:pPr>
+                      <a:r>
+                        <a:rPr lang="ko-KR" altLang="en-US" sz="1000" dirty="0"/>
+                        <a:t>독도 입도에 관련된 여객선 정보 및 유의사항 등의 정보를 아코디언 방식의 </a:t>
+                      </a:r>
+                      <a:r>
+                        <a:rPr lang="en-US" altLang="ko-KR" sz="1000" dirty="0"/>
+                        <a:t>Nav</a:t>
+                      </a:r>
+                      <a:r>
+                        <a:rPr lang="ko-KR" altLang="en-US" sz="1000" dirty="0"/>
+                        <a:t>로 구성</a:t>
+                      </a:r>
+                    </a:p>
+                  </a:txBody>
+                  <a:tcPr/>
+                </a:tc>
+                <a:extLst>
+                  <a:ext uri="{0D108BD9-81ED-4DB2-BD59-A6C34878D82A}">
+                    <a16:rowId xmlns:a16="http://schemas.microsoft.com/office/drawing/2014/main" val="2256042727"/>
                   </a:ext>
                 </a:extLst>
               </a:tr>
@@ -11605,21 +13945,33 @@
                     </a:p>
                     <a:p>
                       <a:pPr latinLnBrk="1"/>
+                      <a:endParaRPr lang="en-US" altLang="ko-KR" sz="1100" dirty="0"/>
+                    </a:p>
+                    <a:p>
+                      <a:pPr latinLnBrk="1"/>
                       <a:r>
                         <a:rPr lang="en-US" altLang="ko-KR" sz="1100" dirty="0"/>
                         <a:t>Section_2</a:t>
                       </a:r>
                       <a:r>
                         <a:rPr lang="ko-KR" altLang="en-US" sz="1100" dirty="0"/>
-                        <a:t>의 가로 비율을 </a:t>
+                        <a:t>의 화면사이즈에 맞게 </a:t>
                       </a:r>
                       <a:r>
                         <a:rPr lang="en-US" altLang="ko-KR" sz="1100" dirty="0"/>
-                        <a:t>100%</a:t>
+                        <a:t>width 100%</a:t>
                       </a:r>
                       <a:r>
                         <a:rPr lang="ko-KR" altLang="en-US" sz="1100" dirty="0"/>
-                        <a:t>로 설정하여 </a:t>
+                        <a:t>로</a:t>
+                      </a:r>
+                      <a:r>
+                        <a:rPr lang="en-US" altLang="ko-KR" sz="1100" dirty="0"/>
+                        <a:t> </a:t>
+                      </a:r>
+                      <a:r>
+                        <a:rPr lang="ko-KR" altLang="en-US" sz="1100" dirty="0"/>
+                        <a:t>설정하여 </a:t>
                       </a:r>
                       <a:r>
                         <a:rPr lang="en-US" altLang="ko-KR" sz="1100" dirty="0"/>
@@ -11629,10 +13981,6 @@
                         <a:rPr lang="ko-KR" altLang="en-US" sz="1100" dirty="0"/>
                         <a:t>를 </a:t>
                       </a:r>
-                      <a:endParaRPr lang="en-US" altLang="ko-KR" sz="1100" dirty="0"/>
-                    </a:p>
-                    <a:p>
-                      <a:pPr latinLnBrk="1"/>
                       <a:r>
                         <a:rPr lang="en-US" altLang="ko-KR" sz="1100" dirty="0"/>
                         <a:t>Column</a:t>
@@ -11655,42 +14003,6 @@
           </a:graphicData>
         </a:graphic>
       </p:graphicFrame>
-      <p:sp>
-        <p:nvSpPr>
-          <p:cNvPr id="4" name="TextBox 3">
-            <a:extLst>
-              <a:ext uri="{FF2B5EF4-FFF2-40B4-BE49-F238E27FC236}">
-                <a16:creationId xmlns:a16="http://schemas.microsoft.com/office/drawing/2014/main" id="{6850FF95-2697-4C99-85CC-7652D3CB3F91}"/>
-              </a:ext>
-            </a:extLst>
-          </p:cNvPr>
-          <p:cNvSpPr txBox="1"/>
-          <p:nvPr/>
-        </p:nvSpPr>
-        <p:spPr>
-          <a:xfrm>
-            <a:off x="685802" y="2170073"/>
-            <a:ext cx="618452" cy="215444"/>
-          </a:xfrm>
-          <a:prstGeom prst="rect">
-            <a:avLst/>
-          </a:prstGeom>
-          <a:noFill/>
-        </p:spPr>
-        <p:txBody>
-          <a:bodyPr wrap="square" rtlCol="0">
-            <a:spAutoFit/>
-          </a:bodyPr>
-          <a:lstStyle/>
-          <a:p>
-            <a:r>
-              <a:rPr lang="en-US" altLang="ko-KR" sz="800" dirty="0"/>
-              <a:t>Section_2</a:t>
-            </a:r>
-            <a:endParaRPr lang="ko-KR" altLang="en-US" sz="800" dirty="0"/>
-          </a:p>
-        </p:txBody>
-      </p:sp>
       <p:grpSp>
         <p:nvGrpSpPr>
           <p:cNvPr id="20" name="그룹 19">
@@ -12466,8 +14778,8 @@
         </p:nvSpPr>
         <p:spPr>
           <a:xfrm>
-            <a:off x="2162464" y="4658631"/>
-            <a:ext cx="936104" cy="215444"/>
+            <a:off x="2162463" y="4658631"/>
+            <a:ext cx="1098241" cy="215444"/>
           </a:xfrm>
           <a:prstGeom prst="rect">
             <a:avLst/>
@@ -12482,165 +14794,7 @@
           <a:p>
             <a:r>
               <a:rPr lang="en-US" altLang="ko-KR" sz="800" dirty="0"/>
-              <a:t>Section_2/right</a:t>
-            </a:r>
-            <a:endParaRPr lang="ko-KR" altLang="en-US" sz="800" dirty="0"/>
-          </a:p>
-        </p:txBody>
-      </p:sp>
-      <p:sp>
-        <p:nvSpPr>
-          <p:cNvPr id="57" name="화살표: 오른쪽 56">
-            <a:extLst>
-              <a:ext uri="{FF2B5EF4-FFF2-40B4-BE49-F238E27FC236}">
-                <a16:creationId xmlns:a16="http://schemas.microsoft.com/office/drawing/2014/main" id="{68619892-2832-4BE8-A0FF-66D70FCFCF57}"/>
-              </a:ext>
-            </a:extLst>
-          </p:cNvPr>
-          <p:cNvSpPr/>
-          <p:nvPr/>
-        </p:nvSpPr>
-        <p:spPr>
-          <a:xfrm rot="5400000">
-            <a:off x="3194985" y="5414744"/>
-            <a:ext cx="300125" cy="102734"/>
-          </a:xfrm>
-          <a:prstGeom prst="rightArrow">
-            <a:avLst/>
-          </a:prstGeom>
-          <a:solidFill>
-            <a:schemeClr val="accent1">
-              <a:lumMod val="60000"/>
-              <a:lumOff val="40000"/>
-            </a:schemeClr>
-          </a:solidFill>
-          <a:ln>
-            <a:noFill/>
-          </a:ln>
-        </p:spPr>
-        <p:style>
-          <a:lnRef idx="2">
-            <a:schemeClr val="accent1">
-              <a:shade val="50000"/>
-            </a:schemeClr>
-          </a:lnRef>
-          <a:fillRef idx="1">
-            <a:schemeClr val="accent1"/>
-          </a:fillRef>
-          <a:effectRef idx="0">
-            <a:schemeClr val="accent1"/>
-          </a:effectRef>
-          <a:fontRef idx="minor">
-            <a:schemeClr val="lt1"/>
-          </a:fontRef>
-        </p:style>
-        <p:txBody>
-          <a:bodyPr rtlCol="0" anchor="ctr"/>
-          <a:lstStyle/>
-          <a:p>
-            <a:pPr algn="ctr"/>
-            <a:endParaRPr lang="ko-KR" altLang="en-US"/>
-          </a:p>
-        </p:txBody>
-      </p:sp>
-      <p:sp>
-        <p:nvSpPr>
-          <p:cNvPr id="58" name="타원 57">
-            <a:extLst>
-              <a:ext uri="{FF2B5EF4-FFF2-40B4-BE49-F238E27FC236}">
-                <a16:creationId xmlns:a16="http://schemas.microsoft.com/office/drawing/2014/main" id="{203ED924-C879-49DC-8CE9-6E9E25C70E7C}"/>
-              </a:ext>
-            </a:extLst>
-          </p:cNvPr>
-          <p:cNvSpPr/>
-          <p:nvPr/>
-        </p:nvSpPr>
-        <p:spPr>
-          <a:xfrm>
-            <a:off x="3204488" y="5117265"/>
-            <a:ext cx="264696" cy="259308"/>
-          </a:xfrm>
-          <a:prstGeom prst="ellipse">
-            <a:avLst/>
-          </a:prstGeom>
-          <a:solidFill>
-            <a:schemeClr val="accent5">
-              <a:lumMod val="40000"/>
-              <a:lumOff val="60000"/>
-            </a:schemeClr>
-          </a:solidFill>
-          <a:ln>
-            <a:noFill/>
-          </a:ln>
-        </p:spPr>
-        <p:style>
-          <a:lnRef idx="2">
-            <a:schemeClr val="accent1">
-              <a:shade val="50000"/>
-            </a:schemeClr>
-          </a:lnRef>
-          <a:fillRef idx="1">
-            <a:schemeClr val="accent1"/>
-          </a:fillRef>
-          <a:effectRef idx="0">
-            <a:schemeClr val="accent1"/>
-          </a:effectRef>
-          <a:fontRef idx="minor">
-            <a:schemeClr val="lt1"/>
-          </a:fontRef>
-        </p:style>
-        <p:txBody>
-          <a:bodyPr rtlCol="0" anchor="ctr"/>
-          <a:lstStyle/>
-          <a:p>
-            <a:pPr algn="ctr"/>
-            <a:r>
-              <a:rPr lang="en-US" altLang="ko-KR" dirty="0">
-                <a:solidFill>
-                  <a:sysClr val="windowText" lastClr="000000"/>
-                </a:solidFill>
-              </a:rPr>
-              <a:t>3</a:t>
-            </a:r>
-            <a:endParaRPr lang="ko-KR" altLang="en-US" dirty="0">
-              <a:solidFill>
-                <a:sysClr val="windowText" lastClr="000000"/>
-              </a:solidFill>
-            </a:endParaRPr>
-          </a:p>
-        </p:txBody>
-      </p:sp>
-      <p:sp>
-        <p:nvSpPr>
-          <p:cNvPr id="86" name="TextBox 85">
-            <a:extLst>
-              <a:ext uri="{FF2B5EF4-FFF2-40B4-BE49-F238E27FC236}">
-                <a16:creationId xmlns:a16="http://schemas.microsoft.com/office/drawing/2014/main" id="{98C1252B-701C-49F6-81CC-77CF513AFCF7}"/>
-              </a:ext>
-            </a:extLst>
-          </p:cNvPr>
-          <p:cNvSpPr txBox="1"/>
-          <p:nvPr/>
-        </p:nvSpPr>
-        <p:spPr>
-          <a:xfrm>
-            <a:off x="4097524" y="2201282"/>
-            <a:ext cx="618452" cy="215444"/>
-          </a:xfrm>
-          <a:prstGeom prst="rect">
-            <a:avLst/>
-          </a:prstGeom>
-          <a:noFill/>
-        </p:spPr>
-        <p:txBody>
-          <a:bodyPr wrap="square" rtlCol="0">
-            <a:spAutoFit/>
-          </a:bodyPr>
-          <a:lstStyle/>
-          <a:p>
-            <a:r>
-              <a:rPr lang="en-US" altLang="ko-KR" sz="800" dirty="0"/>
-              <a:t>Section_2</a:t>
+              <a:t>Section_2 / right</a:t>
             </a:r>
             <a:endParaRPr lang="ko-KR" altLang="en-US" sz="800" dirty="0"/>
           </a:p>
@@ -14314,7 +16468,7 @@
           <a:p>
             <a:r>
               <a:rPr lang="en-US" altLang="ko-KR" sz="800" dirty="0"/>
-              <a:t>Section_2/left</a:t>
+              <a:t>Section_2 / left</a:t>
             </a:r>
             <a:endParaRPr lang="ko-KR" altLang="en-US" sz="800" dirty="0"/>
           </a:p>
@@ -16436,7 +18590,7 @@
         </p:nvSpPr>
         <p:spPr>
           <a:xfrm>
-            <a:off x="5616084" y="3229737"/>
+            <a:off x="5230590" y="3050168"/>
             <a:ext cx="264696" cy="259308"/>
           </a:xfrm>
           <a:prstGeom prst="ellipse">
@@ -16558,73 +18712,6 @@
       </p:sp>
       <p:sp>
         <p:nvSpPr>
-          <p:cNvPr id="179" name="타원 178">
-            <a:extLst>
-              <a:ext uri="{FF2B5EF4-FFF2-40B4-BE49-F238E27FC236}">
-                <a16:creationId xmlns:a16="http://schemas.microsoft.com/office/drawing/2014/main" id="{B5981B0D-0558-43C3-AD2B-1C3F52C324AB}"/>
-              </a:ext>
-            </a:extLst>
-          </p:cNvPr>
-          <p:cNvSpPr/>
-          <p:nvPr/>
-        </p:nvSpPr>
-        <p:spPr>
-          <a:xfrm>
-            <a:off x="1776093" y="4439234"/>
-            <a:ext cx="264696" cy="259308"/>
-          </a:xfrm>
-          <a:prstGeom prst="ellipse">
-            <a:avLst/>
-          </a:prstGeom>
-          <a:solidFill>
-            <a:schemeClr val="accent5">
-              <a:lumMod val="40000"/>
-              <a:lumOff val="60000"/>
-            </a:schemeClr>
-          </a:solidFill>
-          <a:ln>
-            <a:noFill/>
-          </a:ln>
-        </p:spPr>
-        <p:style>
-          <a:lnRef idx="2">
-            <a:schemeClr val="accent1">
-              <a:shade val="50000"/>
-            </a:schemeClr>
-          </a:lnRef>
-          <a:fillRef idx="1">
-            <a:schemeClr val="accent1"/>
-          </a:fillRef>
-          <a:effectRef idx="0">
-            <a:schemeClr val="accent1"/>
-          </a:effectRef>
-          <a:fontRef idx="minor">
-            <a:schemeClr val="lt1"/>
-          </a:fontRef>
-        </p:style>
-        <p:txBody>
-          <a:bodyPr rtlCol="0" anchor="ctr"/>
-          <a:lstStyle/>
-          <a:p>
-            <a:pPr algn="ctr"/>
-            <a:r>
-              <a:rPr lang="en-US" altLang="ko-KR" dirty="0">
-                <a:solidFill>
-                  <a:sysClr val="windowText" lastClr="000000"/>
-                </a:solidFill>
-              </a:rPr>
-              <a:t>2</a:t>
-            </a:r>
-            <a:endParaRPr lang="ko-KR" altLang="en-US" dirty="0">
-              <a:solidFill>
-                <a:sysClr val="windowText" lastClr="000000"/>
-              </a:solidFill>
-            </a:endParaRPr>
-          </a:p>
-        </p:txBody>
-      </p:sp>
-      <p:sp>
-        <p:nvSpPr>
           <p:cNvPr id="180" name="직사각형 179">
             <a:extLst>
               <a:ext uri="{FF2B5EF4-FFF2-40B4-BE49-F238E27FC236}">
@@ -16679,69 +18766,10 @@
       </p:sp>
       <p:sp>
         <p:nvSpPr>
-          <p:cNvPr id="182" name="타원 181">
+          <p:cNvPr id="4" name="TextBox 3">
             <a:extLst>
               <a:ext uri="{FF2B5EF4-FFF2-40B4-BE49-F238E27FC236}">
-                <a16:creationId xmlns:a16="http://schemas.microsoft.com/office/drawing/2014/main" id="{D56F9F85-0B01-4A35-9FB6-40C767A8BC8C}"/>
-              </a:ext>
-            </a:extLst>
-          </p:cNvPr>
-          <p:cNvSpPr/>
-          <p:nvPr/>
-        </p:nvSpPr>
-        <p:spPr>
-          <a:xfrm>
-            <a:off x="696783" y="4743366"/>
-            <a:ext cx="264696" cy="259308"/>
-          </a:xfrm>
-          <a:prstGeom prst="ellipse">
-            <a:avLst/>
-          </a:prstGeom>
-          <a:solidFill>
-            <a:schemeClr val="accent5">
-              <a:lumMod val="40000"/>
-              <a:lumOff val="60000"/>
-            </a:schemeClr>
-          </a:solidFill>
-          <a:ln>
-            <a:noFill/>
-          </a:ln>
-        </p:spPr>
-        <p:style>
-          <a:lnRef idx="2">
-            <a:schemeClr val="accent1">
-              <a:shade val="50000"/>
-            </a:schemeClr>
-          </a:lnRef>
-          <a:fillRef idx="1">
-            <a:schemeClr val="accent1"/>
-          </a:fillRef>
-          <a:effectRef idx="0">
-            <a:schemeClr val="accent1"/>
-          </a:effectRef>
-          <a:fontRef idx="minor">
-            <a:schemeClr val="lt1"/>
-          </a:fontRef>
-        </p:style>
-        <p:txBody>
-          <a:bodyPr rtlCol="0" anchor="ctr"/>
-          <a:lstStyle/>
-          <a:p>
-            <a:pPr algn="ctr"/>
-            <a:endParaRPr lang="ko-KR" altLang="en-US" sz="1100" dirty="0">
-              <a:solidFill>
-                <a:sysClr val="windowText" lastClr="000000"/>
-              </a:solidFill>
-            </a:endParaRPr>
-          </a:p>
-        </p:txBody>
-      </p:sp>
-      <p:sp>
-        <p:nvSpPr>
-          <p:cNvPr id="6" name="TextBox 5">
-            <a:extLst>
-              <a:ext uri="{FF2B5EF4-FFF2-40B4-BE49-F238E27FC236}">
-                <a16:creationId xmlns:a16="http://schemas.microsoft.com/office/drawing/2014/main" id="{BD123A69-57E3-457E-83DB-AFF5AD49A597}"/>
+                <a16:creationId xmlns:a16="http://schemas.microsoft.com/office/drawing/2014/main" id="{6850FF95-2697-4C99-85CC-7652D3CB3F91}"/>
               </a:ext>
             </a:extLst>
           </p:cNvPr>
@@ -16750,8 +18778,8 @@
         </p:nvSpPr>
         <p:spPr>
           <a:xfrm>
-            <a:off x="647799" y="4761844"/>
-            <a:ext cx="360996" cy="230832"/>
+            <a:off x="1044725" y="3101639"/>
+            <a:ext cx="618452" cy="215444"/>
           </a:xfrm>
           <a:prstGeom prst="rect">
             <a:avLst/>
@@ -16759,19 +18787,725 @@
           <a:noFill/>
         </p:spPr>
         <p:txBody>
-          <a:bodyPr wrap="none" rtlCol="0">
+          <a:bodyPr wrap="square" rtlCol="0">
             <a:spAutoFit/>
           </a:bodyPr>
           <a:lstStyle/>
           <a:p>
             <a:r>
-              <a:rPr lang="en-US" altLang="ko-KR" sz="900" dirty="0"/>
-              <a:t>2-1</a:t>
+              <a:rPr lang="en-US" altLang="ko-KR" sz="800" dirty="0"/>
+              <a:t>Section_2</a:t>
             </a:r>
-            <a:endParaRPr lang="ko-KR" altLang="en-US" sz="900" dirty="0"/>
+            <a:endParaRPr lang="ko-KR" altLang="en-US" sz="800" dirty="0"/>
           </a:p>
         </p:txBody>
       </p:sp>
+      <p:sp>
+        <p:nvSpPr>
+          <p:cNvPr id="128" name="TextBox 127">
+            <a:extLst>
+              <a:ext uri="{FF2B5EF4-FFF2-40B4-BE49-F238E27FC236}">
+                <a16:creationId xmlns:a16="http://schemas.microsoft.com/office/drawing/2014/main" id="{B3793DAD-D444-44E1-A3FA-ACFB27BC2C48}"/>
+              </a:ext>
+            </a:extLst>
+          </p:cNvPr>
+          <p:cNvSpPr txBox="1"/>
+          <p:nvPr/>
+        </p:nvSpPr>
+        <p:spPr>
+          <a:xfrm>
+            <a:off x="689493" y="2201282"/>
+            <a:ext cx="618452" cy="215444"/>
+          </a:xfrm>
+          <a:prstGeom prst="rect">
+            <a:avLst/>
+          </a:prstGeom>
+          <a:noFill/>
+        </p:spPr>
+        <p:txBody>
+          <a:bodyPr wrap="square" rtlCol="0">
+            <a:spAutoFit/>
+          </a:bodyPr>
+          <a:lstStyle/>
+          <a:p>
+            <a:r>
+              <a:rPr lang="en-US" altLang="ko-KR" sz="800" dirty="0"/>
+              <a:t>Section_1</a:t>
+            </a:r>
+            <a:endParaRPr lang="ko-KR" altLang="en-US" sz="800" dirty="0"/>
+          </a:p>
+        </p:txBody>
+      </p:sp>
+      <p:sp>
+        <p:nvSpPr>
+          <p:cNvPr id="86" name="TextBox 85">
+            <a:extLst>
+              <a:ext uri="{FF2B5EF4-FFF2-40B4-BE49-F238E27FC236}">
+                <a16:creationId xmlns:a16="http://schemas.microsoft.com/office/drawing/2014/main" id="{98C1252B-701C-49F6-81CC-77CF513AFCF7}"/>
+              </a:ext>
+            </a:extLst>
+          </p:cNvPr>
+          <p:cNvSpPr txBox="1"/>
+          <p:nvPr/>
+        </p:nvSpPr>
+        <p:spPr>
+          <a:xfrm>
+            <a:off x="4048844" y="3031468"/>
+            <a:ext cx="618452" cy="215444"/>
+          </a:xfrm>
+          <a:prstGeom prst="rect">
+            <a:avLst/>
+          </a:prstGeom>
+          <a:noFill/>
+        </p:spPr>
+        <p:txBody>
+          <a:bodyPr wrap="square" rtlCol="0">
+            <a:spAutoFit/>
+          </a:bodyPr>
+          <a:lstStyle/>
+          <a:p>
+            <a:r>
+              <a:rPr lang="en-US" altLang="ko-KR" sz="800" dirty="0"/>
+              <a:t>Section_2</a:t>
+            </a:r>
+            <a:endParaRPr lang="ko-KR" altLang="en-US" sz="800" dirty="0"/>
+          </a:p>
+        </p:txBody>
+      </p:sp>
+      <p:sp>
+        <p:nvSpPr>
+          <p:cNvPr id="129" name="TextBox 128">
+            <a:extLst>
+              <a:ext uri="{FF2B5EF4-FFF2-40B4-BE49-F238E27FC236}">
+                <a16:creationId xmlns:a16="http://schemas.microsoft.com/office/drawing/2014/main" id="{2C681A37-77C7-41EF-88A4-0325CD1CB946}"/>
+              </a:ext>
+            </a:extLst>
+          </p:cNvPr>
+          <p:cNvSpPr txBox="1"/>
+          <p:nvPr/>
+        </p:nvSpPr>
+        <p:spPr>
+          <a:xfrm>
+            <a:off x="4056211" y="2201282"/>
+            <a:ext cx="618452" cy="215444"/>
+          </a:xfrm>
+          <a:prstGeom prst="rect">
+            <a:avLst/>
+          </a:prstGeom>
+          <a:noFill/>
+        </p:spPr>
+        <p:txBody>
+          <a:bodyPr wrap="square" rtlCol="0">
+            <a:spAutoFit/>
+          </a:bodyPr>
+          <a:lstStyle/>
+          <a:p>
+            <a:r>
+              <a:rPr lang="en-US" altLang="ko-KR" sz="800" dirty="0"/>
+              <a:t>Section_1</a:t>
+            </a:r>
+            <a:endParaRPr lang="ko-KR" altLang="en-US" sz="800" dirty="0"/>
+          </a:p>
+        </p:txBody>
+      </p:sp>
+      <p:grpSp>
+        <p:nvGrpSpPr>
+          <p:cNvPr id="11" name="그룹 10">
+            <a:extLst>
+              <a:ext uri="{FF2B5EF4-FFF2-40B4-BE49-F238E27FC236}">
+                <a16:creationId xmlns:a16="http://schemas.microsoft.com/office/drawing/2014/main" id="{E8AB99F9-9356-4216-8C6F-3BDB57143A02}"/>
+              </a:ext>
+            </a:extLst>
+          </p:cNvPr>
+          <p:cNvGrpSpPr/>
+          <p:nvPr/>
+        </p:nvGrpSpPr>
+        <p:grpSpPr>
+          <a:xfrm>
+            <a:off x="1546288" y="4036308"/>
+            <a:ext cx="395876" cy="369332"/>
+            <a:chOff x="1614823" y="4388873"/>
+            <a:chExt cx="395876" cy="369332"/>
+          </a:xfrm>
+        </p:grpSpPr>
+        <p:pic>
+          <p:nvPicPr>
+            <p:cNvPr id="2" name="그림 1">
+              <a:extLst>
+                <a:ext uri="{FF2B5EF4-FFF2-40B4-BE49-F238E27FC236}">
+                  <a16:creationId xmlns:a16="http://schemas.microsoft.com/office/drawing/2014/main" id="{2C83E466-D0FA-4D38-9A09-44D0FE87EB3B}"/>
+                </a:ext>
+              </a:extLst>
+            </p:cNvPr>
+            <p:cNvPicPr>
+              <a:picLocks noChangeAspect="1"/>
+            </p:cNvPicPr>
+            <p:nvPr/>
+          </p:nvPicPr>
+          <p:blipFill>
+            <a:blip r:embed="rId2"/>
+            <a:stretch>
+              <a:fillRect/>
+            </a:stretch>
+          </p:blipFill>
+          <p:spPr>
+            <a:xfrm>
+              <a:off x="1636417" y="4426913"/>
+              <a:ext cx="262151" cy="262151"/>
+            </a:xfrm>
+            <a:prstGeom prst="rect">
+              <a:avLst/>
+            </a:prstGeom>
+          </p:spPr>
+        </p:pic>
+        <p:sp>
+          <p:nvSpPr>
+            <p:cNvPr id="10" name="TextBox 9">
+              <a:extLst>
+                <a:ext uri="{FF2B5EF4-FFF2-40B4-BE49-F238E27FC236}">
+                  <a16:creationId xmlns:a16="http://schemas.microsoft.com/office/drawing/2014/main" id="{A523AA05-621A-4B78-B97C-4A9257F95D9C}"/>
+                </a:ext>
+              </a:extLst>
+            </p:cNvPr>
+            <p:cNvSpPr txBox="1"/>
+            <p:nvPr/>
+          </p:nvSpPr>
+          <p:spPr>
+            <a:xfrm>
+              <a:off x="1614823" y="4388873"/>
+              <a:ext cx="395876" cy="369332"/>
+            </a:xfrm>
+            <a:prstGeom prst="rect">
+              <a:avLst/>
+            </a:prstGeom>
+            <a:noFill/>
+          </p:spPr>
+          <p:txBody>
+            <a:bodyPr wrap="square" rtlCol="0">
+              <a:spAutoFit/>
+            </a:bodyPr>
+            <a:lstStyle/>
+            <a:p>
+              <a:r>
+                <a:rPr lang="en-US" altLang="ko-KR" dirty="0"/>
+                <a:t>2</a:t>
+              </a:r>
+              <a:endParaRPr lang="ko-KR" altLang="en-US" dirty="0"/>
+            </a:p>
+          </p:txBody>
+        </p:sp>
+      </p:grpSp>
+      <p:grpSp>
+        <p:nvGrpSpPr>
+          <p:cNvPr id="136" name="그룹 135">
+            <a:extLst>
+              <a:ext uri="{FF2B5EF4-FFF2-40B4-BE49-F238E27FC236}">
+                <a16:creationId xmlns:a16="http://schemas.microsoft.com/office/drawing/2014/main" id="{9A057EED-5F57-4960-ACCC-441CB84D11EC}"/>
+              </a:ext>
+            </a:extLst>
+          </p:cNvPr>
+          <p:cNvGrpSpPr/>
+          <p:nvPr/>
+        </p:nvGrpSpPr>
+        <p:grpSpPr>
+          <a:xfrm>
+            <a:off x="1707990" y="4769522"/>
+            <a:ext cx="395876" cy="262151"/>
+            <a:chOff x="1591990" y="4426913"/>
+            <a:chExt cx="395876" cy="262151"/>
+          </a:xfrm>
+        </p:grpSpPr>
+        <p:pic>
+          <p:nvPicPr>
+            <p:cNvPr id="148" name="그림 147">
+              <a:extLst>
+                <a:ext uri="{FF2B5EF4-FFF2-40B4-BE49-F238E27FC236}">
+                  <a16:creationId xmlns:a16="http://schemas.microsoft.com/office/drawing/2014/main" id="{25BD7AF8-9E6D-4BBA-BD83-BF41EC6653D4}"/>
+                </a:ext>
+              </a:extLst>
+            </p:cNvPr>
+            <p:cNvPicPr>
+              <a:picLocks noChangeAspect="1"/>
+            </p:cNvPicPr>
+            <p:nvPr/>
+          </p:nvPicPr>
+          <p:blipFill>
+            <a:blip r:embed="rId2"/>
+            <a:stretch>
+              <a:fillRect/>
+            </a:stretch>
+          </p:blipFill>
+          <p:spPr>
+            <a:xfrm>
+              <a:off x="1636417" y="4426913"/>
+              <a:ext cx="262151" cy="262151"/>
+            </a:xfrm>
+            <a:prstGeom prst="rect">
+              <a:avLst/>
+            </a:prstGeom>
+          </p:spPr>
+        </p:pic>
+        <p:sp>
+          <p:nvSpPr>
+            <p:cNvPr id="150" name="TextBox 149">
+              <a:extLst>
+                <a:ext uri="{FF2B5EF4-FFF2-40B4-BE49-F238E27FC236}">
+                  <a16:creationId xmlns:a16="http://schemas.microsoft.com/office/drawing/2014/main" id="{200EB11A-CEB1-48E5-8DFE-2ADAD7BD36D1}"/>
+                </a:ext>
+              </a:extLst>
+            </p:cNvPr>
+            <p:cNvSpPr txBox="1"/>
+            <p:nvPr/>
+          </p:nvSpPr>
+          <p:spPr>
+            <a:xfrm>
+              <a:off x="1591990" y="4455562"/>
+              <a:ext cx="395876" cy="230832"/>
+            </a:xfrm>
+            <a:prstGeom prst="rect">
+              <a:avLst/>
+            </a:prstGeom>
+            <a:noFill/>
+          </p:spPr>
+          <p:txBody>
+            <a:bodyPr wrap="square" rtlCol="0">
+              <a:spAutoFit/>
+            </a:bodyPr>
+            <a:lstStyle/>
+            <a:p>
+              <a:r>
+                <a:rPr lang="en-US" altLang="ko-KR" sz="900" dirty="0"/>
+                <a:t>2-1</a:t>
+              </a:r>
+              <a:endParaRPr lang="ko-KR" altLang="en-US" sz="900" dirty="0"/>
+            </a:p>
+          </p:txBody>
+        </p:sp>
+      </p:grpSp>
+      <p:grpSp>
+        <p:nvGrpSpPr>
+          <p:cNvPr id="151" name="그룹 150">
+            <a:extLst>
+              <a:ext uri="{FF2B5EF4-FFF2-40B4-BE49-F238E27FC236}">
+                <a16:creationId xmlns:a16="http://schemas.microsoft.com/office/drawing/2014/main" id="{68679706-8234-4096-BAD8-8D9EA182BB6A}"/>
+              </a:ext>
+            </a:extLst>
+          </p:cNvPr>
+          <p:cNvGrpSpPr/>
+          <p:nvPr/>
+        </p:nvGrpSpPr>
+        <p:grpSpPr>
+          <a:xfrm>
+            <a:off x="558674" y="4616316"/>
+            <a:ext cx="395876" cy="262151"/>
+            <a:chOff x="1591990" y="4426913"/>
+            <a:chExt cx="395876" cy="262151"/>
+          </a:xfrm>
+        </p:grpSpPr>
+        <p:pic>
+          <p:nvPicPr>
+            <p:cNvPr id="153" name="그림 152">
+              <a:extLst>
+                <a:ext uri="{FF2B5EF4-FFF2-40B4-BE49-F238E27FC236}">
+                  <a16:creationId xmlns:a16="http://schemas.microsoft.com/office/drawing/2014/main" id="{F1C47FA4-486A-4E63-AAB9-EC332EC9CF61}"/>
+                </a:ext>
+              </a:extLst>
+            </p:cNvPr>
+            <p:cNvPicPr>
+              <a:picLocks noChangeAspect="1"/>
+            </p:cNvPicPr>
+            <p:nvPr/>
+          </p:nvPicPr>
+          <p:blipFill>
+            <a:blip r:embed="rId2"/>
+            <a:stretch>
+              <a:fillRect/>
+            </a:stretch>
+          </p:blipFill>
+          <p:spPr>
+            <a:xfrm>
+              <a:off x="1636417" y="4426913"/>
+              <a:ext cx="262151" cy="262151"/>
+            </a:xfrm>
+            <a:prstGeom prst="rect">
+              <a:avLst/>
+            </a:prstGeom>
+          </p:spPr>
+        </p:pic>
+        <p:sp>
+          <p:nvSpPr>
+            <p:cNvPr id="154" name="TextBox 153">
+              <a:extLst>
+                <a:ext uri="{FF2B5EF4-FFF2-40B4-BE49-F238E27FC236}">
+                  <a16:creationId xmlns:a16="http://schemas.microsoft.com/office/drawing/2014/main" id="{97580096-D0B5-45C0-8532-8C62BD6581EA}"/>
+                </a:ext>
+              </a:extLst>
+            </p:cNvPr>
+            <p:cNvSpPr txBox="1"/>
+            <p:nvPr/>
+          </p:nvSpPr>
+          <p:spPr>
+            <a:xfrm>
+              <a:off x="1591990" y="4455562"/>
+              <a:ext cx="395876" cy="230832"/>
+            </a:xfrm>
+            <a:prstGeom prst="rect">
+              <a:avLst/>
+            </a:prstGeom>
+            <a:noFill/>
+          </p:spPr>
+          <p:txBody>
+            <a:bodyPr wrap="square" rtlCol="0">
+              <a:spAutoFit/>
+            </a:bodyPr>
+            <a:lstStyle/>
+            <a:p>
+              <a:r>
+                <a:rPr lang="en-US" altLang="ko-KR" sz="900" dirty="0"/>
+                <a:t>2-2</a:t>
+              </a:r>
+              <a:endParaRPr lang="ko-KR" altLang="en-US" sz="900" dirty="0"/>
+            </a:p>
+          </p:txBody>
+        </p:sp>
+      </p:grpSp>
+      <p:grpSp>
+        <p:nvGrpSpPr>
+          <p:cNvPr id="155" name="그룹 154">
+            <a:extLst>
+              <a:ext uri="{FF2B5EF4-FFF2-40B4-BE49-F238E27FC236}">
+                <a16:creationId xmlns:a16="http://schemas.microsoft.com/office/drawing/2014/main" id="{3BD5B018-B514-48F1-8791-38748EA8870F}"/>
+              </a:ext>
+            </a:extLst>
+          </p:cNvPr>
+          <p:cNvGrpSpPr/>
+          <p:nvPr/>
+        </p:nvGrpSpPr>
+        <p:grpSpPr>
+          <a:xfrm>
+            <a:off x="1224978" y="5322046"/>
+            <a:ext cx="395876" cy="262151"/>
+            <a:chOff x="1591990" y="4426913"/>
+            <a:chExt cx="395876" cy="262151"/>
+          </a:xfrm>
+        </p:grpSpPr>
+        <p:pic>
+          <p:nvPicPr>
+            <p:cNvPr id="156" name="그림 155">
+              <a:extLst>
+                <a:ext uri="{FF2B5EF4-FFF2-40B4-BE49-F238E27FC236}">
+                  <a16:creationId xmlns:a16="http://schemas.microsoft.com/office/drawing/2014/main" id="{5A18307D-E73F-4213-A017-A5D621C3880E}"/>
+                </a:ext>
+              </a:extLst>
+            </p:cNvPr>
+            <p:cNvPicPr>
+              <a:picLocks noChangeAspect="1"/>
+            </p:cNvPicPr>
+            <p:nvPr/>
+          </p:nvPicPr>
+          <p:blipFill>
+            <a:blip r:embed="rId2"/>
+            <a:stretch>
+              <a:fillRect/>
+            </a:stretch>
+          </p:blipFill>
+          <p:spPr>
+            <a:xfrm>
+              <a:off x="1636417" y="4426913"/>
+              <a:ext cx="262151" cy="262151"/>
+            </a:xfrm>
+            <a:prstGeom prst="rect">
+              <a:avLst/>
+            </a:prstGeom>
+          </p:spPr>
+        </p:pic>
+        <p:sp>
+          <p:nvSpPr>
+            <p:cNvPr id="157" name="TextBox 156">
+              <a:extLst>
+                <a:ext uri="{FF2B5EF4-FFF2-40B4-BE49-F238E27FC236}">
+                  <a16:creationId xmlns:a16="http://schemas.microsoft.com/office/drawing/2014/main" id="{E5128F23-1F52-4164-B67C-137394EB8B94}"/>
+                </a:ext>
+              </a:extLst>
+            </p:cNvPr>
+            <p:cNvSpPr txBox="1"/>
+            <p:nvPr/>
+          </p:nvSpPr>
+          <p:spPr>
+            <a:xfrm>
+              <a:off x="1591990" y="4455562"/>
+              <a:ext cx="395876" cy="230832"/>
+            </a:xfrm>
+            <a:prstGeom prst="rect">
+              <a:avLst/>
+            </a:prstGeom>
+            <a:noFill/>
+          </p:spPr>
+          <p:txBody>
+            <a:bodyPr wrap="square" rtlCol="0">
+              <a:spAutoFit/>
+            </a:bodyPr>
+            <a:lstStyle/>
+            <a:p>
+              <a:r>
+                <a:rPr lang="en-US" altLang="ko-KR" sz="900" dirty="0"/>
+                <a:t>2-3</a:t>
+              </a:r>
+              <a:endParaRPr lang="ko-KR" altLang="en-US" sz="900" dirty="0"/>
+            </a:p>
+          </p:txBody>
+        </p:sp>
+      </p:grpSp>
+      <p:grpSp>
+        <p:nvGrpSpPr>
+          <p:cNvPr id="158" name="그룹 157">
+            <a:extLst>
+              <a:ext uri="{FF2B5EF4-FFF2-40B4-BE49-F238E27FC236}">
+                <a16:creationId xmlns:a16="http://schemas.microsoft.com/office/drawing/2014/main" id="{769BA408-5D12-47B6-94A3-0F8798ADE2CA}"/>
+              </a:ext>
+            </a:extLst>
+          </p:cNvPr>
+          <p:cNvGrpSpPr/>
+          <p:nvPr/>
+        </p:nvGrpSpPr>
+        <p:grpSpPr>
+          <a:xfrm>
+            <a:off x="3437096" y="4829691"/>
+            <a:ext cx="395876" cy="369332"/>
+            <a:chOff x="1620760" y="4372485"/>
+            <a:chExt cx="395876" cy="369332"/>
+          </a:xfrm>
+        </p:grpSpPr>
+        <p:pic>
+          <p:nvPicPr>
+            <p:cNvPr id="159" name="그림 158">
+              <a:extLst>
+                <a:ext uri="{FF2B5EF4-FFF2-40B4-BE49-F238E27FC236}">
+                  <a16:creationId xmlns:a16="http://schemas.microsoft.com/office/drawing/2014/main" id="{35296379-C5A2-45DD-A090-8888B25DC1F8}"/>
+                </a:ext>
+              </a:extLst>
+            </p:cNvPr>
+            <p:cNvPicPr>
+              <a:picLocks noChangeAspect="1"/>
+            </p:cNvPicPr>
+            <p:nvPr/>
+          </p:nvPicPr>
+          <p:blipFill>
+            <a:blip r:embed="rId2"/>
+            <a:stretch>
+              <a:fillRect/>
+            </a:stretch>
+          </p:blipFill>
+          <p:spPr>
+            <a:xfrm>
+              <a:off x="1636417" y="4426913"/>
+              <a:ext cx="262151" cy="262151"/>
+            </a:xfrm>
+            <a:prstGeom prst="rect">
+              <a:avLst/>
+            </a:prstGeom>
+          </p:spPr>
+        </p:pic>
+        <p:sp>
+          <p:nvSpPr>
+            <p:cNvPr id="163" name="TextBox 162">
+              <a:extLst>
+                <a:ext uri="{FF2B5EF4-FFF2-40B4-BE49-F238E27FC236}">
+                  <a16:creationId xmlns:a16="http://schemas.microsoft.com/office/drawing/2014/main" id="{9AC75E7C-EBE0-4C49-A1C8-3C6FE42E4DB1}"/>
+                </a:ext>
+              </a:extLst>
+            </p:cNvPr>
+            <p:cNvSpPr txBox="1"/>
+            <p:nvPr/>
+          </p:nvSpPr>
+          <p:spPr>
+            <a:xfrm>
+              <a:off x="1620760" y="4372485"/>
+              <a:ext cx="395876" cy="369332"/>
+            </a:xfrm>
+            <a:prstGeom prst="rect">
+              <a:avLst/>
+            </a:prstGeom>
+            <a:noFill/>
+          </p:spPr>
+          <p:txBody>
+            <a:bodyPr wrap="square" rtlCol="0">
+              <a:spAutoFit/>
+            </a:bodyPr>
+            <a:lstStyle/>
+            <a:p>
+              <a:r>
+                <a:rPr lang="en-US" altLang="ko-KR" dirty="0"/>
+                <a:t>3</a:t>
+              </a:r>
+              <a:endParaRPr lang="ko-KR" altLang="en-US" dirty="0"/>
+            </a:p>
+          </p:txBody>
+        </p:sp>
+      </p:grpSp>
+      <p:grpSp>
+        <p:nvGrpSpPr>
+          <p:cNvPr id="13" name="그룹 12">
+            <a:extLst>
+              <a:ext uri="{FF2B5EF4-FFF2-40B4-BE49-F238E27FC236}">
+                <a16:creationId xmlns:a16="http://schemas.microsoft.com/office/drawing/2014/main" id="{0B609FBA-16D6-4529-AF18-8E9D6FBF7B43}"/>
+              </a:ext>
+            </a:extLst>
+          </p:cNvPr>
+          <p:cNvGrpSpPr/>
+          <p:nvPr/>
+        </p:nvGrpSpPr>
+        <p:grpSpPr>
+          <a:xfrm>
+            <a:off x="3210388" y="5306156"/>
+            <a:ext cx="395876" cy="467752"/>
+            <a:chOff x="3187952" y="5811158"/>
+            <a:chExt cx="395876" cy="467752"/>
+          </a:xfrm>
+        </p:grpSpPr>
+        <p:sp>
+          <p:nvSpPr>
+            <p:cNvPr id="57" name="화살표: 오른쪽 56">
+              <a:extLst>
+                <a:ext uri="{FF2B5EF4-FFF2-40B4-BE49-F238E27FC236}">
+                  <a16:creationId xmlns:a16="http://schemas.microsoft.com/office/drawing/2014/main" id="{68619892-2832-4BE8-A0FF-66D70FCFCF57}"/>
+                </a:ext>
+              </a:extLst>
+            </p:cNvPr>
+            <p:cNvSpPr/>
+            <p:nvPr/>
+          </p:nvSpPr>
+          <p:spPr>
+            <a:xfrm rot="5400000">
+              <a:off x="3216273" y="6077481"/>
+              <a:ext cx="300125" cy="102734"/>
+            </a:xfrm>
+            <a:prstGeom prst="rightArrow">
+              <a:avLst/>
+            </a:prstGeom>
+            <a:solidFill>
+              <a:schemeClr val="accent1">
+                <a:lumMod val="60000"/>
+                <a:lumOff val="40000"/>
+              </a:schemeClr>
+            </a:solidFill>
+            <a:ln>
+              <a:noFill/>
+            </a:ln>
+          </p:spPr>
+          <p:style>
+            <a:lnRef idx="2">
+              <a:schemeClr val="accent1">
+                <a:shade val="50000"/>
+              </a:schemeClr>
+            </a:lnRef>
+            <a:fillRef idx="1">
+              <a:schemeClr val="accent1"/>
+            </a:fillRef>
+            <a:effectRef idx="0">
+              <a:schemeClr val="accent1"/>
+            </a:effectRef>
+            <a:fontRef idx="minor">
+              <a:schemeClr val="lt1"/>
+            </a:fontRef>
+          </p:style>
+          <p:txBody>
+            <a:bodyPr rtlCol="0" anchor="ctr"/>
+            <a:lstStyle/>
+            <a:p>
+              <a:pPr algn="ctr"/>
+              <a:endParaRPr lang="ko-KR" altLang="en-US"/>
+            </a:p>
+          </p:txBody>
+        </p:sp>
+        <p:grpSp>
+          <p:nvGrpSpPr>
+            <p:cNvPr id="167" name="그룹 166">
+              <a:extLst>
+                <a:ext uri="{FF2B5EF4-FFF2-40B4-BE49-F238E27FC236}">
+                  <a16:creationId xmlns:a16="http://schemas.microsoft.com/office/drawing/2014/main" id="{AB0BC8E6-1531-4822-9FFD-3323AF2B3961}"/>
+                </a:ext>
+              </a:extLst>
+            </p:cNvPr>
+            <p:cNvGrpSpPr/>
+            <p:nvPr/>
+          </p:nvGrpSpPr>
+          <p:grpSpPr>
+            <a:xfrm>
+              <a:off x="3187952" y="5811158"/>
+              <a:ext cx="395876" cy="262151"/>
+              <a:chOff x="1591990" y="4426913"/>
+              <a:chExt cx="395876" cy="262151"/>
+            </a:xfrm>
+          </p:grpSpPr>
+          <p:pic>
+            <p:nvPicPr>
+              <p:cNvPr id="168" name="그림 167">
+                <a:extLst>
+                  <a:ext uri="{FF2B5EF4-FFF2-40B4-BE49-F238E27FC236}">
+                    <a16:creationId xmlns:a16="http://schemas.microsoft.com/office/drawing/2014/main" id="{6DA36D5B-146A-4C06-BA33-F84C081C3742}"/>
+                  </a:ext>
+                </a:extLst>
+              </p:cNvPr>
+              <p:cNvPicPr>
+                <a:picLocks noChangeAspect="1"/>
+              </p:cNvPicPr>
+              <p:nvPr/>
+            </p:nvPicPr>
+            <p:blipFill>
+              <a:blip r:embed="rId2"/>
+              <a:stretch>
+                <a:fillRect/>
+              </a:stretch>
+            </p:blipFill>
+            <p:spPr>
+              <a:xfrm>
+                <a:off x="1636417" y="4426913"/>
+                <a:ext cx="262151" cy="262151"/>
+              </a:xfrm>
+              <a:prstGeom prst="rect">
+                <a:avLst/>
+              </a:prstGeom>
+            </p:spPr>
+          </p:pic>
+          <p:sp>
+            <p:nvSpPr>
+              <p:cNvPr id="169" name="TextBox 168">
+                <a:extLst>
+                  <a:ext uri="{FF2B5EF4-FFF2-40B4-BE49-F238E27FC236}">
+                    <a16:creationId xmlns:a16="http://schemas.microsoft.com/office/drawing/2014/main" id="{35937DE5-EEA6-44ED-BF94-1A0053D87192}"/>
+                  </a:ext>
+                </a:extLst>
+              </p:cNvPr>
+              <p:cNvSpPr txBox="1"/>
+              <p:nvPr/>
+            </p:nvSpPr>
+            <p:spPr>
+              <a:xfrm>
+                <a:off x="1591990" y="4455562"/>
+                <a:ext cx="395876" cy="230832"/>
+              </a:xfrm>
+              <a:prstGeom prst="rect">
+                <a:avLst/>
+              </a:prstGeom>
+              <a:noFill/>
+            </p:spPr>
+            <p:txBody>
+              <a:bodyPr wrap="square" rtlCol="0">
+                <a:spAutoFit/>
+              </a:bodyPr>
+              <a:lstStyle/>
+              <a:p>
+                <a:r>
+                  <a:rPr lang="en-US" altLang="ko-KR" sz="900" dirty="0"/>
+                  <a:t>3-1</a:t>
+                </a:r>
+                <a:endParaRPr lang="ko-KR" altLang="en-US" sz="900" dirty="0"/>
+              </a:p>
+            </p:txBody>
+          </p:sp>
+        </p:grpSp>
+      </p:grpSp>
     </p:spTree>
     <p:extLst>
       <p:ext uri="{BB962C8B-B14F-4D97-AF65-F5344CB8AC3E}">
@@ -16817,7 +19551,7 @@
           <p:nvPr>
             <p:extLst>
               <p:ext uri="{D42A27DB-BD31-4B8C-83A1-F6EECF244321}">
-                <p14:modId xmlns:p14="http://schemas.microsoft.com/office/powerpoint/2010/main" val="1451785294"/>
+                <p14:modId xmlns:p14="http://schemas.microsoft.com/office/powerpoint/2010/main" val="950915493"/>
               </p:ext>
             </p:extLst>
           </p:nvPr>
@@ -16892,7 +19626,7 @@
                     <a:p>
                       <a:pPr latinLnBrk="1"/>
                       <a:r>
-                        <a:rPr lang="ko-KR" altLang="en-US" sz="1600" dirty="0"/>
+                        <a:rPr lang="ko-KR" altLang="en-US" sz="1400" dirty="0"/>
                         <a:t>외교부 독도 홈페이지 리뉴얼</a:t>
                       </a:r>
                     </a:p>
@@ -16927,10 +19661,10 @@
                     <a:p>
                       <a:pPr latinLnBrk="1"/>
                       <a:r>
-                        <a:rPr lang="ko-KR" altLang="en-US" sz="1600" dirty="0" err="1"/>
+                        <a:rPr lang="ko-KR" altLang="en-US" sz="1400" dirty="0" err="1"/>
                         <a:t>우민주</a:t>
                       </a:r>
-                      <a:endParaRPr lang="ko-KR" altLang="en-US" sz="1600" dirty="0"/>
+                      <a:endParaRPr lang="ko-KR" altLang="en-US" sz="1400" dirty="0"/>
                     </a:p>
                   </a:txBody>
                   <a:tcPr/>
@@ -16978,10 +19712,10 @@
                     <a:p>
                       <a:pPr latinLnBrk="1"/>
                       <a:r>
-                        <a:rPr lang="en-US" altLang="ko-KR" sz="1600" dirty="0"/>
+                        <a:rPr lang="en-US" altLang="ko-KR" sz="1400" dirty="0"/>
                         <a:t>Main Section3</a:t>
                       </a:r>
-                      <a:endParaRPr lang="ko-KR" altLang="en-US" sz="1600" dirty="0"/>
+                      <a:endParaRPr lang="ko-KR" altLang="en-US" sz="1400" dirty="0"/>
                     </a:p>
                   </a:txBody>
                   <a:tcPr/>
@@ -16994,8 +19728,13 @@
                       <a:pPr algn="ctr" latinLnBrk="1"/>
                       <a:r>
                         <a:rPr lang="ko-KR" altLang="en-US" sz="1600" dirty="0"/>
-                        <a:t>비고</a:t>
-                      </a:r>
+                        <a:t>화면 </a:t>
+                      </a:r>
+                      <a:r>
+                        <a:rPr lang="en-US" altLang="ko-KR" sz="1600" dirty="0"/>
+                        <a:t>ID</a:t>
+                      </a:r>
+                      <a:endParaRPr lang="ko-KR" altLang="en-US" sz="1600" dirty="0"/>
                     </a:p>
                   </a:txBody>
                   <a:tcPr>
@@ -17013,7 +19752,11 @@
                     <a:lstStyle/>
                     <a:p>
                       <a:pPr latinLnBrk="1"/>
-                      <a:endParaRPr lang="ko-KR" altLang="en-US" sz="1600" dirty="0"/>
+                      <a:r>
+                        <a:rPr lang="en-US" altLang="ko-KR" sz="1400" dirty="0"/>
+                        <a:t>Section_3</a:t>
+                      </a:r>
+                      <a:endParaRPr lang="ko-KR" altLang="en-US" sz="1400" dirty="0"/>
                     </a:p>
                   </a:txBody>
                   <a:tcPr/>
@@ -17043,14 +19786,14 @@
           <p:nvPr>
             <p:extLst>
               <p:ext uri="{D42A27DB-BD31-4B8C-83A1-F6EECF244321}">
-                <p14:modId xmlns:p14="http://schemas.microsoft.com/office/powerpoint/2010/main" val="4159153138"/>
+                <p14:modId xmlns:p14="http://schemas.microsoft.com/office/powerpoint/2010/main" val="1344195820"/>
               </p:ext>
             </p:extLst>
           </p:nvPr>
         </p:nvGraphicFramePr>
         <p:xfrm>
           <a:off x="587827" y="1514474"/>
-          <a:ext cx="10918372" cy="4881878"/>
+          <a:ext cx="10918372" cy="4788923"/>
         </p:xfrm>
         <a:graphic>
           <a:graphicData uri="http://schemas.openxmlformats.org/drawingml/2006/table">
@@ -17194,7 +19937,7 @@
                 </a:extLst>
               </a:tr>
               <a:tr h="452965">
-                <a:tc rowSpan="7">
+                <a:tc rowSpan="9">
                   <a:txBody>
                     <a:bodyPr/>
                     <a:lstStyle/>
@@ -17205,7 +19948,7 @@
                   </a:txBody>
                   <a:tcPr/>
                 </a:tc>
-                <a:tc rowSpan="7">
+                <a:tc rowSpan="9">
                   <a:txBody>
                     <a:bodyPr/>
                     <a:lstStyle/>
@@ -17223,7 +19966,7 @@
                     <a:p>
                       <a:pPr algn="ctr" latinLnBrk="1"/>
                       <a:r>
-                        <a:rPr lang="ko-KR" altLang="en-US" sz="1100" dirty="0"/>
+                        <a:rPr lang="ko-KR" altLang="en-US" sz="1000" dirty="0"/>
                         <a:t>화면 설명</a:t>
                       </a:r>
                     </a:p>
@@ -17244,14 +19987,14 @@
                     <a:p>
                       <a:pPr algn="l" latinLnBrk="1"/>
                       <a:r>
-                        <a:rPr lang="ko-KR" altLang="en-US" sz="1100" dirty="0"/>
+                        <a:rPr lang="ko-KR" altLang="en-US" sz="1000" dirty="0"/>
                         <a:t>독도의 자연경관 및 다양한 생물들을 소개하기 위해 카드 형식으로 나열</a:t>
                       </a:r>
                       <a:r>
-                        <a:rPr lang="en-US" altLang="ko-KR" sz="1100" dirty="0"/>
+                        <a:rPr lang="en-US" altLang="ko-KR" sz="1000" dirty="0"/>
                         <a:t>.</a:t>
                       </a:r>
-                      <a:endParaRPr lang="ko-KR" altLang="en-US" sz="1100" dirty="0"/>
+                      <a:endParaRPr lang="ko-KR" altLang="en-US" sz="1000" dirty="0"/>
                     </a:p>
                   </a:txBody>
                   <a:tcPr/>
@@ -17262,7 +20005,7 @@
                   </a:ext>
                 </a:extLst>
               </a:tr>
-              <a:tr h="453915">
+              <a:tr h="226958">
                 <a:tc vMerge="1">
                   <a:txBody>
                     <a:bodyPr/>
@@ -17292,10 +20035,10 @@
                     <a:p>
                       <a:pPr algn="ctr" latinLnBrk="1"/>
                       <a:r>
-                        <a:rPr lang="en-US" altLang="ko-KR" sz="1100" dirty="0"/>
+                        <a:rPr lang="en-US" altLang="ko-KR" sz="1000" dirty="0"/>
                         <a:t>1</a:t>
                       </a:r>
-                      <a:endParaRPr lang="ko-KR" altLang="en-US" sz="1100" dirty="0"/>
+                      <a:endParaRPr lang="ko-KR" altLang="en-US" sz="1000" dirty="0"/>
                     </a:p>
                   </a:txBody>
                   <a:tcPr>
@@ -17314,16 +20057,8 @@
                     <a:p>
                       <a:pPr algn="l" latinLnBrk="1"/>
                       <a:r>
-                        <a:rPr lang="ko-KR" altLang="en-US" sz="1100" dirty="0"/>
-                        <a:t>해당 섹션의 타이틀로 스크롤 내릴 시 아래에서 위로 부드럽게 </a:t>
-                      </a:r>
-                      <a:endParaRPr lang="en-US" altLang="ko-KR" sz="1100" dirty="0"/>
-                    </a:p>
-                    <a:p>
-                      <a:pPr algn="l" latinLnBrk="1"/>
-                      <a:r>
-                        <a:rPr lang="ko-KR" altLang="en-US" sz="1100" dirty="0"/>
-                        <a:t>떠오름</a:t>
+                        <a:rPr lang="ko-KR" altLang="en-US" sz="1000" dirty="0"/>
+                        <a:t>섹션 타이틀과 독도의 이미지카드로 구성  </a:t>
                       </a:r>
                     </a:p>
                   </a:txBody>
@@ -17335,7 +20070,72 @@
                   </a:ext>
                 </a:extLst>
               </a:tr>
-              <a:tr h="461648">
+              <a:tr h="122709">
+                <a:tc vMerge="1">
+                  <a:txBody>
+                    <a:bodyPr/>
+                    <a:lstStyle/>
+                    <a:p>
+                      <a:pPr latinLnBrk="1"/>
+                      <a:endParaRPr lang="ko-KR" altLang="en-US"/>
+                    </a:p>
+                  </a:txBody>
+                  <a:tcPr/>
+                </a:tc>
+                <a:tc vMerge="1">
+                  <a:txBody>
+                    <a:bodyPr/>
+                    <a:lstStyle/>
+                    <a:p>
+                      <a:pPr latinLnBrk="1"/>
+                      <a:endParaRPr lang="ko-KR" altLang="en-US"/>
+                    </a:p>
+                  </a:txBody>
+                  <a:tcPr/>
+                </a:tc>
+                <a:tc>
+                  <a:txBody>
+                    <a:bodyPr/>
+                    <a:lstStyle/>
+                    <a:p>
+                      <a:pPr algn="ctr" latinLnBrk="1"/>
+                      <a:r>
+                        <a:rPr lang="en-US" altLang="ko-KR" sz="1000" dirty="0"/>
+                        <a:t>1-1</a:t>
+                      </a:r>
+                      <a:endParaRPr lang="ko-KR" altLang="en-US" sz="1000" dirty="0"/>
+                    </a:p>
+                  </a:txBody>
+                  <a:tcPr>
+                    <a:solidFill>
+                      <a:schemeClr val="accent1">
+                        <a:lumMod val="20000"/>
+                        <a:lumOff val="80000"/>
+                      </a:schemeClr>
+                    </a:solidFill>
+                  </a:tcPr>
+                </a:tc>
+                <a:tc>
+                  <a:txBody>
+                    <a:bodyPr/>
+                    <a:lstStyle/>
+                    <a:p>
+                      <a:pPr algn="l" latinLnBrk="1"/>
+                      <a:r>
+                        <a:rPr lang="ko-KR" altLang="en-US" sz="1000" dirty="0"/>
+                        <a:t>해당 섹션의 타이틀로 스크롤 내릴 시 아래에서 위로 부드럽게 떠오름</a:t>
+                      </a:r>
+                    </a:p>
+                  </a:txBody>
+                  <a:tcPr/>
+                </a:tc>
+                <a:extLst>
+                  <a:ext uri="{0D108BD9-81ED-4DB2-BD59-A6C34878D82A}">
+                    <a16:rowId xmlns:a16="http://schemas.microsoft.com/office/drawing/2014/main" val="4223772519"/>
+                  </a:ext>
+                </a:extLst>
+              </a:tr>
+              <a:tr h="127558">
                 <a:tc vMerge="1">
                   <a:txBody>
                     <a:bodyPr/>
@@ -17380,8 +20180,93 @@
                         <a:tabLst/>
                         <a:defRPr/>
                       </a:pPr>
-                      <a:endParaRPr lang="en-US" altLang="ko-KR" sz="1100" dirty="0"/>
-                    </a:p>
+                      <a:r>
+                        <a:rPr lang="en-US" altLang="ko-KR" sz="1000" dirty="0"/>
+                        <a:t>1-2</a:t>
+                      </a:r>
+                      <a:endParaRPr lang="ko-KR" altLang="en-US" sz="1000" dirty="0"/>
+                    </a:p>
+                  </a:txBody>
+                  <a:tcPr>
+                    <a:solidFill>
+                      <a:schemeClr val="accent1">
+                        <a:lumMod val="20000"/>
+                        <a:lumOff val="80000"/>
+                      </a:schemeClr>
+                    </a:solidFill>
+                  </a:tcPr>
+                </a:tc>
+                <a:tc>
+                  <a:txBody>
+                    <a:bodyPr/>
+                    <a:lstStyle/>
+                    <a:p>
+                      <a:pPr marL="0" marR="0" lvl="0" indent="0" algn="l" defTabSz="914400" rtl="0" eaLnBrk="1" fontAlgn="auto" latinLnBrk="1" hangingPunct="1">
+                        <a:lnSpc>
+                          <a:spcPct val="100000"/>
+                        </a:lnSpc>
+                        <a:spcBef>
+                          <a:spcPts val="0"/>
+                        </a:spcBef>
+                        <a:spcAft>
+                          <a:spcPts val="0"/>
+                        </a:spcAft>
+                        <a:buClrTx/>
+                        <a:buSzTx/>
+                        <a:buFontTx/>
+                        <a:buNone/>
+                        <a:tabLst/>
+                        <a:defRPr/>
+                      </a:pPr>
+                      <a:r>
+                        <a:rPr lang="ko-KR" altLang="en-US" sz="1000" dirty="0"/>
+                        <a:t>독도를 대표하는 자연경관 및 생물 이미지카드로 총 </a:t>
+                      </a:r>
+                      <a:r>
+                        <a:rPr lang="en-US" altLang="ko-KR" sz="1000" dirty="0"/>
+                        <a:t>6</a:t>
+                      </a:r>
+                      <a:r>
+                        <a:rPr lang="ko-KR" altLang="en-US" sz="1000" dirty="0"/>
+                        <a:t>장으로 구성</a:t>
+                      </a:r>
+                    </a:p>
+                  </a:txBody>
+                  <a:tcPr/>
+                </a:tc>
+                <a:extLst>
+                  <a:ext uri="{0D108BD9-81ED-4DB2-BD59-A6C34878D82A}">
+                    <a16:rowId xmlns:a16="http://schemas.microsoft.com/office/drawing/2014/main" val="1105099574"/>
+                  </a:ext>
+                </a:extLst>
+              </a:tr>
+              <a:tr h="230824">
+                <a:tc vMerge="1">
+                  <a:txBody>
+                    <a:bodyPr/>
+                    <a:lstStyle/>
+                    <a:p>
+                      <a:pPr latinLnBrk="1"/>
+                      <a:endParaRPr lang="ko-KR" altLang="en-US"/>
+                    </a:p>
+                  </a:txBody>
+                  <a:tcPr/>
+                </a:tc>
+                <a:tc vMerge="1">
+                  <a:txBody>
+                    <a:bodyPr/>
+                    <a:lstStyle/>
+                    <a:p>
+                      <a:pPr latinLnBrk="1"/>
+                      <a:endParaRPr lang="ko-KR" altLang="en-US"/>
+                    </a:p>
+                  </a:txBody>
+                  <a:tcPr/>
+                </a:tc>
+                <a:tc>
+                  <a:txBody>
+                    <a:bodyPr/>
+                    <a:lstStyle/>
                     <a:p>
                       <a:pPr marL="0" marR="0" lvl="0" indent="0" algn="ctr" defTabSz="914400" rtl="0" eaLnBrk="1" fontAlgn="auto" latinLnBrk="1" hangingPunct="1">
                         <a:lnSpc>
@@ -17401,10 +20286,10 @@
                         <a:defRPr/>
                       </a:pPr>
                       <a:r>
-                        <a:rPr lang="en-US" altLang="ko-KR" sz="1100" dirty="0"/>
-                        <a:t>2</a:t>
-                      </a:r>
-                      <a:endParaRPr lang="ko-KR" altLang="en-US" sz="1100" dirty="0"/>
+                        <a:rPr lang="en-US" altLang="ko-KR" sz="1000" dirty="0"/>
+                        <a:t>1-3</a:t>
+                      </a:r>
+                      <a:endParaRPr lang="ko-KR" altLang="en-US" sz="1000" dirty="0"/>
                     </a:p>
                   </a:txBody>
                   <a:tcPr>
@@ -17439,24 +20324,16 @@
                         <a:defRPr/>
                       </a:pPr>
                       <a:r>
-                        <a:rPr lang="ko-KR" altLang="en-US" sz="1100" dirty="0"/>
-                        <a:t>독도를 대표하는 자연경관 및 생물 이미지 카드와 이미지에 관한 설명을 정리한 카드로 총 </a:t>
-                      </a:r>
-                      <a:r>
-                        <a:rPr lang="en-US" altLang="ko-KR" sz="1100" dirty="0"/>
+                        <a:rPr lang="ko-KR" altLang="en-US" sz="1000" dirty="0"/>
+                        <a:t>이미지에 관한 설명을 정리한 카드로 이미지카드와 같이 </a:t>
+                      </a:r>
+                      <a:r>
+                        <a:rPr lang="en-US" altLang="ko-KR" sz="1000" dirty="0"/>
                         <a:t>6</a:t>
                       </a:r>
                       <a:r>
-                        <a:rPr lang="ko-KR" altLang="en-US" sz="1100" dirty="0"/>
-                        <a:t>가지로 생성하여 </a:t>
-                      </a:r>
-                      <a:r>
-                        <a:rPr lang="en-US" altLang="ko-KR" sz="1100" dirty="0"/>
-                        <a:t>Row</a:t>
-                      </a:r>
-                      <a:r>
-                        <a:rPr lang="ko-KR" altLang="en-US" sz="1100" dirty="0"/>
-                        <a:t>로 차례대로 아래로 배열되도록 배치</a:t>
+                        <a:rPr lang="ko-KR" altLang="en-US" sz="1000" dirty="0"/>
+                        <a:t>장으로 구성</a:t>
                       </a:r>
                     </a:p>
                   </a:txBody>
@@ -17464,11 +20341,11 @@
                 </a:tc>
                 <a:extLst>
                   <a:ext uri="{0D108BD9-81ED-4DB2-BD59-A6C34878D82A}">
-                    <a16:rowId xmlns:a16="http://schemas.microsoft.com/office/drawing/2014/main" val="1105099574"/>
+                    <a16:rowId xmlns:a16="http://schemas.microsoft.com/office/drawing/2014/main" val="522498679"/>
                   </a:ext>
                 </a:extLst>
               </a:tr>
-              <a:tr h="630915">
+              <a:tr h="315458">
                 <a:tc vMerge="1">
                   <a:txBody>
                     <a:bodyPr/>
@@ -17513,7 +20390,258 @@
                         <a:tabLst/>
                         <a:defRPr/>
                       </a:pPr>
-                      <a:endParaRPr lang="en-US" altLang="ko-KR" sz="1100" dirty="0"/>
+                      <a:r>
+                        <a:rPr lang="en-US" altLang="ko-KR" sz="1000" dirty="0"/>
+                        <a:t>2</a:t>
+                      </a:r>
+                      <a:endParaRPr lang="ko-KR" altLang="en-US" sz="1000" dirty="0"/>
+                    </a:p>
+                  </a:txBody>
+                  <a:tcPr>
+                    <a:solidFill>
+                      <a:schemeClr val="accent1">
+                        <a:lumMod val="20000"/>
+                        <a:lumOff val="80000"/>
+                      </a:schemeClr>
+                    </a:solidFill>
+                  </a:tcPr>
+                </a:tc>
+                <a:tc>
+                  <a:txBody>
+                    <a:bodyPr/>
+                    <a:lstStyle/>
+                    <a:p>
+                      <a:pPr marL="0" marR="0" lvl="0" indent="0" algn="l" defTabSz="914400" rtl="0" eaLnBrk="1" fontAlgn="auto" latinLnBrk="1" hangingPunct="1">
+                        <a:lnSpc>
+                          <a:spcPct val="100000"/>
+                        </a:lnSpc>
+                        <a:spcBef>
+                          <a:spcPts val="0"/>
+                        </a:spcBef>
+                        <a:spcAft>
+                          <a:spcPts val="0"/>
+                        </a:spcAft>
+                        <a:buClrTx/>
+                        <a:buSzTx/>
+                        <a:buFontTx/>
+                        <a:buNone/>
+                        <a:tabLst/>
+                        <a:defRPr/>
+                      </a:pPr>
+                      <a:r>
+                        <a:rPr lang="ko-KR" altLang="en-US" sz="1000" dirty="0"/>
+                        <a:t>이미지카드와 설명카드의 세로는 겹치고 가로는 </a:t>
+                      </a:r>
+                      <a:r>
+                        <a:rPr lang="en-US" altLang="ko-KR" sz="1000" dirty="0"/>
+                        <a:t>60px</a:t>
+                      </a:r>
+                      <a:r>
+                        <a:rPr lang="ko-KR" altLang="en-US" sz="1000" dirty="0"/>
+                        <a:t> 간격으로</a:t>
+                      </a:r>
+                      <a:r>
+                        <a:rPr lang="en-US" altLang="ko-KR" sz="1000" dirty="0"/>
+                        <a:t> </a:t>
+                      </a:r>
+                      <a:r>
+                        <a:rPr lang="ko-KR" altLang="en-US" sz="1000" dirty="0"/>
+                        <a:t>생성하여 </a:t>
+                      </a:r>
+                      <a:r>
+                        <a:rPr lang="en-US" altLang="ko-KR" sz="1000" dirty="0"/>
+                        <a:t>Row</a:t>
+                      </a:r>
+                      <a:r>
+                        <a:rPr lang="ko-KR" altLang="en-US" sz="1000" dirty="0"/>
+                        <a:t>로 차례대로 아래로 배열되도록 배치</a:t>
+                      </a:r>
+                    </a:p>
+                  </a:txBody>
+                  <a:tcPr/>
+                </a:tc>
+                <a:extLst>
+                  <a:ext uri="{0D108BD9-81ED-4DB2-BD59-A6C34878D82A}">
+                    <a16:rowId xmlns:a16="http://schemas.microsoft.com/office/drawing/2014/main" val="1750953538"/>
+                  </a:ext>
+                </a:extLst>
+              </a:tr>
+              <a:tr h="162383">
+                <a:tc vMerge="1">
+                  <a:txBody>
+                    <a:bodyPr/>
+                    <a:lstStyle/>
+                    <a:p>
+                      <a:pPr latinLnBrk="1"/>
+                      <a:endParaRPr lang="ko-KR" altLang="en-US"/>
+                    </a:p>
+                  </a:txBody>
+                  <a:tcPr/>
+                </a:tc>
+                <a:tc vMerge="1">
+                  <a:txBody>
+                    <a:bodyPr/>
+                    <a:lstStyle/>
+                    <a:p>
+                      <a:pPr latinLnBrk="1"/>
+                      <a:endParaRPr lang="ko-KR" altLang="en-US"/>
+                    </a:p>
+                  </a:txBody>
+                  <a:tcPr/>
+                </a:tc>
+                <a:tc>
+                  <a:txBody>
+                    <a:bodyPr/>
+                    <a:lstStyle/>
+                    <a:p>
+                      <a:pPr algn="ctr" latinLnBrk="1"/>
+                      <a:r>
+                        <a:rPr lang="en-US" altLang="ko-KR" sz="1000" dirty="0"/>
+                        <a:t>2-1</a:t>
+                      </a:r>
+                      <a:endParaRPr lang="ko-KR" altLang="en-US" sz="1000" dirty="0"/>
+                    </a:p>
+                  </a:txBody>
+                  <a:tcPr>
+                    <a:solidFill>
+                      <a:schemeClr val="accent1">
+                        <a:lumMod val="20000"/>
+                        <a:lumOff val="80000"/>
+                      </a:schemeClr>
+                    </a:solidFill>
+                  </a:tcPr>
+                </a:tc>
+                <a:tc>
+                  <a:txBody>
+                    <a:bodyPr/>
+                    <a:lstStyle/>
+                    <a:p>
+                      <a:pPr marL="0" marR="0" lvl="0" indent="0" algn="l" defTabSz="914400" rtl="0" eaLnBrk="1" fontAlgn="auto" latinLnBrk="1" hangingPunct="1">
+                        <a:lnSpc>
+                          <a:spcPct val="100000"/>
+                        </a:lnSpc>
+                        <a:spcBef>
+                          <a:spcPts val="0"/>
+                        </a:spcBef>
+                        <a:spcAft>
+                          <a:spcPts val="0"/>
+                        </a:spcAft>
+                        <a:buClrTx/>
+                        <a:buSzTx/>
+                        <a:buFontTx/>
+                        <a:buNone/>
+                        <a:tabLst/>
+                        <a:defRPr/>
+                      </a:pPr>
+                      <a:r>
+                        <a:rPr lang="ko-KR" altLang="en-US" sz="1000" dirty="0"/>
+                        <a:t>스크롤 내릴 시 이미지카드와 설명카드의 올라오는 시간차를 두어 차례대로 부드럽게 떠오르도록 설정</a:t>
+                      </a:r>
+                    </a:p>
+                  </a:txBody>
+                  <a:tcPr/>
+                </a:tc>
+                <a:extLst>
+                  <a:ext uri="{0D108BD9-81ED-4DB2-BD59-A6C34878D82A}">
+                    <a16:rowId xmlns:a16="http://schemas.microsoft.com/office/drawing/2014/main" val="2341481095"/>
+                  </a:ext>
+                </a:extLst>
+              </a:tr>
+              <a:tr h="449558">
+                <a:tc vMerge="1">
+                  <a:txBody>
+                    <a:bodyPr/>
+                    <a:lstStyle/>
+                    <a:p>
+                      <a:pPr latinLnBrk="1"/>
+                      <a:endParaRPr lang="ko-KR" altLang="en-US" dirty="0"/>
+                    </a:p>
+                  </a:txBody>
+                  <a:tcPr/>
+                </a:tc>
+                <a:tc vMerge="1">
+                  <a:txBody>
+                    <a:bodyPr/>
+                    <a:lstStyle/>
+                    <a:p>
+                      <a:pPr latinLnBrk="1"/>
+                      <a:endParaRPr lang="ko-KR" altLang="en-US"/>
+                    </a:p>
+                  </a:txBody>
+                  <a:tcPr/>
+                </a:tc>
+                <a:tc gridSpan="2">
+                  <a:txBody>
+                    <a:bodyPr/>
+                    <a:lstStyle/>
+                    <a:p>
+                      <a:pPr algn="ctr" latinLnBrk="1"/>
+                      <a:r>
+                        <a:rPr lang="ko-KR" altLang="en-US" sz="1600" dirty="0"/>
+                        <a:t>반응형</a:t>
+                      </a:r>
+                    </a:p>
+                  </a:txBody>
+                  <a:tcPr>
+                    <a:solidFill>
+                      <a:schemeClr val="accent1">
+                        <a:lumMod val="20000"/>
+                        <a:lumOff val="80000"/>
+                      </a:schemeClr>
+                    </a:solidFill>
+                  </a:tcPr>
+                </a:tc>
+                <a:tc hMerge="1">
+                  <a:txBody>
+                    <a:bodyPr/>
+                    <a:lstStyle/>
+                    <a:p>
+                      <a:pPr latinLnBrk="1"/>
+                      <a:endParaRPr lang="ko-KR" altLang="en-US"/>
+                    </a:p>
+                  </a:txBody>
+                  <a:tcPr/>
+                </a:tc>
+                <a:extLst>
+                  <a:ext uri="{0D108BD9-81ED-4DB2-BD59-A6C34878D82A}">
+                    <a16:rowId xmlns:a16="http://schemas.microsoft.com/office/drawing/2014/main" val="2016023557"/>
+                  </a:ext>
+                </a:extLst>
+              </a:tr>
+              <a:tr h="1671661">
+                <a:tc vMerge="1">
+                  <a:txBody>
+                    <a:bodyPr/>
+                    <a:lstStyle/>
+                    <a:p>
+                      <a:pPr latinLnBrk="1"/>
+                      <a:endParaRPr lang="ko-KR" altLang="en-US"/>
+                    </a:p>
+                  </a:txBody>
+                  <a:tcPr/>
+                </a:tc>
+                <a:tc vMerge="1">
+                  <a:txBody>
+                    <a:bodyPr/>
+                    <a:lstStyle/>
+                    <a:p>
+                      <a:pPr latinLnBrk="1"/>
+                      <a:endParaRPr lang="ko-KR" altLang="en-US"/>
+                    </a:p>
+                  </a:txBody>
+                  <a:tcPr/>
+                </a:tc>
+                <a:tc>
+                  <a:txBody>
+                    <a:bodyPr/>
+                    <a:lstStyle/>
+                    <a:p>
+                      <a:pPr algn="ctr" latinLnBrk="1"/>
+                      <a:endParaRPr lang="en-US" altLang="ko-KR" sz="1000" dirty="0"/>
+                    </a:p>
+                    <a:p>
+                      <a:pPr algn="ctr" latinLnBrk="1"/>
+                      <a:endParaRPr lang="en-US" altLang="ko-KR" sz="1000" dirty="0"/>
                     </a:p>
                     <a:p>
                       <a:pPr marL="0" marR="0" lvl="0" indent="0" algn="ctr" defTabSz="914400" rtl="0" eaLnBrk="1" fontAlgn="auto" latinLnBrk="1" hangingPunct="1">
@@ -17533,23 +20661,56 @@
                         <a:tabLst/>
                         <a:defRPr/>
                       </a:pPr>
-                      <a:r>
-                        <a:rPr lang="en-US" altLang="ko-KR" sz="1100" dirty="0"/>
-                        <a:t>2-1</a:t>
-                      </a:r>
-                      <a:endParaRPr lang="ko-KR" altLang="en-US" sz="1100" dirty="0"/>
-                    </a:p>
-                    <a:p>
-                      <a:pPr algn="ctr" latinLnBrk="1"/>
-                      <a:endParaRPr lang="ko-KR" altLang="en-US" sz="1100" dirty="0"/>
+                      <a:endParaRPr lang="en-US" altLang="ko-KR" sz="1000" dirty="0"/>
+                    </a:p>
+                    <a:p>
+                      <a:pPr marL="0" marR="0" lvl="0" indent="0" algn="ctr" defTabSz="914400" rtl="0" eaLnBrk="1" fontAlgn="auto" latinLnBrk="1" hangingPunct="1">
+                        <a:lnSpc>
+                          <a:spcPct val="100000"/>
+                        </a:lnSpc>
+                        <a:spcBef>
+                          <a:spcPts val="0"/>
+                        </a:spcBef>
+                        <a:spcAft>
+                          <a:spcPts val="0"/>
+                        </a:spcAft>
+                        <a:buClrTx/>
+                        <a:buSzTx/>
+                        <a:buFontTx/>
+                        <a:buNone/>
+                        <a:tabLst/>
+                        <a:defRPr/>
+                      </a:pPr>
+                      <a:endParaRPr lang="en-US" altLang="ko-KR" sz="1000" dirty="0"/>
+                    </a:p>
+                    <a:p>
+                      <a:pPr marL="0" marR="0" lvl="0" indent="0" algn="ctr" defTabSz="914400" rtl="0" eaLnBrk="1" fontAlgn="auto" latinLnBrk="1" hangingPunct="1">
+                        <a:lnSpc>
+                          <a:spcPct val="100000"/>
+                        </a:lnSpc>
+                        <a:spcBef>
+                          <a:spcPts val="0"/>
+                        </a:spcBef>
+                        <a:spcAft>
+                          <a:spcPts val="0"/>
+                        </a:spcAft>
+                        <a:buClrTx/>
+                        <a:buSzTx/>
+                        <a:buFontTx/>
+                        <a:buNone/>
+                        <a:tabLst/>
+                        <a:defRPr/>
+                      </a:pPr>
+                      <a:r>
+                        <a:rPr lang="en-US" altLang="ko-KR" sz="1000" dirty="0"/>
+                        <a:t>2</a:t>
+                      </a:r>
+                      <a:endParaRPr lang="ko-KR" altLang="en-US" sz="1000" dirty="0"/>
                     </a:p>
                   </a:txBody>
                   <a:tcPr>
                     <a:solidFill>
-                      <a:schemeClr val="accent1">
-                        <a:lumMod val="20000"/>
-                        <a:lumOff val="80000"/>
-                      </a:schemeClr>
+                      <a:srgbClr val="DAE3F3"/>
                     </a:solidFill>
                   </a:tcPr>
                 </a:tc>
@@ -17557,6 +20718,45 @@
                   <a:txBody>
                     <a:bodyPr/>
                     <a:lstStyle/>
+                    <a:p>
+                      <a:pPr latinLnBrk="1"/>
+                      <a:endParaRPr lang="en-US" altLang="ko-KR" sz="1000" dirty="0"/>
+                    </a:p>
+                    <a:p>
+                      <a:pPr latinLnBrk="1"/>
+                      <a:endParaRPr lang="en-US" altLang="ko-KR" sz="1000" dirty="0"/>
+                    </a:p>
+                    <a:p>
+                      <a:pPr latinLnBrk="1"/>
+                      <a:endParaRPr lang="en-US" altLang="ko-KR" sz="1000" dirty="0"/>
+                    </a:p>
+                    <a:p>
+                      <a:pPr latinLnBrk="1"/>
+                      <a:r>
+                        <a:rPr lang="ko-KR" altLang="en-US" sz="1000" dirty="0"/>
+                        <a:t>가로 </a:t>
+                      </a:r>
+                      <a:r>
+                        <a:rPr lang="en-US" altLang="ko-KR" sz="1000" dirty="0"/>
+                        <a:t>640</a:t>
+                      </a:r>
+                      <a:r>
+                        <a:rPr lang="ko-KR" altLang="en-US" sz="1000" dirty="0"/>
+                        <a:t>일 경우 카드를 </a:t>
+                      </a:r>
+                      <a:r>
+                        <a:rPr lang="en-US" altLang="ko-KR" sz="1000" dirty="0"/>
+                        <a:t>Column</a:t>
+                      </a:r>
+                      <a:r>
+                        <a:rPr lang="ko-KR" altLang="en-US" sz="1000" dirty="0"/>
+                        <a:t>으로 나열</a:t>
+                      </a:r>
+                      <a:r>
+                        <a:rPr lang="en-US" altLang="ko-KR" sz="1000" dirty="0"/>
+                        <a:t>,</a:t>
+                      </a:r>
+                    </a:p>
                     <a:p>
                       <a:pPr marL="0" marR="0" lvl="0" indent="0" algn="l" defTabSz="914400" rtl="0" eaLnBrk="1" fontAlgn="auto" latinLnBrk="1" hangingPunct="1">
                         <a:lnSpc>
@@ -17576,173 +20776,10 @@
                         <a:defRPr/>
                       </a:pPr>
                       <a:r>
-                        <a:rPr lang="ko-KR" altLang="en-US" sz="1100" dirty="0"/>
-                        <a:t>스크롤 내릴 시 이미지카드와 설명카드의 올라오는 시간차를 두어 차례대로 부드럽게 떠오르도록 설정</a:t>
-                      </a:r>
-                    </a:p>
-                    <a:p>
-                      <a:pPr algn="l" latinLnBrk="1"/>
-                      <a:endParaRPr lang="ko-KR" altLang="en-US" sz="1100" dirty="0"/>
-                    </a:p>
-                  </a:txBody>
-                  <a:tcPr/>
-                </a:tc>
-                <a:extLst>
-                  <a:ext uri="{0D108BD9-81ED-4DB2-BD59-A6C34878D82A}">
-                    <a16:rowId xmlns:a16="http://schemas.microsoft.com/office/drawing/2014/main" val="1750953538"/>
-                  </a:ext>
-                </a:extLst>
-              </a:tr>
-              <a:tr h="449558">
-                <a:tc vMerge="1">
-                  <a:txBody>
-                    <a:bodyPr/>
-                    <a:lstStyle/>
-                    <a:p>
-                      <a:pPr latinLnBrk="1"/>
-                      <a:endParaRPr lang="ko-KR" altLang="en-US" dirty="0"/>
-                    </a:p>
-                  </a:txBody>
-                  <a:tcPr/>
-                </a:tc>
-                <a:tc vMerge="1">
-                  <a:txBody>
-                    <a:bodyPr/>
-                    <a:lstStyle/>
-                    <a:p>
-                      <a:pPr latinLnBrk="1"/>
-                      <a:endParaRPr lang="ko-KR" altLang="en-US"/>
-                    </a:p>
-                  </a:txBody>
-                  <a:tcPr/>
-                </a:tc>
-                <a:tc gridSpan="2">
-                  <a:txBody>
-                    <a:bodyPr/>
-                    <a:lstStyle/>
-                    <a:p>
-                      <a:pPr algn="ctr" latinLnBrk="1"/>
-                      <a:r>
-                        <a:rPr lang="ko-KR" altLang="en-US" sz="1600" dirty="0"/>
-                        <a:t>반응형</a:t>
-                      </a:r>
-                    </a:p>
-                  </a:txBody>
-                  <a:tcPr>
-                    <a:solidFill>
-                      <a:schemeClr val="accent1">
-                        <a:lumMod val="20000"/>
-                        <a:lumOff val="80000"/>
-                      </a:schemeClr>
-                    </a:solidFill>
-                  </a:tcPr>
-                </a:tc>
-                <a:tc hMerge="1">
-                  <a:txBody>
-                    <a:bodyPr/>
-                    <a:lstStyle/>
-                    <a:p>
-                      <a:pPr latinLnBrk="1"/>
-                      <a:endParaRPr lang="ko-KR" altLang="en-US"/>
-                    </a:p>
-                  </a:txBody>
-                  <a:tcPr/>
-                </a:tc>
-                <a:extLst>
-                  <a:ext uri="{0D108BD9-81ED-4DB2-BD59-A6C34878D82A}">
-                    <a16:rowId xmlns:a16="http://schemas.microsoft.com/office/drawing/2014/main" val="2016023557"/>
-                  </a:ext>
-                </a:extLst>
-              </a:tr>
-              <a:tr h="881411">
-                <a:tc vMerge="1">
-                  <a:txBody>
-                    <a:bodyPr/>
-                    <a:lstStyle/>
-                    <a:p>
-                      <a:pPr latinLnBrk="1"/>
-                      <a:endParaRPr lang="ko-KR" altLang="en-US"/>
-                    </a:p>
-                  </a:txBody>
-                  <a:tcPr/>
-                </a:tc>
-                <a:tc vMerge="1">
-                  <a:txBody>
-                    <a:bodyPr/>
-                    <a:lstStyle/>
-                    <a:p>
-                      <a:pPr latinLnBrk="1"/>
-                      <a:endParaRPr lang="ko-KR" altLang="en-US"/>
-                    </a:p>
-                  </a:txBody>
-                  <a:tcPr/>
-                </a:tc>
-                <a:tc>
-                  <a:txBody>
-                    <a:bodyPr/>
-                    <a:lstStyle/>
-                    <a:p>
-                      <a:pPr algn="ctr" latinLnBrk="1"/>
-                      <a:endParaRPr lang="en-US" altLang="ko-KR" sz="1100" dirty="0"/>
-                    </a:p>
-                    <a:p>
-                      <a:pPr algn="ctr" latinLnBrk="1"/>
-                      <a:endParaRPr lang="en-US" altLang="ko-KR" sz="1100" dirty="0"/>
-                    </a:p>
-                    <a:p>
-                      <a:pPr algn="ctr" latinLnBrk="1"/>
-                      <a:r>
-                        <a:rPr lang="en-US" altLang="ko-KR" sz="1100" dirty="0"/>
-                        <a:t>2</a:t>
-                      </a:r>
-                      <a:endParaRPr lang="ko-KR" altLang="en-US" sz="1100" dirty="0"/>
-                    </a:p>
-                  </a:txBody>
-                  <a:tcPr>
-                    <a:solidFill>
-                      <a:srgbClr val="DAE3F3"/>
-                    </a:solidFill>
-                  </a:tcPr>
-                </a:tc>
-                <a:tc>
-                  <a:txBody>
-                    <a:bodyPr/>
-                    <a:lstStyle/>
-                    <a:p>
-                      <a:pPr latinLnBrk="1"/>
-                      <a:endParaRPr lang="en-US" altLang="ko-KR" sz="1100" dirty="0"/>
-                    </a:p>
-                    <a:p>
-                      <a:pPr latinLnBrk="1"/>
-                      <a:endParaRPr lang="en-US" altLang="ko-KR" sz="1100" dirty="0"/>
-                    </a:p>
-                    <a:p>
-                      <a:pPr latinLnBrk="1"/>
-                      <a:r>
-                        <a:rPr lang="ko-KR" altLang="en-US" sz="1100" dirty="0"/>
-                        <a:t>가로 </a:t>
-                      </a:r>
-                      <a:r>
-                        <a:rPr lang="en-US" altLang="ko-KR" sz="1100" dirty="0"/>
-                        <a:t>640</a:t>
-                      </a:r>
-                      <a:r>
-                        <a:rPr lang="ko-KR" altLang="en-US" sz="1100" dirty="0"/>
-                        <a:t>일 경우 카드를 </a:t>
-                      </a:r>
-                      <a:r>
-                        <a:rPr lang="en-US" altLang="ko-KR" sz="1100" dirty="0"/>
-                        <a:t>Column</a:t>
-                      </a:r>
-                      <a:r>
-                        <a:rPr lang="ko-KR" altLang="en-US" sz="1100" dirty="0"/>
-                        <a:t>으로 나열</a:t>
-                      </a:r>
-                      <a:endParaRPr lang="en-US" altLang="ko-KR" sz="1100" dirty="0"/>
-                    </a:p>
-                    <a:p>
-                      <a:pPr latinLnBrk="1"/>
-                      <a:endParaRPr lang="ko-KR" altLang="en-US" sz="1100" dirty="0"/>
+                        <a:rPr lang="ko-KR" altLang="en-US" sz="1000" dirty="0"/>
+                        <a:t>설명카드의 가로 위치를 정 가운데로 배치</a:t>
+                      </a:r>
+                      <a:endParaRPr lang="en-US" altLang="ko-KR" sz="1000" dirty="0"/>
                     </a:p>
                   </a:txBody>
                   <a:tcPr/>
@@ -17750,89 +20787,6 @@
                 <a:extLst>
                   <a:ext uri="{0D108BD9-81ED-4DB2-BD59-A6C34878D82A}">
                     <a16:rowId xmlns:a16="http://schemas.microsoft.com/office/drawing/2014/main" val="397376855"/>
-                  </a:ext>
-                </a:extLst>
-              </a:tr>
-              <a:tr h="971855">
-                <a:tc vMerge="1">
-                  <a:txBody>
-                    <a:bodyPr/>
-                    <a:lstStyle/>
-                    <a:p>
-                      <a:pPr latinLnBrk="1"/>
-                      <a:endParaRPr lang="ko-KR" altLang="en-US"/>
-                    </a:p>
-                  </a:txBody>
-                  <a:tcPr/>
-                </a:tc>
-                <a:tc vMerge="1">
-                  <a:txBody>
-                    <a:bodyPr/>
-                    <a:lstStyle/>
-                    <a:p>
-                      <a:pPr latinLnBrk="1"/>
-                      <a:endParaRPr lang="ko-KR" altLang="en-US"/>
-                    </a:p>
-                  </a:txBody>
-                  <a:tcPr/>
-                </a:tc>
-                <a:tc>
-                  <a:txBody>
-                    <a:bodyPr/>
-                    <a:lstStyle/>
-                    <a:p>
-                      <a:pPr algn="ctr" latinLnBrk="1"/>
-                      <a:endParaRPr lang="en-US" altLang="ko-KR" sz="1100" dirty="0"/>
-                    </a:p>
-                    <a:p>
-                      <a:pPr algn="ctr" latinLnBrk="1"/>
-                      <a:endParaRPr lang="en-US" altLang="ko-KR" sz="1100" dirty="0"/>
-                    </a:p>
-                    <a:p>
-                      <a:pPr algn="ctr" latinLnBrk="1"/>
-                      <a:r>
-                        <a:rPr lang="en-US" altLang="ko-KR" sz="1100" dirty="0"/>
-                        <a:t>3</a:t>
-                      </a:r>
-                      <a:endParaRPr lang="ko-KR" altLang="en-US" sz="1100" dirty="0"/>
-                    </a:p>
-                  </a:txBody>
-                  <a:tcPr>
-                    <a:solidFill>
-                      <a:srgbClr val="DAE3F3"/>
-                    </a:solidFill>
-                  </a:tcPr>
-                </a:tc>
-                <a:tc>
-                  <a:txBody>
-                    <a:bodyPr/>
-                    <a:lstStyle/>
-                    <a:p>
-                      <a:pPr latinLnBrk="1"/>
-                      <a:endParaRPr lang="en-US" altLang="ko-KR" sz="1100" dirty="0"/>
-                    </a:p>
-                    <a:p>
-                      <a:pPr latinLnBrk="1"/>
-                      <a:endParaRPr lang="en-US" altLang="ko-KR" sz="1100" dirty="0"/>
-                    </a:p>
-                    <a:p>
-                      <a:pPr latinLnBrk="1"/>
-                      <a:r>
-                        <a:rPr lang="ko-KR" altLang="en-US" sz="1100" dirty="0"/>
-                        <a:t>설명카드의 위치를 정 가운데로 배치</a:t>
-                      </a:r>
-                      <a:endParaRPr lang="en-US" altLang="ko-KR" sz="1100" dirty="0"/>
-                    </a:p>
-                    <a:p>
-                      <a:pPr latinLnBrk="1"/>
-                      <a:endParaRPr lang="ko-KR" altLang="en-US" sz="1100" dirty="0"/>
-                    </a:p>
-                  </a:txBody>
-                  <a:tcPr/>
-                </a:tc>
-                <a:extLst>
-                  <a:ext uri="{0D108BD9-81ED-4DB2-BD59-A6C34878D82A}">
-                    <a16:rowId xmlns:a16="http://schemas.microsoft.com/office/drawing/2014/main" val="3895884501"/>
                   </a:ext>
                 </a:extLst>
               </a:tr>
@@ -19404,128 +22358,6 @@
       </p:grpSp>
       <p:sp>
         <p:nvSpPr>
-          <p:cNvPr id="54" name="화살표: 오른쪽 53">
-            <a:extLst>
-              <a:ext uri="{FF2B5EF4-FFF2-40B4-BE49-F238E27FC236}">
-                <a16:creationId xmlns:a16="http://schemas.microsoft.com/office/drawing/2014/main" id="{BBB9D0E0-93A5-4E5A-9E1F-18B171B3C798}"/>
-              </a:ext>
-            </a:extLst>
-          </p:cNvPr>
-          <p:cNvSpPr/>
-          <p:nvPr/>
-        </p:nvSpPr>
-        <p:spPr>
-          <a:xfrm rot="16200000">
-            <a:off x="3377610" y="2931451"/>
-            <a:ext cx="300125" cy="102734"/>
-          </a:xfrm>
-          <a:prstGeom prst="rightArrow">
-            <a:avLst/>
-          </a:prstGeom>
-          <a:solidFill>
-            <a:schemeClr val="accent1">
-              <a:lumMod val="60000"/>
-              <a:lumOff val="40000"/>
-            </a:schemeClr>
-          </a:solidFill>
-          <a:ln>
-            <a:noFill/>
-          </a:ln>
-        </p:spPr>
-        <p:style>
-          <a:lnRef idx="2">
-            <a:schemeClr val="accent1">
-              <a:shade val="50000"/>
-            </a:schemeClr>
-          </a:lnRef>
-          <a:fillRef idx="1">
-            <a:schemeClr val="accent1"/>
-          </a:fillRef>
-          <a:effectRef idx="0">
-            <a:schemeClr val="accent1"/>
-          </a:effectRef>
-          <a:fontRef idx="minor">
-            <a:schemeClr val="lt1"/>
-          </a:fontRef>
-        </p:style>
-        <p:txBody>
-          <a:bodyPr rtlCol="0" anchor="ctr"/>
-          <a:lstStyle/>
-          <a:p>
-            <a:pPr algn="ctr"/>
-            <a:endParaRPr lang="ko-KR" altLang="en-US"/>
-          </a:p>
-        </p:txBody>
-      </p:sp>
-      <p:sp>
-        <p:nvSpPr>
-          <p:cNvPr id="55" name="타원 54">
-            <a:extLst>
-              <a:ext uri="{FF2B5EF4-FFF2-40B4-BE49-F238E27FC236}">
-                <a16:creationId xmlns:a16="http://schemas.microsoft.com/office/drawing/2014/main" id="{29C3C1E4-11A7-4288-9A0F-7FC2AEF2073E}"/>
-              </a:ext>
-            </a:extLst>
-          </p:cNvPr>
-          <p:cNvSpPr/>
-          <p:nvPr/>
-        </p:nvSpPr>
-        <p:spPr>
-          <a:xfrm>
-            <a:off x="3395324" y="3088156"/>
-            <a:ext cx="264696" cy="259308"/>
-          </a:xfrm>
-          <a:prstGeom prst="ellipse">
-            <a:avLst/>
-          </a:prstGeom>
-          <a:solidFill>
-            <a:schemeClr val="accent5">
-              <a:lumMod val="40000"/>
-              <a:lumOff val="60000"/>
-            </a:schemeClr>
-          </a:solidFill>
-          <a:ln>
-            <a:noFill/>
-          </a:ln>
-        </p:spPr>
-        <p:style>
-          <a:lnRef idx="2">
-            <a:schemeClr val="accent1">
-              <a:shade val="50000"/>
-            </a:schemeClr>
-          </a:lnRef>
-          <a:fillRef idx="1">
-            <a:schemeClr val="accent1"/>
-          </a:fillRef>
-          <a:effectRef idx="0">
-            <a:schemeClr val="accent1"/>
-          </a:effectRef>
-          <a:fontRef idx="minor">
-            <a:schemeClr val="lt1"/>
-          </a:fontRef>
-        </p:style>
-        <p:txBody>
-          <a:bodyPr rtlCol="0" anchor="ctr"/>
-          <a:lstStyle/>
-          <a:p>
-            <a:pPr algn="ctr"/>
-            <a:r>
-              <a:rPr lang="en-US" altLang="ko-KR" dirty="0">
-                <a:solidFill>
-                  <a:sysClr val="windowText" lastClr="000000"/>
-                </a:solidFill>
-              </a:rPr>
-              <a:t>2</a:t>
-            </a:r>
-            <a:endParaRPr lang="ko-KR" altLang="en-US" dirty="0">
-              <a:solidFill>
-                <a:sysClr val="windowText" lastClr="000000"/>
-              </a:solidFill>
-            </a:endParaRPr>
-          </a:p>
-        </p:txBody>
-      </p:sp>
-      <p:sp>
-        <p:nvSpPr>
           <p:cNvPr id="56" name="직사각형 55">
             <a:extLst>
               <a:ext uri="{FF2B5EF4-FFF2-40B4-BE49-F238E27FC236}">
@@ -20948,7 +23780,7 @@
         </p:nvSpPr>
         <p:spPr>
           <a:xfrm>
-            <a:off x="5275580" y="2551164"/>
+            <a:off x="4433887" y="2571957"/>
             <a:ext cx="299391" cy="281591"/>
           </a:xfrm>
           <a:prstGeom prst="ellipse">
@@ -21015,7 +23847,7 @@
         </p:nvSpPr>
         <p:spPr>
           <a:xfrm>
-            <a:off x="2292350" y="2396330"/>
+            <a:off x="2735413" y="2291856"/>
             <a:ext cx="264696" cy="259308"/>
           </a:xfrm>
           <a:prstGeom prst="ellipse">
@@ -21068,73 +23900,641 @@
           </a:p>
         </p:txBody>
       </p:sp>
-      <p:sp>
-        <p:nvSpPr>
-          <p:cNvPr id="101" name="타원 100">
+      <p:grpSp>
+        <p:nvGrpSpPr>
+          <p:cNvPr id="8" name="그룹 7">
             <a:extLst>
               <a:ext uri="{FF2B5EF4-FFF2-40B4-BE49-F238E27FC236}">
-                <a16:creationId xmlns:a16="http://schemas.microsoft.com/office/drawing/2014/main" id="{35CF05AD-F0F8-4757-BF60-8C9D046A8936}"/>
+                <a16:creationId xmlns:a16="http://schemas.microsoft.com/office/drawing/2014/main" id="{F90D1F38-B242-4592-82C4-9D517D4D4CB4}"/>
               </a:ext>
             </a:extLst>
           </p:cNvPr>
-          <p:cNvSpPr/>
+          <p:cNvGrpSpPr/>
           <p:nvPr/>
-        </p:nvSpPr>
-        <p:spPr>
+        </p:nvGrpSpPr>
+        <p:grpSpPr>
           <a:xfrm>
-            <a:off x="5151449" y="3087326"/>
-            <a:ext cx="299391" cy="281591"/>
+            <a:off x="745184" y="2415238"/>
+            <a:ext cx="360996" cy="259308"/>
+            <a:chOff x="745184" y="2415238"/>
+            <a:chExt cx="360996" cy="259308"/>
           </a:xfrm>
-          <a:prstGeom prst="ellipse">
-            <a:avLst/>
-          </a:prstGeom>
-          <a:solidFill>
-            <a:schemeClr val="accent2">
-              <a:lumMod val="40000"/>
-              <a:lumOff val="60000"/>
-            </a:schemeClr>
-          </a:solidFill>
-          <a:ln>
-            <a:noFill/>
-          </a:ln>
-        </p:spPr>
-        <p:style>
-          <a:lnRef idx="2">
-            <a:schemeClr val="accent1">
-              <a:shade val="50000"/>
-            </a:schemeClr>
-          </a:lnRef>
-          <a:fillRef idx="1">
-            <a:schemeClr val="accent1"/>
-          </a:fillRef>
-          <a:effectRef idx="0">
-            <a:schemeClr val="accent1"/>
-          </a:effectRef>
-          <a:fontRef idx="minor">
-            <a:schemeClr val="lt1"/>
-          </a:fontRef>
-        </p:style>
-        <p:txBody>
-          <a:bodyPr rtlCol="0" anchor="ctr"/>
-          <a:lstStyle/>
-          <a:p>
-            <a:pPr algn="ctr"/>
-            <a:r>
-              <a:rPr lang="en-US" altLang="ko-KR" dirty="0">
+        </p:grpSpPr>
+        <p:sp>
+          <p:nvSpPr>
+            <p:cNvPr id="99" name="타원 98">
+              <a:extLst>
+                <a:ext uri="{FF2B5EF4-FFF2-40B4-BE49-F238E27FC236}">
+                  <a16:creationId xmlns:a16="http://schemas.microsoft.com/office/drawing/2014/main" id="{3AA6B827-9E5F-49CC-B610-FE4D1C885EEE}"/>
+                </a:ext>
+              </a:extLst>
+            </p:cNvPr>
+            <p:cNvSpPr/>
+            <p:nvPr/>
+          </p:nvSpPr>
+          <p:spPr>
+            <a:xfrm>
+              <a:off x="793334" y="2415238"/>
+              <a:ext cx="264696" cy="259308"/>
+            </a:xfrm>
+            <a:prstGeom prst="ellipse">
+              <a:avLst/>
+            </a:prstGeom>
+            <a:solidFill>
+              <a:schemeClr val="accent5">
+                <a:lumMod val="40000"/>
+                <a:lumOff val="60000"/>
+              </a:schemeClr>
+            </a:solidFill>
+            <a:ln>
+              <a:noFill/>
+            </a:ln>
+          </p:spPr>
+          <p:style>
+            <a:lnRef idx="2">
+              <a:schemeClr val="accent1">
+                <a:shade val="50000"/>
+              </a:schemeClr>
+            </a:lnRef>
+            <a:fillRef idx="1">
+              <a:schemeClr val="accent1"/>
+            </a:fillRef>
+            <a:effectRef idx="0">
+              <a:schemeClr val="accent1"/>
+            </a:effectRef>
+            <a:fontRef idx="minor">
+              <a:schemeClr val="lt1"/>
+            </a:fontRef>
+          </p:style>
+          <p:txBody>
+            <a:bodyPr rtlCol="0" anchor="ctr"/>
+            <a:lstStyle/>
+            <a:p>
+              <a:pPr algn="ctr"/>
+              <a:endParaRPr lang="ko-KR" altLang="en-US" dirty="0">
                 <a:solidFill>
                   <a:sysClr val="windowText" lastClr="000000"/>
                 </a:solidFill>
-              </a:rPr>
-              <a:t>3</a:t>
-            </a:r>
-            <a:endParaRPr lang="ko-KR" altLang="en-US" dirty="0">
-              <a:solidFill>
-                <a:sysClr val="windowText" lastClr="000000"/>
-              </a:solidFill>
-            </a:endParaRPr>
-          </a:p>
-        </p:txBody>
-      </p:sp>
+              </a:endParaRPr>
+            </a:p>
+          </p:txBody>
+        </p:sp>
+        <p:sp>
+          <p:nvSpPr>
+            <p:cNvPr id="4" name="TextBox 3">
+              <a:extLst>
+                <a:ext uri="{FF2B5EF4-FFF2-40B4-BE49-F238E27FC236}">
+                  <a16:creationId xmlns:a16="http://schemas.microsoft.com/office/drawing/2014/main" id="{A2815160-818A-4C6C-913D-B63100C2E9AA}"/>
+                </a:ext>
+              </a:extLst>
+            </p:cNvPr>
+            <p:cNvSpPr txBox="1"/>
+            <p:nvPr/>
+          </p:nvSpPr>
+          <p:spPr>
+            <a:xfrm>
+              <a:off x="745184" y="2440833"/>
+              <a:ext cx="360996" cy="230832"/>
+            </a:xfrm>
+            <a:prstGeom prst="rect">
+              <a:avLst/>
+            </a:prstGeom>
+            <a:noFill/>
+          </p:spPr>
+          <p:txBody>
+            <a:bodyPr wrap="none" rtlCol="0">
+              <a:spAutoFit/>
+            </a:bodyPr>
+            <a:lstStyle/>
+            <a:p>
+              <a:r>
+                <a:rPr lang="en-US" altLang="ko-KR" sz="900" dirty="0"/>
+                <a:t>1-1</a:t>
+              </a:r>
+              <a:endParaRPr lang="ko-KR" altLang="en-US" sz="900" dirty="0"/>
+            </a:p>
+          </p:txBody>
+        </p:sp>
+      </p:grpSp>
+      <p:grpSp>
+        <p:nvGrpSpPr>
+          <p:cNvPr id="9" name="그룹 8">
+            <a:extLst>
+              <a:ext uri="{FF2B5EF4-FFF2-40B4-BE49-F238E27FC236}">
+                <a16:creationId xmlns:a16="http://schemas.microsoft.com/office/drawing/2014/main" id="{085081D9-CD98-4D42-A9F5-6A21BAACFEFF}"/>
+              </a:ext>
+            </a:extLst>
+          </p:cNvPr>
+          <p:cNvGrpSpPr/>
+          <p:nvPr/>
+        </p:nvGrpSpPr>
+        <p:grpSpPr>
+          <a:xfrm>
+            <a:off x="3346441" y="2832755"/>
+            <a:ext cx="360996" cy="514709"/>
+            <a:chOff x="3346441" y="2832755"/>
+            <a:chExt cx="360996" cy="514709"/>
+          </a:xfrm>
+        </p:grpSpPr>
+        <p:sp>
+          <p:nvSpPr>
+            <p:cNvPr id="54" name="화살표: 오른쪽 53">
+              <a:extLst>
+                <a:ext uri="{FF2B5EF4-FFF2-40B4-BE49-F238E27FC236}">
+                  <a16:creationId xmlns:a16="http://schemas.microsoft.com/office/drawing/2014/main" id="{BBB9D0E0-93A5-4E5A-9E1F-18B171B3C798}"/>
+                </a:ext>
+              </a:extLst>
+            </p:cNvPr>
+            <p:cNvSpPr/>
+            <p:nvPr/>
+          </p:nvSpPr>
+          <p:spPr>
+            <a:xfrm rot="16200000">
+              <a:off x="3377610" y="2931451"/>
+              <a:ext cx="300125" cy="102734"/>
+            </a:xfrm>
+            <a:prstGeom prst="rightArrow">
+              <a:avLst/>
+            </a:prstGeom>
+            <a:solidFill>
+              <a:schemeClr val="accent1">
+                <a:lumMod val="60000"/>
+                <a:lumOff val="40000"/>
+              </a:schemeClr>
+            </a:solidFill>
+            <a:ln>
+              <a:noFill/>
+            </a:ln>
+          </p:spPr>
+          <p:style>
+            <a:lnRef idx="2">
+              <a:schemeClr val="accent1">
+                <a:shade val="50000"/>
+              </a:schemeClr>
+            </a:lnRef>
+            <a:fillRef idx="1">
+              <a:schemeClr val="accent1"/>
+            </a:fillRef>
+            <a:effectRef idx="0">
+              <a:schemeClr val="accent1"/>
+            </a:effectRef>
+            <a:fontRef idx="minor">
+              <a:schemeClr val="lt1"/>
+            </a:fontRef>
+          </p:style>
+          <p:txBody>
+            <a:bodyPr rtlCol="0" anchor="ctr"/>
+            <a:lstStyle/>
+            <a:p>
+              <a:pPr algn="ctr"/>
+              <a:endParaRPr lang="ko-KR" altLang="en-US"/>
+            </a:p>
+          </p:txBody>
+        </p:sp>
+        <p:sp>
+          <p:nvSpPr>
+            <p:cNvPr id="55" name="타원 54">
+              <a:extLst>
+                <a:ext uri="{FF2B5EF4-FFF2-40B4-BE49-F238E27FC236}">
+                  <a16:creationId xmlns:a16="http://schemas.microsoft.com/office/drawing/2014/main" id="{29C3C1E4-11A7-4288-9A0F-7FC2AEF2073E}"/>
+                </a:ext>
+              </a:extLst>
+            </p:cNvPr>
+            <p:cNvSpPr/>
+            <p:nvPr/>
+          </p:nvSpPr>
+          <p:spPr>
+            <a:xfrm>
+              <a:off x="3395324" y="3088156"/>
+              <a:ext cx="264696" cy="259308"/>
+            </a:xfrm>
+            <a:prstGeom prst="ellipse">
+              <a:avLst/>
+            </a:prstGeom>
+            <a:solidFill>
+              <a:schemeClr val="accent5">
+                <a:lumMod val="40000"/>
+                <a:lumOff val="60000"/>
+              </a:schemeClr>
+            </a:solidFill>
+            <a:ln>
+              <a:noFill/>
+            </a:ln>
+          </p:spPr>
+          <p:style>
+            <a:lnRef idx="2">
+              <a:schemeClr val="accent1">
+                <a:shade val="50000"/>
+              </a:schemeClr>
+            </a:lnRef>
+            <a:fillRef idx="1">
+              <a:schemeClr val="accent1"/>
+            </a:fillRef>
+            <a:effectRef idx="0">
+              <a:schemeClr val="accent1"/>
+            </a:effectRef>
+            <a:fontRef idx="minor">
+              <a:schemeClr val="lt1"/>
+            </a:fontRef>
+          </p:style>
+          <p:txBody>
+            <a:bodyPr rtlCol="0" anchor="ctr"/>
+            <a:lstStyle/>
+            <a:p>
+              <a:pPr algn="ctr"/>
+              <a:endParaRPr lang="ko-KR" altLang="en-US" dirty="0">
+                <a:solidFill>
+                  <a:sysClr val="windowText" lastClr="000000"/>
+                </a:solidFill>
+              </a:endParaRPr>
+            </a:p>
+          </p:txBody>
+        </p:sp>
+        <p:sp>
+          <p:nvSpPr>
+            <p:cNvPr id="102" name="TextBox 101">
+              <a:extLst>
+                <a:ext uri="{FF2B5EF4-FFF2-40B4-BE49-F238E27FC236}">
+                  <a16:creationId xmlns:a16="http://schemas.microsoft.com/office/drawing/2014/main" id="{0A27117C-E398-41F3-9D26-3A203ADD5D89}"/>
+                </a:ext>
+              </a:extLst>
+            </p:cNvPr>
+            <p:cNvSpPr txBox="1"/>
+            <p:nvPr/>
+          </p:nvSpPr>
+          <p:spPr>
+            <a:xfrm>
+              <a:off x="3346441" y="3102394"/>
+              <a:ext cx="360996" cy="230832"/>
+            </a:xfrm>
+            <a:prstGeom prst="rect">
+              <a:avLst/>
+            </a:prstGeom>
+            <a:noFill/>
+          </p:spPr>
+          <p:txBody>
+            <a:bodyPr wrap="none" rtlCol="0">
+              <a:spAutoFit/>
+            </a:bodyPr>
+            <a:lstStyle/>
+            <a:p>
+              <a:r>
+                <a:rPr lang="en-US" altLang="ko-KR" sz="900" dirty="0"/>
+                <a:t>2-1</a:t>
+              </a:r>
+              <a:endParaRPr lang="ko-KR" altLang="en-US" sz="900" dirty="0"/>
+            </a:p>
+          </p:txBody>
+        </p:sp>
+      </p:grpSp>
+      <p:grpSp>
+        <p:nvGrpSpPr>
+          <p:cNvPr id="104" name="그룹 103">
+            <a:extLst>
+              <a:ext uri="{FF2B5EF4-FFF2-40B4-BE49-F238E27FC236}">
+                <a16:creationId xmlns:a16="http://schemas.microsoft.com/office/drawing/2014/main" id="{839B942E-3776-4FD9-94E7-842DF14C4949}"/>
+              </a:ext>
+            </a:extLst>
+          </p:cNvPr>
+          <p:cNvGrpSpPr/>
+          <p:nvPr/>
+        </p:nvGrpSpPr>
+        <p:grpSpPr>
+          <a:xfrm>
+            <a:off x="2026683" y="3575624"/>
+            <a:ext cx="311304" cy="369332"/>
+            <a:chOff x="775826" y="2360354"/>
+            <a:chExt cx="311304" cy="369332"/>
+          </a:xfrm>
+        </p:grpSpPr>
+        <p:sp>
+          <p:nvSpPr>
+            <p:cNvPr id="105" name="타원 104">
+              <a:extLst>
+                <a:ext uri="{FF2B5EF4-FFF2-40B4-BE49-F238E27FC236}">
+                  <a16:creationId xmlns:a16="http://schemas.microsoft.com/office/drawing/2014/main" id="{7A644686-10AE-4842-9B3B-BAF4D400402C}"/>
+                </a:ext>
+              </a:extLst>
+            </p:cNvPr>
+            <p:cNvSpPr/>
+            <p:nvPr/>
+          </p:nvSpPr>
+          <p:spPr>
+            <a:xfrm>
+              <a:off x="793334" y="2415238"/>
+              <a:ext cx="264696" cy="259308"/>
+            </a:xfrm>
+            <a:prstGeom prst="ellipse">
+              <a:avLst/>
+            </a:prstGeom>
+            <a:solidFill>
+              <a:schemeClr val="accent5">
+                <a:lumMod val="40000"/>
+                <a:lumOff val="60000"/>
+              </a:schemeClr>
+            </a:solidFill>
+            <a:ln>
+              <a:noFill/>
+            </a:ln>
+          </p:spPr>
+          <p:style>
+            <a:lnRef idx="2">
+              <a:schemeClr val="accent1">
+                <a:shade val="50000"/>
+              </a:schemeClr>
+            </a:lnRef>
+            <a:fillRef idx="1">
+              <a:schemeClr val="accent1"/>
+            </a:fillRef>
+            <a:effectRef idx="0">
+              <a:schemeClr val="accent1"/>
+            </a:effectRef>
+            <a:fontRef idx="minor">
+              <a:schemeClr val="lt1"/>
+            </a:fontRef>
+          </p:style>
+          <p:txBody>
+            <a:bodyPr rtlCol="0" anchor="ctr"/>
+            <a:lstStyle/>
+            <a:p>
+              <a:pPr algn="ctr"/>
+              <a:endParaRPr lang="ko-KR" altLang="en-US" dirty="0">
+                <a:solidFill>
+                  <a:sysClr val="windowText" lastClr="000000"/>
+                </a:solidFill>
+              </a:endParaRPr>
+            </a:p>
+          </p:txBody>
+        </p:sp>
+        <p:sp>
+          <p:nvSpPr>
+            <p:cNvPr id="106" name="TextBox 105">
+              <a:extLst>
+                <a:ext uri="{FF2B5EF4-FFF2-40B4-BE49-F238E27FC236}">
+                  <a16:creationId xmlns:a16="http://schemas.microsoft.com/office/drawing/2014/main" id="{FEEEECBF-2612-4763-8D99-5F72E4E2D2E8}"/>
+                </a:ext>
+              </a:extLst>
+            </p:cNvPr>
+            <p:cNvSpPr txBox="1"/>
+            <p:nvPr/>
+          </p:nvSpPr>
+          <p:spPr>
+            <a:xfrm>
+              <a:off x="775826" y="2360354"/>
+              <a:ext cx="311304" cy="369332"/>
+            </a:xfrm>
+            <a:prstGeom prst="rect">
+              <a:avLst/>
+            </a:prstGeom>
+            <a:noFill/>
+          </p:spPr>
+          <p:txBody>
+            <a:bodyPr wrap="none" rtlCol="0">
+              <a:spAutoFit/>
+            </a:bodyPr>
+            <a:lstStyle/>
+            <a:p>
+              <a:r>
+                <a:rPr lang="en-US" altLang="ko-KR" dirty="0"/>
+                <a:t>2</a:t>
+              </a:r>
+              <a:endParaRPr lang="ko-KR" altLang="en-US" dirty="0"/>
+            </a:p>
+          </p:txBody>
+        </p:sp>
+      </p:grpSp>
+      <p:grpSp>
+        <p:nvGrpSpPr>
+          <p:cNvPr id="110" name="그룹 109">
+            <a:extLst>
+              <a:ext uri="{FF2B5EF4-FFF2-40B4-BE49-F238E27FC236}">
+                <a16:creationId xmlns:a16="http://schemas.microsoft.com/office/drawing/2014/main" id="{08A10CA4-45E9-48D8-8087-6F616C089C82}"/>
+              </a:ext>
+            </a:extLst>
+          </p:cNvPr>
+          <p:cNvGrpSpPr/>
+          <p:nvPr/>
+        </p:nvGrpSpPr>
+        <p:grpSpPr>
+          <a:xfrm>
+            <a:off x="1058030" y="3205928"/>
+            <a:ext cx="360996" cy="259308"/>
+            <a:chOff x="745184" y="2415238"/>
+            <a:chExt cx="360996" cy="259308"/>
+          </a:xfrm>
+        </p:grpSpPr>
+        <p:sp>
+          <p:nvSpPr>
+            <p:cNvPr id="111" name="타원 110">
+              <a:extLst>
+                <a:ext uri="{FF2B5EF4-FFF2-40B4-BE49-F238E27FC236}">
+                  <a16:creationId xmlns:a16="http://schemas.microsoft.com/office/drawing/2014/main" id="{1ADA2F88-9A34-4379-A511-35159FB8C890}"/>
+                </a:ext>
+              </a:extLst>
+            </p:cNvPr>
+            <p:cNvSpPr/>
+            <p:nvPr/>
+          </p:nvSpPr>
+          <p:spPr>
+            <a:xfrm>
+              <a:off x="793334" y="2415238"/>
+              <a:ext cx="264696" cy="259308"/>
+            </a:xfrm>
+            <a:prstGeom prst="ellipse">
+              <a:avLst/>
+            </a:prstGeom>
+            <a:solidFill>
+              <a:schemeClr val="accent5">
+                <a:lumMod val="40000"/>
+                <a:lumOff val="60000"/>
+              </a:schemeClr>
+            </a:solidFill>
+            <a:ln>
+              <a:noFill/>
+            </a:ln>
+          </p:spPr>
+          <p:style>
+            <a:lnRef idx="2">
+              <a:schemeClr val="accent1">
+                <a:shade val="50000"/>
+              </a:schemeClr>
+            </a:lnRef>
+            <a:fillRef idx="1">
+              <a:schemeClr val="accent1"/>
+            </a:fillRef>
+            <a:effectRef idx="0">
+              <a:schemeClr val="accent1"/>
+            </a:effectRef>
+            <a:fontRef idx="minor">
+              <a:schemeClr val="lt1"/>
+            </a:fontRef>
+          </p:style>
+          <p:txBody>
+            <a:bodyPr rtlCol="0" anchor="ctr"/>
+            <a:lstStyle/>
+            <a:p>
+              <a:pPr algn="ctr"/>
+              <a:endParaRPr lang="ko-KR" altLang="en-US" dirty="0">
+                <a:solidFill>
+                  <a:sysClr val="windowText" lastClr="000000"/>
+                </a:solidFill>
+              </a:endParaRPr>
+            </a:p>
+          </p:txBody>
+        </p:sp>
+        <p:sp>
+          <p:nvSpPr>
+            <p:cNvPr id="112" name="TextBox 111">
+              <a:extLst>
+                <a:ext uri="{FF2B5EF4-FFF2-40B4-BE49-F238E27FC236}">
+                  <a16:creationId xmlns:a16="http://schemas.microsoft.com/office/drawing/2014/main" id="{A96B7283-DDA3-4CD0-B0A5-EFF04891B588}"/>
+                </a:ext>
+              </a:extLst>
+            </p:cNvPr>
+            <p:cNvSpPr txBox="1"/>
+            <p:nvPr/>
+          </p:nvSpPr>
+          <p:spPr>
+            <a:xfrm>
+              <a:off x="745184" y="2440833"/>
+              <a:ext cx="360996" cy="230832"/>
+            </a:xfrm>
+            <a:prstGeom prst="rect">
+              <a:avLst/>
+            </a:prstGeom>
+            <a:noFill/>
+          </p:spPr>
+          <p:txBody>
+            <a:bodyPr wrap="none" rtlCol="0">
+              <a:spAutoFit/>
+            </a:bodyPr>
+            <a:lstStyle/>
+            <a:p>
+              <a:r>
+                <a:rPr lang="en-US" altLang="ko-KR" sz="900" dirty="0"/>
+                <a:t>1-3</a:t>
+              </a:r>
+              <a:endParaRPr lang="ko-KR" altLang="en-US" sz="900" dirty="0"/>
+            </a:p>
+          </p:txBody>
+        </p:sp>
+      </p:grpSp>
+      <p:grpSp>
+        <p:nvGrpSpPr>
+          <p:cNvPr id="113" name="그룹 112">
+            <a:extLst>
+              <a:ext uri="{FF2B5EF4-FFF2-40B4-BE49-F238E27FC236}">
+                <a16:creationId xmlns:a16="http://schemas.microsoft.com/office/drawing/2014/main" id="{9FDDC26F-63F5-4536-9B2A-8EB8B8A58B56}"/>
+              </a:ext>
+            </a:extLst>
+          </p:cNvPr>
+          <p:cNvGrpSpPr/>
+          <p:nvPr/>
+        </p:nvGrpSpPr>
+        <p:grpSpPr>
+          <a:xfrm>
+            <a:off x="1850394" y="2914060"/>
+            <a:ext cx="360996" cy="259308"/>
+            <a:chOff x="745184" y="2415238"/>
+            <a:chExt cx="360996" cy="259308"/>
+          </a:xfrm>
+        </p:grpSpPr>
+        <p:sp>
+          <p:nvSpPr>
+            <p:cNvPr id="114" name="타원 113">
+              <a:extLst>
+                <a:ext uri="{FF2B5EF4-FFF2-40B4-BE49-F238E27FC236}">
+                  <a16:creationId xmlns:a16="http://schemas.microsoft.com/office/drawing/2014/main" id="{E7732ED0-CDEA-44F6-988C-52B4E6981C04}"/>
+                </a:ext>
+              </a:extLst>
+            </p:cNvPr>
+            <p:cNvSpPr/>
+            <p:nvPr/>
+          </p:nvSpPr>
+          <p:spPr>
+            <a:xfrm>
+              <a:off x="793334" y="2415238"/>
+              <a:ext cx="264696" cy="259308"/>
+            </a:xfrm>
+            <a:prstGeom prst="ellipse">
+              <a:avLst/>
+            </a:prstGeom>
+            <a:solidFill>
+              <a:schemeClr val="accent5">
+                <a:lumMod val="40000"/>
+                <a:lumOff val="60000"/>
+              </a:schemeClr>
+            </a:solidFill>
+            <a:ln>
+              <a:noFill/>
+            </a:ln>
+          </p:spPr>
+          <p:style>
+            <a:lnRef idx="2">
+              <a:schemeClr val="accent1">
+                <a:shade val="50000"/>
+              </a:schemeClr>
+            </a:lnRef>
+            <a:fillRef idx="1">
+              <a:schemeClr val="accent1"/>
+            </a:fillRef>
+            <a:effectRef idx="0">
+              <a:schemeClr val="accent1"/>
+            </a:effectRef>
+            <a:fontRef idx="minor">
+              <a:schemeClr val="lt1"/>
+            </a:fontRef>
+          </p:style>
+          <p:txBody>
+            <a:bodyPr rtlCol="0" anchor="ctr"/>
+            <a:lstStyle/>
+            <a:p>
+              <a:pPr algn="ctr"/>
+              <a:endParaRPr lang="ko-KR" altLang="en-US" dirty="0">
+                <a:solidFill>
+                  <a:sysClr val="windowText" lastClr="000000"/>
+                </a:solidFill>
+              </a:endParaRPr>
+            </a:p>
+          </p:txBody>
+        </p:sp>
+        <p:sp>
+          <p:nvSpPr>
+            <p:cNvPr id="115" name="TextBox 114">
+              <a:extLst>
+                <a:ext uri="{FF2B5EF4-FFF2-40B4-BE49-F238E27FC236}">
+                  <a16:creationId xmlns:a16="http://schemas.microsoft.com/office/drawing/2014/main" id="{0A50E35E-89EC-4406-B50D-1F5F04F32509}"/>
+                </a:ext>
+              </a:extLst>
+            </p:cNvPr>
+            <p:cNvSpPr txBox="1"/>
+            <p:nvPr/>
+          </p:nvSpPr>
+          <p:spPr>
+            <a:xfrm>
+              <a:off x="745184" y="2440833"/>
+              <a:ext cx="360996" cy="230832"/>
+            </a:xfrm>
+            <a:prstGeom prst="rect">
+              <a:avLst/>
+            </a:prstGeom>
+            <a:noFill/>
+          </p:spPr>
+          <p:txBody>
+            <a:bodyPr wrap="none" rtlCol="0">
+              <a:spAutoFit/>
+            </a:bodyPr>
+            <a:lstStyle/>
+            <a:p>
+              <a:r>
+                <a:rPr lang="en-US" altLang="ko-KR" sz="900" dirty="0"/>
+                <a:t>1-2</a:t>
+              </a:r>
+              <a:endParaRPr lang="ko-KR" altLang="en-US" sz="900" dirty="0"/>
+            </a:p>
+          </p:txBody>
+        </p:sp>
+      </p:grpSp>
     </p:spTree>
     <p:extLst>
       <p:ext uri="{BB962C8B-B14F-4D97-AF65-F5344CB8AC3E}">
@@ -21180,7 +24580,7 @@
           <p:nvPr>
             <p:extLst>
               <p:ext uri="{D42A27DB-BD31-4B8C-83A1-F6EECF244321}">
-                <p14:modId xmlns:p14="http://schemas.microsoft.com/office/powerpoint/2010/main" val="2619660666"/>
+                <p14:modId xmlns:p14="http://schemas.microsoft.com/office/powerpoint/2010/main" val="3193114351"/>
               </p:ext>
             </p:extLst>
           </p:nvPr>
@@ -21255,7 +24655,7 @@
                     <a:p>
                       <a:pPr latinLnBrk="1"/>
                       <a:r>
-                        <a:rPr lang="ko-KR" altLang="en-US" sz="1600" dirty="0"/>
+                        <a:rPr lang="ko-KR" altLang="en-US" sz="1400" dirty="0"/>
                         <a:t>외교부 독도 홈페이지 리뉴얼</a:t>
                       </a:r>
                     </a:p>
@@ -21290,10 +24690,10 @@
                     <a:p>
                       <a:pPr latinLnBrk="1"/>
                       <a:r>
-                        <a:rPr lang="ko-KR" altLang="en-US" sz="1600" dirty="0" err="1"/>
+                        <a:rPr lang="ko-KR" altLang="en-US" sz="1400" dirty="0" err="1"/>
                         <a:t>우민주</a:t>
                       </a:r>
-                      <a:endParaRPr lang="ko-KR" altLang="en-US" sz="1600" dirty="0"/>
+                      <a:endParaRPr lang="ko-KR" altLang="en-US" sz="1400" dirty="0"/>
                     </a:p>
                   </a:txBody>
                   <a:tcPr/>
@@ -21341,10 +24741,10 @@
                     <a:p>
                       <a:pPr latinLnBrk="1"/>
                       <a:r>
-                        <a:rPr lang="en-US" altLang="ko-KR" sz="1600" dirty="0"/>
+                        <a:rPr lang="en-US" altLang="ko-KR" sz="1400" dirty="0"/>
                         <a:t>Main Section4</a:t>
                       </a:r>
-                      <a:endParaRPr lang="ko-KR" altLang="en-US" sz="1600" dirty="0"/>
+                      <a:endParaRPr lang="ko-KR" altLang="en-US" sz="1400" dirty="0"/>
                     </a:p>
                   </a:txBody>
                   <a:tcPr/>
@@ -21357,8 +24757,13 @@
                       <a:pPr algn="ctr" latinLnBrk="1"/>
                       <a:r>
                         <a:rPr lang="ko-KR" altLang="en-US" sz="1600" dirty="0"/>
-                        <a:t>비고</a:t>
-                      </a:r>
+                        <a:t>화면 </a:t>
+                      </a:r>
+                      <a:r>
+                        <a:rPr lang="en-US" altLang="ko-KR" sz="1600" dirty="0"/>
+                        <a:t>ID</a:t>
+                      </a:r>
+                      <a:endParaRPr lang="ko-KR" altLang="en-US" sz="1600" dirty="0"/>
                     </a:p>
                   </a:txBody>
                   <a:tcPr>
@@ -21376,7 +24781,11 @@
                     <a:lstStyle/>
                     <a:p>
                       <a:pPr latinLnBrk="1"/>
-                      <a:endParaRPr lang="ko-KR" altLang="en-US" sz="1600" dirty="0"/>
+                      <a:r>
+                        <a:rPr lang="en-US" altLang="ko-KR" sz="1400" dirty="0"/>
+                        <a:t>Section_4</a:t>
+                      </a:r>
+                      <a:endParaRPr lang="ko-KR" altLang="en-US" sz="1400" dirty="0"/>
                     </a:p>
                   </a:txBody>
                   <a:tcPr/>
@@ -21406,14 +24815,14 @@
           <p:nvPr>
             <p:extLst>
               <p:ext uri="{D42A27DB-BD31-4B8C-83A1-F6EECF244321}">
-                <p14:modId xmlns:p14="http://schemas.microsoft.com/office/powerpoint/2010/main" val="735830895"/>
+                <p14:modId xmlns:p14="http://schemas.microsoft.com/office/powerpoint/2010/main" val="307552478"/>
               </p:ext>
             </p:extLst>
           </p:nvPr>
         </p:nvGraphicFramePr>
         <p:xfrm>
           <a:off x="587827" y="1525209"/>
-          <a:ext cx="10918372" cy="3191571"/>
+          <a:ext cx="10918372" cy="4029771"/>
         </p:xfrm>
         <a:graphic>
           <a:graphicData uri="http://schemas.openxmlformats.org/drawingml/2006/table">
@@ -21557,7 +24966,7 @@
                 </a:extLst>
               </a:tr>
               <a:tr h="400324">
-                <a:tc rowSpan="5">
+                <a:tc rowSpan="8">
                   <a:txBody>
                     <a:bodyPr/>
                     <a:lstStyle/>
@@ -21568,7 +24977,7 @@
                   </a:txBody>
                   <a:tcPr/>
                 </a:tc>
-                <a:tc rowSpan="5">
+                <a:tc rowSpan="8">
                   <a:txBody>
                     <a:bodyPr/>
                     <a:lstStyle/>
@@ -21586,7 +24995,7 @@
                     <a:p>
                       <a:pPr algn="ctr" latinLnBrk="1"/>
                       <a:r>
-                        <a:rPr lang="ko-KR" altLang="en-US" sz="1100" dirty="0"/>
+                        <a:rPr lang="ko-KR" altLang="en-US" sz="1000" dirty="0"/>
                         <a:t>화면 설명</a:t>
                       </a:r>
                     </a:p>
@@ -21604,10 +25013,10 @@
                     <a:p>
                       <a:pPr latinLnBrk="1"/>
                       <a:r>
-                        <a:rPr lang="ko-KR" altLang="en-US" sz="1100" dirty="0"/>
+                        <a:rPr lang="ko-KR" altLang="en-US" sz="1000" dirty="0"/>
                         <a:t>독도의 역사에 대한 슬라이드 간략하게 나누어 나열하여 구성</a:t>
                       </a:r>
-                      <a:endParaRPr lang="en-US" altLang="ko-KR" sz="1100" dirty="0"/>
+                      <a:endParaRPr lang="en-US" altLang="ko-KR" sz="1000" dirty="0"/>
                     </a:p>
                   </a:txBody>
                   <a:tcPr/>
@@ -21648,10 +25057,10 @@
                     <a:p>
                       <a:pPr algn="ctr" latinLnBrk="1"/>
                       <a:r>
-                        <a:rPr lang="en-US" altLang="ko-KR" sz="1100" dirty="0"/>
+                        <a:rPr lang="en-US" altLang="ko-KR" sz="1000" dirty="0"/>
                         <a:t>1</a:t>
                       </a:r>
-                      <a:endParaRPr lang="ko-KR" altLang="en-US" sz="1100" dirty="0"/>
+                      <a:endParaRPr lang="ko-KR" altLang="en-US" sz="1000" dirty="0"/>
                     </a:p>
                   </a:txBody>
                   <a:tcPr>
@@ -21667,50 +25076,50 @@
                     <a:p>
                       <a:pPr latinLnBrk="1"/>
                       <a:r>
-                        <a:rPr lang="ko-KR" altLang="en-US" sz="1100" dirty="0"/>
-                        <a:t>독도의 역사를 년도</a:t>
-                      </a:r>
-                      <a:r>
-                        <a:rPr lang="en-US" altLang="ko-KR" sz="1100" dirty="0"/>
+                        <a:rPr lang="ko-KR" altLang="en-US" sz="1000" dirty="0"/>
+                        <a:t>독도의 역사를 발생연도와</a:t>
+                      </a:r>
+                      <a:r>
+                        <a:rPr lang="en-US" altLang="ko-KR" sz="1000" dirty="0"/>
+                        <a:t> </a:t>
+                      </a:r>
+                      <a:r>
+                        <a:rPr lang="ko-KR" altLang="en-US" sz="1000" dirty="0"/>
+                        <a:t>이미지</a:t>
+                      </a:r>
+                      <a:r>
+                        <a:rPr lang="en-US" altLang="ko-KR" sz="1000" dirty="0"/>
                         <a:t>, </a:t>
                       </a:r>
                       <a:r>
-                        <a:rPr lang="ko-KR" altLang="en-US" sz="1100" dirty="0"/>
-                        <a:t>이미지</a:t>
-                      </a:r>
-                      <a:r>
-                        <a:rPr lang="en-US" altLang="ko-KR" sz="1100" dirty="0"/>
-                        <a:t>, </a:t>
-                      </a:r>
-                      <a:r>
-                        <a:rPr lang="ko-KR" altLang="en-US" sz="1100" dirty="0"/>
+                        <a:rPr lang="ko-KR" altLang="en-US" sz="1000" dirty="0"/>
                         <a:t>설명문으로 정리한 컨텐츠를 </a:t>
                       </a:r>
-                      <a:endParaRPr lang="en-US" altLang="ko-KR" sz="1100" dirty="0"/>
+                      <a:endParaRPr lang="en-US" altLang="ko-KR" sz="1000" dirty="0"/>
                     </a:p>
                     <a:p>
                       <a:pPr latinLnBrk="1"/>
                       <a:r>
-                        <a:rPr lang="ko-KR" altLang="en-US" sz="1100" dirty="0"/>
+                        <a:rPr lang="ko-KR" altLang="en-US" sz="1000" dirty="0"/>
                         <a:t>총 </a:t>
                       </a:r>
                       <a:r>
-                        <a:rPr lang="en-US" altLang="ko-KR" sz="1100" dirty="0"/>
+                        <a:rPr lang="en-US" altLang="ko-KR" sz="1000" dirty="0"/>
                         <a:t>7</a:t>
                       </a:r>
                       <a:r>
-                        <a:rPr lang="ko-KR" altLang="en-US" sz="1100" dirty="0"/>
+                        <a:rPr lang="ko-KR" altLang="en-US" sz="1000" dirty="0"/>
                         <a:t>장으로 구성하여 </a:t>
                       </a:r>
                       <a:r>
-                        <a:rPr lang="en-US" altLang="ko-KR" sz="1100" dirty="0"/>
+                        <a:rPr lang="en-US" altLang="ko-KR" sz="1000" dirty="0"/>
                         <a:t>Row</a:t>
                       </a:r>
                       <a:r>
-                        <a:rPr lang="ko-KR" altLang="en-US" sz="1100" dirty="0"/>
+                        <a:rPr lang="ko-KR" altLang="en-US" sz="1000" dirty="0"/>
                         <a:t>로 나열</a:t>
                       </a:r>
-                      <a:endParaRPr lang="en-US" altLang="ko-KR" sz="1100" dirty="0"/>
+                      <a:endParaRPr lang="en-US" altLang="ko-KR" sz="1000" dirty="0"/>
                     </a:p>
                   </a:txBody>
                   <a:tcPr/>
@@ -21721,7 +25130,7 @@
                   </a:ext>
                 </a:extLst>
               </a:tr>
-              <a:tr h="523745">
+              <a:tr h="304800">
                 <a:tc vMerge="1">
                   <a:txBody>
                     <a:bodyPr/>
@@ -21750,15 +25159,11 @@
                     <a:lstStyle/>
                     <a:p>
                       <a:pPr algn="ctr" latinLnBrk="1"/>
-                      <a:endParaRPr lang="en-US" altLang="ko-KR" sz="1100" dirty="0"/>
-                    </a:p>
-                    <a:p>
-                      <a:pPr algn="ctr" latinLnBrk="1"/>
-                      <a:r>
-                        <a:rPr lang="en-US" altLang="ko-KR" sz="1100" dirty="0"/>
+                      <a:r>
+                        <a:rPr lang="en-US" altLang="ko-KR" sz="1000" dirty="0"/>
                         <a:t>1-1</a:t>
                       </a:r>
-                      <a:endParaRPr lang="ko-KR" altLang="en-US" sz="1100" dirty="0"/>
+                      <a:endParaRPr lang="ko-KR" altLang="en-US" sz="1000" dirty="0"/>
                     </a:p>
                   </a:txBody>
                   <a:tcPr>
@@ -21790,19 +25195,73 @@
                         <a:defRPr/>
                       </a:pPr>
                       <a:r>
-                        <a:rPr lang="ko-KR" altLang="en-US" sz="1100" dirty="0"/>
-                        <a:t>컨텐츠를 슬라이드로 연결하여 양쪽의 버튼 클릭 시 컨텐츠 </a:t>
-                      </a:r>
-                      <a:r>
-                        <a:rPr lang="en-US" altLang="ko-KR" sz="1100" dirty="0"/>
-                        <a:t>2</a:t>
-                      </a:r>
-                      <a:r>
-                        <a:rPr lang="ko-KR" altLang="en-US" sz="1100" dirty="0"/>
-                        <a:t>개씩 </a:t>
-                      </a:r>
-                      <a:endParaRPr lang="en-US" altLang="ko-KR" sz="1100" dirty="0"/>
-                    </a:p>
+                        <a:rPr lang="ko-KR" altLang="en-US" sz="1000" dirty="0"/>
+                        <a:t>역사의 발생연도로 크기를 </a:t>
+                      </a:r>
+                      <a:r>
+                        <a:rPr lang="en-US" altLang="ko-KR" sz="1000" dirty="0"/>
+                        <a:t>20px</a:t>
+                      </a:r>
+                      <a:r>
+                        <a:rPr lang="ko-KR" altLang="en-US" sz="1000" dirty="0"/>
+                        <a:t>로 설정하여 컨텐츠 맨 위에 배치</a:t>
+                      </a:r>
+                    </a:p>
+                  </a:txBody>
+                  <a:tcPr/>
+                </a:tc>
+                <a:extLst>
+                  <a:ext uri="{0D108BD9-81ED-4DB2-BD59-A6C34878D82A}">
+                    <a16:rowId xmlns:a16="http://schemas.microsoft.com/office/drawing/2014/main" val="1762958371"/>
+                  </a:ext>
+                </a:extLst>
+              </a:tr>
+              <a:tr h="304800">
+                <a:tc vMerge="1">
+                  <a:txBody>
+                    <a:bodyPr/>
+                    <a:lstStyle/>
+                    <a:p>
+                      <a:pPr latinLnBrk="1"/>
+                      <a:endParaRPr lang="ko-KR" altLang="en-US"/>
+                    </a:p>
+                  </a:txBody>
+                  <a:tcPr/>
+                </a:tc>
+                <a:tc vMerge="1">
+                  <a:txBody>
+                    <a:bodyPr/>
+                    <a:lstStyle/>
+                    <a:p>
+                      <a:pPr latinLnBrk="1"/>
+                      <a:endParaRPr lang="ko-KR" altLang="en-US"/>
+                    </a:p>
+                  </a:txBody>
+                  <a:tcPr/>
+                </a:tc>
+                <a:tc>
+                  <a:txBody>
+                    <a:bodyPr/>
+                    <a:lstStyle/>
+                    <a:p>
+                      <a:pPr algn="ctr" latinLnBrk="1"/>
+                      <a:r>
+                        <a:rPr lang="en-US" altLang="ko-KR" sz="1000" dirty="0"/>
+                        <a:t>1-2</a:t>
+                      </a:r>
+                      <a:endParaRPr lang="ko-KR" altLang="en-US" sz="1000" dirty="0"/>
+                    </a:p>
+                  </a:txBody>
+                  <a:tcPr>
+                    <a:solidFill>
+                      <a:srgbClr val="DAE3F3"/>
+                    </a:solidFill>
+                  </a:tcPr>
+                </a:tc>
+                <a:tc>
+                  <a:txBody>
+                    <a:bodyPr/>
+                    <a:lstStyle/>
                     <a:p>
                       <a:pPr marL="0" marR="0" lvl="0" indent="0" algn="l" defTabSz="914400" rtl="0" eaLnBrk="1" fontAlgn="auto" latinLnBrk="1" hangingPunct="1">
                         <a:lnSpc>
@@ -21822,11 +25281,65 @@
                         <a:defRPr/>
                       </a:pPr>
                       <a:r>
-                        <a:rPr lang="ko-KR" altLang="en-US" sz="1100" dirty="0"/>
-                        <a:t>부드럽게 이동</a:t>
-                      </a:r>
-                      <a:endParaRPr lang="en-US" altLang="ko-KR" sz="1100" dirty="0"/>
-                    </a:p>
+                        <a:rPr lang="ko-KR" altLang="en-US" sz="1000" dirty="0"/>
+                        <a:t>역사에 관련된 서적 및 관련 이미지를 배치</a:t>
+                      </a:r>
+                    </a:p>
+                  </a:txBody>
+                  <a:tcPr/>
+                </a:tc>
+                <a:extLst>
+                  <a:ext uri="{0D108BD9-81ED-4DB2-BD59-A6C34878D82A}">
+                    <a16:rowId xmlns:a16="http://schemas.microsoft.com/office/drawing/2014/main" val="279533882"/>
+                  </a:ext>
+                </a:extLst>
+              </a:tr>
+              <a:tr h="304800">
+                <a:tc vMerge="1">
+                  <a:txBody>
+                    <a:bodyPr/>
+                    <a:lstStyle/>
+                    <a:p>
+                      <a:pPr latinLnBrk="1"/>
+                      <a:endParaRPr lang="ko-KR" altLang="en-US"/>
+                    </a:p>
+                  </a:txBody>
+                  <a:tcPr/>
+                </a:tc>
+                <a:tc vMerge="1">
+                  <a:txBody>
+                    <a:bodyPr/>
+                    <a:lstStyle/>
+                    <a:p>
+                      <a:pPr latinLnBrk="1"/>
+                      <a:endParaRPr lang="ko-KR" altLang="en-US"/>
+                    </a:p>
+                  </a:txBody>
+                  <a:tcPr/>
+                </a:tc>
+                <a:tc>
+                  <a:txBody>
+                    <a:bodyPr/>
+                    <a:lstStyle/>
+                    <a:p>
+                      <a:pPr algn="ctr" latinLnBrk="1"/>
+                      <a:r>
+                        <a:rPr lang="en-US" altLang="ko-KR" sz="1000" dirty="0"/>
+                        <a:t>1-3</a:t>
+                      </a:r>
+                      <a:endParaRPr lang="ko-KR" altLang="en-US" sz="1000" dirty="0"/>
+                    </a:p>
+                  </a:txBody>
+                  <a:tcPr>
+                    <a:solidFill>
+                      <a:srgbClr val="DAE3F3"/>
+                    </a:solidFill>
+                  </a:tcPr>
+                </a:tc>
+                <a:tc>
+                  <a:txBody>
+                    <a:bodyPr/>
+                    <a:lstStyle/>
                     <a:p>
                       <a:pPr marL="0" marR="0" lvl="0" indent="0" algn="l" defTabSz="914400" rtl="0" eaLnBrk="1" fontAlgn="auto" latinLnBrk="1" hangingPunct="1">
                         <a:lnSpc>
@@ -21846,29 +25359,159 @@
                         <a:defRPr/>
                       </a:pPr>
                       <a:r>
-                        <a:rPr lang="ko-KR" altLang="en-US" sz="1100" dirty="0"/>
-                        <a:t>일정시간 지나면 자동으로 넘어가게 설정</a:t>
-                      </a:r>
-                      <a:r>
-                        <a:rPr lang="en-US" altLang="ko-KR" sz="1100" dirty="0"/>
-                        <a:t>(</a:t>
-                      </a:r>
-                      <a:r>
-                        <a:rPr lang="ko-KR" altLang="en-US" sz="1100" dirty="0"/>
-                        <a:t>구현예정</a:t>
-                      </a:r>
-                      <a:r>
-                        <a:rPr lang="en-US" altLang="ko-KR" sz="1100" dirty="0"/>
-                        <a:t>)</a:t>
-                      </a:r>
-                      <a:endParaRPr lang="ko-KR" altLang="en-US" sz="1100" dirty="0"/>
+                        <a:rPr lang="ko-KR" altLang="en-US" sz="1000" dirty="0"/>
+                        <a:t>독도 역사에 대해 간략하게 정리한 설명문을 컨텐츠의 제일 아래쪽에 배치</a:t>
+                      </a:r>
                     </a:p>
                   </a:txBody>
                   <a:tcPr/>
                 </a:tc>
                 <a:extLst>
                   <a:ext uri="{0D108BD9-81ED-4DB2-BD59-A6C34878D82A}">
-                    <a16:rowId xmlns:a16="http://schemas.microsoft.com/office/drawing/2014/main" val="1762958371"/>
+                    <a16:rowId xmlns:a16="http://schemas.microsoft.com/office/drawing/2014/main" val="3147810619"/>
+                  </a:ext>
+                </a:extLst>
+              </a:tr>
+              <a:tr h="129540">
+                <a:tc vMerge="1">
+                  <a:txBody>
+                    <a:bodyPr/>
+                    <a:lstStyle/>
+                    <a:p>
+                      <a:pPr latinLnBrk="1"/>
+                      <a:endParaRPr lang="ko-KR" altLang="en-US"/>
+                    </a:p>
+                  </a:txBody>
+                  <a:tcPr/>
+                </a:tc>
+                <a:tc vMerge="1">
+                  <a:txBody>
+                    <a:bodyPr/>
+                    <a:lstStyle/>
+                    <a:p>
+                      <a:pPr latinLnBrk="1"/>
+                      <a:endParaRPr lang="ko-KR" altLang="en-US"/>
+                    </a:p>
+                  </a:txBody>
+                  <a:tcPr/>
+                </a:tc>
+                <a:tc>
+                  <a:txBody>
+                    <a:bodyPr/>
+                    <a:lstStyle/>
+                    <a:p>
+                      <a:pPr algn="ctr" latinLnBrk="1"/>
+                      <a:endParaRPr lang="en-US" altLang="ko-KR" sz="1000" dirty="0"/>
+                    </a:p>
+                    <a:p>
+                      <a:pPr algn="ctr" latinLnBrk="1"/>
+                      <a:r>
+                        <a:rPr lang="en-US" altLang="ko-KR" sz="1000" dirty="0"/>
+                        <a:t>2</a:t>
+                      </a:r>
+                      <a:endParaRPr lang="ko-KR" altLang="en-US" sz="1000" dirty="0"/>
+                    </a:p>
+                  </a:txBody>
+                  <a:tcPr>
+                    <a:solidFill>
+                      <a:srgbClr val="DAE3F3"/>
+                    </a:solidFill>
+                  </a:tcPr>
+                </a:tc>
+                <a:tc>
+                  <a:txBody>
+                    <a:bodyPr/>
+                    <a:lstStyle/>
+                    <a:p>
+                      <a:pPr marL="0" marR="0" lvl="0" indent="0" algn="l" defTabSz="914400" rtl="0" eaLnBrk="1" fontAlgn="auto" latinLnBrk="1" hangingPunct="1">
+                        <a:lnSpc>
+                          <a:spcPct val="100000"/>
+                        </a:lnSpc>
+                        <a:spcBef>
+                          <a:spcPts val="0"/>
+                        </a:spcBef>
+                        <a:spcAft>
+                          <a:spcPts val="0"/>
+                        </a:spcAft>
+                        <a:buClrTx/>
+                        <a:buSzTx/>
+                        <a:buFontTx/>
+                        <a:buNone/>
+                        <a:tabLst/>
+                        <a:defRPr/>
+                      </a:pPr>
+                      <a:r>
+                        <a:rPr lang="ko-KR" altLang="en-US" sz="1000" dirty="0"/>
+                        <a:t>컨텐츠를 슬라이드로 연결하여 컨텐츠가 </a:t>
+                      </a:r>
+                      <a:r>
+                        <a:rPr lang="en-US" altLang="ko-KR" sz="1000" dirty="0"/>
+                        <a:t>2</a:t>
+                      </a:r>
+                      <a:r>
+                        <a:rPr lang="ko-KR" altLang="en-US" sz="1000" dirty="0"/>
+                        <a:t>개씩 보이도록 배치하고</a:t>
+                      </a:r>
+                      <a:r>
+                        <a:rPr lang="en-US" altLang="ko-KR" sz="1000" dirty="0"/>
+                        <a:t>, </a:t>
+                      </a:r>
+                      <a:r>
+                        <a:rPr lang="ko-KR" altLang="en-US" sz="1000" dirty="0"/>
+                        <a:t>양쪽의 버튼 클릭 시 컨텐츠 </a:t>
+                      </a:r>
+                      <a:r>
+                        <a:rPr lang="en-US" altLang="ko-KR" sz="1000" dirty="0"/>
+                        <a:t>1</a:t>
+                      </a:r>
+                      <a:r>
+                        <a:rPr lang="ko-KR" altLang="en-US" sz="1000" dirty="0"/>
+                        <a:t>개씩 부드럽게 이동</a:t>
+                      </a:r>
+                      <a:endParaRPr lang="en-US" altLang="ko-KR" sz="1000" dirty="0"/>
+                    </a:p>
+                    <a:p>
+                      <a:pPr marL="0" marR="0" lvl="0" indent="0" algn="l" defTabSz="914400" rtl="0" eaLnBrk="1" fontAlgn="auto" latinLnBrk="1" hangingPunct="1">
+                        <a:lnSpc>
+                          <a:spcPct val="100000"/>
+                        </a:lnSpc>
+                        <a:spcBef>
+                          <a:spcPts val="0"/>
+                        </a:spcBef>
+                        <a:spcAft>
+                          <a:spcPts val="0"/>
+                        </a:spcAft>
+                        <a:buClrTx/>
+                        <a:buSzTx/>
+                        <a:buFontTx/>
+                        <a:buNone/>
+                        <a:tabLst/>
+                        <a:defRPr/>
+                      </a:pPr>
+                      <a:r>
+                        <a:rPr lang="ko-KR" altLang="en-US" sz="1000" dirty="0"/>
+                        <a:t>일정시간 지나면 자동으로 넘어가게 설정</a:t>
+                      </a:r>
+                      <a:r>
+                        <a:rPr lang="en-US" altLang="ko-KR" sz="1000" dirty="0"/>
+                        <a:t>(</a:t>
+                      </a:r>
+                      <a:r>
+                        <a:rPr lang="ko-KR" altLang="en-US" sz="1000" dirty="0"/>
+                        <a:t>구현예정</a:t>
+                      </a:r>
+                      <a:r>
+                        <a:rPr lang="en-US" altLang="ko-KR" sz="1000" dirty="0"/>
+                        <a:t>)</a:t>
+                      </a:r>
+                      <a:endParaRPr lang="ko-KR" altLang="en-US" sz="1000" dirty="0"/>
+                    </a:p>
+                  </a:txBody>
+                  <a:tcPr/>
+                </a:tc>
+                <a:extLst>
+                  <a:ext uri="{0D108BD9-81ED-4DB2-BD59-A6C34878D82A}">
+                    <a16:rowId xmlns:a16="http://schemas.microsoft.com/office/drawing/2014/main" val="3537725686"/>
                   </a:ext>
                 </a:extLst>
               </a:tr>
@@ -21962,19 +25605,19 @@
                     <a:lstStyle/>
                     <a:p>
                       <a:pPr algn="ctr" latinLnBrk="1"/>
-                      <a:endParaRPr lang="en-US" altLang="ko-KR" sz="1100" dirty="0"/>
+                      <a:endParaRPr lang="en-US" altLang="ko-KR" sz="1000" dirty="0"/>
                     </a:p>
                     <a:p>
                       <a:pPr algn="ctr" latinLnBrk="1"/>
-                      <a:endParaRPr lang="en-US" altLang="ko-KR" sz="1100" dirty="0"/>
+                      <a:endParaRPr lang="en-US" altLang="ko-KR" sz="1000" dirty="0"/>
                     </a:p>
                     <a:p>
                       <a:pPr algn="ctr" latinLnBrk="1"/>
                       <a:r>
-                        <a:rPr lang="en-US" altLang="ko-KR" sz="1100" dirty="0"/>
-                        <a:t>1</a:t>
-                      </a:r>
-                      <a:endParaRPr lang="ko-KR" altLang="en-US" sz="1100" dirty="0"/>
+                        <a:rPr lang="en-US" altLang="ko-KR" sz="1000" dirty="0"/>
+                        <a:t>2</a:t>
+                      </a:r>
+                      <a:endParaRPr lang="ko-KR" altLang="en-US" sz="1000" dirty="0"/>
                     </a:p>
                   </a:txBody>
                   <a:tcPr>
@@ -21989,32 +25632,32 @@
                     <a:lstStyle/>
                     <a:p>
                       <a:pPr latinLnBrk="1"/>
-                      <a:endParaRPr lang="en-US" altLang="ko-KR" sz="1100" dirty="0"/>
+                      <a:endParaRPr lang="en-US" altLang="ko-KR" sz="1000" dirty="0"/>
                     </a:p>
                     <a:p>
                       <a:pPr latinLnBrk="1"/>
-                      <a:endParaRPr lang="en-US" altLang="ko-KR" sz="1100" dirty="0"/>
+                      <a:endParaRPr lang="en-US" altLang="ko-KR" sz="1000" dirty="0"/>
                     </a:p>
                     <a:p>
                       <a:pPr latinLnBrk="1"/>
                       <a:r>
-                        <a:rPr lang="ko-KR" altLang="en-US" sz="1100" dirty="0"/>
+                        <a:rPr lang="ko-KR" altLang="en-US" sz="1000" dirty="0"/>
                         <a:t>가로 </a:t>
                       </a:r>
                       <a:r>
-                        <a:rPr lang="en-US" altLang="ko-KR" sz="1100" dirty="0"/>
+                        <a:rPr lang="en-US" altLang="ko-KR" sz="1000" dirty="0"/>
                         <a:t>640</a:t>
                       </a:r>
                       <a:r>
-                        <a:rPr lang="ko-KR" altLang="en-US" sz="1100" dirty="0"/>
+                        <a:rPr lang="ko-KR" altLang="en-US" sz="1000" dirty="0"/>
                         <a:t>일 경우 슬라이드의 컨텐츠가 </a:t>
                       </a:r>
                       <a:r>
-                        <a:rPr lang="en-US" altLang="ko-KR" sz="1100" dirty="0"/>
+                        <a:rPr lang="en-US" altLang="ko-KR" sz="1000" dirty="0"/>
                         <a:t>1</a:t>
                       </a:r>
                       <a:r>
-                        <a:rPr lang="ko-KR" altLang="en-US" sz="1100" dirty="0"/>
+                        <a:rPr lang="ko-KR" altLang="en-US" sz="1000" dirty="0"/>
                         <a:t>개씩 보이도록 배치</a:t>
                       </a:r>
                     </a:p>
@@ -23627,7 +27270,7 @@
         </p:nvSpPr>
         <p:spPr>
           <a:xfrm>
-            <a:off x="884362" y="2734386"/>
+            <a:off x="1975714" y="2718688"/>
             <a:ext cx="264696" cy="259308"/>
           </a:xfrm>
           <a:prstGeom prst="ellipse">
@@ -23677,156 +27320,6 @@
                 <a:sysClr val="windowText" lastClr="000000"/>
               </a:solidFill>
             </a:endParaRPr>
-          </a:p>
-        </p:txBody>
-      </p:sp>
-      <p:sp>
-        <p:nvSpPr>
-          <p:cNvPr id="87" name="화살표: 오른쪽 86">
-            <a:extLst>
-              <a:ext uri="{FF2B5EF4-FFF2-40B4-BE49-F238E27FC236}">
-                <a16:creationId xmlns:a16="http://schemas.microsoft.com/office/drawing/2014/main" id="{15F87CD0-8E1C-4256-8423-1F66369FEBE7}"/>
-              </a:ext>
-            </a:extLst>
-          </p:cNvPr>
-          <p:cNvSpPr/>
-          <p:nvPr/>
-        </p:nvSpPr>
-        <p:spPr>
-          <a:xfrm>
-            <a:off x="1073793" y="3465101"/>
-            <a:ext cx="300125" cy="102734"/>
-          </a:xfrm>
-          <a:prstGeom prst="rightArrow">
-            <a:avLst/>
-          </a:prstGeom>
-          <a:solidFill>
-            <a:schemeClr val="accent1">
-              <a:lumMod val="60000"/>
-              <a:lumOff val="40000"/>
-            </a:schemeClr>
-          </a:solidFill>
-          <a:ln>
-            <a:noFill/>
-          </a:ln>
-        </p:spPr>
-        <p:style>
-          <a:lnRef idx="2">
-            <a:schemeClr val="accent1">
-              <a:shade val="50000"/>
-            </a:schemeClr>
-          </a:lnRef>
-          <a:fillRef idx="1">
-            <a:schemeClr val="accent1"/>
-          </a:fillRef>
-          <a:effectRef idx="0">
-            <a:schemeClr val="accent1"/>
-          </a:effectRef>
-          <a:fontRef idx="minor">
-            <a:schemeClr val="lt1"/>
-          </a:fontRef>
-        </p:style>
-        <p:txBody>
-          <a:bodyPr rtlCol="0" anchor="ctr"/>
-          <a:lstStyle/>
-          <a:p>
-            <a:pPr algn="ctr"/>
-            <a:endParaRPr lang="ko-KR" altLang="en-US"/>
-          </a:p>
-        </p:txBody>
-      </p:sp>
-      <p:sp>
-        <p:nvSpPr>
-          <p:cNvPr id="84" name="타원 83">
-            <a:extLst>
-              <a:ext uri="{FF2B5EF4-FFF2-40B4-BE49-F238E27FC236}">
-                <a16:creationId xmlns:a16="http://schemas.microsoft.com/office/drawing/2014/main" id="{C6B48BA2-0F73-473B-ADC1-C228043BEA28}"/>
-              </a:ext>
-            </a:extLst>
-          </p:cNvPr>
-          <p:cNvSpPr/>
-          <p:nvPr/>
-        </p:nvSpPr>
-        <p:spPr>
-          <a:xfrm>
-            <a:off x="846818" y="3363917"/>
-            <a:ext cx="264696" cy="259308"/>
-          </a:xfrm>
-          <a:prstGeom prst="ellipse">
-            <a:avLst/>
-          </a:prstGeom>
-          <a:solidFill>
-            <a:schemeClr val="accent5">
-              <a:lumMod val="40000"/>
-              <a:lumOff val="60000"/>
-            </a:schemeClr>
-          </a:solidFill>
-          <a:ln>
-            <a:noFill/>
-          </a:ln>
-        </p:spPr>
-        <p:style>
-          <a:lnRef idx="2">
-            <a:schemeClr val="accent1">
-              <a:shade val="50000"/>
-            </a:schemeClr>
-          </a:lnRef>
-          <a:fillRef idx="1">
-            <a:schemeClr val="accent1"/>
-          </a:fillRef>
-          <a:effectRef idx="0">
-            <a:schemeClr val="accent1"/>
-          </a:effectRef>
-          <a:fontRef idx="minor">
-            <a:schemeClr val="lt1"/>
-          </a:fontRef>
-        </p:style>
-        <p:txBody>
-          <a:bodyPr rtlCol="0" anchor="ctr"/>
-          <a:lstStyle/>
-          <a:p>
-            <a:pPr algn="ctr"/>
-            <a:endParaRPr lang="ko-KR" altLang="en-US" dirty="0">
-              <a:solidFill>
-                <a:sysClr val="windowText" lastClr="000000"/>
-              </a:solidFill>
-            </a:endParaRPr>
-          </a:p>
-        </p:txBody>
-      </p:sp>
-      <p:sp>
-        <p:nvSpPr>
-          <p:cNvPr id="85" name="TextBox 84">
-            <a:extLst>
-              <a:ext uri="{FF2B5EF4-FFF2-40B4-BE49-F238E27FC236}">
-                <a16:creationId xmlns:a16="http://schemas.microsoft.com/office/drawing/2014/main" id="{D149B794-4680-4039-8240-C6F1820E2DE8}"/>
-              </a:ext>
-            </a:extLst>
-          </p:cNvPr>
-          <p:cNvSpPr txBox="1"/>
-          <p:nvPr/>
-        </p:nvSpPr>
-        <p:spPr>
-          <a:xfrm>
-            <a:off x="824824" y="3385849"/>
-            <a:ext cx="338554" cy="215444"/>
-          </a:xfrm>
-          <a:prstGeom prst="rect">
-            <a:avLst/>
-          </a:prstGeom>
-          <a:noFill/>
-        </p:spPr>
-        <p:txBody>
-          <a:bodyPr wrap="none" rtlCol="0">
-            <a:spAutoFit/>
-          </a:bodyPr>
-          <a:lstStyle/>
-          <a:p>
-            <a:r>
-              <a:rPr lang="en-US" altLang="ko-KR" sz="800" dirty="0"/>
-              <a:t>1-1</a:t>
-            </a:r>
-            <a:endParaRPr lang="ko-KR" altLang="en-US" sz="800" dirty="0"/>
           </a:p>
         </p:txBody>
       </p:sp>
@@ -23887,7 +27380,7 @@
                   <a:sysClr val="windowText" lastClr="000000"/>
                 </a:solidFill>
               </a:rPr>
-              <a:t>1</a:t>
+              <a:t>2</a:t>
             </a:r>
             <a:endParaRPr lang="ko-KR" altLang="en-US" dirty="0">
               <a:solidFill>
@@ -23933,6 +27426,497 @@
           </a:p>
         </p:txBody>
       </p:sp>
+      <p:grpSp>
+        <p:nvGrpSpPr>
+          <p:cNvPr id="18" name="그룹 17">
+            <a:extLst>
+              <a:ext uri="{FF2B5EF4-FFF2-40B4-BE49-F238E27FC236}">
+                <a16:creationId xmlns:a16="http://schemas.microsoft.com/office/drawing/2014/main" id="{63616F51-842A-48FB-91C3-C46B89CC360E}"/>
+              </a:ext>
+            </a:extLst>
+          </p:cNvPr>
+          <p:cNvGrpSpPr/>
+          <p:nvPr/>
+        </p:nvGrpSpPr>
+        <p:grpSpPr>
+          <a:xfrm>
+            <a:off x="1023098" y="2576664"/>
+            <a:ext cx="338554" cy="259308"/>
+            <a:chOff x="990121" y="2558518"/>
+            <a:chExt cx="338554" cy="259308"/>
+          </a:xfrm>
+        </p:grpSpPr>
+        <p:sp>
+          <p:nvSpPr>
+            <p:cNvPr id="48" name="타원 47">
+              <a:extLst>
+                <a:ext uri="{FF2B5EF4-FFF2-40B4-BE49-F238E27FC236}">
+                  <a16:creationId xmlns:a16="http://schemas.microsoft.com/office/drawing/2014/main" id="{FFE8F154-3D6A-4A02-B25D-0C8F1ADADE21}"/>
+                </a:ext>
+              </a:extLst>
+            </p:cNvPr>
+            <p:cNvSpPr/>
+            <p:nvPr/>
+          </p:nvSpPr>
+          <p:spPr>
+            <a:xfrm>
+              <a:off x="1031030" y="2558518"/>
+              <a:ext cx="264696" cy="259308"/>
+            </a:xfrm>
+            <a:prstGeom prst="ellipse">
+              <a:avLst/>
+            </a:prstGeom>
+            <a:solidFill>
+              <a:schemeClr val="accent5">
+                <a:lumMod val="40000"/>
+                <a:lumOff val="60000"/>
+              </a:schemeClr>
+            </a:solidFill>
+            <a:ln>
+              <a:noFill/>
+            </a:ln>
+          </p:spPr>
+          <p:style>
+            <a:lnRef idx="2">
+              <a:schemeClr val="accent1">
+                <a:shade val="50000"/>
+              </a:schemeClr>
+            </a:lnRef>
+            <a:fillRef idx="1">
+              <a:schemeClr val="accent1"/>
+            </a:fillRef>
+            <a:effectRef idx="0">
+              <a:schemeClr val="accent1"/>
+            </a:effectRef>
+            <a:fontRef idx="minor">
+              <a:schemeClr val="lt1"/>
+            </a:fontRef>
+          </p:style>
+          <p:txBody>
+            <a:bodyPr rtlCol="0" anchor="ctr"/>
+            <a:lstStyle/>
+            <a:p>
+              <a:pPr algn="ctr"/>
+              <a:endParaRPr lang="ko-KR" altLang="en-US" dirty="0">
+                <a:solidFill>
+                  <a:sysClr val="windowText" lastClr="000000"/>
+                </a:solidFill>
+              </a:endParaRPr>
+            </a:p>
+          </p:txBody>
+        </p:sp>
+        <p:sp>
+          <p:nvSpPr>
+            <p:cNvPr id="47" name="TextBox 46">
+              <a:extLst>
+                <a:ext uri="{FF2B5EF4-FFF2-40B4-BE49-F238E27FC236}">
+                  <a16:creationId xmlns:a16="http://schemas.microsoft.com/office/drawing/2014/main" id="{1CB0C3F8-233E-4F39-B3B5-B1AC950A33C2}"/>
+                </a:ext>
+              </a:extLst>
+            </p:cNvPr>
+            <p:cNvSpPr txBox="1"/>
+            <p:nvPr/>
+          </p:nvSpPr>
+          <p:spPr>
+            <a:xfrm>
+              <a:off x="990121" y="2586471"/>
+              <a:ext cx="338554" cy="215444"/>
+            </a:xfrm>
+            <a:prstGeom prst="rect">
+              <a:avLst/>
+            </a:prstGeom>
+            <a:noFill/>
+          </p:spPr>
+          <p:txBody>
+            <a:bodyPr wrap="none" rtlCol="0">
+              <a:spAutoFit/>
+            </a:bodyPr>
+            <a:lstStyle/>
+            <a:p>
+              <a:r>
+                <a:rPr lang="en-US" altLang="ko-KR" sz="800" dirty="0"/>
+                <a:t>1-1</a:t>
+              </a:r>
+              <a:endParaRPr lang="ko-KR" altLang="en-US" sz="800" dirty="0"/>
+            </a:p>
+          </p:txBody>
+        </p:sp>
+      </p:grpSp>
+      <p:grpSp>
+        <p:nvGrpSpPr>
+          <p:cNvPr id="50" name="그룹 49">
+            <a:extLst>
+              <a:ext uri="{FF2B5EF4-FFF2-40B4-BE49-F238E27FC236}">
+                <a16:creationId xmlns:a16="http://schemas.microsoft.com/office/drawing/2014/main" id="{D92BBF6C-C69E-41C9-BB39-7C0FF7CAD7E5}"/>
+              </a:ext>
+            </a:extLst>
+          </p:cNvPr>
+          <p:cNvGrpSpPr/>
+          <p:nvPr/>
+        </p:nvGrpSpPr>
+        <p:grpSpPr>
+          <a:xfrm>
+            <a:off x="1401978" y="3011035"/>
+            <a:ext cx="338554" cy="259308"/>
+            <a:chOff x="990121" y="2558518"/>
+            <a:chExt cx="338554" cy="259308"/>
+          </a:xfrm>
+        </p:grpSpPr>
+        <p:sp>
+          <p:nvSpPr>
+            <p:cNvPr id="51" name="타원 50">
+              <a:extLst>
+                <a:ext uri="{FF2B5EF4-FFF2-40B4-BE49-F238E27FC236}">
+                  <a16:creationId xmlns:a16="http://schemas.microsoft.com/office/drawing/2014/main" id="{A853FB96-FBA4-4F61-93D3-78D0CE9FAC1D}"/>
+                </a:ext>
+              </a:extLst>
+            </p:cNvPr>
+            <p:cNvSpPr/>
+            <p:nvPr/>
+          </p:nvSpPr>
+          <p:spPr>
+            <a:xfrm>
+              <a:off x="1031030" y="2558518"/>
+              <a:ext cx="264696" cy="259308"/>
+            </a:xfrm>
+            <a:prstGeom prst="ellipse">
+              <a:avLst/>
+            </a:prstGeom>
+            <a:solidFill>
+              <a:schemeClr val="accent5">
+                <a:lumMod val="40000"/>
+                <a:lumOff val="60000"/>
+              </a:schemeClr>
+            </a:solidFill>
+            <a:ln>
+              <a:noFill/>
+            </a:ln>
+          </p:spPr>
+          <p:style>
+            <a:lnRef idx="2">
+              <a:schemeClr val="accent1">
+                <a:shade val="50000"/>
+              </a:schemeClr>
+            </a:lnRef>
+            <a:fillRef idx="1">
+              <a:schemeClr val="accent1"/>
+            </a:fillRef>
+            <a:effectRef idx="0">
+              <a:schemeClr val="accent1"/>
+            </a:effectRef>
+            <a:fontRef idx="minor">
+              <a:schemeClr val="lt1"/>
+            </a:fontRef>
+          </p:style>
+          <p:txBody>
+            <a:bodyPr rtlCol="0" anchor="ctr"/>
+            <a:lstStyle/>
+            <a:p>
+              <a:pPr algn="ctr"/>
+              <a:endParaRPr lang="ko-KR" altLang="en-US" dirty="0">
+                <a:solidFill>
+                  <a:sysClr val="windowText" lastClr="000000"/>
+                </a:solidFill>
+              </a:endParaRPr>
+            </a:p>
+          </p:txBody>
+        </p:sp>
+        <p:sp>
+          <p:nvSpPr>
+            <p:cNvPr id="52" name="TextBox 51">
+              <a:extLst>
+                <a:ext uri="{FF2B5EF4-FFF2-40B4-BE49-F238E27FC236}">
+                  <a16:creationId xmlns:a16="http://schemas.microsoft.com/office/drawing/2014/main" id="{CED9B91C-B397-4A39-BBA5-94C540D9DFE5}"/>
+                </a:ext>
+              </a:extLst>
+            </p:cNvPr>
+            <p:cNvSpPr txBox="1"/>
+            <p:nvPr/>
+          </p:nvSpPr>
+          <p:spPr>
+            <a:xfrm>
+              <a:off x="990121" y="2586471"/>
+              <a:ext cx="338554" cy="215444"/>
+            </a:xfrm>
+            <a:prstGeom prst="rect">
+              <a:avLst/>
+            </a:prstGeom>
+            <a:noFill/>
+          </p:spPr>
+          <p:txBody>
+            <a:bodyPr wrap="none" rtlCol="0">
+              <a:spAutoFit/>
+            </a:bodyPr>
+            <a:lstStyle/>
+            <a:p>
+              <a:r>
+                <a:rPr lang="en-US" altLang="ko-KR" sz="800" dirty="0"/>
+                <a:t>1-2</a:t>
+              </a:r>
+              <a:endParaRPr lang="ko-KR" altLang="en-US" sz="800" dirty="0"/>
+            </a:p>
+          </p:txBody>
+        </p:sp>
+      </p:grpSp>
+      <p:grpSp>
+        <p:nvGrpSpPr>
+          <p:cNvPr id="54" name="그룹 53">
+            <a:extLst>
+              <a:ext uri="{FF2B5EF4-FFF2-40B4-BE49-F238E27FC236}">
+                <a16:creationId xmlns:a16="http://schemas.microsoft.com/office/drawing/2014/main" id="{85F97C04-FC3B-4E56-9F44-B2BEF95CB4F1}"/>
+              </a:ext>
+            </a:extLst>
+          </p:cNvPr>
+          <p:cNvGrpSpPr/>
+          <p:nvPr/>
+        </p:nvGrpSpPr>
+        <p:grpSpPr>
+          <a:xfrm>
+            <a:off x="1401978" y="3635639"/>
+            <a:ext cx="338554" cy="259308"/>
+            <a:chOff x="990121" y="2558518"/>
+            <a:chExt cx="338554" cy="259308"/>
+          </a:xfrm>
+        </p:grpSpPr>
+        <p:sp>
+          <p:nvSpPr>
+            <p:cNvPr id="55" name="타원 54">
+              <a:extLst>
+                <a:ext uri="{FF2B5EF4-FFF2-40B4-BE49-F238E27FC236}">
+                  <a16:creationId xmlns:a16="http://schemas.microsoft.com/office/drawing/2014/main" id="{75E3D23F-67FA-430E-AFA0-969B4B8BF299}"/>
+                </a:ext>
+              </a:extLst>
+            </p:cNvPr>
+            <p:cNvSpPr/>
+            <p:nvPr/>
+          </p:nvSpPr>
+          <p:spPr>
+            <a:xfrm>
+              <a:off x="1031030" y="2558518"/>
+              <a:ext cx="264696" cy="259308"/>
+            </a:xfrm>
+            <a:prstGeom prst="ellipse">
+              <a:avLst/>
+            </a:prstGeom>
+            <a:solidFill>
+              <a:schemeClr val="accent5">
+                <a:lumMod val="40000"/>
+                <a:lumOff val="60000"/>
+              </a:schemeClr>
+            </a:solidFill>
+            <a:ln>
+              <a:noFill/>
+            </a:ln>
+          </p:spPr>
+          <p:style>
+            <a:lnRef idx="2">
+              <a:schemeClr val="accent1">
+                <a:shade val="50000"/>
+              </a:schemeClr>
+            </a:lnRef>
+            <a:fillRef idx="1">
+              <a:schemeClr val="accent1"/>
+            </a:fillRef>
+            <a:effectRef idx="0">
+              <a:schemeClr val="accent1"/>
+            </a:effectRef>
+            <a:fontRef idx="minor">
+              <a:schemeClr val="lt1"/>
+            </a:fontRef>
+          </p:style>
+          <p:txBody>
+            <a:bodyPr rtlCol="0" anchor="ctr"/>
+            <a:lstStyle/>
+            <a:p>
+              <a:pPr algn="ctr"/>
+              <a:endParaRPr lang="ko-KR" altLang="en-US" dirty="0">
+                <a:solidFill>
+                  <a:sysClr val="windowText" lastClr="000000"/>
+                </a:solidFill>
+              </a:endParaRPr>
+            </a:p>
+          </p:txBody>
+        </p:sp>
+        <p:sp>
+          <p:nvSpPr>
+            <p:cNvPr id="56" name="TextBox 55">
+              <a:extLst>
+                <a:ext uri="{FF2B5EF4-FFF2-40B4-BE49-F238E27FC236}">
+                  <a16:creationId xmlns:a16="http://schemas.microsoft.com/office/drawing/2014/main" id="{A56A40A9-EB0E-4638-9004-97F321C30852}"/>
+                </a:ext>
+              </a:extLst>
+            </p:cNvPr>
+            <p:cNvSpPr txBox="1"/>
+            <p:nvPr/>
+          </p:nvSpPr>
+          <p:spPr>
+            <a:xfrm>
+              <a:off x="990121" y="2586471"/>
+              <a:ext cx="338554" cy="215444"/>
+            </a:xfrm>
+            <a:prstGeom prst="rect">
+              <a:avLst/>
+            </a:prstGeom>
+            <a:noFill/>
+          </p:spPr>
+          <p:txBody>
+            <a:bodyPr wrap="none" rtlCol="0">
+              <a:spAutoFit/>
+            </a:bodyPr>
+            <a:lstStyle/>
+            <a:p>
+              <a:r>
+                <a:rPr lang="en-US" altLang="ko-KR" sz="800" dirty="0"/>
+                <a:t>1-3</a:t>
+              </a:r>
+              <a:endParaRPr lang="ko-KR" altLang="en-US" sz="800" dirty="0"/>
+            </a:p>
+          </p:txBody>
+        </p:sp>
+      </p:grpSp>
+      <p:grpSp>
+        <p:nvGrpSpPr>
+          <p:cNvPr id="20" name="그룹 19">
+            <a:extLst>
+              <a:ext uri="{FF2B5EF4-FFF2-40B4-BE49-F238E27FC236}">
+                <a16:creationId xmlns:a16="http://schemas.microsoft.com/office/drawing/2014/main" id="{EC802C30-6F87-442B-90AB-A8CCE6F79E41}"/>
+              </a:ext>
+            </a:extLst>
+          </p:cNvPr>
+          <p:cNvGrpSpPr/>
+          <p:nvPr/>
+        </p:nvGrpSpPr>
+        <p:grpSpPr>
+          <a:xfrm>
+            <a:off x="2107449" y="3998331"/>
+            <a:ext cx="484978" cy="259308"/>
+            <a:chOff x="2107449" y="3998331"/>
+            <a:chExt cx="484978" cy="259308"/>
+          </a:xfrm>
+        </p:grpSpPr>
+        <p:sp>
+          <p:nvSpPr>
+            <p:cNvPr id="61" name="화살표: 오른쪽 60">
+              <a:extLst>
+                <a:ext uri="{FF2B5EF4-FFF2-40B4-BE49-F238E27FC236}">
+                  <a16:creationId xmlns:a16="http://schemas.microsoft.com/office/drawing/2014/main" id="{40A261E4-6F4F-4178-B6F7-C975A94C5CDE}"/>
+                </a:ext>
+              </a:extLst>
+            </p:cNvPr>
+            <p:cNvSpPr/>
+            <p:nvPr/>
+          </p:nvSpPr>
+          <p:spPr>
+            <a:xfrm>
+              <a:off x="2292302" y="4087257"/>
+              <a:ext cx="300125" cy="102734"/>
+            </a:xfrm>
+            <a:prstGeom prst="rightArrow">
+              <a:avLst/>
+            </a:prstGeom>
+            <a:solidFill>
+              <a:schemeClr val="accent1">
+                <a:lumMod val="60000"/>
+                <a:lumOff val="40000"/>
+              </a:schemeClr>
+            </a:solidFill>
+            <a:ln>
+              <a:noFill/>
+            </a:ln>
+          </p:spPr>
+          <p:style>
+            <a:lnRef idx="2">
+              <a:schemeClr val="accent1">
+                <a:shade val="50000"/>
+              </a:schemeClr>
+            </a:lnRef>
+            <a:fillRef idx="1">
+              <a:schemeClr val="accent1"/>
+            </a:fillRef>
+            <a:effectRef idx="0">
+              <a:schemeClr val="accent1"/>
+            </a:effectRef>
+            <a:fontRef idx="minor">
+              <a:schemeClr val="lt1"/>
+            </a:fontRef>
+          </p:style>
+          <p:txBody>
+            <a:bodyPr rtlCol="0" anchor="ctr"/>
+            <a:lstStyle/>
+            <a:p>
+              <a:pPr algn="ctr"/>
+              <a:endParaRPr lang="ko-KR" altLang="en-US" dirty="0"/>
+            </a:p>
+          </p:txBody>
+        </p:sp>
+        <p:sp>
+          <p:nvSpPr>
+            <p:cNvPr id="57" name="타원 56">
+              <a:extLst>
+                <a:ext uri="{FF2B5EF4-FFF2-40B4-BE49-F238E27FC236}">
+                  <a16:creationId xmlns:a16="http://schemas.microsoft.com/office/drawing/2014/main" id="{133DCED4-8794-49E2-A7D3-A4CCF2DA6A29}"/>
+                </a:ext>
+              </a:extLst>
+            </p:cNvPr>
+            <p:cNvSpPr/>
+            <p:nvPr/>
+          </p:nvSpPr>
+          <p:spPr>
+            <a:xfrm>
+              <a:off x="2107449" y="3998331"/>
+              <a:ext cx="264696" cy="259308"/>
+            </a:xfrm>
+            <a:prstGeom prst="ellipse">
+              <a:avLst/>
+            </a:prstGeom>
+            <a:solidFill>
+              <a:schemeClr val="accent5">
+                <a:lumMod val="40000"/>
+                <a:lumOff val="60000"/>
+              </a:schemeClr>
+            </a:solidFill>
+            <a:ln>
+              <a:noFill/>
+            </a:ln>
+          </p:spPr>
+          <p:style>
+            <a:lnRef idx="2">
+              <a:schemeClr val="accent1">
+                <a:shade val="50000"/>
+              </a:schemeClr>
+            </a:lnRef>
+            <a:fillRef idx="1">
+              <a:schemeClr val="accent1"/>
+            </a:fillRef>
+            <a:effectRef idx="0">
+              <a:schemeClr val="accent1"/>
+            </a:effectRef>
+            <a:fontRef idx="minor">
+              <a:schemeClr val="lt1"/>
+            </a:fontRef>
+          </p:style>
+          <p:txBody>
+            <a:bodyPr rtlCol="0" anchor="ctr"/>
+            <a:lstStyle/>
+            <a:p>
+              <a:pPr algn="ctr"/>
+              <a:r>
+                <a:rPr lang="en-US" altLang="ko-KR" dirty="0">
+                  <a:solidFill>
+                    <a:sysClr val="windowText" lastClr="000000"/>
+                  </a:solidFill>
+                </a:rPr>
+                <a:t>2</a:t>
+              </a:r>
+              <a:endParaRPr lang="ko-KR" altLang="en-US" dirty="0">
+                <a:solidFill>
+                  <a:sysClr val="windowText" lastClr="000000"/>
+                </a:solidFill>
+              </a:endParaRPr>
+            </a:p>
+          </p:txBody>
+        </p:sp>
+      </p:grpSp>
     </p:spTree>
     <p:extLst>
       <p:ext uri="{BB962C8B-B14F-4D97-AF65-F5344CB8AC3E}">
